--- a/The witcher.pptx
+++ b/The witcher.pptx
@@ -1,18 +1,18 @@
 
 <file path=ppt/presentation.xml><?xml version="1.0" encoding="utf-8"?>
-<p:presentation xmlns:a="http://schemas.openxmlformats.org/drawingml/2006/main" xmlns:r="http://schemas.openxmlformats.org/officeDocument/2006/relationships" xmlns:p="http://schemas.openxmlformats.org/presentationml/2006/main" xmlns:m="http://schemas.openxmlformats.org/officeDocument/2006/math" xmlns:a14="http://schemas.microsoft.com/office/drawing/2010/main">
+<p:presentation xmlns:a="http://schemas.openxmlformats.org/drawingml/2006/main" xmlns:r="http://schemas.openxmlformats.org/officeDocument/2006/relationships" xmlns:p="http://schemas.openxmlformats.org/presentationml/2006/main">
   <p:sldMasterIdLst>
-    <p:sldMasterId id="2147483648" r:id="rId5"/>
+    <p:sldMasterId id="2147483648" r:id="rId1"/>
   </p:sldMasterIdLst>
   <p:notesMasterIdLst>
     <p:notesMasterId r:id="rId7"/>
   </p:notesMasterIdLst>
   <p:sldIdLst>
-    <p:sldId id="256" r:id="rId8"/>
-    <p:sldId id="257" r:id="rId9"/>
-    <p:sldId id="258" r:id="rId10"/>
-    <p:sldId id="259" r:id="rId11"/>
-    <p:sldId id="260" r:id="rId12"/>
+    <p:sldId id="256" r:id="rId2"/>
+    <p:sldId id="257" r:id="rId3"/>
+    <p:sldId id="258" r:id="rId4"/>
+    <p:sldId id="259" r:id="rId5"/>
+    <p:sldId id="260" r:id="rId6"/>
   </p:sldIdLst>
   <p:sldSz cx="24384000" cy="13716000"/>
   <p:notesSz cx="6858000" cy="9144000"/>
@@ -32,7 +32,7 @@
       <a:buFontTx/>
       <a:buNone/>
       <a:tabLst/>
-      <a:defRPr b="0" baseline="0" cap="none" i="0" spc="0" strike="noStrike" sz="1800" u="none" kumimoji="0" normalizeH="0">
+      <a:defRPr kumimoji="0" sz="1800" b="0" i="0" u="none" strike="noStrike" cap="none" spc="0" normalizeH="0" baseline="0">
         <a:ln>
           <a:noFill/>
         </a:ln>
@@ -58,7 +58,7 @@
       <a:buFontTx/>
       <a:buNone/>
       <a:tabLst/>
-      <a:defRPr b="0" baseline="0" cap="none" i="0" spc="0" strike="noStrike" sz="2400" u="none" kumimoji="0" normalizeH="0">
+      <a:defRPr kumimoji="0" sz="2400" b="0" i="0" u="none" strike="noStrike" cap="none" spc="0" normalizeH="0" baseline="0">
         <a:ln>
           <a:noFill/>
         </a:ln>
@@ -88,7 +88,7 @@
       <a:buFontTx/>
       <a:buNone/>
       <a:tabLst/>
-      <a:defRPr b="0" baseline="0" cap="none" i="0" spc="0" strike="noStrike" sz="2400" u="none" kumimoji="0" normalizeH="0">
+      <a:defRPr kumimoji="0" sz="2400" b="0" i="0" u="none" strike="noStrike" cap="none" spc="0" normalizeH="0" baseline="0">
         <a:ln>
           <a:noFill/>
         </a:ln>
@@ -118,7 +118,7 @@
       <a:buFontTx/>
       <a:buNone/>
       <a:tabLst/>
-      <a:defRPr b="0" baseline="0" cap="none" i="0" spc="0" strike="noStrike" sz="2400" u="none" kumimoji="0" normalizeH="0">
+      <a:defRPr kumimoji="0" sz="2400" b="0" i="0" u="none" strike="noStrike" cap="none" spc="0" normalizeH="0" baseline="0">
         <a:ln>
           <a:noFill/>
         </a:ln>
@@ -148,7 +148,7 @@
       <a:buFontTx/>
       <a:buNone/>
       <a:tabLst/>
-      <a:defRPr b="0" baseline="0" cap="none" i="0" spc="0" strike="noStrike" sz="2400" u="none" kumimoji="0" normalizeH="0">
+      <a:defRPr kumimoji="0" sz="2400" b="0" i="0" u="none" strike="noStrike" cap="none" spc="0" normalizeH="0" baseline="0">
         <a:ln>
           <a:noFill/>
         </a:ln>
@@ -178,7 +178,7 @@
       <a:buFontTx/>
       <a:buNone/>
       <a:tabLst/>
-      <a:defRPr b="0" baseline="0" cap="none" i="0" spc="0" strike="noStrike" sz="2400" u="none" kumimoji="0" normalizeH="0">
+      <a:defRPr kumimoji="0" sz="2400" b="0" i="0" u="none" strike="noStrike" cap="none" spc="0" normalizeH="0" baseline="0">
         <a:ln>
           <a:noFill/>
         </a:ln>
@@ -208,7 +208,7 @@
       <a:buFontTx/>
       <a:buNone/>
       <a:tabLst/>
-      <a:defRPr b="0" baseline="0" cap="none" i="0" spc="0" strike="noStrike" sz="2400" u="none" kumimoji="0" normalizeH="0">
+      <a:defRPr kumimoji="0" sz="2400" b="0" i="0" u="none" strike="noStrike" cap="none" spc="0" normalizeH="0" baseline="0">
         <a:ln>
           <a:noFill/>
         </a:ln>
@@ -238,7 +238,7 @@
       <a:buFontTx/>
       <a:buNone/>
       <a:tabLst/>
-      <a:defRPr b="0" baseline="0" cap="none" i="0" spc="0" strike="noStrike" sz="2400" u="none" kumimoji="0" normalizeH="0">
+      <a:defRPr kumimoji="0" sz="2400" b="0" i="0" u="none" strike="noStrike" cap="none" spc="0" normalizeH="0" baseline="0">
         <a:ln>
           <a:noFill/>
         </a:ln>
@@ -268,7 +268,7 @@
       <a:buFontTx/>
       <a:buNone/>
       <a:tabLst/>
-      <a:defRPr b="0" baseline="0" cap="none" i="0" spc="0" strike="noStrike" sz="2400" u="none" kumimoji="0" normalizeH="0">
+      <a:defRPr kumimoji="0" sz="2400" b="0" i="0" u="none" strike="noStrike" cap="none" spc="0" normalizeH="0" baseline="0">
         <a:ln>
           <a:noFill/>
         </a:ln>
@@ -298,7 +298,7 @@
       <a:buFontTx/>
       <a:buNone/>
       <a:tabLst/>
-      <a:defRPr b="0" baseline="0" cap="none" i="0" spc="0" strike="noStrike" sz="2400" u="none" kumimoji="0" normalizeH="0">
+      <a:defRPr kumimoji="0" sz="2400" b="0" i="0" u="none" strike="noStrike" cap="none" spc="0" normalizeH="0" baseline="0">
         <a:ln>
           <a:noFill/>
         </a:ln>
@@ -317,14 +317,12 @@
 </p:presentation>
 </file>
 
-<file path=ppt/commentAuthors.xml><?xml version="1.0" encoding="utf-8"?>
-<p:cmAuthorLst xmlns:a="http://schemas.openxmlformats.org/drawingml/2006/main" xmlns:r="http://schemas.openxmlformats.org/officeDocument/2006/relationships" xmlns:p="http://schemas.openxmlformats.org/presentationml/2006/main" xmlns:m="http://schemas.openxmlformats.org/officeDocument/2006/math" xmlns:a14="http://schemas.microsoft.com/office/drawing/2010/main"/>
-</file>
-
 <file path=ppt/charts/chart1.xml><?xml version="1.0" encoding="utf-8"?>
-<c:chartSpace xmlns:c="http://schemas.openxmlformats.org/drawingml/2006/chart" xmlns:a="http://schemas.openxmlformats.org/drawingml/2006/main" xmlns:r="http://schemas.openxmlformats.org/officeDocument/2006/relationships">
+<c:chartSpace xmlns:c="http://schemas.openxmlformats.org/drawingml/2006/chart" xmlns:a="http://schemas.openxmlformats.org/drawingml/2006/main" xmlns:r="http://schemas.openxmlformats.org/officeDocument/2006/relationships" xmlns:c16r2="http://schemas.microsoft.com/office/drawing/2015/06/chart">
   <c:date1904 val="1"/>
+  <c:lang val="en-US"/>
   <c:roundedCorners val="0"/>
+  <c:style val="2"/>
   <c:chart>
     <c:autoTitleDeleted val="1"/>
     <c:plotArea>
@@ -334,9 +332,9 @@
           <c:xMode val="edge"/>
           <c:yMode val="edge"/>
           <c:x val="0.112605"/>
-          <c:y val="0.0593659"/>
-          <c:w val="0.882395"/>
-          <c:h val="0.840295"/>
+          <c:y val="5.9365899999999999E-2"/>
+          <c:w val="0.88239500000000004"/>
+          <c:h val="0.84029500000000001"/>
         </c:manualLayout>
       </c:layout>
       <c:barChart>
@@ -368,31 +366,6 @@
             <a:effectLst/>
           </c:spPr>
           <c:invertIfNegative val="0"/>
-          <c:dLbls>
-            <c:numFmt formatCode="#,##0" sourceLinked="0"/>
-            <c:txPr>
-              <a:bodyPr/>
-              <a:lstStyle/>
-              <a:p>
-                <a:pPr>
-                  <a:defRPr b="0" i="0" strike="noStrike" sz="5000" u="none">
-                    <a:solidFill>
-                      <a:srgbClr val="FFFFFF"/>
-                    </a:solidFill>
-                    <a:latin typeface="Graphik"/>
-                  </a:defRPr>
-                </a:pPr>
-              </a:p>
-            </c:txPr>
-            <c:dLblPos val="inEnd"/>
-            <c:showLegendKey val="0"/>
-            <c:showVal val="0"/>
-            <c:showCatName val="0"/>
-            <c:showSerName val="0"/>
-            <c:showPercent val="0"/>
-            <c:showBubbleSize val="0"/>
-            <c:showLeaderLines val="0"/>
-          </c:dLbls>
           <c:cat>
             <c:strRef>
               <c:f>Sheet1!$B$1:$E$1</c:f>
@@ -407,9 +380,6 @@
                 <c:pt idx="2">
                   <c:v>Season 3</c:v>
                 </c:pt>
-                <c:pt idx="3">
-                  <c:v/>
-                </c:pt>
               </c:strCache>
             </c:strRef>
           </c:cat>
@@ -417,20 +387,34 @@
             <c:numRef>
               <c:f>Sheet1!$B$2:$E$2</c:f>
               <c:numCache>
+                <c:formatCode>General</c:formatCode>
                 <c:ptCount val="3"/>
                 <c:pt idx="0">
-                  <c:v>541.010000</c:v>
+                  <c:v>541.01</c:v>
                 </c:pt>
                 <c:pt idx="1">
-                  <c:v>462.500000</c:v>
+                  <c:v>462.5</c:v>
                 </c:pt>
                 <c:pt idx="2">
-                  <c:v>66.500000</c:v>
+                  <c:v>66.5</c:v>
                 </c:pt>
               </c:numCache>
             </c:numRef>
           </c:val>
+          <c:extLst>
+            <c:ext xmlns:c16="http://schemas.microsoft.com/office/drawing/2014/chart" uri="{C3380CC4-5D6E-409C-BE32-E72D297353CC}">
+              <c16:uniqueId val="{00000000-21B5-8144-83A1-FDB8C690E50B}"/>
+            </c:ext>
+          </c:extLst>
         </c:ser>
+        <c:dLbls>
+          <c:showLegendKey val="0"/>
+          <c:showVal val="0"/>
+          <c:showCatName val="0"/>
+          <c:showSerName val="0"/>
+          <c:showPercent val="0"/>
+          <c:showBubbleSize val="0"/>
+        </c:dLbls>
         <c:gapWidth val="40"/>
         <c:overlap val="-10"/>
         <c:axId val="2094734552"/>
@@ -461,19 +445,21 @@
           <a:lstStyle/>
           <a:p>
             <a:pPr>
-              <a:defRPr b="0" i="0" strike="noStrike" sz="3400" u="none">
+              <a:defRPr sz="3400" b="0" i="0" u="none" strike="noStrike">
                 <a:solidFill>
                   <a:srgbClr val="000000"/>
                 </a:solidFill>
                 <a:latin typeface="Graphik"/>
               </a:defRPr>
             </a:pPr>
+            <a:endParaRPr lang="en-US"/>
           </a:p>
         </c:txPr>
         <c:crossAx val="2094734553"/>
         <c:crosses val="autoZero"/>
         <c:auto val="1"/>
         <c:lblAlgn val="ctr"/>
+        <c:lblOffset val="100"/>
         <c:noMultiLvlLbl val="1"/>
       </c:catAx>
       <c:valAx>
@@ -510,13 +496,14 @@
           <a:lstStyle/>
           <a:p>
             <a:pPr>
-              <a:defRPr b="0" i="0" strike="noStrike" sz="3400" u="none">
+              <a:defRPr sz="3400" b="0" i="0" u="none" strike="noStrike">
                 <a:solidFill>
                   <a:srgbClr val="000000"/>
                 </a:solidFill>
                 <a:latin typeface="Graphik"/>
               </a:defRPr>
             </a:pPr>
+            <a:endParaRPr lang="en-US"/>
           </a:p>
         </c:txPr>
         <c:crossAx val="2094734552"/>
@@ -536,6 +523,7 @@
     </c:plotArea>
     <c:plotVisOnly val="1"/>
     <c:dispBlanksAs val="gap"/>
+    <c:showDLblsOverMax val="1"/>
   </c:chart>
   <c:spPr>
     <a:noFill/>
@@ -551,9 +539,11 @@
 </file>
 
 <file path=ppt/charts/chart2.xml><?xml version="1.0" encoding="utf-8"?>
-<c:chartSpace xmlns:c="http://schemas.openxmlformats.org/drawingml/2006/chart" xmlns:a="http://schemas.openxmlformats.org/drawingml/2006/main" xmlns:r="http://schemas.openxmlformats.org/officeDocument/2006/relationships">
+<c:chartSpace xmlns:c="http://schemas.openxmlformats.org/drawingml/2006/chart" xmlns:a="http://schemas.openxmlformats.org/drawingml/2006/main" xmlns:r="http://schemas.openxmlformats.org/officeDocument/2006/relationships" xmlns:c16r2="http://schemas.microsoft.com/office/drawing/2015/06/chart">
   <c:date1904 val="1"/>
+  <c:lang val="en-US"/>
   <c:roundedCorners val="0"/>
+  <c:style val="2"/>
   <c:chart>
     <c:autoTitleDeleted val="1"/>
     <c:plotArea>
@@ -563,9 +553,9 @@
           <c:xMode val="edge"/>
           <c:yMode val="edge"/>
           <c:x val="0.101367"/>
-          <c:y val="0.078227"/>
-          <c:w val="0.893633"/>
-          <c:h val="0.793527"/>
+          <c:y val="7.8227000000000005E-2"/>
+          <c:w val="0.89363300000000001"/>
+          <c:h val="0.79352699999999998"/>
         </c:manualLayout>
       </c:layout>
       <c:barChart>
@@ -597,31 +587,6 @@
             <a:effectLst/>
           </c:spPr>
           <c:invertIfNegative val="0"/>
-          <c:dLbls>
-            <c:numFmt formatCode="#,##0" sourceLinked="0"/>
-            <c:txPr>
-              <a:bodyPr/>
-              <a:lstStyle/>
-              <a:p>
-                <a:pPr>
-                  <a:defRPr b="0" i="0" strike="noStrike" sz="5000" u="none">
-                    <a:solidFill>
-                      <a:srgbClr val="FFFFFF"/>
-                    </a:solidFill>
-                    <a:latin typeface="Graphik"/>
-                  </a:defRPr>
-                </a:pPr>
-              </a:p>
-            </c:txPr>
-            <c:dLblPos val="inEnd"/>
-            <c:showLegendKey val="0"/>
-            <c:showVal val="0"/>
-            <c:showCatName val="0"/>
-            <c:showSerName val="0"/>
-            <c:showPercent val="0"/>
-            <c:showBubbleSize val="0"/>
-            <c:showLeaderLines val="0"/>
-          </c:dLbls>
           <c:cat>
             <c:strRef>
               <c:f>Sheet1!$B$1:$F$1</c:f>
@@ -630,14 +595,8 @@
                 <c:pt idx="0">
                   <c:v>October 13</c:v>
                 </c:pt>
-                <c:pt idx="1">
-                  <c:v/>
-                </c:pt>
                 <c:pt idx="2">
                   <c:v>June 19</c:v>
-                </c:pt>
-                <c:pt idx="3">
-                  <c:v/>
                 </c:pt>
                 <c:pt idx="4">
                   <c:v>May 23</c:v>
@@ -649,20 +608,34 @@
             <c:numRef>
               <c:f>Sheet1!$B$2:$F$2</c:f>
               <c:numCache>
-                <c:ptCount val="3"/>
+                <c:formatCode>General</c:formatCode>
+                <c:ptCount val="5"/>
                 <c:pt idx="0">
-                  <c:v>6.000000</c:v>
+                  <c:v>6</c:v>
                 </c:pt>
                 <c:pt idx="2">
-                  <c:v>40.000000</c:v>
+                  <c:v>40</c:v>
                 </c:pt>
                 <c:pt idx="4">
-                  <c:v>75.000000</c:v>
+                  <c:v>75</c:v>
                 </c:pt>
               </c:numCache>
             </c:numRef>
           </c:val>
+          <c:extLst>
+            <c:ext xmlns:c16="http://schemas.microsoft.com/office/drawing/2014/chart" uri="{C3380CC4-5D6E-409C-BE32-E72D297353CC}">
+              <c16:uniqueId val="{00000000-FF05-BD44-AB43-1ADCF9A31C8F}"/>
+            </c:ext>
+          </c:extLst>
         </c:ser>
+        <c:dLbls>
+          <c:showLegendKey val="0"/>
+          <c:showVal val="0"/>
+          <c:showCatName val="0"/>
+          <c:showSerName val="0"/>
+          <c:showPercent val="0"/>
+          <c:showBubbleSize val="0"/>
+        </c:dLbls>
         <c:gapWidth val="40"/>
         <c:overlap val="-10"/>
         <c:axId val="2094734552"/>
@@ -693,19 +666,21 @@
           <a:lstStyle/>
           <a:p>
             <a:pPr>
-              <a:defRPr b="0" i="0" strike="noStrike" sz="3400" u="none">
+              <a:defRPr sz="3400" b="0" i="0" u="none" strike="noStrike">
                 <a:solidFill>
                   <a:srgbClr val="000000"/>
                 </a:solidFill>
                 <a:latin typeface="Graphik"/>
               </a:defRPr>
             </a:pPr>
+            <a:endParaRPr lang="en-US"/>
           </a:p>
         </c:txPr>
         <c:crossAx val="2094734553"/>
         <c:crosses val="autoZero"/>
         <c:auto val="1"/>
         <c:lblAlgn val="ctr"/>
+        <c:lblOffset val="100"/>
         <c:noMultiLvlLbl val="1"/>
       </c:catAx>
       <c:valAx>
@@ -742,13 +717,14 @@
           <a:lstStyle/>
           <a:p>
             <a:pPr>
-              <a:defRPr b="0" i="0" strike="noStrike" sz="3400" u="none">
+              <a:defRPr sz="3400" b="0" i="0" u="none" strike="noStrike">
                 <a:solidFill>
                   <a:srgbClr val="000000"/>
                 </a:solidFill>
                 <a:latin typeface="Graphik"/>
               </a:defRPr>
             </a:pPr>
+            <a:endParaRPr lang="en-US"/>
           </a:p>
         </c:txPr>
         <c:crossAx val="2094734552"/>
@@ -768,6 +744,7 @@
     </c:plotArea>
     <c:plotVisOnly val="1"/>
     <c:dispBlanksAs val="gap"/>
+    <c:showDLblsOverMax val="1"/>
   </c:chart>
   <c:spPr>
     <a:noFill/>
@@ -783,9 +760,11 @@
 </file>
 
 <file path=ppt/charts/chart3.xml><?xml version="1.0" encoding="utf-8"?>
-<c:chartSpace xmlns:c="http://schemas.openxmlformats.org/drawingml/2006/chart" xmlns:a="http://schemas.openxmlformats.org/drawingml/2006/main" xmlns:r="http://schemas.openxmlformats.org/officeDocument/2006/relationships">
+<c:chartSpace xmlns:c="http://schemas.openxmlformats.org/drawingml/2006/chart" xmlns:a="http://schemas.openxmlformats.org/drawingml/2006/main" xmlns:r="http://schemas.openxmlformats.org/officeDocument/2006/relationships" xmlns:c16r2="http://schemas.microsoft.com/office/drawing/2015/06/chart">
   <c:date1904 val="1"/>
+  <c:lang val="en-US"/>
   <c:roundedCorners val="0"/>
+  <c:style val="2"/>
   <c:chart>
     <c:autoTitleDeleted val="1"/>
     <c:plotArea>
@@ -795,9 +774,9 @@
           <c:xMode val="edge"/>
           <c:yMode val="edge"/>
           <c:x val="0.105629"/>
-          <c:y val="0.078227"/>
-          <c:w val="0.889371"/>
-          <c:h val="0.793527"/>
+          <c:y val="7.8227000000000005E-2"/>
+          <c:w val="0.88937100000000002"/>
+          <c:h val="0.79352699999999998"/>
         </c:manualLayout>
       </c:layout>
       <c:barChart>
@@ -829,31 +808,6 @@
             <a:effectLst/>
           </c:spPr>
           <c:invertIfNegative val="0"/>
-          <c:dLbls>
-            <c:numFmt formatCode="#,##0" sourceLinked="0"/>
-            <c:txPr>
-              <a:bodyPr/>
-              <a:lstStyle/>
-              <a:p>
-                <a:pPr>
-                  <a:defRPr b="0" i="0" strike="noStrike" sz="5000" u="none">
-                    <a:solidFill>
-                      <a:srgbClr val="FFFFFF"/>
-                    </a:solidFill>
-                    <a:latin typeface="Graphik"/>
-                  </a:defRPr>
-                </a:pPr>
-              </a:p>
-            </c:txPr>
-            <c:dLblPos val="inEnd"/>
-            <c:showLegendKey val="0"/>
-            <c:showVal val="0"/>
-            <c:showCatName val="0"/>
-            <c:showSerName val="0"/>
-            <c:showPercent val="0"/>
-            <c:showBubbleSize val="0"/>
-            <c:showLeaderLines val="0"/>
-          </c:dLbls>
           <c:cat>
             <c:strRef>
               <c:f>Sheet1!$B$1:$E$1</c:f>
@@ -868,9 +822,6 @@
                 <c:pt idx="2">
                   <c:v>Witcher 3</c:v>
                 </c:pt>
-                <c:pt idx="3">
-                  <c:v/>
-                </c:pt>
               </c:strCache>
             </c:strRef>
           </c:cat>
@@ -878,20 +829,34 @@
             <c:numRef>
               <c:f>Sheet1!$B$2:$E$2</c:f>
               <c:numCache>
+                <c:formatCode>General</c:formatCode>
                 <c:ptCount val="3"/>
                 <c:pt idx="0">
-                  <c:v>1.000000</c:v>
+                  <c:v>1</c:v>
                 </c:pt>
                 <c:pt idx="1">
-                  <c:v>1.700000</c:v>
+                  <c:v>1.7</c:v>
                 </c:pt>
                 <c:pt idx="2">
-                  <c:v>50.000000</c:v>
+                  <c:v>50</c:v>
                 </c:pt>
               </c:numCache>
             </c:numRef>
           </c:val>
+          <c:extLst>
+            <c:ext xmlns:c16="http://schemas.microsoft.com/office/drawing/2014/chart" uri="{C3380CC4-5D6E-409C-BE32-E72D297353CC}">
+              <c16:uniqueId val="{00000000-2992-AE49-BA17-DAF8F54301F5}"/>
+            </c:ext>
+          </c:extLst>
         </c:ser>
+        <c:dLbls>
+          <c:showLegendKey val="0"/>
+          <c:showVal val="0"/>
+          <c:showCatName val="0"/>
+          <c:showSerName val="0"/>
+          <c:showPercent val="0"/>
+          <c:showBubbleSize val="0"/>
+        </c:dLbls>
         <c:gapWidth val="40"/>
         <c:overlap val="-10"/>
         <c:axId val="2094734552"/>
@@ -922,19 +887,21 @@
           <a:lstStyle/>
           <a:p>
             <a:pPr>
-              <a:defRPr b="0" i="0" strike="noStrike" sz="3400" u="none">
+              <a:defRPr sz="3400" b="0" i="0" u="none" strike="noStrike">
                 <a:solidFill>
                   <a:srgbClr val="000000"/>
                 </a:solidFill>
                 <a:latin typeface="Graphik"/>
               </a:defRPr>
             </a:pPr>
+            <a:endParaRPr lang="en-US"/>
           </a:p>
         </c:txPr>
         <c:crossAx val="2094734553"/>
         <c:crosses val="autoZero"/>
         <c:auto val="1"/>
         <c:lblAlgn val="ctr"/>
+        <c:lblOffset val="100"/>
         <c:noMultiLvlLbl val="1"/>
       </c:catAx>
       <c:valAx>
@@ -971,13 +938,14 @@
           <a:lstStyle/>
           <a:p>
             <a:pPr>
-              <a:defRPr b="0" i="0" strike="noStrike" sz="3400" u="none">
+              <a:defRPr sz="3400" b="0" i="0" u="none" strike="noStrike">
                 <a:solidFill>
                   <a:srgbClr val="000000"/>
                 </a:solidFill>
                 <a:latin typeface="Graphik"/>
               </a:defRPr>
             </a:pPr>
+            <a:endParaRPr lang="en-US"/>
           </a:p>
         </c:txPr>
         <c:crossAx val="2094734552"/>
@@ -997,6 +965,7 @@
     </c:plotArea>
     <c:plotVisOnly val="1"/>
     <c:dispBlanksAs val="gap"/>
+    <c:showDLblsOverMax val="1"/>
   </c:chart>
   <c:spPr>
     <a:noFill/>
@@ -1012,8 +981,13 @@
 </file>
 
 <file path=ppt/notesMasters/notesMaster1.xml><?xml version="1.0" encoding="utf-8"?>
-<p:notesMaster xmlns:a="http://schemas.openxmlformats.org/drawingml/2006/main" xmlns:r="http://schemas.openxmlformats.org/officeDocument/2006/relationships" xmlns:p="http://schemas.openxmlformats.org/presentationml/2006/main" xmlns:m="http://schemas.openxmlformats.org/officeDocument/2006/math" xmlns:a14="http://schemas.microsoft.com/office/drawing/2010/main">
+<p:notesMaster xmlns:a="http://schemas.openxmlformats.org/drawingml/2006/main" xmlns:r="http://schemas.openxmlformats.org/officeDocument/2006/relationships" xmlns:p="http://schemas.openxmlformats.org/presentationml/2006/main">
   <p:cSld>
+    <p:bg>
+      <p:bgRef idx="1001">
+        <a:schemeClr val="bg1"/>
+      </p:bgRef>
+    </p:bg>
     <p:spTree>
       <p:nvGrpSpPr>
         <p:cNvPr id="1" name=""/>
@@ -1031,7 +1005,9 @@
       <p:sp>
         <p:nvSpPr>
           <p:cNvPr id="148" name="Shape 148"/>
-          <p:cNvSpPr/>
+          <p:cNvSpPr>
+            <a:spLocks noGrp="1" noRot="1" noChangeAspect="1"/>
+          </p:cNvSpPr>
           <p:nvPr>
             <p:ph type="sldImg"/>
           </p:nvPr>
@@ -1049,14 +1025,16 @@
           <a:bodyPr/>
           <a:lstStyle/>
           <a:p>
-            <a:pPr/>
+            <a:endParaRPr/>
           </a:p>
         </p:txBody>
       </p:sp>
       <p:sp>
         <p:nvSpPr>
           <p:cNvPr id="149" name="Shape 149"/>
-          <p:cNvSpPr/>
+          <p:cNvSpPr>
+            <a:spLocks noGrp="1"/>
+          </p:cNvSpPr>
           <p:nvPr>
             <p:ph type="body" sz="quarter" idx="1"/>
           </p:nvPr>
@@ -1074,7 +1052,7 @@
           <a:bodyPr/>
           <a:lstStyle/>
           <a:p>
-            <a:pPr/>
+            <a:endParaRPr/>
           </a:p>
         </p:txBody>
       </p:sp>
@@ -1186,7 +1164,7 @@
 </file>
 
 <file path=ppt/slideLayouts/slideLayout1.xml><?xml version="1.0" encoding="utf-8"?>
-<p:sldLayout xmlns:a="http://schemas.openxmlformats.org/drawingml/2006/main" xmlns:r="http://schemas.openxmlformats.org/officeDocument/2006/relationships" xmlns:p="http://schemas.openxmlformats.org/presentationml/2006/main" xmlns:m="http://schemas.openxmlformats.org/officeDocument/2006/math" xmlns:a14="http://schemas.microsoft.com/office/drawing/2010/main" type="title" showMasterSp="1" showMasterPhAnim="1">
+<p:sldLayout xmlns:a="http://schemas.openxmlformats.org/drawingml/2006/main" xmlns:r="http://schemas.openxmlformats.org/officeDocument/2006/relationships" xmlns:p="http://schemas.openxmlformats.org/presentationml/2006/main" type="title">
   <p:cSld name="Title">
     <p:spTree>
       <p:nvGrpSpPr>
@@ -1205,7 +1183,9 @@
       <p:sp>
         <p:nvSpPr>
           <p:cNvPr id="11" name="Author and Date"/>
-          <p:cNvSpPr txBox="1"/>
+          <p:cNvSpPr txBox="1">
+            <a:spLocks noGrp="1"/>
+          </p:cNvSpPr>
           <p:nvPr>
             <p:ph type="body" sz="quarter" idx="21" hasCustomPrompt="1"/>
           </p:nvPr>
@@ -1231,7 +1211,7 @@
               </a:spcBef>
               <a:buSzTx/>
               <a:buNone/>
-              <a:defRPr spc="-29" sz="3000">
+              <a:defRPr sz="3000" spc="-29">
                 <a:latin typeface="Graphik Medium"/>
                 <a:ea typeface="Graphik Medium"/>
                 <a:cs typeface="Graphik Medium"/>
@@ -1240,7 +1220,6 @@
             </a:lvl1pPr>
           </a:lstStyle>
           <a:p>
-            <a:pPr/>
             <a:r>
               <a:t>Author and Date</a:t>
             </a:r>
@@ -1250,7 +1229,9 @@
       <p:sp>
         <p:nvSpPr>
           <p:cNvPr id="12" name="Presentation Title"/>
-          <p:cNvSpPr txBox="1"/>
+          <p:cNvSpPr txBox="1">
+            <a:spLocks noGrp="1"/>
+          </p:cNvSpPr>
           <p:nvPr>
             <p:ph type="title" hasCustomPrompt="1"/>
           </p:nvPr>
@@ -1268,11 +1249,10 @@
           <a:bodyPr anchor="b"/>
           <a:lstStyle>
             <a:lvl1pPr>
-              <a:defRPr spc="-128" sz="12800"/>
+              <a:defRPr sz="12800" spc="-128"/>
             </a:lvl1pPr>
           </a:lstStyle>
           <a:p>
-            <a:pPr/>
             <a:r>
               <a:t>Presentation Title</a:t>
             </a:r>
@@ -1282,7 +1262,9 @@
       <p:sp>
         <p:nvSpPr>
           <p:cNvPr id="13" name="Body Level One…"/>
-          <p:cNvSpPr txBox="1"/>
+          <p:cNvSpPr txBox="1">
+            <a:spLocks noGrp="1"/>
+          </p:cNvSpPr>
           <p:nvPr>
             <p:ph type="body" sz="quarter" idx="1" hasCustomPrompt="1"/>
           </p:nvPr>
@@ -1308,7 +1290,7 @@
               </a:spcBef>
               <a:buSzTx/>
               <a:buNone/>
-              <a:defRPr spc="-59" sz="6000">
+              <a:defRPr sz="6000" spc="-59">
                 <a:latin typeface="Graphik Semibold"/>
                 <a:ea typeface="Graphik Semibold"/>
                 <a:cs typeface="Graphik Semibold"/>
@@ -1324,7 +1306,7 @@
               </a:spcBef>
               <a:buSzTx/>
               <a:buNone/>
-              <a:defRPr spc="-59" sz="6000">
+              <a:defRPr sz="6000" spc="-59">
                 <a:latin typeface="Graphik Semibold"/>
                 <a:ea typeface="Graphik Semibold"/>
                 <a:cs typeface="Graphik Semibold"/>
@@ -1340,7 +1322,7 @@
               </a:spcBef>
               <a:buSzTx/>
               <a:buNone/>
-              <a:defRPr spc="-59" sz="6000">
+              <a:defRPr sz="6000" spc="-59">
                 <a:latin typeface="Graphik Semibold"/>
                 <a:ea typeface="Graphik Semibold"/>
                 <a:cs typeface="Graphik Semibold"/>
@@ -1356,7 +1338,7 @@
               </a:spcBef>
               <a:buSzTx/>
               <a:buNone/>
-              <a:defRPr spc="-59" sz="6000">
+              <a:defRPr sz="6000" spc="-59">
                 <a:latin typeface="Graphik Semibold"/>
                 <a:ea typeface="Graphik Semibold"/>
                 <a:cs typeface="Graphik Semibold"/>
@@ -1372,7 +1354,7 @@
               </a:spcBef>
               <a:buSzTx/>
               <a:buNone/>
-              <a:defRPr spc="-59" sz="6000">
+              <a:defRPr sz="6000" spc="-59">
                 <a:latin typeface="Graphik Semibold"/>
                 <a:ea typeface="Graphik Semibold"/>
                 <a:cs typeface="Graphik Semibold"/>
@@ -1381,41 +1363,34 @@
             </a:lvl5pPr>
           </a:lstStyle>
           <a:p>
-            <a:pPr/>
             <a:r>
               <a:t>Presentation Subtitle</a:t>
             </a:r>
           </a:p>
           <a:p>
             <a:pPr lvl="1"/>
-            <a:r>
-              <a:t/>
-            </a:r>
+            <a:endParaRPr/>
           </a:p>
           <a:p>
             <a:pPr lvl="2"/>
-            <a:r>
-              <a:t/>
-            </a:r>
+            <a:endParaRPr/>
           </a:p>
           <a:p>
             <a:pPr lvl="3"/>
-            <a:r>
-              <a:t/>
-            </a:r>
+            <a:endParaRPr/>
           </a:p>
           <a:p>
             <a:pPr lvl="4"/>
-            <a:r>
-              <a:t/>
-            </a:r>
+            <a:endParaRPr/>
           </a:p>
         </p:txBody>
       </p:sp>
       <p:sp>
         <p:nvSpPr>
           <p:cNvPr id="14" name="Slide Number"/>
-          <p:cNvSpPr txBox="1"/>
+          <p:cNvSpPr txBox="1">
+            <a:spLocks noGrp="1"/>
+          </p:cNvSpPr>
           <p:nvPr>
             <p:ph type="sldNum" sz="quarter" idx="2"/>
           </p:nvPr>
@@ -1433,8 +1408,10 @@
           <a:bodyPr/>
           <a:lstStyle/>
           <a:p>
-            <a:pPr/>
-            <a:fld id="{86CB4B4D-7CA3-9044-876B-883B54F8677D}" type="slidenum"/>
+            <a:fld id="{86CB4B4D-7CA3-9044-876B-883B54F8677D}" type="slidenum">
+              <a:t>‹#›</a:t>
+            </a:fld>
+            <a:endParaRPr/>
           </a:p>
         </p:txBody>
       </p:sp>
@@ -1443,12 +1420,12 @@
   <p:clrMapOvr>
     <a:masterClrMapping/>
   </p:clrMapOvr>
-  <p:transition xmlns:p14="http://schemas.microsoft.com/office/powerpoint/2010/main" spd="med" advClick="1"/>
+  <p:transition spd="med"/>
 </p:sldLayout>
 </file>
 
 <file path=ppt/slideLayouts/slideLayout10.xml><?xml version="1.0" encoding="utf-8"?>
-<p:sldLayout xmlns:a="http://schemas.openxmlformats.org/drawingml/2006/main" xmlns:r="http://schemas.openxmlformats.org/officeDocument/2006/relationships" xmlns:p="http://schemas.openxmlformats.org/presentationml/2006/main" xmlns:m="http://schemas.openxmlformats.org/officeDocument/2006/math" xmlns:a14="http://schemas.microsoft.com/office/drawing/2010/main" type="tx" showMasterSp="1" showMasterPhAnim="1">
+<p:sldLayout xmlns:a="http://schemas.openxmlformats.org/drawingml/2006/main" xmlns:r="http://schemas.openxmlformats.org/officeDocument/2006/relationships" xmlns:p="http://schemas.openxmlformats.org/presentationml/2006/main" type="tx">
   <p:cSld name="Statement">
     <p:spTree>
       <p:nvGrpSpPr>
@@ -1467,7 +1444,9 @@
       <p:sp>
         <p:nvSpPr>
           <p:cNvPr id="98" name="Body Level One…"/>
-          <p:cNvSpPr txBox="1"/>
+          <p:cNvSpPr txBox="1">
+            <a:spLocks noGrp="1"/>
+          </p:cNvSpPr>
           <p:nvPr>
             <p:ph type="body" idx="1" hasCustomPrompt="1"/>
           </p:nvPr>
@@ -1566,41 +1545,34 @@
             </a:lvl5pPr>
           </a:lstStyle>
           <a:p>
-            <a:pPr/>
             <a:r>
               <a:t>Statement</a:t>
             </a:r>
           </a:p>
           <a:p>
             <a:pPr lvl="1"/>
-            <a:r>
-              <a:t/>
-            </a:r>
+            <a:endParaRPr/>
           </a:p>
           <a:p>
             <a:pPr lvl="2"/>
-            <a:r>
-              <a:t/>
-            </a:r>
+            <a:endParaRPr/>
           </a:p>
           <a:p>
             <a:pPr lvl="3"/>
-            <a:r>
-              <a:t/>
-            </a:r>
+            <a:endParaRPr/>
           </a:p>
           <a:p>
             <a:pPr lvl="4"/>
-            <a:r>
-              <a:t/>
-            </a:r>
+            <a:endParaRPr/>
           </a:p>
         </p:txBody>
       </p:sp>
       <p:sp>
         <p:nvSpPr>
           <p:cNvPr id="99" name="Slide Number"/>
-          <p:cNvSpPr txBox="1"/>
+          <p:cNvSpPr txBox="1">
+            <a:spLocks noGrp="1"/>
+          </p:cNvSpPr>
           <p:nvPr>
             <p:ph type="sldNum" sz="quarter" idx="2"/>
           </p:nvPr>
@@ -1614,8 +1586,10 @@
           <a:bodyPr/>
           <a:lstStyle/>
           <a:p>
-            <a:pPr/>
-            <a:fld id="{86CB4B4D-7CA3-9044-876B-883B54F8677D}" type="slidenum"/>
+            <a:fld id="{86CB4B4D-7CA3-9044-876B-883B54F8677D}" type="slidenum">
+              <a:t>‹#›</a:t>
+            </a:fld>
+            <a:endParaRPr/>
           </a:p>
         </p:txBody>
       </p:sp>
@@ -1624,12 +1598,12 @@
   <p:clrMapOvr>
     <a:masterClrMapping/>
   </p:clrMapOvr>
-  <p:transition xmlns:p14="http://schemas.microsoft.com/office/powerpoint/2010/main" spd="med" advClick="1"/>
+  <p:transition spd="med"/>
 </p:sldLayout>
 </file>
 
 <file path=ppt/slideLayouts/slideLayout11.xml><?xml version="1.0" encoding="utf-8"?>
-<p:sldLayout xmlns:a="http://schemas.openxmlformats.org/drawingml/2006/main" xmlns:r="http://schemas.openxmlformats.org/officeDocument/2006/relationships" xmlns:p="http://schemas.openxmlformats.org/presentationml/2006/main" xmlns:m="http://schemas.openxmlformats.org/officeDocument/2006/math" xmlns:a14="http://schemas.microsoft.com/office/drawing/2010/main" type="tx" showMasterSp="1" showMasterPhAnim="1">
+<p:sldLayout xmlns:a="http://schemas.openxmlformats.org/drawingml/2006/main" xmlns:r="http://schemas.openxmlformats.org/officeDocument/2006/relationships" xmlns:p="http://schemas.openxmlformats.org/presentationml/2006/main" type="tx">
   <p:cSld name="Big Fact">
     <p:spTree>
       <p:nvGrpSpPr>
@@ -1648,7 +1622,9 @@
       <p:sp>
         <p:nvSpPr>
           <p:cNvPr id="106" name="Fact information"/>
-          <p:cNvSpPr txBox="1"/>
+          <p:cNvSpPr txBox="1">
+            <a:spLocks noGrp="1"/>
+          </p:cNvSpPr>
           <p:nvPr>
             <p:ph type="body" sz="quarter" idx="21" hasCustomPrompt="1"/>
           </p:nvPr>
@@ -1683,7 +1659,6 @@
             </a:lvl1pPr>
           </a:lstStyle>
           <a:p>
-            <a:pPr/>
             <a:r>
               <a:t>Fact information</a:t>
             </a:r>
@@ -1693,7 +1668,9 @@
       <p:sp>
         <p:nvSpPr>
           <p:cNvPr id="107" name="Body Level One…"/>
-          <p:cNvSpPr txBox="1"/>
+          <p:cNvSpPr txBox="1">
+            <a:spLocks noGrp="1"/>
+          </p:cNvSpPr>
           <p:nvPr>
             <p:ph type="body" sz="half" idx="1" hasCustomPrompt="1"/>
           </p:nvPr>
@@ -1792,41 +1769,34 @@
             </a:lvl5pPr>
           </a:lstStyle>
           <a:p>
-            <a:pPr/>
             <a:r>
               <a:t>100%</a:t>
             </a:r>
           </a:p>
           <a:p>
             <a:pPr lvl="1"/>
-            <a:r>
-              <a:t/>
-            </a:r>
+            <a:endParaRPr/>
           </a:p>
           <a:p>
             <a:pPr lvl="2"/>
-            <a:r>
-              <a:t/>
-            </a:r>
+            <a:endParaRPr/>
           </a:p>
           <a:p>
             <a:pPr lvl="3"/>
-            <a:r>
-              <a:t/>
-            </a:r>
+            <a:endParaRPr/>
           </a:p>
           <a:p>
             <a:pPr lvl="4"/>
-            <a:r>
-              <a:t/>
-            </a:r>
+            <a:endParaRPr/>
           </a:p>
         </p:txBody>
       </p:sp>
       <p:sp>
         <p:nvSpPr>
           <p:cNvPr id="108" name="Slide Number"/>
-          <p:cNvSpPr txBox="1"/>
+          <p:cNvSpPr txBox="1">
+            <a:spLocks noGrp="1"/>
+          </p:cNvSpPr>
           <p:nvPr>
             <p:ph type="sldNum" sz="quarter" idx="2"/>
           </p:nvPr>
@@ -1840,8 +1810,10 @@
           <a:bodyPr/>
           <a:lstStyle/>
           <a:p>
-            <a:pPr/>
-            <a:fld id="{86CB4B4D-7CA3-9044-876B-883B54F8677D}" type="slidenum"/>
+            <a:fld id="{86CB4B4D-7CA3-9044-876B-883B54F8677D}" type="slidenum">
+              <a:t>‹#›</a:t>
+            </a:fld>
+            <a:endParaRPr/>
           </a:p>
         </p:txBody>
       </p:sp>
@@ -1850,12 +1822,12 @@
   <p:clrMapOvr>
     <a:masterClrMapping/>
   </p:clrMapOvr>
-  <p:transition xmlns:p14="http://schemas.microsoft.com/office/powerpoint/2010/main" spd="med" advClick="1"/>
+  <p:transition spd="med"/>
 </p:sldLayout>
 </file>
 
 <file path=ppt/slideLayouts/slideLayout12.xml><?xml version="1.0" encoding="utf-8"?>
-<p:sldLayout xmlns:a="http://schemas.openxmlformats.org/drawingml/2006/main" xmlns:r="http://schemas.openxmlformats.org/officeDocument/2006/relationships" xmlns:p="http://schemas.openxmlformats.org/presentationml/2006/main" xmlns:m="http://schemas.openxmlformats.org/officeDocument/2006/math" xmlns:a14="http://schemas.microsoft.com/office/drawing/2010/main" type="tx" showMasterSp="1" showMasterPhAnim="1">
+<p:sldLayout xmlns:a="http://schemas.openxmlformats.org/drawingml/2006/main" xmlns:r="http://schemas.openxmlformats.org/officeDocument/2006/relationships" xmlns:p="http://schemas.openxmlformats.org/presentationml/2006/main" type="tx">
   <p:cSld name="Quote">
     <p:spTree>
       <p:nvGrpSpPr>
@@ -1874,7 +1846,9 @@
       <p:sp>
         <p:nvSpPr>
           <p:cNvPr id="115" name="Attribution"/>
-          <p:cNvSpPr txBox="1"/>
+          <p:cNvSpPr txBox="1">
+            <a:spLocks noGrp="1"/>
+          </p:cNvSpPr>
           <p:nvPr>
             <p:ph type="body" sz="quarter" idx="21" hasCustomPrompt="1"/>
           </p:nvPr>
@@ -1909,7 +1883,6 @@
             </a:lvl1pPr>
           </a:lstStyle>
           <a:p>
-            <a:pPr/>
             <a:r>
               <a:t>Attribution</a:t>
             </a:r>
@@ -1919,7 +1892,9 @@
       <p:sp>
         <p:nvSpPr>
           <p:cNvPr id="116" name="Body Level One…"/>
-          <p:cNvSpPr txBox="1"/>
+          <p:cNvSpPr txBox="1">
+            <a:spLocks noGrp="1"/>
+          </p:cNvSpPr>
           <p:nvPr>
             <p:ph type="body" sz="half" idx="1" hasCustomPrompt="1"/>
           </p:nvPr>
@@ -2018,41 +1993,34 @@
             </a:lvl5pPr>
           </a:lstStyle>
           <a:p>
-            <a:pPr/>
             <a:r>
               <a:t>“Notable Quote”</a:t>
             </a:r>
           </a:p>
           <a:p>
             <a:pPr lvl="1"/>
-            <a:r>
-              <a:t/>
-            </a:r>
+            <a:endParaRPr/>
           </a:p>
           <a:p>
             <a:pPr lvl="2"/>
-            <a:r>
-              <a:t/>
-            </a:r>
+            <a:endParaRPr/>
           </a:p>
           <a:p>
             <a:pPr lvl="3"/>
-            <a:r>
-              <a:t/>
-            </a:r>
+            <a:endParaRPr/>
           </a:p>
           <a:p>
             <a:pPr lvl="4"/>
-            <a:r>
-              <a:t/>
-            </a:r>
+            <a:endParaRPr/>
           </a:p>
         </p:txBody>
       </p:sp>
       <p:sp>
         <p:nvSpPr>
           <p:cNvPr id="117" name="Slide Number"/>
-          <p:cNvSpPr txBox="1"/>
+          <p:cNvSpPr txBox="1">
+            <a:spLocks noGrp="1"/>
+          </p:cNvSpPr>
           <p:nvPr>
             <p:ph type="sldNum" sz="quarter" idx="2"/>
           </p:nvPr>
@@ -2070,8 +2038,10 @@
           <a:bodyPr/>
           <a:lstStyle/>
           <a:p>
-            <a:pPr/>
-            <a:fld id="{86CB4B4D-7CA3-9044-876B-883B54F8677D}" type="slidenum"/>
+            <a:fld id="{86CB4B4D-7CA3-9044-876B-883B54F8677D}" type="slidenum">
+              <a:t>‹#›</a:t>
+            </a:fld>
+            <a:endParaRPr/>
           </a:p>
         </p:txBody>
       </p:sp>
@@ -2080,12 +2050,12 @@
   <p:clrMapOvr>
     <a:masterClrMapping/>
   </p:clrMapOvr>
-  <p:transition xmlns:p14="http://schemas.microsoft.com/office/powerpoint/2010/main" spd="med" advClick="1"/>
+  <p:transition spd="med"/>
 </p:sldLayout>
 </file>
 
 <file path=ppt/slideLayouts/slideLayout13.xml><?xml version="1.0" encoding="utf-8"?>
-<p:sldLayout xmlns:a="http://schemas.openxmlformats.org/drawingml/2006/main" xmlns:r="http://schemas.openxmlformats.org/officeDocument/2006/relationships" xmlns:p="http://schemas.openxmlformats.org/presentationml/2006/main" xmlns:m="http://schemas.openxmlformats.org/officeDocument/2006/math" xmlns:a14="http://schemas.microsoft.com/office/drawing/2010/main" type="tx" showMasterSp="1" showMasterPhAnim="1">
+<p:sldLayout xmlns:a="http://schemas.openxmlformats.org/drawingml/2006/main" xmlns:r="http://schemas.openxmlformats.org/officeDocument/2006/relationships" xmlns:p="http://schemas.openxmlformats.org/presentationml/2006/main" type="tx">
   <p:cSld name="Photo - 3 Up">
     <p:spTree>
       <p:nvGrpSpPr>
@@ -2104,7 +2074,9 @@
       <p:sp>
         <p:nvSpPr>
           <p:cNvPr id="124" name="941297804_1296x1457.jpg"/>
-          <p:cNvSpPr/>
+          <p:cNvSpPr>
+            <a:spLocks noGrp="1"/>
+          </p:cNvSpPr>
           <p:nvPr>
             <p:ph type="pic" sz="quarter" idx="21"/>
           </p:nvPr>
@@ -2124,14 +2096,16 @@
           </a:bodyPr>
           <a:lstStyle/>
           <a:p>
-            <a:pPr/>
+            <a:endParaRPr/>
           </a:p>
         </p:txBody>
       </p:sp>
       <p:sp>
         <p:nvSpPr>
           <p:cNvPr id="125" name="915009552_2264x1509.jpg"/>
-          <p:cNvSpPr/>
+          <p:cNvSpPr>
+            <a:spLocks noGrp="1"/>
+          </p:cNvSpPr>
           <p:nvPr>
             <p:ph type="pic" sz="quarter" idx="22"/>
           </p:nvPr>
@@ -2151,14 +2125,16 @@
           </a:bodyPr>
           <a:lstStyle/>
           <a:p>
-            <a:pPr/>
+            <a:endParaRPr/>
           </a:p>
         </p:txBody>
       </p:sp>
       <p:sp>
         <p:nvSpPr>
           <p:cNvPr id="126" name="740519873_3318x2212.jpg"/>
-          <p:cNvSpPr/>
+          <p:cNvSpPr>
+            <a:spLocks noGrp="1"/>
+          </p:cNvSpPr>
           <p:nvPr>
             <p:ph type="pic" idx="23"/>
           </p:nvPr>
@@ -2178,14 +2154,16 @@
           </a:bodyPr>
           <a:lstStyle/>
           <a:p>
-            <a:pPr/>
+            <a:endParaRPr/>
           </a:p>
         </p:txBody>
       </p:sp>
       <p:sp>
         <p:nvSpPr>
           <p:cNvPr id="127" name="Slide Number"/>
-          <p:cNvSpPr txBox="1"/>
+          <p:cNvSpPr txBox="1">
+            <a:spLocks noGrp="1"/>
+          </p:cNvSpPr>
           <p:nvPr>
             <p:ph type="sldNum" sz="quarter" idx="2"/>
           </p:nvPr>
@@ -2203,8 +2181,10 @@
           <a:bodyPr/>
           <a:lstStyle/>
           <a:p>
-            <a:pPr/>
-            <a:fld id="{86CB4B4D-7CA3-9044-876B-883B54F8677D}" type="slidenum"/>
+            <a:fld id="{86CB4B4D-7CA3-9044-876B-883B54F8677D}" type="slidenum">
+              <a:t>‹#›</a:t>
+            </a:fld>
+            <a:endParaRPr/>
           </a:p>
         </p:txBody>
       </p:sp>
@@ -2213,12 +2193,12 @@
   <p:clrMapOvr>
     <a:masterClrMapping/>
   </p:clrMapOvr>
-  <p:transition xmlns:p14="http://schemas.microsoft.com/office/powerpoint/2010/main" spd="med" advClick="1"/>
+  <p:transition spd="med"/>
 </p:sldLayout>
 </file>
 
 <file path=ppt/slideLayouts/slideLayout14.xml><?xml version="1.0" encoding="utf-8"?>
-<p:sldLayout xmlns:a="http://schemas.openxmlformats.org/drawingml/2006/main" xmlns:r="http://schemas.openxmlformats.org/officeDocument/2006/relationships" xmlns:p="http://schemas.openxmlformats.org/presentationml/2006/main" xmlns:m="http://schemas.openxmlformats.org/officeDocument/2006/math" xmlns:a14="http://schemas.microsoft.com/office/drawing/2010/main" type="tx" showMasterSp="1" showMasterPhAnim="1">
+<p:sldLayout xmlns:a="http://schemas.openxmlformats.org/drawingml/2006/main" xmlns:r="http://schemas.openxmlformats.org/officeDocument/2006/relationships" xmlns:p="http://schemas.openxmlformats.org/presentationml/2006/main" type="tx">
   <p:cSld name="Photo">
     <p:spTree>
       <p:nvGrpSpPr>
@@ -2237,7 +2217,9 @@
       <p:sp>
         <p:nvSpPr>
           <p:cNvPr id="134" name="740519873_3318x2212.jpg"/>
-          <p:cNvSpPr/>
+          <p:cNvSpPr>
+            <a:spLocks noGrp="1"/>
+          </p:cNvSpPr>
           <p:nvPr>
             <p:ph type="pic" idx="21"/>
           </p:nvPr>
@@ -2257,14 +2239,16 @@
           </a:bodyPr>
           <a:lstStyle/>
           <a:p>
-            <a:pPr/>
+            <a:endParaRPr/>
           </a:p>
         </p:txBody>
       </p:sp>
       <p:sp>
         <p:nvSpPr>
           <p:cNvPr id="135" name="Slide Number"/>
-          <p:cNvSpPr txBox="1"/>
+          <p:cNvSpPr txBox="1">
+            <a:spLocks noGrp="1"/>
+          </p:cNvSpPr>
           <p:nvPr>
             <p:ph type="sldNum" sz="quarter" idx="2"/>
           </p:nvPr>
@@ -2282,8 +2266,10 @@
           <a:bodyPr/>
           <a:lstStyle/>
           <a:p>
-            <a:pPr/>
-            <a:fld id="{86CB4B4D-7CA3-9044-876B-883B54F8677D}" type="slidenum"/>
+            <a:fld id="{86CB4B4D-7CA3-9044-876B-883B54F8677D}" type="slidenum">
+              <a:t>‹#›</a:t>
+            </a:fld>
+            <a:endParaRPr/>
           </a:p>
         </p:txBody>
       </p:sp>
@@ -2292,12 +2278,12 @@
   <p:clrMapOvr>
     <a:masterClrMapping/>
   </p:clrMapOvr>
-  <p:transition xmlns:p14="http://schemas.microsoft.com/office/powerpoint/2010/main" spd="med" advClick="1"/>
+  <p:transition spd="med"/>
 </p:sldLayout>
 </file>
 
 <file path=ppt/slideLayouts/slideLayout15.xml><?xml version="1.0" encoding="utf-8"?>
-<p:sldLayout xmlns:a="http://schemas.openxmlformats.org/drawingml/2006/main" xmlns:r="http://schemas.openxmlformats.org/officeDocument/2006/relationships" xmlns:p="http://schemas.openxmlformats.org/presentationml/2006/main" xmlns:m="http://schemas.openxmlformats.org/officeDocument/2006/math" xmlns:a14="http://schemas.microsoft.com/office/drawing/2010/main" type="tx" showMasterSp="1" showMasterPhAnim="1">
+<p:sldLayout xmlns:a="http://schemas.openxmlformats.org/drawingml/2006/main" xmlns:r="http://schemas.openxmlformats.org/officeDocument/2006/relationships" xmlns:p="http://schemas.openxmlformats.org/presentationml/2006/main" type="tx">
   <p:cSld name="Blank">
     <p:spTree>
       <p:nvGrpSpPr>
@@ -2316,7 +2302,9 @@
       <p:sp>
         <p:nvSpPr>
           <p:cNvPr id="142" name="Slide Number"/>
-          <p:cNvSpPr txBox="1"/>
+          <p:cNvSpPr txBox="1">
+            <a:spLocks noGrp="1"/>
+          </p:cNvSpPr>
           <p:nvPr>
             <p:ph type="sldNum" sz="quarter" idx="2"/>
           </p:nvPr>
@@ -2334,8 +2322,10 @@
           <a:bodyPr/>
           <a:lstStyle/>
           <a:p>
-            <a:pPr/>
-            <a:fld id="{86CB4B4D-7CA3-9044-876B-883B54F8677D}" type="slidenum"/>
+            <a:fld id="{86CB4B4D-7CA3-9044-876B-883B54F8677D}" type="slidenum">
+              <a:t>‹#›</a:t>
+            </a:fld>
+            <a:endParaRPr/>
           </a:p>
         </p:txBody>
       </p:sp>
@@ -2344,12 +2334,12 @@
   <p:clrMapOvr>
     <a:masterClrMapping/>
   </p:clrMapOvr>
-  <p:transition xmlns:p14="http://schemas.microsoft.com/office/powerpoint/2010/main" spd="med" advClick="1"/>
+  <p:transition spd="med"/>
 </p:sldLayout>
 </file>
 
 <file path=ppt/slideLayouts/slideLayout2.xml><?xml version="1.0" encoding="utf-8"?>
-<p:sldLayout xmlns:a="http://schemas.openxmlformats.org/drawingml/2006/main" xmlns:r="http://schemas.openxmlformats.org/officeDocument/2006/relationships" xmlns:p="http://schemas.openxmlformats.org/presentationml/2006/main" xmlns:m="http://schemas.openxmlformats.org/officeDocument/2006/math" xmlns:a14="http://schemas.microsoft.com/office/drawing/2010/main" type="tx" showMasterSp="1" showMasterPhAnim="1">
+<p:sldLayout xmlns:a="http://schemas.openxmlformats.org/drawingml/2006/main" xmlns:r="http://schemas.openxmlformats.org/officeDocument/2006/relationships" xmlns:p="http://schemas.openxmlformats.org/presentationml/2006/main" type="tx">
   <p:cSld name="Title &amp; Photo">
     <p:spTree>
       <p:nvGrpSpPr>
@@ -2368,7 +2358,9 @@
       <p:sp>
         <p:nvSpPr>
           <p:cNvPr id="21" name="740519873_3318x2212.jpg"/>
-          <p:cNvSpPr/>
+          <p:cNvSpPr>
+            <a:spLocks noGrp="1"/>
+          </p:cNvSpPr>
           <p:nvPr>
             <p:ph type="pic" idx="21"/>
           </p:nvPr>
@@ -2388,14 +2380,16 @@
           </a:bodyPr>
           <a:lstStyle/>
           <a:p>
-            <a:pPr/>
+            <a:endParaRPr/>
           </a:p>
         </p:txBody>
       </p:sp>
       <p:sp>
         <p:nvSpPr>
           <p:cNvPr id="22" name="Presentation Title"/>
-          <p:cNvSpPr txBox="1"/>
+          <p:cNvSpPr txBox="1">
+            <a:spLocks noGrp="1"/>
+          </p:cNvSpPr>
           <p:nvPr>
             <p:ph type="title" hasCustomPrompt="1"/>
           </p:nvPr>
@@ -2413,7 +2407,7 @@
           <a:bodyPr anchor="b"/>
           <a:lstStyle>
             <a:lvl1pPr>
-              <a:defRPr spc="-128" sz="12800">
+              <a:defRPr sz="12800" spc="-128">
                 <a:solidFill>
                   <a:srgbClr val="FFFFFF"/>
                 </a:solidFill>
@@ -2421,7 +2415,6 @@
             </a:lvl1pPr>
           </a:lstStyle>
           <a:p>
-            <a:pPr/>
             <a:r>
               <a:t>Presentation Title</a:t>
             </a:r>
@@ -2431,7 +2424,9 @@
       <p:sp>
         <p:nvSpPr>
           <p:cNvPr id="23" name="Body Level One…"/>
-          <p:cNvSpPr txBox="1"/>
+          <p:cNvSpPr txBox="1">
+            <a:spLocks noGrp="1"/>
+          </p:cNvSpPr>
           <p:nvPr>
             <p:ph type="body" sz="quarter" idx="1" hasCustomPrompt="1"/>
           </p:nvPr>
@@ -2457,7 +2452,7 @@
               </a:spcBef>
               <a:buSzTx/>
               <a:buNone/>
-              <a:defRPr spc="-59" sz="6000">
+              <a:defRPr sz="6000" spc="-59">
                 <a:solidFill>
                   <a:srgbClr val="FFFFFF"/>
                 </a:solidFill>
@@ -2476,7 +2471,7 @@
               </a:spcBef>
               <a:buSzTx/>
               <a:buNone/>
-              <a:defRPr spc="-59" sz="6000">
+              <a:defRPr sz="6000" spc="-59">
                 <a:solidFill>
                   <a:srgbClr val="FFFFFF"/>
                 </a:solidFill>
@@ -2495,7 +2490,7 @@
               </a:spcBef>
               <a:buSzTx/>
               <a:buNone/>
-              <a:defRPr spc="-59" sz="6000">
+              <a:defRPr sz="6000" spc="-59">
                 <a:solidFill>
                   <a:srgbClr val="FFFFFF"/>
                 </a:solidFill>
@@ -2514,7 +2509,7 @@
               </a:spcBef>
               <a:buSzTx/>
               <a:buNone/>
-              <a:defRPr spc="-59" sz="6000">
+              <a:defRPr sz="6000" spc="-59">
                 <a:solidFill>
                   <a:srgbClr val="FFFFFF"/>
                 </a:solidFill>
@@ -2533,7 +2528,7 @@
               </a:spcBef>
               <a:buSzTx/>
               <a:buNone/>
-              <a:defRPr spc="-59" sz="6000">
+              <a:defRPr sz="6000" spc="-59">
                 <a:solidFill>
                   <a:srgbClr val="FFFFFF"/>
                 </a:solidFill>
@@ -2545,41 +2540,34 @@
             </a:lvl5pPr>
           </a:lstStyle>
           <a:p>
-            <a:pPr/>
             <a:r>
               <a:t>Presentation Subtitle</a:t>
             </a:r>
           </a:p>
           <a:p>
             <a:pPr lvl="1"/>
-            <a:r>
-              <a:t/>
-            </a:r>
+            <a:endParaRPr/>
           </a:p>
           <a:p>
             <a:pPr lvl="2"/>
-            <a:r>
-              <a:t/>
-            </a:r>
+            <a:endParaRPr/>
           </a:p>
           <a:p>
             <a:pPr lvl="3"/>
-            <a:r>
-              <a:t/>
-            </a:r>
+            <a:endParaRPr/>
           </a:p>
           <a:p>
             <a:pPr lvl="4"/>
-            <a:r>
-              <a:t/>
-            </a:r>
+            <a:endParaRPr/>
           </a:p>
         </p:txBody>
       </p:sp>
       <p:sp>
         <p:nvSpPr>
           <p:cNvPr id="24" name="Author and Date"/>
-          <p:cNvSpPr txBox="1"/>
+          <p:cNvSpPr txBox="1">
+            <a:spLocks noGrp="1"/>
+          </p:cNvSpPr>
           <p:nvPr>
             <p:ph type="body" sz="quarter" idx="22" hasCustomPrompt="1"/>
           </p:nvPr>
@@ -2605,7 +2593,7 @@
               </a:spcBef>
               <a:buSzTx/>
               <a:buNone/>
-              <a:defRPr spc="-29" sz="3000">
+              <a:defRPr sz="3000" spc="-29">
                 <a:solidFill>
                   <a:srgbClr val="FFFFFF"/>
                 </a:solidFill>
@@ -2617,7 +2605,6 @@
             </a:lvl1pPr>
           </a:lstStyle>
           <a:p>
-            <a:pPr/>
             <a:r>
               <a:t>Author and Date</a:t>
             </a:r>
@@ -2627,7 +2614,9 @@
       <p:sp>
         <p:nvSpPr>
           <p:cNvPr id="25" name="Slide Number"/>
-          <p:cNvSpPr txBox="1"/>
+          <p:cNvSpPr txBox="1">
+            <a:spLocks noGrp="1"/>
+          </p:cNvSpPr>
           <p:nvPr>
             <p:ph type="sldNum" sz="quarter" idx="2"/>
           </p:nvPr>
@@ -2649,8 +2638,10 @@
             </a:lvl1pPr>
           </a:lstStyle>
           <a:p>
-            <a:pPr/>
-            <a:fld id="{86CB4B4D-7CA3-9044-876B-883B54F8677D}" type="slidenum"/>
+            <a:fld id="{86CB4B4D-7CA3-9044-876B-883B54F8677D}" type="slidenum">
+              <a:t>‹#›</a:t>
+            </a:fld>
+            <a:endParaRPr/>
           </a:p>
         </p:txBody>
       </p:sp>
@@ -2659,12 +2650,12 @@
   <p:clrMapOvr>
     <a:masterClrMapping/>
   </p:clrMapOvr>
-  <p:transition xmlns:p14="http://schemas.microsoft.com/office/powerpoint/2010/main" spd="med" advClick="1"/>
+  <p:transition spd="med"/>
 </p:sldLayout>
 </file>
 
 <file path=ppt/slideLayouts/slideLayout3.xml><?xml version="1.0" encoding="utf-8"?>
-<p:sldLayout xmlns:a="http://schemas.openxmlformats.org/drawingml/2006/main" xmlns:r="http://schemas.openxmlformats.org/officeDocument/2006/relationships" xmlns:p="http://schemas.openxmlformats.org/presentationml/2006/main" xmlns:m="http://schemas.openxmlformats.org/officeDocument/2006/math" xmlns:a14="http://schemas.microsoft.com/office/drawing/2010/main" type="tx" showMasterSp="1" showMasterPhAnim="1">
+<p:sldLayout xmlns:a="http://schemas.openxmlformats.org/drawingml/2006/main" xmlns:r="http://schemas.openxmlformats.org/officeDocument/2006/relationships" xmlns:p="http://schemas.openxmlformats.org/presentationml/2006/main" type="tx">
   <p:cSld name="Title &amp; Photo Alt">
     <p:spTree>
       <p:nvGrpSpPr>
@@ -2683,7 +2674,9 @@
       <p:sp>
         <p:nvSpPr>
           <p:cNvPr id="32" name="Slide Title"/>
-          <p:cNvSpPr txBox="1"/>
+          <p:cNvSpPr txBox="1">
+            <a:spLocks noGrp="1"/>
+          </p:cNvSpPr>
           <p:nvPr>
             <p:ph type="title" hasCustomPrompt="1"/>
           </p:nvPr>
@@ -2701,7 +2694,6 @@
           <a:bodyPr anchor="b"/>
           <a:lstStyle/>
           <a:p>
-            <a:pPr/>
             <a:r>
               <a:t>Slide Title</a:t>
             </a:r>
@@ -2711,7 +2703,9 @@
       <p:sp>
         <p:nvSpPr>
           <p:cNvPr id="33" name="Image"/>
-          <p:cNvSpPr/>
+          <p:cNvSpPr>
+            <a:spLocks noGrp="1"/>
+          </p:cNvSpPr>
           <p:nvPr>
             <p:ph type="pic" idx="21"/>
           </p:nvPr>
@@ -2731,14 +2725,16 @@
           </a:bodyPr>
           <a:lstStyle/>
           <a:p>
-            <a:pPr/>
+            <a:endParaRPr/>
           </a:p>
         </p:txBody>
       </p:sp>
       <p:sp>
         <p:nvSpPr>
           <p:cNvPr id="34" name="Body Level One…"/>
-          <p:cNvSpPr txBox="1"/>
+          <p:cNvSpPr txBox="1">
+            <a:spLocks noGrp="1"/>
+          </p:cNvSpPr>
           <p:nvPr>
             <p:ph type="body" sz="quarter" idx="1" hasCustomPrompt="1"/>
           </p:nvPr>
@@ -2837,41 +2833,34 @@
             </a:lvl5pPr>
           </a:lstStyle>
           <a:p>
-            <a:pPr/>
             <a:r>
               <a:t>Slide Subtitle</a:t>
             </a:r>
           </a:p>
           <a:p>
             <a:pPr lvl="1"/>
-            <a:r>
-              <a:t/>
-            </a:r>
+            <a:endParaRPr/>
           </a:p>
           <a:p>
             <a:pPr lvl="2"/>
-            <a:r>
-              <a:t/>
-            </a:r>
+            <a:endParaRPr/>
           </a:p>
           <a:p>
             <a:pPr lvl="3"/>
-            <a:r>
-              <a:t/>
-            </a:r>
+            <a:endParaRPr/>
           </a:p>
           <a:p>
             <a:pPr lvl="4"/>
-            <a:r>
-              <a:t/>
-            </a:r>
+            <a:endParaRPr/>
           </a:p>
         </p:txBody>
       </p:sp>
       <p:sp>
         <p:nvSpPr>
           <p:cNvPr id="35" name="Slide Number"/>
-          <p:cNvSpPr txBox="1"/>
+          <p:cNvSpPr txBox="1">
+            <a:spLocks noGrp="1"/>
+          </p:cNvSpPr>
           <p:nvPr>
             <p:ph type="sldNum" sz="quarter" idx="2"/>
           </p:nvPr>
@@ -2885,8 +2874,10 @@
           <a:bodyPr/>
           <a:lstStyle/>
           <a:p>
-            <a:pPr/>
-            <a:fld id="{86CB4B4D-7CA3-9044-876B-883B54F8677D}" type="slidenum"/>
+            <a:fld id="{86CB4B4D-7CA3-9044-876B-883B54F8677D}" type="slidenum">
+              <a:t>‹#›</a:t>
+            </a:fld>
+            <a:endParaRPr/>
           </a:p>
         </p:txBody>
       </p:sp>
@@ -2895,12 +2886,12 @@
   <p:clrMapOvr>
     <a:masterClrMapping/>
   </p:clrMapOvr>
-  <p:transition xmlns:p14="http://schemas.microsoft.com/office/powerpoint/2010/main" spd="med" advClick="1"/>
+  <p:transition spd="med"/>
 </p:sldLayout>
 </file>
 
 <file path=ppt/slideLayouts/slideLayout4.xml><?xml version="1.0" encoding="utf-8"?>
-<p:sldLayout xmlns:a="http://schemas.openxmlformats.org/drawingml/2006/main" xmlns:r="http://schemas.openxmlformats.org/officeDocument/2006/relationships" xmlns:p="http://schemas.openxmlformats.org/presentationml/2006/main" xmlns:m="http://schemas.openxmlformats.org/officeDocument/2006/math" xmlns:a14="http://schemas.microsoft.com/office/drawing/2010/main" type="tx" showMasterSp="1" showMasterPhAnim="1">
+<p:sldLayout xmlns:a="http://schemas.openxmlformats.org/drawingml/2006/main" xmlns:r="http://schemas.openxmlformats.org/officeDocument/2006/relationships" xmlns:p="http://schemas.openxmlformats.org/presentationml/2006/main" type="tx">
   <p:cSld name="Title &amp; Bullets">
     <p:spTree>
       <p:nvGrpSpPr>
@@ -2919,7 +2910,9 @@
       <p:sp>
         <p:nvSpPr>
           <p:cNvPr id="42" name="Slide Title"/>
-          <p:cNvSpPr txBox="1"/>
+          <p:cNvSpPr txBox="1">
+            <a:spLocks noGrp="1"/>
+          </p:cNvSpPr>
           <p:nvPr>
             <p:ph type="title" hasCustomPrompt="1"/>
           </p:nvPr>
@@ -2933,7 +2926,6 @@
           <a:bodyPr/>
           <a:lstStyle/>
           <a:p>
-            <a:pPr/>
             <a:r>
               <a:t>Slide Title</a:t>
             </a:r>
@@ -2943,7 +2935,9 @@
       <p:sp>
         <p:nvSpPr>
           <p:cNvPr id="43" name="Body Level One…"/>
-          <p:cNvSpPr txBox="1"/>
+          <p:cNvSpPr txBox="1">
+            <a:spLocks noGrp="1"/>
+          </p:cNvSpPr>
           <p:nvPr>
             <p:ph type="body" idx="1" hasCustomPrompt="1"/>
           </p:nvPr>
@@ -2957,41 +2951,34 @@
           <a:bodyPr/>
           <a:lstStyle/>
           <a:p>
-            <a:pPr/>
             <a:r>
               <a:t>Slide bullet text</a:t>
             </a:r>
           </a:p>
           <a:p>
             <a:pPr lvl="1"/>
-            <a:r>
-              <a:t/>
-            </a:r>
+            <a:endParaRPr/>
           </a:p>
           <a:p>
             <a:pPr lvl="2"/>
-            <a:r>
-              <a:t/>
-            </a:r>
+            <a:endParaRPr/>
           </a:p>
           <a:p>
             <a:pPr lvl="3"/>
-            <a:r>
-              <a:t/>
-            </a:r>
+            <a:endParaRPr/>
           </a:p>
           <a:p>
             <a:pPr lvl="4"/>
-            <a:r>
-              <a:t/>
-            </a:r>
+            <a:endParaRPr/>
           </a:p>
         </p:txBody>
       </p:sp>
       <p:sp>
         <p:nvSpPr>
           <p:cNvPr id="44" name="Slide Subtitle"/>
-          <p:cNvSpPr txBox="1"/>
+          <p:cNvSpPr txBox="1">
+            <a:spLocks noGrp="1"/>
+          </p:cNvSpPr>
           <p:nvPr>
             <p:ph type="body" sz="quarter" idx="21" hasCustomPrompt="1"/>
           </p:nvPr>
@@ -3026,7 +3013,6 @@
             </a:lvl1pPr>
           </a:lstStyle>
           <a:p>
-            <a:pPr/>
             <a:r>
               <a:t>Slide Subtitle</a:t>
             </a:r>
@@ -3036,7 +3022,9 @@
       <p:sp>
         <p:nvSpPr>
           <p:cNvPr id="45" name="Slide Number"/>
-          <p:cNvSpPr txBox="1"/>
+          <p:cNvSpPr txBox="1">
+            <a:spLocks noGrp="1"/>
+          </p:cNvSpPr>
           <p:nvPr>
             <p:ph type="sldNum" sz="quarter" idx="2"/>
           </p:nvPr>
@@ -3050,8 +3038,10 @@
           <a:bodyPr/>
           <a:lstStyle/>
           <a:p>
-            <a:pPr/>
-            <a:fld id="{86CB4B4D-7CA3-9044-876B-883B54F8677D}" type="slidenum"/>
+            <a:fld id="{86CB4B4D-7CA3-9044-876B-883B54F8677D}" type="slidenum">
+              <a:t>‹#›</a:t>
+            </a:fld>
+            <a:endParaRPr/>
           </a:p>
         </p:txBody>
       </p:sp>
@@ -3060,12 +3050,12 @@
   <p:clrMapOvr>
     <a:masterClrMapping/>
   </p:clrMapOvr>
-  <p:transition xmlns:p14="http://schemas.microsoft.com/office/powerpoint/2010/main" spd="med" advClick="1"/>
+  <p:transition spd="med"/>
 </p:sldLayout>
 </file>
 
 <file path=ppt/slideLayouts/slideLayout5.xml><?xml version="1.0" encoding="utf-8"?>
-<p:sldLayout xmlns:a="http://schemas.openxmlformats.org/drawingml/2006/main" xmlns:r="http://schemas.openxmlformats.org/officeDocument/2006/relationships" xmlns:p="http://schemas.openxmlformats.org/presentationml/2006/main" xmlns:m="http://schemas.openxmlformats.org/officeDocument/2006/math" xmlns:a14="http://schemas.microsoft.com/office/drawing/2010/main" type="tx" showMasterSp="1" showMasterPhAnim="1">
+<p:sldLayout xmlns:a="http://schemas.openxmlformats.org/drawingml/2006/main" xmlns:r="http://schemas.openxmlformats.org/officeDocument/2006/relationships" xmlns:p="http://schemas.openxmlformats.org/presentationml/2006/main" type="tx">
   <p:cSld name="Bullets">
     <p:spTree>
       <p:nvGrpSpPr>
@@ -3084,7 +3074,9 @@
       <p:sp>
         <p:nvSpPr>
           <p:cNvPr id="52" name="Body Level One…"/>
-          <p:cNvSpPr txBox="1"/>
+          <p:cNvSpPr txBox="1">
+            <a:spLocks noGrp="1"/>
+          </p:cNvSpPr>
           <p:nvPr>
             <p:ph type="body" idx="1" hasCustomPrompt="1"/>
           </p:nvPr>
@@ -3102,41 +3094,34 @@
           <a:bodyPr numCol="2" spcCol="2558384"/>
           <a:lstStyle/>
           <a:p>
-            <a:pPr/>
             <a:r>
               <a:t>Slide bullet text</a:t>
             </a:r>
           </a:p>
           <a:p>
             <a:pPr lvl="1"/>
-            <a:r>
-              <a:t/>
-            </a:r>
+            <a:endParaRPr/>
           </a:p>
           <a:p>
             <a:pPr lvl="2"/>
-            <a:r>
-              <a:t/>
-            </a:r>
+            <a:endParaRPr/>
           </a:p>
           <a:p>
             <a:pPr lvl="3"/>
-            <a:r>
-              <a:t/>
-            </a:r>
+            <a:endParaRPr/>
           </a:p>
           <a:p>
             <a:pPr lvl="4"/>
-            <a:r>
-              <a:t/>
-            </a:r>
+            <a:endParaRPr/>
           </a:p>
         </p:txBody>
       </p:sp>
       <p:sp>
         <p:nvSpPr>
           <p:cNvPr id="53" name="Slide Number"/>
-          <p:cNvSpPr txBox="1"/>
+          <p:cNvSpPr txBox="1">
+            <a:spLocks noGrp="1"/>
+          </p:cNvSpPr>
           <p:nvPr>
             <p:ph type="sldNum" sz="quarter" idx="2"/>
           </p:nvPr>
@@ -3154,8 +3139,10 @@
           <a:bodyPr/>
           <a:lstStyle/>
           <a:p>
-            <a:pPr/>
-            <a:fld id="{86CB4B4D-7CA3-9044-876B-883B54F8677D}" type="slidenum"/>
+            <a:fld id="{86CB4B4D-7CA3-9044-876B-883B54F8677D}" type="slidenum">
+              <a:t>‹#›</a:t>
+            </a:fld>
+            <a:endParaRPr/>
           </a:p>
         </p:txBody>
       </p:sp>
@@ -3164,12 +3151,12 @@
   <p:clrMapOvr>
     <a:masterClrMapping/>
   </p:clrMapOvr>
-  <p:transition xmlns:p14="http://schemas.microsoft.com/office/powerpoint/2010/main" spd="med" advClick="1"/>
+  <p:transition spd="med"/>
 </p:sldLayout>
 </file>
 
 <file path=ppt/slideLayouts/slideLayout6.xml><?xml version="1.0" encoding="utf-8"?>
-<p:sldLayout xmlns:a="http://schemas.openxmlformats.org/drawingml/2006/main" xmlns:r="http://schemas.openxmlformats.org/officeDocument/2006/relationships" xmlns:p="http://schemas.openxmlformats.org/presentationml/2006/main" xmlns:m="http://schemas.openxmlformats.org/officeDocument/2006/math" xmlns:a14="http://schemas.microsoft.com/office/drawing/2010/main" type="tx" showMasterSp="1" showMasterPhAnim="1">
+<p:sldLayout xmlns:a="http://schemas.openxmlformats.org/drawingml/2006/main" xmlns:r="http://schemas.openxmlformats.org/officeDocument/2006/relationships" xmlns:p="http://schemas.openxmlformats.org/presentationml/2006/main" type="tx">
   <p:cSld name="Title, Bullets &amp; Photo">
     <p:spTree>
       <p:nvGrpSpPr>
@@ -3188,7 +3175,9 @@
       <p:sp>
         <p:nvSpPr>
           <p:cNvPr id="60" name="Slide Title"/>
-          <p:cNvSpPr txBox="1"/>
+          <p:cNvSpPr txBox="1">
+            <a:spLocks noGrp="1"/>
+          </p:cNvSpPr>
           <p:nvPr>
             <p:ph type="title" hasCustomPrompt="1"/>
           </p:nvPr>
@@ -3206,7 +3195,6 @@
           <a:bodyPr/>
           <a:lstStyle/>
           <a:p>
-            <a:pPr/>
             <a:r>
               <a:t>Slide Title</a:t>
             </a:r>
@@ -3216,7 +3204,9 @@
       <p:sp>
         <p:nvSpPr>
           <p:cNvPr id="61" name="Image"/>
-          <p:cNvSpPr/>
+          <p:cNvSpPr>
+            <a:spLocks noGrp="1"/>
+          </p:cNvSpPr>
           <p:nvPr>
             <p:ph type="pic" idx="21"/>
           </p:nvPr>
@@ -3236,14 +3226,16 @@
           </a:bodyPr>
           <a:lstStyle/>
           <a:p>
-            <a:pPr/>
+            <a:endParaRPr/>
           </a:p>
         </p:txBody>
       </p:sp>
       <p:sp>
         <p:nvSpPr>
           <p:cNvPr id="62" name="Slide Subtitle"/>
-          <p:cNvSpPr txBox="1"/>
+          <p:cNvSpPr txBox="1">
+            <a:spLocks noGrp="1"/>
+          </p:cNvSpPr>
           <p:nvPr>
             <p:ph type="body" sz="quarter" idx="22" hasCustomPrompt="1"/>
           </p:nvPr>
@@ -3278,7 +3270,6 @@
             </a:lvl1pPr>
           </a:lstStyle>
           <a:p>
-            <a:pPr/>
             <a:r>
               <a:t>Slide Subtitle</a:t>
             </a:r>
@@ -3288,7 +3279,9 @@
       <p:sp>
         <p:nvSpPr>
           <p:cNvPr id="63" name="Body Level One…"/>
-          <p:cNvSpPr txBox="1"/>
+          <p:cNvSpPr txBox="1">
+            <a:spLocks noGrp="1"/>
+          </p:cNvSpPr>
           <p:nvPr>
             <p:ph type="body" sz="half" idx="1" hasCustomPrompt="1"/>
           </p:nvPr>
@@ -3306,41 +3299,34 @@
           <a:bodyPr/>
           <a:lstStyle/>
           <a:p>
-            <a:pPr/>
             <a:r>
               <a:t>Slide bullet text</a:t>
             </a:r>
           </a:p>
           <a:p>
             <a:pPr lvl="1"/>
-            <a:r>
-              <a:t/>
-            </a:r>
+            <a:endParaRPr/>
           </a:p>
           <a:p>
             <a:pPr lvl="2"/>
-            <a:r>
-              <a:t/>
-            </a:r>
+            <a:endParaRPr/>
           </a:p>
           <a:p>
             <a:pPr lvl="3"/>
-            <a:r>
-              <a:t/>
-            </a:r>
+            <a:endParaRPr/>
           </a:p>
           <a:p>
             <a:pPr lvl="4"/>
-            <a:r>
-              <a:t/>
-            </a:r>
+            <a:endParaRPr/>
           </a:p>
         </p:txBody>
       </p:sp>
       <p:sp>
         <p:nvSpPr>
           <p:cNvPr id="64" name="Slide Number"/>
-          <p:cNvSpPr txBox="1"/>
+          <p:cNvSpPr txBox="1">
+            <a:spLocks noGrp="1"/>
+          </p:cNvSpPr>
           <p:nvPr>
             <p:ph type="sldNum" sz="quarter" idx="2"/>
           </p:nvPr>
@@ -3358,8 +3344,10 @@
           <a:bodyPr/>
           <a:lstStyle/>
           <a:p>
-            <a:pPr/>
-            <a:fld id="{86CB4B4D-7CA3-9044-876B-883B54F8677D}" type="slidenum"/>
+            <a:fld id="{86CB4B4D-7CA3-9044-876B-883B54F8677D}" type="slidenum">
+              <a:t>‹#›</a:t>
+            </a:fld>
+            <a:endParaRPr/>
           </a:p>
         </p:txBody>
       </p:sp>
@@ -3368,12 +3356,12 @@
   <p:clrMapOvr>
     <a:masterClrMapping/>
   </p:clrMapOvr>
-  <p:transition xmlns:p14="http://schemas.microsoft.com/office/powerpoint/2010/main" spd="med" advClick="1"/>
+  <p:transition spd="med"/>
 </p:sldLayout>
 </file>
 
 <file path=ppt/slideLayouts/slideLayout7.xml><?xml version="1.0" encoding="utf-8"?>
-<p:sldLayout xmlns:a="http://schemas.openxmlformats.org/drawingml/2006/main" xmlns:r="http://schemas.openxmlformats.org/officeDocument/2006/relationships" xmlns:p="http://schemas.openxmlformats.org/presentationml/2006/main" xmlns:m="http://schemas.openxmlformats.org/officeDocument/2006/math" xmlns:a14="http://schemas.microsoft.com/office/drawing/2010/main" type="tx" showMasterSp="1" showMasterPhAnim="1">
+<p:sldLayout xmlns:a="http://schemas.openxmlformats.org/drawingml/2006/main" xmlns:r="http://schemas.openxmlformats.org/officeDocument/2006/relationships" xmlns:p="http://schemas.openxmlformats.org/presentationml/2006/main" type="tx">
   <p:cSld name="Section">
     <p:spTree>
       <p:nvGrpSpPr>
@@ -3392,7 +3380,9 @@
       <p:sp>
         <p:nvSpPr>
           <p:cNvPr id="71" name="Section Title"/>
-          <p:cNvSpPr txBox="1"/>
+          <p:cNvSpPr txBox="1">
+            <a:spLocks noGrp="1"/>
+          </p:cNvSpPr>
           <p:nvPr>
             <p:ph type="title" hasCustomPrompt="1"/>
           </p:nvPr>
@@ -3410,11 +3400,10 @@
           <a:bodyPr anchor="ctr"/>
           <a:lstStyle>
             <a:lvl1pPr>
-              <a:defRPr spc="0" sz="12800"/>
+              <a:defRPr sz="12800" spc="0"/>
             </a:lvl1pPr>
           </a:lstStyle>
           <a:p>
-            <a:pPr/>
             <a:r>
               <a:t>Section Title</a:t>
             </a:r>
@@ -3424,7 +3413,9 @@
       <p:sp>
         <p:nvSpPr>
           <p:cNvPr id="72" name="Slide Number"/>
-          <p:cNvSpPr txBox="1"/>
+          <p:cNvSpPr txBox="1">
+            <a:spLocks noGrp="1"/>
+          </p:cNvSpPr>
           <p:nvPr>
             <p:ph type="sldNum" sz="quarter" idx="2"/>
           </p:nvPr>
@@ -3442,8 +3433,10 @@
           <a:bodyPr/>
           <a:lstStyle/>
           <a:p>
-            <a:pPr/>
-            <a:fld id="{86CB4B4D-7CA3-9044-876B-883B54F8677D}" type="slidenum"/>
+            <a:fld id="{86CB4B4D-7CA3-9044-876B-883B54F8677D}" type="slidenum">
+              <a:t>‹#›</a:t>
+            </a:fld>
+            <a:endParaRPr/>
           </a:p>
         </p:txBody>
       </p:sp>
@@ -3452,12 +3445,12 @@
   <p:clrMapOvr>
     <a:masterClrMapping/>
   </p:clrMapOvr>
-  <p:transition xmlns:p14="http://schemas.microsoft.com/office/powerpoint/2010/main" spd="med" advClick="1"/>
+  <p:transition spd="med"/>
 </p:sldLayout>
 </file>
 
 <file path=ppt/slideLayouts/slideLayout8.xml><?xml version="1.0" encoding="utf-8"?>
-<p:sldLayout xmlns:a="http://schemas.openxmlformats.org/drawingml/2006/main" xmlns:r="http://schemas.openxmlformats.org/officeDocument/2006/relationships" xmlns:p="http://schemas.openxmlformats.org/presentationml/2006/main" xmlns:m="http://schemas.openxmlformats.org/officeDocument/2006/math" xmlns:a14="http://schemas.microsoft.com/office/drawing/2010/main" type="tx" showMasterSp="1" showMasterPhAnim="1">
+<p:sldLayout xmlns:a="http://schemas.openxmlformats.org/drawingml/2006/main" xmlns:r="http://schemas.openxmlformats.org/officeDocument/2006/relationships" xmlns:p="http://schemas.openxmlformats.org/presentationml/2006/main" type="tx">
   <p:cSld name="Title Only">
     <p:spTree>
       <p:nvGrpSpPr>
@@ -3476,7 +3469,9 @@
       <p:sp>
         <p:nvSpPr>
           <p:cNvPr id="79" name="Slide Title"/>
-          <p:cNvSpPr txBox="1"/>
+          <p:cNvSpPr txBox="1">
+            <a:spLocks noGrp="1"/>
+          </p:cNvSpPr>
           <p:nvPr>
             <p:ph type="title" hasCustomPrompt="1"/>
           </p:nvPr>
@@ -3490,7 +3485,6 @@
           <a:bodyPr/>
           <a:lstStyle/>
           <a:p>
-            <a:pPr/>
             <a:r>
               <a:t>Slide Title</a:t>
             </a:r>
@@ -3500,7 +3494,9 @@
       <p:sp>
         <p:nvSpPr>
           <p:cNvPr id="80" name="Slide Subtitle"/>
-          <p:cNvSpPr txBox="1"/>
+          <p:cNvSpPr txBox="1">
+            <a:spLocks noGrp="1"/>
+          </p:cNvSpPr>
           <p:nvPr>
             <p:ph type="body" sz="quarter" idx="21" hasCustomPrompt="1"/>
           </p:nvPr>
@@ -3535,7 +3531,6 @@
             </a:lvl1pPr>
           </a:lstStyle>
           <a:p>
-            <a:pPr/>
             <a:r>
               <a:t>Slide Subtitle</a:t>
             </a:r>
@@ -3545,7 +3540,9 @@
       <p:sp>
         <p:nvSpPr>
           <p:cNvPr id="81" name="Slide Number"/>
-          <p:cNvSpPr txBox="1"/>
+          <p:cNvSpPr txBox="1">
+            <a:spLocks noGrp="1"/>
+          </p:cNvSpPr>
           <p:nvPr>
             <p:ph type="sldNum" sz="quarter" idx="2"/>
           </p:nvPr>
@@ -3563,8 +3560,10 @@
           <a:bodyPr/>
           <a:lstStyle/>
           <a:p>
-            <a:pPr/>
-            <a:fld id="{86CB4B4D-7CA3-9044-876B-883B54F8677D}" type="slidenum"/>
+            <a:fld id="{86CB4B4D-7CA3-9044-876B-883B54F8677D}" type="slidenum">
+              <a:t>‹#›</a:t>
+            </a:fld>
+            <a:endParaRPr/>
           </a:p>
         </p:txBody>
       </p:sp>
@@ -3573,12 +3572,12 @@
   <p:clrMapOvr>
     <a:masterClrMapping/>
   </p:clrMapOvr>
-  <p:transition xmlns:p14="http://schemas.microsoft.com/office/powerpoint/2010/main" spd="med" advClick="1"/>
+  <p:transition spd="med"/>
 </p:sldLayout>
 </file>
 
 <file path=ppt/slideLayouts/slideLayout9.xml><?xml version="1.0" encoding="utf-8"?>
-<p:sldLayout xmlns:a="http://schemas.openxmlformats.org/drawingml/2006/main" xmlns:r="http://schemas.openxmlformats.org/officeDocument/2006/relationships" xmlns:p="http://schemas.openxmlformats.org/presentationml/2006/main" xmlns:m="http://schemas.openxmlformats.org/officeDocument/2006/math" xmlns:a14="http://schemas.microsoft.com/office/drawing/2010/main" type="tx" showMasterSp="1" showMasterPhAnim="1">
+<p:sldLayout xmlns:a="http://schemas.openxmlformats.org/drawingml/2006/main" xmlns:r="http://schemas.openxmlformats.org/officeDocument/2006/relationships" xmlns:p="http://schemas.openxmlformats.org/presentationml/2006/main" type="tx">
   <p:cSld name="Agenda">
     <p:spTree>
       <p:nvGrpSpPr>
@@ -3597,7 +3596,9 @@
       <p:sp>
         <p:nvSpPr>
           <p:cNvPr id="88" name="Agenda Title"/>
-          <p:cNvSpPr txBox="1"/>
+          <p:cNvSpPr txBox="1">
+            <a:spLocks noGrp="1"/>
+          </p:cNvSpPr>
           <p:nvPr>
             <p:ph type="title" hasCustomPrompt="1"/>
           </p:nvPr>
@@ -3611,7 +3612,6 @@
           <a:bodyPr/>
           <a:lstStyle/>
           <a:p>
-            <a:pPr/>
             <a:r>
               <a:t>Agenda Title</a:t>
             </a:r>
@@ -3621,7 +3621,9 @@
       <p:sp>
         <p:nvSpPr>
           <p:cNvPr id="89" name="Body Level One…"/>
-          <p:cNvSpPr txBox="1"/>
+          <p:cNvSpPr txBox="1">
+            <a:spLocks noGrp="1"/>
+          </p:cNvSpPr>
           <p:nvPr>
             <p:ph type="body" idx="1" hasCustomPrompt="1"/>
           </p:nvPr>
@@ -3644,7 +3646,7 @@
               </a:lnSpc>
               <a:buSzTx/>
               <a:buNone/>
-              <a:defRPr spc="-136" sz="6800">
+              <a:defRPr sz="6800" spc="-136">
                 <a:latin typeface="Canela Deck Regular"/>
                 <a:ea typeface="Canela Deck Regular"/>
                 <a:cs typeface="Canela Deck Regular"/>
@@ -3657,7 +3659,7 @@
               </a:lnSpc>
               <a:buSzTx/>
               <a:buNone/>
-              <a:defRPr spc="-136" sz="6800">
+              <a:defRPr sz="6800" spc="-136">
                 <a:latin typeface="Canela Deck Regular"/>
                 <a:ea typeface="Canela Deck Regular"/>
                 <a:cs typeface="Canela Deck Regular"/>
@@ -3670,7 +3672,7 @@
               </a:lnSpc>
               <a:buSzTx/>
               <a:buNone/>
-              <a:defRPr spc="-136" sz="6800">
+              <a:defRPr sz="6800" spc="-136">
                 <a:latin typeface="Canela Deck Regular"/>
                 <a:ea typeface="Canela Deck Regular"/>
                 <a:cs typeface="Canela Deck Regular"/>
@@ -3683,7 +3685,7 @@
               </a:lnSpc>
               <a:buSzTx/>
               <a:buNone/>
-              <a:defRPr spc="-136" sz="6800">
+              <a:defRPr sz="6800" spc="-136">
                 <a:latin typeface="Canela Deck Regular"/>
                 <a:ea typeface="Canela Deck Regular"/>
                 <a:cs typeface="Canela Deck Regular"/>
@@ -3696,7 +3698,7 @@
               </a:lnSpc>
               <a:buSzTx/>
               <a:buNone/>
-              <a:defRPr spc="-136" sz="6800">
+              <a:defRPr sz="6800" spc="-136">
                 <a:latin typeface="Canela Deck Regular"/>
                 <a:ea typeface="Canela Deck Regular"/>
                 <a:cs typeface="Canela Deck Regular"/>
@@ -3705,41 +3707,34 @@
             </a:lvl5pPr>
           </a:lstStyle>
           <a:p>
-            <a:pPr/>
             <a:r>
               <a:t>Agenda Topics</a:t>
             </a:r>
           </a:p>
           <a:p>
             <a:pPr lvl="1"/>
-            <a:r>
-              <a:t/>
-            </a:r>
+            <a:endParaRPr/>
           </a:p>
           <a:p>
             <a:pPr lvl="2"/>
-            <a:r>
-              <a:t/>
-            </a:r>
+            <a:endParaRPr/>
           </a:p>
           <a:p>
             <a:pPr lvl="3"/>
-            <a:r>
-              <a:t/>
-            </a:r>
+            <a:endParaRPr/>
           </a:p>
           <a:p>
             <a:pPr lvl="4"/>
-            <a:r>
-              <a:t/>
-            </a:r>
+            <a:endParaRPr/>
           </a:p>
         </p:txBody>
       </p:sp>
       <p:sp>
         <p:nvSpPr>
           <p:cNvPr id="90" name="Agenda Subtitle"/>
-          <p:cNvSpPr txBox="1"/>
+          <p:cNvSpPr txBox="1">
+            <a:spLocks noGrp="1"/>
+          </p:cNvSpPr>
           <p:nvPr>
             <p:ph type="body" sz="quarter" idx="21" hasCustomPrompt="1"/>
           </p:nvPr>
@@ -3774,7 +3769,6 @@
             </a:lvl1pPr>
           </a:lstStyle>
           <a:p>
-            <a:pPr/>
             <a:r>
               <a:t>Agenda Subtitle</a:t>
             </a:r>
@@ -3784,7 +3778,9 @@
       <p:sp>
         <p:nvSpPr>
           <p:cNvPr id="91" name="Slide Number"/>
-          <p:cNvSpPr txBox="1"/>
+          <p:cNvSpPr txBox="1">
+            <a:spLocks noGrp="1"/>
+          </p:cNvSpPr>
           <p:nvPr>
             <p:ph type="sldNum" sz="quarter" idx="2"/>
           </p:nvPr>
@@ -3802,8 +3798,10 @@
           <a:bodyPr/>
           <a:lstStyle/>
           <a:p>
-            <a:pPr/>
-            <a:fld id="{86CB4B4D-7CA3-9044-876B-883B54F8677D}" type="slidenum"/>
+            <a:fld id="{86CB4B4D-7CA3-9044-876B-883B54F8677D}" type="slidenum">
+              <a:t>‹#›</a:t>
+            </a:fld>
+            <a:endParaRPr/>
           </a:p>
         </p:txBody>
       </p:sp>
@@ -3812,18 +3810,19 @@
   <p:clrMapOvr>
     <a:masterClrMapping/>
   </p:clrMapOvr>
-  <p:transition xmlns:p14="http://schemas.microsoft.com/office/powerpoint/2010/main" spd="med" advClick="1"/>
+  <p:transition spd="med"/>
 </p:sldLayout>
 </file>
 
 <file path=ppt/slideMasters/slideMaster1.xml><?xml version="1.0" encoding="utf-8"?>
-<p:sldMaster xmlns:a="http://schemas.openxmlformats.org/drawingml/2006/main" xmlns:r="http://schemas.openxmlformats.org/officeDocument/2006/relationships" xmlns:p="http://schemas.openxmlformats.org/presentationml/2006/main" xmlns:m="http://schemas.openxmlformats.org/officeDocument/2006/math" xmlns:a14="http://schemas.microsoft.com/office/drawing/2010/main">
+<p:sldMaster xmlns:a="http://schemas.openxmlformats.org/drawingml/2006/main" xmlns:r="http://schemas.openxmlformats.org/officeDocument/2006/relationships" xmlns:p="http://schemas.openxmlformats.org/presentationml/2006/main">
   <p:cSld>
     <p:bg>
       <p:bgPr>
         <a:solidFill>
           <a:srgbClr val="FFFFFF"/>
         </a:solidFill>
+        <a:effectLst/>
       </p:bgPr>
     </p:bg>
     <p:spTree>
@@ -3843,7 +3842,9 @@
       <p:sp>
         <p:nvSpPr>
           <p:cNvPr id="2" name="Slide Title"/>
-          <p:cNvSpPr txBox="1"/>
+          <p:cNvSpPr txBox="1">
+            <a:spLocks noGrp="1"/>
+          </p:cNvSpPr>
           <p:nvPr>
             <p:ph type="title" hasCustomPrompt="1"/>
           </p:nvPr>
@@ -3861,17 +3862,16 @@
           </a:ln>
           <a:extLst>
             <a:ext uri="{C572A759-6A51-4108-AA02-DFA0A04FC94B}">
-              <ma14:wrappingTextBoxFlag xmlns:ma14="http://schemas.microsoft.com/office/mac/drawingml/2011/main" val="1"/>
+              <ma14:wrappingTextBoxFlag xmlns:ma14="http://schemas.microsoft.com/office/mac/drawingml/2011/main" xmlns:a14="http://schemas.microsoft.com/office/drawing/2010/main" xmlns:m="http://schemas.openxmlformats.org/officeDocument/2006/math" xmlns="" val="1"/>
             </a:ext>
           </a:extLst>
         </p:spPr>
         <p:txBody>
           <a:bodyPr lIns="50800" tIns="50800" rIns="50800" bIns="50800">
-            <a:normAutofit fontScale="100000" lnSpcReduction="0"/>
+            <a:normAutofit/>
           </a:bodyPr>
           <a:lstStyle/>
           <a:p>
-            <a:pPr/>
             <a:r>
               <a:t>Slide Title</a:t>
             </a:r>
@@ -3881,7 +3881,9 @@
       <p:sp>
         <p:nvSpPr>
           <p:cNvPr id="3" name="Body Level One…"/>
-          <p:cNvSpPr txBox="1"/>
+          <p:cNvSpPr txBox="1">
+            <a:spLocks noGrp="1"/>
+          </p:cNvSpPr>
           <p:nvPr>
             <p:ph type="body" idx="1" hasCustomPrompt="1"/>
           </p:nvPr>
@@ -3899,51 +3901,44 @@
           </a:ln>
           <a:extLst>
             <a:ext uri="{C572A759-6A51-4108-AA02-DFA0A04FC94B}">
-              <ma14:wrappingTextBoxFlag xmlns:ma14="http://schemas.microsoft.com/office/mac/drawingml/2011/main" val="1"/>
+              <ma14:wrappingTextBoxFlag xmlns:ma14="http://schemas.microsoft.com/office/mac/drawingml/2011/main" xmlns:a14="http://schemas.microsoft.com/office/drawing/2010/main" xmlns:m="http://schemas.openxmlformats.org/officeDocument/2006/math" xmlns="" val="1"/>
             </a:ext>
           </a:extLst>
         </p:spPr>
         <p:txBody>
           <a:bodyPr lIns="50800" tIns="50800" rIns="50800" bIns="50800">
-            <a:normAutofit fontScale="100000" lnSpcReduction="0"/>
+            <a:normAutofit/>
           </a:bodyPr>
           <a:lstStyle/>
           <a:p>
-            <a:pPr/>
             <a:r>
               <a:t>Slide bullet text</a:t>
             </a:r>
           </a:p>
           <a:p>
             <a:pPr lvl="1"/>
-            <a:r>
-              <a:t/>
-            </a:r>
+            <a:endParaRPr/>
           </a:p>
           <a:p>
             <a:pPr lvl="2"/>
-            <a:r>
-              <a:t/>
-            </a:r>
+            <a:endParaRPr/>
           </a:p>
           <a:p>
             <a:pPr lvl="3"/>
-            <a:r>
-              <a:t/>
-            </a:r>
+            <a:endParaRPr/>
           </a:p>
           <a:p>
             <a:pPr lvl="4"/>
-            <a:r>
-              <a:t/>
-            </a:r>
+            <a:endParaRPr/>
           </a:p>
         </p:txBody>
       </p:sp>
       <p:sp>
         <p:nvSpPr>
           <p:cNvPr id="4" name="Slide Number"/>
-          <p:cNvSpPr txBox="1"/>
+          <p:cNvSpPr txBox="1">
+            <a:spLocks noGrp="1"/>
+          </p:cNvSpPr>
           <p:nvPr>
             <p:ph type="sldNum" sz="quarter" idx="2"/>
           </p:nvPr>
@@ -3981,8 +3976,10 @@
             </a:lvl1pPr>
           </a:lstStyle>
           <a:p>
-            <a:pPr/>
-            <a:fld id="{86CB4B4D-7CA3-9044-876B-883B54F8677D}" type="slidenum"/>
+            <a:fld id="{86CB4B4D-7CA3-9044-876B-883B54F8677D}" type="slidenum">
+              <a:t>‹#›</a:t>
+            </a:fld>
+            <a:endParaRPr/>
           </a:p>
         </p:txBody>
       </p:sp>
@@ -3990,23 +3987,23 @@
   </p:cSld>
   <p:clrMap bg1="lt1" tx1="dk1" bg2="lt2" tx2="dk2" accent1="accent1" accent2="accent2" accent3="accent3" accent4="accent4" accent5="accent5" accent6="accent6" hlink="hlink" folHlink="folHlink"/>
   <p:sldLayoutIdLst>
-    <p:sldLayoutId id="2147483649" r:id="rId2"/>
-    <p:sldLayoutId id="2147483650" r:id="rId3"/>
-    <p:sldLayoutId id="2147483651" r:id="rId4"/>
-    <p:sldLayoutId id="2147483652" r:id="rId5"/>
-    <p:sldLayoutId id="2147483653" r:id="rId6"/>
-    <p:sldLayoutId id="2147483654" r:id="rId7"/>
-    <p:sldLayoutId id="2147483655" r:id="rId8"/>
-    <p:sldLayoutId id="2147483656" r:id="rId9"/>
-    <p:sldLayoutId id="2147483657" r:id="rId10"/>
-    <p:sldLayoutId id="2147483658" r:id="rId11"/>
-    <p:sldLayoutId id="2147483659" r:id="rId12"/>
-    <p:sldLayoutId id="2147483660" r:id="rId13"/>
-    <p:sldLayoutId id="2147483661" r:id="rId14"/>
-    <p:sldLayoutId id="2147483662" r:id="rId15"/>
-    <p:sldLayoutId id="2147483663" r:id="rId16"/>
+    <p:sldLayoutId id="2147483649" r:id="rId1"/>
+    <p:sldLayoutId id="2147483650" r:id="rId2"/>
+    <p:sldLayoutId id="2147483651" r:id="rId3"/>
+    <p:sldLayoutId id="2147483652" r:id="rId4"/>
+    <p:sldLayoutId id="2147483653" r:id="rId5"/>
+    <p:sldLayoutId id="2147483654" r:id="rId6"/>
+    <p:sldLayoutId id="2147483655" r:id="rId7"/>
+    <p:sldLayoutId id="2147483656" r:id="rId8"/>
+    <p:sldLayoutId id="2147483657" r:id="rId9"/>
+    <p:sldLayoutId id="2147483658" r:id="rId10"/>
+    <p:sldLayoutId id="2147483659" r:id="rId11"/>
+    <p:sldLayoutId id="2147483660" r:id="rId12"/>
+    <p:sldLayoutId id="2147483661" r:id="rId13"/>
+    <p:sldLayoutId id="2147483662" r:id="rId14"/>
+    <p:sldLayoutId id="2147483663" r:id="rId15"/>
   </p:sldLayoutIdLst>
-  <p:transition xmlns:p14="http://schemas.microsoft.com/office/powerpoint/2010/main" spd="med" advClick="1"/>
+  <p:transition spd="med"/>
   <p:txStyles>
     <p:titleStyle>
       <a:lvl1pPr marL="0" marR="0" indent="0" algn="ctr" defTabSz="2438400" rtl="0" latinLnBrk="0">
@@ -4024,7 +4021,7 @@
         <a:buFontTx/>
         <a:buNone/>
         <a:tabLst/>
-        <a:defRPr b="0" baseline="0" cap="none" i="0" spc="-84" strike="noStrike" sz="8400" u="none">
+        <a:defRPr sz="8400" b="0" i="0" u="none" strike="noStrike" cap="none" spc="-84" baseline="0">
           <a:solidFill>
             <a:srgbClr val="000000"/>
           </a:solidFill>
@@ -4050,7 +4047,7 @@
         <a:buFontTx/>
         <a:buNone/>
         <a:tabLst/>
-        <a:defRPr b="0" baseline="0" cap="none" i="0" spc="-84" strike="noStrike" sz="8400" u="none">
+        <a:defRPr sz="8400" b="0" i="0" u="none" strike="noStrike" cap="none" spc="-84" baseline="0">
           <a:solidFill>
             <a:srgbClr val="000000"/>
           </a:solidFill>
@@ -4076,7 +4073,7 @@
         <a:buFontTx/>
         <a:buNone/>
         <a:tabLst/>
-        <a:defRPr b="0" baseline="0" cap="none" i="0" spc="-84" strike="noStrike" sz="8400" u="none">
+        <a:defRPr sz="8400" b="0" i="0" u="none" strike="noStrike" cap="none" spc="-84" baseline="0">
           <a:solidFill>
             <a:srgbClr val="000000"/>
           </a:solidFill>
@@ -4102,7 +4099,7 @@
         <a:buFontTx/>
         <a:buNone/>
         <a:tabLst/>
-        <a:defRPr b="0" baseline="0" cap="none" i="0" spc="-84" strike="noStrike" sz="8400" u="none">
+        <a:defRPr sz="8400" b="0" i="0" u="none" strike="noStrike" cap="none" spc="-84" baseline="0">
           <a:solidFill>
             <a:srgbClr val="000000"/>
           </a:solidFill>
@@ -4128,7 +4125,7 @@
         <a:buFontTx/>
         <a:buNone/>
         <a:tabLst/>
-        <a:defRPr b="0" baseline="0" cap="none" i="0" spc="-84" strike="noStrike" sz="8400" u="none">
+        <a:defRPr sz="8400" b="0" i="0" u="none" strike="noStrike" cap="none" spc="-84" baseline="0">
           <a:solidFill>
             <a:srgbClr val="000000"/>
           </a:solidFill>
@@ -4154,7 +4151,7 @@
         <a:buFontTx/>
         <a:buNone/>
         <a:tabLst/>
-        <a:defRPr b="0" baseline="0" cap="none" i="0" spc="-84" strike="noStrike" sz="8400" u="none">
+        <a:defRPr sz="8400" b="0" i="0" u="none" strike="noStrike" cap="none" spc="-84" baseline="0">
           <a:solidFill>
             <a:srgbClr val="000000"/>
           </a:solidFill>
@@ -4180,7 +4177,7 @@
         <a:buFontTx/>
         <a:buNone/>
         <a:tabLst/>
-        <a:defRPr b="0" baseline="0" cap="none" i="0" spc="-84" strike="noStrike" sz="8400" u="none">
+        <a:defRPr sz="8400" b="0" i="0" u="none" strike="noStrike" cap="none" spc="-84" baseline="0">
           <a:solidFill>
             <a:srgbClr val="000000"/>
           </a:solidFill>
@@ -4206,7 +4203,7 @@
         <a:buFontTx/>
         <a:buNone/>
         <a:tabLst/>
-        <a:defRPr b="0" baseline="0" cap="none" i="0" spc="-84" strike="noStrike" sz="8400" u="none">
+        <a:defRPr sz="8400" b="0" i="0" u="none" strike="noStrike" cap="none" spc="-84" baseline="0">
           <a:solidFill>
             <a:srgbClr val="000000"/>
           </a:solidFill>
@@ -4232,7 +4229,7 @@
         <a:buFontTx/>
         <a:buNone/>
         <a:tabLst/>
-        <a:defRPr b="0" baseline="0" cap="none" i="0" spc="-84" strike="noStrike" sz="8400" u="none">
+        <a:defRPr sz="8400" b="0" i="0" u="none" strike="noStrike" cap="none" spc="-84" baseline="0">
           <a:solidFill>
             <a:srgbClr val="000000"/>
           </a:solidFill>
@@ -4260,7 +4257,7 @@
         <a:buFontTx/>
         <a:buChar char="•"/>
         <a:tabLst/>
-        <a:defRPr b="0" baseline="0" cap="none" i="0" spc="0" strike="noStrike" sz="4400" u="none">
+        <a:defRPr sz="4400" b="0" i="0" u="none" strike="noStrike" cap="none" spc="0" baseline="0">
           <a:solidFill>
             <a:srgbClr val="000000"/>
           </a:solidFill>
@@ -4286,7 +4283,7 @@
         <a:buFontTx/>
         <a:buChar char="•"/>
         <a:tabLst/>
-        <a:defRPr b="0" baseline="0" cap="none" i="0" spc="0" strike="noStrike" sz="4400" u="none">
+        <a:defRPr sz="4400" b="0" i="0" u="none" strike="noStrike" cap="none" spc="0" baseline="0">
           <a:solidFill>
             <a:srgbClr val="000000"/>
           </a:solidFill>
@@ -4312,7 +4309,7 @@
         <a:buFontTx/>
         <a:buChar char="•"/>
         <a:tabLst/>
-        <a:defRPr b="0" baseline="0" cap="none" i="0" spc="0" strike="noStrike" sz="4400" u="none">
+        <a:defRPr sz="4400" b="0" i="0" u="none" strike="noStrike" cap="none" spc="0" baseline="0">
           <a:solidFill>
             <a:srgbClr val="000000"/>
           </a:solidFill>
@@ -4338,7 +4335,7 @@
         <a:buFontTx/>
         <a:buChar char="•"/>
         <a:tabLst/>
-        <a:defRPr b="0" baseline="0" cap="none" i="0" spc="0" strike="noStrike" sz="4400" u="none">
+        <a:defRPr sz="4400" b="0" i="0" u="none" strike="noStrike" cap="none" spc="0" baseline="0">
           <a:solidFill>
             <a:srgbClr val="000000"/>
           </a:solidFill>
@@ -4364,7 +4361,7 @@
         <a:buFontTx/>
         <a:buChar char="•"/>
         <a:tabLst/>
-        <a:defRPr b="0" baseline="0" cap="none" i="0" spc="0" strike="noStrike" sz="4400" u="none">
+        <a:defRPr sz="4400" b="0" i="0" u="none" strike="noStrike" cap="none" spc="0" baseline="0">
           <a:solidFill>
             <a:srgbClr val="000000"/>
           </a:solidFill>
@@ -4390,7 +4387,7 @@
         <a:buFontTx/>
         <a:buChar char="•"/>
         <a:tabLst/>
-        <a:defRPr b="0" baseline="0" cap="none" i="0" spc="0" strike="noStrike" sz="4400" u="none">
+        <a:defRPr sz="4400" b="0" i="0" u="none" strike="noStrike" cap="none" spc="0" baseline="0">
           <a:solidFill>
             <a:srgbClr val="000000"/>
           </a:solidFill>
@@ -4416,7 +4413,7 @@
         <a:buFontTx/>
         <a:buChar char="•"/>
         <a:tabLst/>
-        <a:defRPr b="0" baseline="0" cap="none" i="0" spc="0" strike="noStrike" sz="4400" u="none">
+        <a:defRPr sz="4400" b="0" i="0" u="none" strike="noStrike" cap="none" spc="0" baseline="0">
           <a:solidFill>
             <a:srgbClr val="000000"/>
           </a:solidFill>
@@ -4442,7 +4439,7 @@
         <a:buFontTx/>
         <a:buChar char="•"/>
         <a:tabLst/>
-        <a:defRPr b="0" baseline="0" cap="none" i="0" spc="0" strike="noStrike" sz="4400" u="none">
+        <a:defRPr sz="4400" b="0" i="0" u="none" strike="noStrike" cap="none" spc="0" baseline="0">
           <a:solidFill>
             <a:srgbClr val="000000"/>
           </a:solidFill>
@@ -4468,7 +4465,7 @@
         <a:buFontTx/>
         <a:buChar char="•"/>
         <a:tabLst/>
-        <a:defRPr b="0" baseline="0" cap="none" i="0" spc="0" strike="noStrike" sz="4400" u="none">
+        <a:defRPr sz="4400" b="0" i="0" u="none" strike="noStrike" cap="none" spc="0" baseline="0">
           <a:solidFill>
             <a:srgbClr val="000000"/>
           </a:solidFill>
@@ -4496,7 +4493,7 @@
         <a:buFontTx/>
         <a:buNone/>
         <a:tabLst/>
-        <a:defRPr b="0" baseline="0" cap="none" i="0" spc="0" strike="noStrike" sz="2000" u="none">
+        <a:defRPr sz="2000" b="0" i="0" u="none" strike="noStrike" cap="none" spc="0" baseline="0">
           <a:solidFill>
             <a:schemeClr val="tx1"/>
           </a:solidFill>
@@ -4522,7 +4519,7 @@
         <a:buFontTx/>
         <a:buNone/>
         <a:tabLst/>
-        <a:defRPr b="0" baseline="0" cap="none" i="0" spc="0" strike="noStrike" sz="2000" u="none">
+        <a:defRPr sz="2000" b="0" i="0" u="none" strike="noStrike" cap="none" spc="0" baseline="0">
           <a:solidFill>
             <a:schemeClr val="tx1"/>
           </a:solidFill>
@@ -4548,7 +4545,7 @@
         <a:buFontTx/>
         <a:buNone/>
         <a:tabLst/>
-        <a:defRPr b="0" baseline="0" cap="none" i="0" spc="0" strike="noStrike" sz="2000" u="none">
+        <a:defRPr sz="2000" b="0" i="0" u="none" strike="noStrike" cap="none" spc="0" baseline="0">
           <a:solidFill>
             <a:schemeClr val="tx1"/>
           </a:solidFill>
@@ -4574,7 +4571,7 @@
         <a:buFontTx/>
         <a:buNone/>
         <a:tabLst/>
-        <a:defRPr b="0" baseline="0" cap="none" i="0" spc="0" strike="noStrike" sz="2000" u="none">
+        <a:defRPr sz="2000" b="0" i="0" u="none" strike="noStrike" cap="none" spc="0" baseline="0">
           <a:solidFill>
             <a:schemeClr val="tx1"/>
           </a:solidFill>
@@ -4600,7 +4597,7 @@
         <a:buFontTx/>
         <a:buNone/>
         <a:tabLst/>
-        <a:defRPr b="0" baseline="0" cap="none" i="0" spc="0" strike="noStrike" sz="2000" u="none">
+        <a:defRPr sz="2000" b="0" i="0" u="none" strike="noStrike" cap="none" spc="0" baseline="0">
           <a:solidFill>
             <a:schemeClr val="tx1"/>
           </a:solidFill>
@@ -4626,7 +4623,7 @@
         <a:buFontTx/>
         <a:buNone/>
         <a:tabLst/>
-        <a:defRPr b="0" baseline="0" cap="none" i="0" spc="0" strike="noStrike" sz="2000" u="none">
+        <a:defRPr sz="2000" b="0" i="0" u="none" strike="noStrike" cap="none" spc="0" baseline="0">
           <a:solidFill>
             <a:schemeClr val="tx1"/>
           </a:solidFill>
@@ -4652,7 +4649,7 @@
         <a:buFontTx/>
         <a:buNone/>
         <a:tabLst/>
-        <a:defRPr b="0" baseline="0" cap="none" i="0" spc="0" strike="noStrike" sz="2000" u="none">
+        <a:defRPr sz="2000" b="0" i="0" u="none" strike="noStrike" cap="none" spc="0" baseline="0">
           <a:solidFill>
             <a:schemeClr val="tx1"/>
           </a:solidFill>
@@ -4678,7 +4675,7 @@
         <a:buFontTx/>
         <a:buNone/>
         <a:tabLst/>
-        <a:defRPr b="0" baseline="0" cap="none" i="0" spc="0" strike="noStrike" sz="2000" u="none">
+        <a:defRPr sz="2000" b="0" i="0" u="none" strike="noStrike" cap="none" spc="0" baseline="0">
           <a:solidFill>
             <a:schemeClr val="tx1"/>
           </a:solidFill>
@@ -4704,7 +4701,7 @@
         <a:buFontTx/>
         <a:buNone/>
         <a:tabLst/>
-        <a:defRPr b="0" baseline="0" cap="none" i="0" spc="0" strike="noStrike" sz="2000" u="none">
+        <a:defRPr sz="2000" b="0" i="0" u="none" strike="noStrike" cap="none" spc="0" baseline="0">
           <a:solidFill>
             <a:schemeClr val="tx1"/>
           </a:solidFill>
@@ -4721,7 +4718,7 @@
 </file>
 
 <file path=ppt/slides/slide1.xml><?xml version="1.0" encoding="utf-8"?>
-<p:sld xmlns:a="http://schemas.openxmlformats.org/drawingml/2006/main" xmlns:r="http://schemas.openxmlformats.org/officeDocument/2006/relationships" xmlns:p="http://schemas.openxmlformats.org/presentationml/2006/main" xmlns:m="http://schemas.openxmlformats.org/officeDocument/2006/math" xmlns:a14="http://schemas.microsoft.com/office/drawing/2010/main" showMasterSp="1" showMasterPhAnim="1">
+<p:sld xmlns:a="http://schemas.openxmlformats.org/drawingml/2006/main" xmlns:r="http://schemas.openxmlformats.org/officeDocument/2006/relationships" xmlns:p="http://schemas.openxmlformats.org/presentationml/2006/main">
   <p:cSld>
     <p:spTree>
       <p:nvGrpSpPr>
@@ -4740,7 +4737,9 @@
       <p:sp>
         <p:nvSpPr>
           <p:cNvPr id="151" name="The Witcher"/>
-          <p:cNvSpPr txBox="1"/>
+          <p:cNvSpPr txBox="1">
+            <a:spLocks noGrp="1"/>
+          </p:cNvSpPr>
           <p:nvPr>
             <p:ph type="ctrTitle"/>
           </p:nvPr>
@@ -4754,7 +4753,6 @@
           <a:bodyPr/>
           <a:lstStyle/>
           <a:p>
-            <a:pPr/>
             <a:r>
               <a:t>The Witcher</a:t>
             </a:r>
@@ -4764,7 +4762,9 @@
       <p:sp>
         <p:nvSpPr>
           <p:cNvPr id="152" name="Jake Guerrero"/>
-          <p:cNvSpPr txBox="1"/>
+          <p:cNvSpPr txBox="1">
+            <a:spLocks noGrp="1"/>
+          </p:cNvSpPr>
           <p:nvPr>
             <p:ph type="subTitle" sz="quarter" idx="1"/>
           </p:nvPr>
@@ -4778,7 +4778,6 @@
           <a:bodyPr/>
           <a:lstStyle/>
           <a:p>
-            <a:pPr/>
             <a:r>
               <a:t>Jake Guerrero</a:t>
             </a:r>
@@ -4790,12 +4789,12 @@
   <p:clrMapOvr>
     <a:masterClrMapping/>
   </p:clrMapOvr>
-  <p:transition xmlns:p14="http://schemas.microsoft.com/office/powerpoint/2010/main" spd="med" advClick="1"/>
+  <p:transition spd="med"/>
 </p:sld>
 </file>
 
 <file path=ppt/slides/slide2.xml><?xml version="1.0" encoding="utf-8"?>
-<p:sld xmlns:a="http://schemas.openxmlformats.org/drawingml/2006/main" xmlns:r="http://schemas.openxmlformats.org/officeDocument/2006/relationships" xmlns:p="http://schemas.openxmlformats.org/presentationml/2006/main" xmlns:m="http://schemas.openxmlformats.org/officeDocument/2006/math" xmlns:a14="http://schemas.microsoft.com/office/drawing/2010/main" showMasterSp="1" showMasterPhAnim="1">
+<p:sld xmlns:a="http://schemas.openxmlformats.org/drawingml/2006/main" xmlns:r="http://schemas.openxmlformats.org/officeDocument/2006/relationships" xmlns:p="http://schemas.openxmlformats.org/presentationml/2006/main">
   <p:cSld>
     <p:spTree>
       <p:nvGrpSpPr>
@@ -4814,7 +4813,9 @@
       <p:sp>
         <p:nvSpPr>
           <p:cNvPr id="154" name="What is the Witcher?"/>
-          <p:cNvSpPr txBox="1"/>
+          <p:cNvSpPr txBox="1">
+            <a:spLocks noGrp="1"/>
+          </p:cNvSpPr>
           <p:nvPr>
             <p:ph type="title"/>
           </p:nvPr>
@@ -4828,7 +4829,6 @@
           <a:bodyPr/>
           <a:lstStyle/>
           <a:p>
-            <a:pPr/>
             <a:r>
               <a:t>What is the Witcher?</a:t>
             </a:r>
@@ -4838,7 +4838,9 @@
       <p:sp>
         <p:nvSpPr>
           <p:cNvPr id="155" name="“The Witcher” is a book, game, and Netflix tv series. A Witcher is mainly work of men, who were either orphaned or given to a school, to train to kill monsters from a young age. The training is rigorous, studying to kill monsters, even humans, elves, and"/>
-          <p:cNvSpPr txBox="1"/>
+          <p:cNvSpPr txBox="1">
+            <a:spLocks noGrp="1"/>
+          </p:cNvSpPr>
           <p:nvPr>
             <p:ph type="body" sz="half" idx="1"/>
           </p:nvPr>
@@ -4863,7 +4865,6 @@
             </a:lvl1pPr>
           </a:lstStyle>
           <a:p>
-            <a:pPr/>
             <a:r>
               <a:t>“The Witcher” is a book, game, and Netflix tv series. A Witcher is mainly work of men, who were either orphaned or given to a school, to train to kill monsters from a young age. The training is rigorous, studying to kill monsters, even humans, elves, and dwarves. The training of these Witchers leaves only 3 out of 10 people to live through the training. The books, games, and Netflix show follows four characters: a mage named Yennifer of Vengerberg, a princess Ciri of Cintra, a bard named Dandelion or Jaskier depending on the source, and a Witcher named Gerald of Rivia.</a:t>
             </a:r>
@@ -4879,9 +4880,7 @@
           <p:nvPr/>
         </p:nvPicPr>
         <p:blipFill>
-          <a:blip r:embed="rId2">
-            <a:extLst/>
-          </a:blip>
+          <a:blip r:embed="rId2"/>
           <a:stretch>
             <a:fillRect/>
           </a:stretch>
@@ -4904,12 +4903,12 @@
   <p:clrMapOvr>
     <a:masterClrMapping/>
   </p:clrMapOvr>
-  <p:transition xmlns:p14="http://schemas.microsoft.com/office/powerpoint/2010/main" spd="med" advClick="1"/>
+  <p:transition spd="med"/>
 </p:sld>
 </file>
 
 <file path=ppt/slides/slide3.xml><?xml version="1.0" encoding="utf-8"?>
-<p:sld xmlns:a="http://schemas.openxmlformats.org/drawingml/2006/main" xmlns:r="http://schemas.openxmlformats.org/officeDocument/2006/relationships" xmlns:p="http://schemas.openxmlformats.org/presentationml/2006/main" xmlns:m="http://schemas.openxmlformats.org/officeDocument/2006/math" xmlns:a14="http://schemas.microsoft.com/office/drawing/2010/main" showMasterSp="1" showMasterPhAnim="1">
+<p:sld xmlns:a="http://schemas.openxmlformats.org/drawingml/2006/main" xmlns:r="http://schemas.openxmlformats.org/officeDocument/2006/relationships" xmlns:p="http://schemas.openxmlformats.org/presentationml/2006/main">
   <p:cSld>
     <p:spTree>
       <p:nvGrpSpPr>
@@ -4928,7 +4927,9 @@
       <p:sp>
         <p:nvSpPr>
           <p:cNvPr id="158" name="Show Views"/>
-          <p:cNvSpPr txBox="1"/>
+          <p:cNvSpPr txBox="1">
+            <a:spLocks noGrp="1"/>
+          </p:cNvSpPr>
           <p:nvPr>
             <p:ph type="title"/>
           </p:nvPr>
@@ -4942,8 +4943,8 @@
           <a:bodyPr/>
           <a:lstStyle/>
           <a:p>
-            <a:pPr/>
             <a:r>
+              <a:rPr dirty="0"/>
               <a:t>Show Views</a:t>
             </a:r>
           </a:p>
@@ -4959,16 +4960,18 @@
           <a:off x="1369394" y="2566696"/>
           <a:ext cx="10784803" cy="9340078"/>
         </p:xfrm>
-        <a:graphic xmlns:a="http://schemas.openxmlformats.org/drawingml/2006/main">
+        <a:graphic>
           <a:graphicData uri="http://schemas.openxmlformats.org/drawingml/2006/chart">
-            <c:chart xmlns:c="http://schemas.openxmlformats.org/drawingml/2006/chart" r:id="rId2"/>
+            <c:chart xmlns:c="http://schemas.openxmlformats.org/drawingml/2006/chart" xmlns:r="http://schemas.openxmlformats.org/officeDocument/2006/relationships" r:id="rId2"/>
           </a:graphicData>
         </a:graphic>
       </p:graphicFrame>
       <p:sp>
         <p:nvSpPr>
           <p:cNvPr id="160" name="The show, in millions, brought a lot of attention when Netflix adapted the books and video games. Season 1 of the show brought over 501 million views during December holidays of 2019. When season 2 dropped during the December holidays 2021, the show 462."/>
-          <p:cNvSpPr txBox="1"/>
+          <p:cNvSpPr txBox="1">
+            <a:spLocks noGrp="1"/>
+          </p:cNvSpPr>
           <p:nvPr>
             <p:ph type="body" sz="half" idx="4294967295"/>
           </p:nvPr>
@@ -4986,9 +4989,172 @@
           <a:bodyPr/>
           <a:lstStyle/>
           <a:p>
-            <a:pPr/>
             <a:r>
               <a:t>The show, in millions, brought a lot of attention when Netflix adapted the books and video games. Season 1 of the show brought over 501 million views during December holidays of 2019. When season 2 dropped during the December holidays 2021, the show 462.5 million after release. In the span of three to four days with season 3 coming out of June 2023, the Witcher brought about 66.5 million views.</a:t>
+            </a:r>
+          </a:p>
+        </p:txBody>
+      </p:sp>
+      <p:sp>
+        <p:nvSpPr>
+          <p:cNvPr id="2" name="TextBox 1">
+            <a:extLst>
+              <a:ext uri="{FF2B5EF4-FFF2-40B4-BE49-F238E27FC236}">
+                <a16:creationId xmlns:a16="http://schemas.microsoft.com/office/drawing/2014/main" id="{2D0A8DE3-803D-C84D-AB6E-E2BD9DB8F02D}"/>
+              </a:ext>
+            </a:extLst>
+          </p:cNvPr>
+          <p:cNvSpPr txBox="1"/>
+          <p:nvPr/>
+        </p:nvSpPr>
+        <p:spPr>
+          <a:xfrm>
+            <a:off x="4928839" y="11984291"/>
+            <a:ext cx="5464098" cy="434991"/>
+          </a:xfrm>
+          <a:prstGeom prst="rect">
+            <a:avLst/>
+          </a:prstGeom>
+          <a:noFill/>
+          <a:ln w="12700" cap="flat">
+            <a:noFill/>
+            <a:miter lim="400000"/>
+          </a:ln>
+          <a:effectLst/>
+          <a:sp3d/>
+        </p:spPr>
+        <p:style>
+          <a:lnRef idx="0">
+            <a:scrgbClr r="0" g="0" b="0"/>
+          </a:lnRef>
+          <a:fillRef idx="0">
+            <a:scrgbClr r="0" g="0" b="0"/>
+          </a:fillRef>
+          <a:effectRef idx="0">
+            <a:scrgbClr r="0" g="0" b="0"/>
+          </a:effectRef>
+          <a:fontRef idx="none"/>
+        </p:style>
+        <p:txBody>
+          <a:bodyPr rot="0" spcFirstLastPara="1" vertOverflow="overflow" horzOverflow="overflow" vert="horz" wrap="square" lIns="50800" tIns="50800" rIns="50800" bIns="50800" numCol="1" spcCol="38100" rtlCol="0" anchor="ctr">
+            <a:spAutoFit/>
+          </a:bodyPr>
+          <a:lstStyle/>
+          <a:p>
+            <a:pPr marL="0" marR="0" indent="0" algn="ctr" defTabSz="2438400" rtl="0" fontAlgn="auto" latinLnBrk="0" hangingPunct="0">
+              <a:lnSpc>
+                <a:spcPct val="90000"/>
+              </a:lnSpc>
+              <a:spcBef>
+                <a:spcPts val="0"/>
+              </a:spcBef>
+              <a:spcAft>
+                <a:spcPts val="0"/>
+              </a:spcAft>
+              <a:buClrTx/>
+              <a:buSzTx/>
+              <a:buFontTx/>
+              <a:buNone/>
+              <a:tabLst/>
+            </a:pPr>
+            <a:r>
+              <a:rPr kumimoji="0" lang="en-US" sz="2400" b="0" i="0" u="none" strike="noStrike" cap="none" spc="0" normalizeH="0" baseline="0" dirty="0">
+                <a:ln>
+                  <a:noFill/>
+                </a:ln>
+                <a:solidFill>
+                  <a:srgbClr val="000000"/>
+                </a:solidFill>
+                <a:effectLst/>
+                <a:uFillTx/>
+                <a:latin typeface="Canela Text Regular"/>
+                <a:ea typeface="Canela Text Regular"/>
+                <a:cs typeface="Canela Text Regular"/>
+                <a:sym typeface="Canela Text Regular"/>
+              </a:rPr>
+              <a:t>By Seasons</a:t>
+            </a:r>
+          </a:p>
+        </p:txBody>
+      </p:sp>
+      <p:sp>
+        <p:nvSpPr>
+          <p:cNvPr id="3" name="TextBox 2">
+            <a:extLst>
+              <a:ext uri="{FF2B5EF4-FFF2-40B4-BE49-F238E27FC236}">
+                <a16:creationId xmlns:a16="http://schemas.microsoft.com/office/drawing/2014/main" id="{355FD8D0-0165-BFE8-F3CF-E5C92AB9D468}"/>
+              </a:ext>
+            </a:extLst>
+          </p:cNvPr>
+          <p:cNvSpPr txBox="1"/>
+          <p:nvPr/>
+        </p:nvSpPr>
+        <p:spPr>
+          <a:xfrm>
+            <a:off x="94060" y="6075104"/>
+            <a:ext cx="2550667" cy="767390"/>
+          </a:xfrm>
+          <a:prstGeom prst="rect">
+            <a:avLst/>
+          </a:prstGeom>
+          <a:noFill/>
+          <a:ln w="12700" cap="flat">
+            <a:noFill/>
+            <a:miter lim="400000"/>
+          </a:ln>
+          <a:effectLst/>
+          <a:sp3d/>
+        </p:spPr>
+        <p:style>
+          <a:lnRef idx="0">
+            <a:scrgbClr r="0" g="0" b="0"/>
+          </a:lnRef>
+          <a:fillRef idx="0">
+            <a:scrgbClr r="0" g="0" b="0"/>
+          </a:fillRef>
+          <a:effectRef idx="0">
+            <a:scrgbClr r="0" g="0" b="0"/>
+          </a:effectRef>
+          <a:fontRef idx="none"/>
+        </p:style>
+        <p:txBody>
+          <a:bodyPr rot="0" spcFirstLastPara="1" vertOverflow="overflow" horzOverflow="overflow" vert="horz" wrap="square" lIns="50800" tIns="50800" rIns="50800" bIns="50800" numCol="1" spcCol="38100" rtlCol="0" anchor="ctr">
+            <a:spAutoFit/>
+          </a:bodyPr>
+          <a:lstStyle/>
+          <a:p>
+            <a:pPr marL="0" marR="0" indent="0" algn="ctr" defTabSz="2438400" rtl="0" fontAlgn="auto" latinLnBrk="0" hangingPunct="0">
+              <a:lnSpc>
+                <a:spcPct val="90000"/>
+              </a:lnSpc>
+              <a:spcBef>
+                <a:spcPts val="0"/>
+              </a:spcBef>
+              <a:spcAft>
+                <a:spcPts val="0"/>
+              </a:spcAft>
+              <a:buClrTx/>
+              <a:buSzTx/>
+              <a:buFontTx/>
+              <a:buNone/>
+              <a:tabLst/>
+            </a:pPr>
+            <a:r>
+              <a:rPr kumimoji="0" lang="en-US" sz="2400" b="0" i="0" u="none" strike="noStrike" cap="none" spc="0" normalizeH="0" baseline="0" dirty="0">
+                <a:ln>
+                  <a:noFill/>
+                </a:ln>
+                <a:solidFill>
+                  <a:srgbClr val="000000"/>
+                </a:solidFill>
+                <a:effectLst/>
+                <a:uFillTx/>
+                <a:latin typeface="Canela Text Regular"/>
+                <a:ea typeface="Canela Text Regular"/>
+                <a:cs typeface="Canela Text Regular"/>
+                <a:sym typeface="Canela Text Regular"/>
+              </a:rPr>
+              <a:t>Views by Season in millions</a:t>
             </a:r>
           </a:p>
         </p:txBody>
@@ -4998,12 +5164,12 @@
   <p:clrMapOvr>
     <a:masterClrMapping/>
   </p:clrMapOvr>
-  <p:transition xmlns:p14="http://schemas.microsoft.com/office/powerpoint/2010/main" spd="med" advClick="1"/>
+  <p:transition spd="med"/>
 </p:sld>
 </file>
 
 <file path=ppt/slides/slide4.xml><?xml version="1.0" encoding="utf-8"?>
-<p:sld xmlns:a="http://schemas.openxmlformats.org/drawingml/2006/main" xmlns:r="http://schemas.openxmlformats.org/officeDocument/2006/relationships" xmlns:p="http://schemas.openxmlformats.org/presentationml/2006/main" xmlns:m="http://schemas.openxmlformats.org/officeDocument/2006/math" xmlns:a14="http://schemas.microsoft.com/office/drawing/2010/main" showMasterSp="1" showMasterPhAnim="1">
+<p:sld xmlns:a="http://schemas.openxmlformats.org/drawingml/2006/main" xmlns:r="http://schemas.openxmlformats.org/officeDocument/2006/relationships" xmlns:p="http://schemas.openxmlformats.org/presentationml/2006/main">
   <p:cSld>
     <p:spTree>
       <p:nvGrpSpPr>
@@ -5022,7 +5188,9 @@
       <p:sp>
         <p:nvSpPr>
           <p:cNvPr id="162" name="Book Sales"/>
-          <p:cNvSpPr txBox="1"/>
+          <p:cNvSpPr txBox="1">
+            <a:spLocks noGrp="1"/>
+          </p:cNvSpPr>
           <p:nvPr>
             <p:ph type="title"/>
           </p:nvPr>
@@ -5036,7 +5204,6 @@
           <a:bodyPr/>
           <a:lstStyle/>
           <a:p>
-            <a:pPr/>
             <a:r>
               <a:t>Book Sales</a:t>
             </a:r>
@@ -5053,16 +5220,18 @@
           <a:off x="766410" y="4055771"/>
           <a:ext cx="9079539" cy="7088116"/>
         </p:xfrm>
-        <a:graphic xmlns:a="http://schemas.openxmlformats.org/drawingml/2006/main">
+        <a:graphic>
           <a:graphicData uri="http://schemas.openxmlformats.org/drawingml/2006/chart">
-            <c:chart xmlns:c="http://schemas.openxmlformats.org/drawingml/2006/chart" r:id="rId2"/>
+            <c:chart xmlns:c="http://schemas.openxmlformats.org/drawingml/2006/chart" xmlns:r="http://schemas.openxmlformats.org/officeDocument/2006/relationships" r:id="rId2"/>
           </a:graphicData>
         </a:graphic>
       </p:graphicFrame>
       <p:sp>
         <p:nvSpPr>
           <p:cNvPr id="164" name="The Witcher books were written by a Polish author named Andrzej Sapkowski and was first published, through a magazine competition, in 1986. Because of the popularity then, 14 books were published. Around October of 2013, over 6 million copies of the book"/>
-          <p:cNvSpPr txBox="1"/>
+          <p:cNvSpPr txBox="1">
+            <a:spLocks noGrp="1"/>
+          </p:cNvSpPr>
           <p:nvPr>
             <p:ph type="body" sz="half" idx="4294967295"/>
           </p:nvPr>
@@ -5080,10 +5249,184 @@
           <a:bodyPr/>
           <a:lstStyle/>
           <a:p>
-            <a:pPr/>
             <a:r>
-              <a:t>The Witcher books were written by a Polish author named Andrzej Sapkowski and was first published, through a magazine competition, in 1986. Because of the popularity then, 14 books were published. Around October of 2013, over 6 million copies of the books were sold. Once the games were released, more books were sold. When Netflix came out with the show in 2019, over 40 million books were sold world wide. As of 2023, more than 75 million copies were sold, making the series very popular among show and game fanatics.</a:t>
+              <a:rPr dirty="0"/>
+              <a:t>The Witcher books were written by a Polish author named Andrzej </a:t>
             </a:r>
+            <a:r>
+              <a:rPr dirty="0" err="1"/>
+              <a:t>Sapkowski</a:t>
+            </a:r>
+            <a:r>
+              <a:rPr dirty="0"/>
+              <a:t> and was first published, through a magazine competition, in 1986. Because of the popularity then, 14 books were published. Around October of 2013, over 6 million copies of the books were sold. Once the games were released, more books were sold. When Netflix came out with the show in 2019, over 40 million books were sold world wide. As of 2023, more than 75 million copies were sold, making the series very popular among show and game fanatics.</a:t>
+            </a:r>
+          </a:p>
+        </p:txBody>
+      </p:sp>
+      <p:sp>
+        <p:nvSpPr>
+          <p:cNvPr id="2" name="TextBox 1">
+            <a:extLst>
+              <a:ext uri="{FF2B5EF4-FFF2-40B4-BE49-F238E27FC236}">
+                <a16:creationId xmlns:a16="http://schemas.microsoft.com/office/drawing/2014/main" id="{C81AFB8B-3940-ADA6-5542-256EEFAC034E}"/>
+              </a:ext>
+            </a:extLst>
+          </p:cNvPr>
+          <p:cNvSpPr txBox="1"/>
+          <p:nvPr/>
+        </p:nvSpPr>
+        <p:spPr>
+          <a:xfrm>
+            <a:off x="1828800" y="11143887"/>
+            <a:ext cx="5464098" cy="434991"/>
+          </a:xfrm>
+          <a:prstGeom prst="rect">
+            <a:avLst/>
+          </a:prstGeom>
+          <a:noFill/>
+          <a:ln w="12700" cap="flat">
+            <a:noFill/>
+            <a:miter lim="400000"/>
+          </a:ln>
+          <a:effectLst/>
+          <a:sp3d/>
+        </p:spPr>
+        <p:style>
+          <a:lnRef idx="0">
+            <a:scrgbClr r="0" g="0" b="0"/>
+          </a:lnRef>
+          <a:fillRef idx="0">
+            <a:scrgbClr r="0" g="0" b="0"/>
+          </a:fillRef>
+          <a:effectRef idx="0">
+            <a:scrgbClr r="0" g="0" b="0"/>
+          </a:effectRef>
+          <a:fontRef idx="none"/>
+        </p:style>
+        <p:txBody>
+          <a:bodyPr rot="0" spcFirstLastPara="1" vertOverflow="overflow" horzOverflow="overflow" vert="horz" wrap="square" lIns="50800" tIns="50800" rIns="50800" bIns="50800" numCol="1" spcCol="38100" rtlCol="0" anchor="ctr">
+            <a:spAutoFit/>
+          </a:bodyPr>
+          <a:lstStyle/>
+          <a:p>
+            <a:pPr marL="0" marR="0" indent="0" algn="ctr" defTabSz="2438400" rtl="0" fontAlgn="auto" latinLnBrk="0" hangingPunct="0">
+              <a:lnSpc>
+                <a:spcPct val="90000"/>
+              </a:lnSpc>
+              <a:spcBef>
+                <a:spcPts val="0"/>
+              </a:spcBef>
+              <a:spcAft>
+                <a:spcPts val="0"/>
+              </a:spcAft>
+              <a:buClrTx/>
+              <a:buSzTx/>
+              <a:buFontTx/>
+              <a:buNone/>
+              <a:tabLst/>
+            </a:pPr>
+            <a:r>
+              <a:rPr lang="en-US" dirty="0"/>
+              <a:t>Sales by years</a:t>
+            </a:r>
+            <a:endParaRPr kumimoji="0" lang="en-US" sz="2400" b="0" i="0" u="none" strike="noStrike" cap="none" spc="0" normalizeH="0" baseline="0" dirty="0">
+              <a:ln>
+                <a:noFill/>
+              </a:ln>
+              <a:solidFill>
+                <a:srgbClr val="000000"/>
+              </a:solidFill>
+              <a:effectLst/>
+              <a:uFillTx/>
+              <a:latin typeface="Canela Text Regular"/>
+              <a:ea typeface="Canela Text Regular"/>
+              <a:cs typeface="Canela Text Regular"/>
+              <a:sym typeface="Canela Text Regular"/>
+            </a:endParaRPr>
+          </a:p>
+        </p:txBody>
+      </p:sp>
+      <p:sp>
+        <p:nvSpPr>
+          <p:cNvPr id="3" name="TextBox 2">
+            <a:extLst>
+              <a:ext uri="{FF2B5EF4-FFF2-40B4-BE49-F238E27FC236}">
+                <a16:creationId xmlns:a16="http://schemas.microsoft.com/office/drawing/2014/main" id="{E9DDA198-61CC-DDB2-2935-7A48C696ADF9}"/>
+              </a:ext>
+            </a:extLst>
+          </p:cNvPr>
+          <p:cNvSpPr txBox="1"/>
+          <p:nvPr/>
+        </p:nvSpPr>
+        <p:spPr>
+          <a:xfrm>
+            <a:off x="89210" y="6474305"/>
+            <a:ext cx="1918010" cy="767390"/>
+          </a:xfrm>
+          <a:prstGeom prst="rect">
+            <a:avLst/>
+          </a:prstGeom>
+          <a:noFill/>
+          <a:ln w="12700" cap="flat">
+            <a:noFill/>
+            <a:miter lim="400000"/>
+          </a:ln>
+          <a:effectLst/>
+          <a:sp3d/>
+        </p:spPr>
+        <p:style>
+          <a:lnRef idx="0">
+            <a:scrgbClr r="0" g="0" b="0"/>
+          </a:lnRef>
+          <a:fillRef idx="0">
+            <a:scrgbClr r="0" g="0" b="0"/>
+          </a:fillRef>
+          <a:effectRef idx="0">
+            <a:scrgbClr r="0" g="0" b="0"/>
+          </a:effectRef>
+          <a:fontRef idx="none"/>
+        </p:style>
+        <p:txBody>
+          <a:bodyPr rot="0" spcFirstLastPara="1" vertOverflow="overflow" horzOverflow="overflow" vert="horz" wrap="square" lIns="50800" tIns="50800" rIns="50800" bIns="50800" numCol="1" spcCol="38100" rtlCol="0" anchor="ctr">
+            <a:spAutoFit/>
+          </a:bodyPr>
+          <a:lstStyle/>
+          <a:p>
+            <a:pPr marL="0" marR="0" indent="0" algn="ctr" defTabSz="2438400" rtl="0" fontAlgn="auto" latinLnBrk="0" hangingPunct="0">
+              <a:lnSpc>
+                <a:spcPct val="90000"/>
+              </a:lnSpc>
+              <a:spcBef>
+                <a:spcPts val="0"/>
+              </a:spcBef>
+              <a:spcAft>
+                <a:spcPts val="0"/>
+              </a:spcAft>
+              <a:buClrTx/>
+              <a:buSzTx/>
+              <a:buFontTx/>
+              <a:buNone/>
+              <a:tabLst/>
+            </a:pPr>
+            <a:r>
+              <a:rPr lang="en-US" dirty="0"/>
+              <a:t>Books by unit in millions</a:t>
+            </a:r>
+            <a:endParaRPr kumimoji="0" lang="en-US" sz="2400" b="0" i="0" u="none" strike="noStrike" cap="none" spc="0" normalizeH="0" baseline="0" dirty="0">
+              <a:ln>
+                <a:noFill/>
+              </a:ln>
+              <a:solidFill>
+                <a:srgbClr val="000000"/>
+              </a:solidFill>
+              <a:effectLst/>
+              <a:uFillTx/>
+              <a:latin typeface="Canela Text Regular"/>
+              <a:ea typeface="Canela Text Regular"/>
+              <a:cs typeface="Canela Text Regular"/>
+              <a:sym typeface="Canela Text Regular"/>
+            </a:endParaRPr>
           </a:p>
         </p:txBody>
       </p:sp>
@@ -5092,12 +5435,12 @@
   <p:clrMapOvr>
     <a:masterClrMapping/>
   </p:clrMapOvr>
-  <p:transition xmlns:p14="http://schemas.microsoft.com/office/powerpoint/2010/main" spd="med" advClick="1"/>
+  <p:transition spd="med"/>
 </p:sld>
 </file>
 
 <file path=ppt/slides/slide5.xml><?xml version="1.0" encoding="utf-8"?>
-<p:sld xmlns:a="http://schemas.openxmlformats.org/drawingml/2006/main" xmlns:r="http://schemas.openxmlformats.org/officeDocument/2006/relationships" xmlns:p="http://schemas.openxmlformats.org/presentationml/2006/main" xmlns:m="http://schemas.openxmlformats.org/officeDocument/2006/math" xmlns:a14="http://schemas.microsoft.com/office/drawing/2010/main" showMasterSp="1" showMasterPhAnim="1">
+<p:sld xmlns:a="http://schemas.openxmlformats.org/drawingml/2006/main" xmlns:r="http://schemas.openxmlformats.org/officeDocument/2006/relationships" xmlns:p="http://schemas.openxmlformats.org/presentationml/2006/main">
   <p:cSld>
     <p:spTree>
       <p:nvGrpSpPr>
@@ -5116,7 +5459,9 @@
       <p:sp>
         <p:nvSpPr>
           <p:cNvPr id="166" name="Games"/>
-          <p:cNvSpPr txBox="1"/>
+          <p:cNvSpPr txBox="1">
+            <a:spLocks noGrp="1"/>
+          </p:cNvSpPr>
           <p:nvPr>
             <p:ph type="title"/>
           </p:nvPr>
@@ -5130,7 +5475,6 @@
           <a:bodyPr/>
           <a:lstStyle/>
           <a:p>
-            <a:pPr/>
             <a:r>
               <a:t>Games</a:t>
             </a:r>
@@ -5147,16 +5491,18 @@
           <a:off x="1459911" y="5153858"/>
           <a:ext cx="11014686" cy="7088116"/>
         </p:xfrm>
-        <a:graphic xmlns:a="http://schemas.openxmlformats.org/drawingml/2006/main">
+        <a:graphic>
           <a:graphicData uri="http://schemas.openxmlformats.org/drawingml/2006/chart">
-            <c:chart xmlns:c="http://schemas.openxmlformats.org/drawingml/2006/chart" r:id="rId2"/>
+            <c:chart xmlns:c="http://schemas.openxmlformats.org/drawingml/2006/chart" xmlns:r="http://schemas.openxmlformats.org/officeDocument/2006/relationships" r:id="rId2"/>
           </a:graphicData>
         </a:graphic>
       </p:graphicFrame>
       <p:sp>
         <p:nvSpPr>
           <p:cNvPr id="168" name="The games were a massive hit since 2007, when the first game hit shelves. CD Projekt, the company to develop the games, brought the games to life through xbox, were released through pc, playstation and the xbox, with each game following Geralt and compan"/>
-          <p:cNvSpPr txBox="1"/>
+          <p:cNvSpPr txBox="1">
+            <a:spLocks noGrp="1"/>
+          </p:cNvSpPr>
           <p:nvPr>
             <p:ph type="body" sz="half" idx="4294967295"/>
           </p:nvPr>
@@ -5181,7 +5527,6 @@
             </a:lvl1pPr>
           </a:lstStyle>
           <a:p>
-            <a:pPr/>
             <a:r>
               <a:t>The games were a massive hit since 2007, when the first game hit shelves. CD Projekt, the company to develop the games, brought the games to life through xbox, were released through pc, playstation and the xbox, with each game following Geralt and companies adventures through the Continent. The first game, after release, sold around 1 million copies through pc. A couple years later, the Witcher 2: Assassins of Kings sold over 1.7 million, while the Witcher 3: Wild hunt sold over 50 million copies in 2014 and after it’s release years later. </a:t>
             </a:r>
@@ -5193,12 +5538,12 @@
   <p:clrMapOvr>
     <a:masterClrMapping/>
   </p:clrMapOvr>
-  <p:transition xmlns:p14="http://schemas.microsoft.com/office/powerpoint/2010/main" spd="med" advClick="1"/>
+  <p:transition spd="med"/>
 </p:sld>
 </file>
 
 <file path=ppt/theme/theme1.xml><?xml version="1.0" encoding="utf-8"?>
-<a:theme xmlns:a="http://schemas.openxmlformats.org/drawingml/2006/main" xmlns:r="http://schemas.openxmlformats.org/officeDocument/2006/relationships" name="23_ClassicWhite">
+<a:theme xmlns:a="http://schemas.openxmlformats.org/drawingml/2006/main" name="23_ClassicWhite">
   <a:themeElements>
     <a:clrScheme name="23_ClassicWhite">
       <a:dk1>
@@ -5397,7 +5742,7 @@
         <a:effectLst/>
         <a:sp3d/>
       </a:spPr>
-      <a:bodyPr rot="0" spcFirstLastPara="1" vertOverflow="overflow" horzOverflow="overflow" vert="horz" wrap="square" lIns="50800" tIns="50800" rIns="50800" bIns="50800" numCol="1" spcCol="38100" rtlCol="0" anchor="ctr" upright="0">
+      <a:bodyPr rot="0" spcFirstLastPara="1" vertOverflow="overflow" horzOverflow="overflow" vert="horz" wrap="square" lIns="50800" tIns="50800" rIns="50800" bIns="50800" numCol="1" spcCol="38100" rtlCol="0" anchor="ctr">
         <a:spAutoFit/>
       </a:bodyPr>
       <a:lstStyle>
@@ -5416,7 +5761,7 @@
           <a:buFontTx/>
           <a:buNone/>
           <a:tabLst/>
-          <a:defRPr b="0" baseline="0" cap="none" i="0" spc="0" strike="noStrike" sz="3200" u="none" kumimoji="0" normalizeH="0">
+          <a:defRPr kumimoji="0" sz="3200" b="0" i="0" u="none" strike="noStrike" cap="none" spc="0" normalizeH="0" baseline="0">
             <a:ln>
               <a:noFill/>
             </a:ln>
@@ -5446,7 +5791,7 @@
           <a:buFontTx/>
           <a:buNone/>
           <a:tabLst/>
-          <a:defRPr b="0" baseline="0" cap="none" i="0" spc="0" strike="noStrike" sz="1800" u="none" kumimoji="0" normalizeH="0">
+          <a:defRPr kumimoji="0" sz="1800" b="0" i="0" u="none" strike="noStrike" cap="none" spc="0" normalizeH="0" baseline="0">
             <a:ln>
               <a:noFill/>
             </a:ln>
@@ -5472,7 +5817,7 @@
           <a:buFontTx/>
           <a:buNone/>
           <a:tabLst/>
-          <a:defRPr b="0" baseline="0" cap="none" i="0" spc="0" strike="noStrike" sz="1800" u="none" kumimoji="0" normalizeH="0">
+          <a:defRPr kumimoji="0" sz="1800" b="0" i="0" u="none" strike="noStrike" cap="none" spc="0" normalizeH="0" baseline="0">
             <a:ln>
               <a:noFill/>
             </a:ln>
@@ -5498,7 +5843,7 @@
           <a:buFontTx/>
           <a:buNone/>
           <a:tabLst/>
-          <a:defRPr b="0" baseline="0" cap="none" i="0" spc="0" strike="noStrike" sz="1800" u="none" kumimoji="0" normalizeH="0">
+          <a:defRPr kumimoji="0" sz="1800" b="0" i="0" u="none" strike="noStrike" cap="none" spc="0" normalizeH="0" baseline="0">
             <a:ln>
               <a:noFill/>
             </a:ln>
@@ -5524,7 +5869,7 @@
           <a:buFontTx/>
           <a:buNone/>
           <a:tabLst/>
-          <a:defRPr b="0" baseline="0" cap="none" i="0" spc="0" strike="noStrike" sz="1800" u="none" kumimoji="0" normalizeH="0">
+          <a:defRPr kumimoji="0" sz="1800" b="0" i="0" u="none" strike="noStrike" cap="none" spc="0" normalizeH="0" baseline="0">
             <a:ln>
               <a:noFill/>
             </a:ln>
@@ -5550,7 +5895,7 @@
           <a:buFontTx/>
           <a:buNone/>
           <a:tabLst/>
-          <a:defRPr b="0" baseline="0" cap="none" i="0" spc="0" strike="noStrike" sz="1800" u="none" kumimoji="0" normalizeH="0">
+          <a:defRPr kumimoji="0" sz="1800" b="0" i="0" u="none" strike="noStrike" cap="none" spc="0" normalizeH="0" baseline="0">
             <a:ln>
               <a:noFill/>
             </a:ln>
@@ -5576,7 +5921,7 @@
           <a:buFontTx/>
           <a:buNone/>
           <a:tabLst/>
-          <a:defRPr b="0" baseline="0" cap="none" i="0" spc="0" strike="noStrike" sz="1800" u="none" kumimoji="0" normalizeH="0">
+          <a:defRPr kumimoji="0" sz="1800" b="0" i="0" u="none" strike="noStrike" cap="none" spc="0" normalizeH="0" baseline="0">
             <a:ln>
               <a:noFill/>
             </a:ln>
@@ -5602,7 +5947,7 @@
           <a:buFontTx/>
           <a:buNone/>
           <a:tabLst/>
-          <a:defRPr b="0" baseline="0" cap="none" i="0" spc="0" strike="noStrike" sz="1800" u="none" kumimoji="0" normalizeH="0">
+          <a:defRPr kumimoji="0" sz="1800" b="0" i="0" u="none" strike="noStrike" cap="none" spc="0" normalizeH="0" baseline="0">
             <a:ln>
               <a:noFill/>
             </a:ln>
@@ -5628,7 +5973,7 @@
           <a:buFontTx/>
           <a:buNone/>
           <a:tabLst/>
-          <a:defRPr b="0" baseline="0" cap="none" i="0" spc="0" strike="noStrike" sz="1800" u="none" kumimoji="0" normalizeH="0">
+          <a:defRPr kumimoji="0" sz="1800" b="0" i="0" u="none" strike="noStrike" cap="none" spc="0" normalizeH="0" baseline="0">
             <a:ln>
               <a:noFill/>
             </a:ln>
@@ -5654,7 +5999,7 @@
           <a:buFontTx/>
           <a:buNone/>
           <a:tabLst/>
-          <a:defRPr b="0" baseline="0" cap="none" i="0" spc="0" strike="noStrike" sz="1800" u="none" kumimoji="0" normalizeH="0">
+          <a:defRPr kumimoji="0" sz="1800" b="0" i="0" u="none" strike="noStrike" cap="none" spc="0" normalizeH="0" baseline="0">
             <a:ln>
               <a:noFill/>
             </a:ln>
@@ -5667,9 +6012,15 @@
         </a:lvl9pPr>
       </a:lstStyle>
       <a:style>
-        <a:lnRef idx="0"/>
-        <a:fillRef idx="0"/>
-        <a:effectRef idx="0"/>
+        <a:lnRef idx="0">
+          <a:scrgbClr r="0" g="0" b="0"/>
+        </a:lnRef>
+        <a:fillRef idx="0">
+          <a:scrgbClr r="0" g="0" b="0"/>
+        </a:fillRef>
+        <a:effectRef idx="0">
+          <a:scrgbClr r="0" g="0" b="0"/>
+        </a:effectRef>
         <a:fontRef idx="none"/>
       </a:style>
     </a:spDef>
@@ -5686,7 +6037,7 @@
         <a:effectLst/>
         <a:sp3d/>
       </a:spPr>
-      <a:bodyPr rot="0" spcFirstLastPara="1" vertOverflow="overflow" horzOverflow="overflow" vert="horz" wrap="square" lIns="91439" tIns="45719" rIns="91439" bIns="45719" numCol="1" spcCol="38100" rtlCol="0" anchor="t" upright="0">
+      <a:bodyPr rot="0" spcFirstLastPara="1" vertOverflow="overflow" horzOverflow="overflow" vert="horz" wrap="square" lIns="91439" tIns="45719" rIns="91439" bIns="45719" numCol="1" spcCol="38100" rtlCol="0" anchor="t">
         <a:noAutofit/>
       </a:bodyPr>
       <a:lstStyle>
@@ -5705,7 +6056,7 @@
           <a:buFontTx/>
           <a:buNone/>
           <a:tabLst/>
-          <a:defRPr b="0" baseline="0" cap="none" i="0" spc="0" strike="noStrike" sz="1800" u="none" kumimoji="0" normalizeH="0">
+          <a:defRPr kumimoji="0" sz="1800" b="0" i="0" u="none" strike="noStrike" cap="none" spc="0" normalizeH="0" baseline="0">
             <a:ln>
               <a:noFill/>
             </a:ln>
@@ -5731,7 +6082,7 @@
           <a:buFontTx/>
           <a:buNone/>
           <a:tabLst/>
-          <a:defRPr b="0" baseline="0" cap="none" i="0" spc="0" strike="noStrike" sz="1800" u="none" kumimoji="0" normalizeH="0">
+          <a:defRPr kumimoji="0" sz="1800" b="0" i="0" u="none" strike="noStrike" cap="none" spc="0" normalizeH="0" baseline="0">
             <a:ln>
               <a:noFill/>
             </a:ln>
@@ -5757,7 +6108,7 @@
           <a:buFontTx/>
           <a:buNone/>
           <a:tabLst/>
-          <a:defRPr b="0" baseline="0" cap="none" i="0" spc="0" strike="noStrike" sz="1800" u="none" kumimoji="0" normalizeH="0">
+          <a:defRPr kumimoji="0" sz="1800" b="0" i="0" u="none" strike="noStrike" cap="none" spc="0" normalizeH="0" baseline="0">
             <a:ln>
               <a:noFill/>
             </a:ln>
@@ -5783,7 +6134,7 @@
           <a:buFontTx/>
           <a:buNone/>
           <a:tabLst/>
-          <a:defRPr b="0" baseline="0" cap="none" i="0" spc="0" strike="noStrike" sz="1800" u="none" kumimoji="0" normalizeH="0">
+          <a:defRPr kumimoji="0" sz="1800" b="0" i="0" u="none" strike="noStrike" cap="none" spc="0" normalizeH="0" baseline="0">
             <a:ln>
               <a:noFill/>
             </a:ln>
@@ -5809,7 +6160,7 @@
           <a:buFontTx/>
           <a:buNone/>
           <a:tabLst/>
-          <a:defRPr b="0" baseline="0" cap="none" i="0" spc="0" strike="noStrike" sz="1800" u="none" kumimoji="0" normalizeH="0">
+          <a:defRPr kumimoji="0" sz="1800" b="0" i="0" u="none" strike="noStrike" cap="none" spc="0" normalizeH="0" baseline="0">
             <a:ln>
               <a:noFill/>
             </a:ln>
@@ -5835,7 +6186,7 @@
           <a:buFontTx/>
           <a:buNone/>
           <a:tabLst/>
-          <a:defRPr b="0" baseline="0" cap="none" i="0" spc="0" strike="noStrike" sz="1800" u="none" kumimoji="0" normalizeH="0">
+          <a:defRPr kumimoji="0" sz="1800" b="0" i="0" u="none" strike="noStrike" cap="none" spc="0" normalizeH="0" baseline="0">
             <a:ln>
               <a:noFill/>
             </a:ln>
@@ -5861,7 +6212,7 @@
           <a:buFontTx/>
           <a:buNone/>
           <a:tabLst/>
-          <a:defRPr b="0" baseline="0" cap="none" i="0" spc="0" strike="noStrike" sz="1800" u="none" kumimoji="0" normalizeH="0">
+          <a:defRPr kumimoji="0" sz="1800" b="0" i="0" u="none" strike="noStrike" cap="none" spc="0" normalizeH="0" baseline="0">
             <a:ln>
               <a:noFill/>
             </a:ln>
@@ -5887,7 +6238,7 @@
           <a:buFontTx/>
           <a:buNone/>
           <a:tabLst/>
-          <a:defRPr b="0" baseline="0" cap="none" i="0" spc="0" strike="noStrike" sz="1800" u="none" kumimoji="0" normalizeH="0">
+          <a:defRPr kumimoji="0" sz="1800" b="0" i="0" u="none" strike="noStrike" cap="none" spc="0" normalizeH="0" baseline="0">
             <a:ln>
               <a:noFill/>
             </a:ln>
@@ -5913,7 +6264,7 @@
           <a:buFontTx/>
           <a:buNone/>
           <a:tabLst/>
-          <a:defRPr b="0" baseline="0" cap="none" i="0" spc="0" strike="noStrike" sz="1800" u="none" kumimoji="0" normalizeH="0">
+          <a:defRPr kumimoji="0" sz="1800" b="0" i="0" u="none" strike="noStrike" cap="none" spc="0" normalizeH="0" baseline="0">
             <a:ln>
               <a:noFill/>
             </a:ln>
@@ -5939,7 +6290,7 @@
           <a:buFontTx/>
           <a:buNone/>
           <a:tabLst/>
-          <a:defRPr b="0" baseline="0" cap="none" i="0" spc="0" strike="noStrike" sz="1800" u="none" kumimoji="0" normalizeH="0">
+          <a:defRPr kumimoji="0" sz="1800" b="0" i="0" u="none" strike="noStrike" cap="none" spc="0" normalizeH="0" baseline="0">
             <a:ln>
               <a:noFill/>
             </a:ln>
@@ -5952,9 +6303,15 @@
         </a:lvl9pPr>
       </a:lstStyle>
       <a:style>
-        <a:lnRef idx="0"/>
-        <a:fillRef idx="0"/>
-        <a:effectRef idx="0"/>
+        <a:lnRef idx="0">
+          <a:scrgbClr r="0" g="0" b="0"/>
+        </a:lnRef>
+        <a:fillRef idx="0">
+          <a:scrgbClr r="0" g="0" b="0"/>
+        </a:fillRef>
+        <a:effectRef idx="0">
+          <a:scrgbClr r="0" g="0" b="0"/>
+        </a:effectRef>
         <a:fontRef idx="none"/>
       </a:style>
     </a:lnDef>
@@ -5968,7 +6325,7 @@
         <a:effectLst/>
         <a:sp3d/>
       </a:spPr>
-      <a:bodyPr rot="0" spcFirstLastPara="1" vertOverflow="overflow" horzOverflow="overflow" vert="horz" wrap="square" lIns="50800" tIns="50800" rIns="50800" bIns="50800" numCol="1" spcCol="38100" rtlCol="0" anchor="ctr" upright="0">
+      <a:bodyPr rot="0" spcFirstLastPara="1" vertOverflow="overflow" horzOverflow="overflow" vert="horz" wrap="square" lIns="50800" tIns="50800" rIns="50800" bIns="50800" numCol="1" spcCol="38100" rtlCol="0" anchor="ctr">
         <a:spAutoFit/>
       </a:bodyPr>
       <a:lstStyle>
@@ -5987,7 +6344,7 @@
           <a:buFontTx/>
           <a:buNone/>
           <a:tabLst/>
-          <a:defRPr b="0" baseline="0" cap="none" i="0" spc="0" strike="noStrike" sz="2400" u="none" kumimoji="0" normalizeH="0">
+          <a:defRPr kumimoji="0" sz="2400" b="0" i="0" u="none" strike="noStrike" cap="none" spc="0" normalizeH="0" baseline="0">
             <a:ln>
               <a:noFill/>
             </a:ln>
@@ -6017,7 +6374,7 @@
           <a:buFontTx/>
           <a:buNone/>
           <a:tabLst/>
-          <a:defRPr b="0" baseline="0" cap="none" i="0" spc="0" strike="noStrike" sz="1800" u="none" kumimoji="0" normalizeH="0">
+          <a:defRPr kumimoji="0" sz="1800" b="0" i="0" u="none" strike="noStrike" cap="none" spc="0" normalizeH="0" baseline="0">
             <a:ln>
               <a:noFill/>
             </a:ln>
@@ -6043,7 +6400,7 @@
           <a:buFontTx/>
           <a:buNone/>
           <a:tabLst/>
-          <a:defRPr b="0" baseline="0" cap="none" i="0" spc="0" strike="noStrike" sz="1800" u="none" kumimoji="0" normalizeH="0">
+          <a:defRPr kumimoji="0" sz="1800" b="0" i="0" u="none" strike="noStrike" cap="none" spc="0" normalizeH="0" baseline="0">
             <a:ln>
               <a:noFill/>
             </a:ln>
@@ -6069,7 +6426,7 @@
           <a:buFontTx/>
           <a:buNone/>
           <a:tabLst/>
-          <a:defRPr b="0" baseline="0" cap="none" i="0" spc="0" strike="noStrike" sz="1800" u="none" kumimoji="0" normalizeH="0">
+          <a:defRPr kumimoji="0" sz="1800" b="0" i="0" u="none" strike="noStrike" cap="none" spc="0" normalizeH="0" baseline="0">
             <a:ln>
               <a:noFill/>
             </a:ln>
@@ -6095,7 +6452,7 @@
           <a:buFontTx/>
           <a:buNone/>
           <a:tabLst/>
-          <a:defRPr b="0" baseline="0" cap="none" i="0" spc="0" strike="noStrike" sz="1800" u="none" kumimoji="0" normalizeH="0">
+          <a:defRPr kumimoji="0" sz="1800" b="0" i="0" u="none" strike="noStrike" cap="none" spc="0" normalizeH="0" baseline="0">
             <a:ln>
               <a:noFill/>
             </a:ln>
@@ -6121,7 +6478,7 @@
           <a:buFontTx/>
           <a:buNone/>
           <a:tabLst/>
-          <a:defRPr b="0" baseline="0" cap="none" i="0" spc="0" strike="noStrike" sz="1800" u="none" kumimoji="0" normalizeH="0">
+          <a:defRPr kumimoji="0" sz="1800" b="0" i="0" u="none" strike="noStrike" cap="none" spc="0" normalizeH="0" baseline="0">
             <a:ln>
               <a:noFill/>
             </a:ln>
@@ -6147,7 +6504,7 @@
           <a:buFontTx/>
           <a:buNone/>
           <a:tabLst/>
-          <a:defRPr b="0" baseline="0" cap="none" i="0" spc="0" strike="noStrike" sz="1800" u="none" kumimoji="0" normalizeH="0">
+          <a:defRPr kumimoji="0" sz="1800" b="0" i="0" u="none" strike="noStrike" cap="none" spc="0" normalizeH="0" baseline="0">
             <a:ln>
               <a:noFill/>
             </a:ln>
@@ -6173,7 +6530,7 @@
           <a:buFontTx/>
           <a:buNone/>
           <a:tabLst/>
-          <a:defRPr b="0" baseline="0" cap="none" i="0" spc="0" strike="noStrike" sz="1800" u="none" kumimoji="0" normalizeH="0">
+          <a:defRPr kumimoji="0" sz="1800" b="0" i="0" u="none" strike="noStrike" cap="none" spc="0" normalizeH="0" baseline="0">
             <a:ln>
               <a:noFill/>
             </a:ln>
@@ -6199,7 +6556,7 @@
           <a:buFontTx/>
           <a:buNone/>
           <a:tabLst/>
-          <a:defRPr b="0" baseline="0" cap="none" i="0" spc="0" strike="noStrike" sz="1800" u="none" kumimoji="0" normalizeH="0">
+          <a:defRPr kumimoji="0" sz="1800" b="0" i="0" u="none" strike="noStrike" cap="none" spc="0" normalizeH="0" baseline="0">
             <a:ln>
               <a:noFill/>
             </a:ln>
@@ -6225,7 +6582,7 @@
           <a:buFontTx/>
           <a:buNone/>
           <a:tabLst/>
-          <a:defRPr b="0" baseline="0" cap="none" i="0" spc="0" strike="noStrike" sz="1800" u="none" kumimoji="0" normalizeH="0">
+          <a:defRPr kumimoji="0" sz="1800" b="0" i="0" u="none" strike="noStrike" cap="none" spc="0" normalizeH="0" baseline="0">
             <a:ln>
               <a:noFill/>
             </a:ln>
@@ -6238,18 +6595,25 @@
         </a:lvl9pPr>
       </a:lstStyle>
       <a:style>
-        <a:lnRef idx="0"/>
-        <a:fillRef idx="0"/>
-        <a:effectRef idx="0"/>
+        <a:lnRef idx="0">
+          <a:scrgbClr r="0" g="0" b="0"/>
+        </a:lnRef>
+        <a:fillRef idx="0">
+          <a:scrgbClr r="0" g="0" b="0"/>
+        </a:fillRef>
+        <a:effectRef idx="0">
+          <a:scrgbClr r="0" g="0" b="0"/>
+        </a:effectRef>
         <a:fontRef idx="none"/>
       </a:style>
     </a:txDef>
   </a:objectDefaults>
+  <a:extraClrSchemeLst/>
 </a:theme>
 </file>
 
 <file path=ppt/theme/theme2.xml><?xml version="1.0" encoding="utf-8"?>
-<a:theme xmlns:a="http://schemas.openxmlformats.org/drawingml/2006/main" xmlns:r="http://schemas.openxmlformats.org/officeDocument/2006/relationships" name="23_ClassicWhite">
+<a:theme xmlns:a="http://schemas.openxmlformats.org/drawingml/2006/main" name="23_ClassicWhite">
   <a:themeElements>
     <a:clrScheme name="23_ClassicWhite">
       <a:dk1>
@@ -6448,7 +6812,7 @@
         <a:effectLst/>
         <a:sp3d/>
       </a:spPr>
-      <a:bodyPr rot="0" spcFirstLastPara="1" vertOverflow="overflow" horzOverflow="overflow" vert="horz" wrap="square" lIns="50800" tIns="50800" rIns="50800" bIns="50800" numCol="1" spcCol="38100" rtlCol="0" anchor="ctr" upright="0">
+      <a:bodyPr rot="0" spcFirstLastPara="1" vertOverflow="overflow" horzOverflow="overflow" vert="horz" wrap="square" lIns="50800" tIns="50800" rIns="50800" bIns="50800" numCol="1" spcCol="38100" rtlCol="0" anchor="ctr">
         <a:spAutoFit/>
       </a:bodyPr>
       <a:lstStyle>
@@ -6467,7 +6831,7 @@
           <a:buFontTx/>
           <a:buNone/>
           <a:tabLst/>
-          <a:defRPr b="0" baseline="0" cap="none" i="0" spc="0" strike="noStrike" sz="3200" u="none" kumimoji="0" normalizeH="0">
+          <a:defRPr kumimoji="0" sz="3200" b="0" i="0" u="none" strike="noStrike" cap="none" spc="0" normalizeH="0" baseline="0">
             <a:ln>
               <a:noFill/>
             </a:ln>
@@ -6497,7 +6861,7 @@
           <a:buFontTx/>
           <a:buNone/>
           <a:tabLst/>
-          <a:defRPr b="0" baseline="0" cap="none" i="0" spc="0" strike="noStrike" sz="1800" u="none" kumimoji="0" normalizeH="0">
+          <a:defRPr kumimoji="0" sz="1800" b="0" i="0" u="none" strike="noStrike" cap="none" spc="0" normalizeH="0" baseline="0">
             <a:ln>
               <a:noFill/>
             </a:ln>
@@ -6523,7 +6887,7 @@
           <a:buFontTx/>
           <a:buNone/>
           <a:tabLst/>
-          <a:defRPr b="0" baseline="0" cap="none" i="0" spc="0" strike="noStrike" sz="1800" u="none" kumimoji="0" normalizeH="0">
+          <a:defRPr kumimoji="0" sz="1800" b="0" i="0" u="none" strike="noStrike" cap="none" spc="0" normalizeH="0" baseline="0">
             <a:ln>
               <a:noFill/>
             </a:ln>
@@ -6549,7 +6913,7 @@
           <a:buFontTx/>
           <a:buNone/>
           <a:tabLst/>
-          <a:defRPr b="0" baseline="0" cap="none" i="0" spc="0" strike="noStrike" sz="1800" u="none" kumimoji="0" normalizeH="0">
+          <a:defRPr kumimoji="0" sz="1800" b="0" i="0" u="none" strike="noStrike" cap="none" spc="0" normalizeH="0" baseline="0">
             <a:ln>
               <a:noFill/>
             </a:ln>
@@ -6575,7 +6939,7 @@
           <a:buFontTx/>
           <a:buNone/>
           <a:tabLst/>
-          <a:defRPr b="0" baseline="0" cap="none" i="0" spc="0" strike="noStrike" sz="1800" u="none" kumimoji="0" normalizeH="0">
+          <a:defRPr kumimoji="0" sz="1800" b="0" i="0" u="none" strike="noStrike" cap="none" spc="0" normalizeH="0" baseline="0">
             <a:ln>
               <a:noFill/>
             </a:ln>
@@ -6601,7 +6965,7 @@
           <a:buFontTx/>
           <a:buNone/>
           <a:tabLst/>
-          <a:defRPr b="0" baseline="0" cap="none" i="0" spc="0" strike="noStrike" sz="1800" u="none" kumimoji="0" normalizeH="0">
+          <a:defRPr kumimoji="0" sz="1800" b="0" i="0" u="none" strike="noStrike" cap="none" spc="0" normalizeH="0" baseline="0">
             <a:ln>
               <a:noFill/>
             </a:ln>
@@ -6627,7 +6991,7 @@
           <a:buFontTx/>
           <a:buNone/>
           <a:tabLst/>
-          <a:defRPr b="0" baseline="0" cap="none" i="0" spc="0" strike="noStrike" sz="1800" u="none" kumimoji="0" normalizeH="0">
+          <a:defRPr kumimoji="0" sz="1800" b="0" i="0" u="none" strike="noStrike" cap="none" spc="0" normalizeH="0" baseline="0">
             <a:ln>
               <a:noFill/>
             </a:ln>
@@ -6653,7 +7017,7 @@
           <a:buFontTx/>
           <a:buNone/>
           <a:tabLst/>
-          <a:defRPr b="0" baseline="0" cap="none" i="0" spc="0" strike="noStrike" sz="1800" u="none" kumimoji="0" normalizeH="0">
+          <a:defRPr kumimoji="0" sz="1800" b="0" i="0" u="none" strike="noStrike" cap="none" spc="0" normalizeH="0" baseline="0">
             <a:ln>
               <a:noFill/>
             </a:ln>
@@ -6679,7 +7043,7 @@
           <a:buFontTx/>
           <a:buNone/>
           <a:tabLst/>
-          <a:defRPr b="0" baseline="0" cap="none" i="0" spc="0" strike="noStrike" sz="1800" u="none" kumimoji="0" normalizeH="0">
+          <a:defRPr kumimoji="0" sz="1800" b="0" i="0" u="none" strike="noStrike" cap="none" spc="0" normalizeH="0" baseline="0">
             <a:ln>
               <a:noFill/>
             </a:ln>
@@ -6705,7 +7069,7 @@
           <a:buFontTx/>
           <a:buNone/>
           <a:tabLst/>
-          <a:defRPr b="0" baseline="0" cap="none" i="0" spc="0" strike="noStrike" sz="1800" u="none" kumimoji="0" normalizeH="0">
+          <a:defRPr kumimoji="0" sz="1800" b="0" i="0" u="none" strike="noStrike" cap="none" spc="0" normalizeH="0" baseline="0">
             <a:ln>
               <a:noFill/>
             </a:ln>
@@ -6718,9 +7082,15 @@
         </a:lvl9pPr>
       </a:lstStyle>
       <a:style>
-        <a:lnRef idx="0"/>
-        <a:fillRef idx="0"/>
-        <a:effectRef idx="0"/>
+        <a:lnRef idx="0">
+          <a:scrgbClr r="0" g="0" b="0"/>
+        </a:lnRef>
+        <a:fillRef idx="0">
+          <a:scrgbClr r="0" g="0" b="0"/>
+        </a:fillRef>
+        <a:effectRef idx="0">
+          <a:scrgbClr r="0" g="0" b="0"/>
+        </a:effectRef>
         <a:fontRef idx="none"/>
       </a:style>
     </a:spDef>
@@ -6737,7 +7107,7 @@
         <a:effectLst/>
         <a:sp3d/>
       </a:spPr>
-      <a:bodyPr rot="0" spcFirstLastPara="1" vertOverflow="overflow" horzOverflow="overflow" vert="horz" wrap="square" lIns="91439" tIns="45719" rIns="91439" bIns="45719" numCol="1" spcCol="38100" rtlCol="0" anchor="t" upright="0">
+      <a:bodyPr rot="0" spcFirstLastPara="1" vertOverflow="overflow" horzOverflow="overflow" vert="horz" wrap="square" lIns="91439" tIns="45719" rIns="91439" bIns="45719" numCol="1" spcCol="38100" rtlCol="0" anchor="t">
         <a:noAutofit/>
       </a:bodyPr>
       <a:lstStyle>
@@ -6756,7 +7126,7 @@
           <a:buFontTx/>
           <a:buNone/>
           <a:tabLst/>
-          <a:defRPr b="0" baseline="0" cap="none" i="0" spc="0" strike="noStrike" sz="1800" u="none" kumimoji="0" normalizeH="0">
+          <a:defRPr kumimoji="0" sz="1800" b="0" i="0" u="none" strike="noStrike" cap="none" spc="0" normalizeH="0" baseline="0">
             <a:ln>
               <a:noFill/>
             </a:ln>
@@ -6782,7 +7152,7 @@
           <a:buFontTx/>
           <a:buNone/>
           <a:tabLst/>
-          <a:defRPr b="0" baseline="0" cap="none" i="0" spc="0" strike="noStrike" sz="1800" u="none" kumimoji="0" normalizeH="0">
+          <a:defRPr kumimoji="0" sz="1800" b="0" i="0" u="none" strike="noStrike" cap="none" spc="0" normalizeH="0" baseline="0">
             <a:ln>
               <a:noFill/>
             </a:ln>
@@ -6808,7 +7178,7 @@
           <a:buFontTx/>
           <a:buNone/>
           <a:tabLst/>
-          <a:defRPr b="0" baseline="0" cap="none" i="0" spc="0" strike="noStrike" sz="1800" u="none" kumimoji="0" normalizeH="0">
+          <a:defRPr kumimoji="0" sz="1800" b="0" i="0" u="none" strike="noStrike" cap="none" spc="0" normalizeH="0" baseline="0">
             <a:ln>
               <a:noFill/>
             </a:ln>
@@ -6834,7 +7204,7 @@
           <a:buFontTx/>
           <a:buNone/>
           <a:tabLst/>
-          <a:defRPr b="0" baseline="0" cap="none" i="0" spc="0" strike="noStrike" sz="1800" u="none" kumimoji="0" normalizeH="0">
+          <a:defRPr kumimoji="0" sz="1800" b="0" i="0" u="none" strike="noStrike" cap="none" spc="0" normalizeH="0" baseline="0">
             <a:ln>
               <a:noFill/>
             </a:ln>
@@ -6860,7 +7230,7 @@
           <a:buFontTx/>
           <a:buNone/>
           <a:tabLst/>
-          <a:defRPr b="0" baseline="0" cap="none" i="0" spc="0" strike="noStrike" sz="1800" u="none" kumimoji="0" normalizeH="0">
+          <a:defRPr kumimoji="0" sz="1800" b="0" i="0" u="none" strike="noStrike" cap="none" spc="0" normalizeH="0" baseline="0">
             <a:ln>
               <a:noFill/>
             </a:ln>
@@ -6886,7 +7256,7 @@
           <a:buFontTx/>
           <a:buNone/>
           <a:tabLst/>
-          <a:defRPr b="0" baseline="0" cap="none" i="0" spc="0" strike="noStrike" sz="1800" u="none" kumimoji="0" normalizeH="0">
+          <a:defRPr kumimoji="0" sz="1800" b="0" i="0" u="none" strike="noStrike" cap="none" spc="0" normalizeH="0" baseline="0">
             <a:ln>
               <a:noFill/>
             </a:ln>
@@ -6912,7 +7282,7 @@
           <a:buFontTx/>
           <a:buNone/>
           <a:tabLst/>
-          <a:defRPr b="0" baseline="0" cap="none" i="0" spc="0" strike="noStrike" sz="1800" u="none" kumimoji="0" normalizeH="0">
+          <a:defRPr kumimoji="0" sz="1800" b="0" i="0" u="none" strike="noStrike" cap="none" spc="0" normalizeH="0" baseline="0">
             <a:ln>
               <a:noFill/>
             </a:ln>
@@ -6938,7 +7308,7 @@
           <a:buFontTx/>
           <a:buNone/>
           <a:tabLst/>
-          <a:defRPr b="0" baseline="0" cap="none" i="0" spc="0" strike="noStrike" sz="1800" u="none" kumimoji="0" normalizeH="0">
+          <a:defRPr kumimoji="0" sz="1800" b="0" i="0" u="none" strike="noStrike" cap="none" spc="0" normalizeH="0" baseline="0">
             <a:ln>
               <a:noFill/>
             </a:ln>
@@ -6964,7 +7334,7 @@
           <a:buFontTx/>
           <a:buNone/>
           <a:tabLst/>
-          <a:defRPr b="0" baseline="0" cap="none" i="0" spc="0" strike="noStrike" sz="1800" u="none" kumimoji="0" normalizeH="0">
+          <a:defRPr kumimoji="0" sz="1800" b="0" i="0" u="none" strike="noStrike" cap="none" spc="0" normalizeH="0" baseline="0">
             <a:ln>
               <a:noFill/>
             </a:ln>
@@ -6990,7 +7360,7 @@
           <a:buFontTx/>
           <a:buNone/>
           <a:tabLst/>
-          <a:defRPr b="0" baseline="0" cap="none" i="0" spc="0" strike="noStrike" sz="1800" u="none" kumimoji="0" normalizeH="0">
+          <a:defRPr kumimoji="0" sz="1800" b="0" i="0" u="none" strike="noStrike" cap="none" spc="0" normalizeH="0" baseline="0">
             <a:ln>
               <a:noFill/>
             </a:ln>
@@ -7003,9 +7373,15 @@
         </a:lvl9pPr>
       </a:lstStyle>
       <a:style>
-        <a:lnRef idx="0"/>
-        <a:fillRef idx="0"/>
-        <a:effectRef idx="0"/>
+        <a:lnRef idx="0">
+          <a:scrgbClr r="0" g="0" b="0"/>
+        </a:lnRef>
+        <a:fillRef idx="0">
+          <a:scrgbClr r="0" g="0" b="0"/>
+        </a:fillRef>
+        <a:effectRef idx="0">
+          <a:scrgbClr r="0" g="0" b="0"/>
+        </a:effectRef>
         <a:fontRef idx="none"/>
       </a:style>
     </a:lnDef>
@@ -7019,7 +7395,7 @@
         <a:effectLst/>
         <a:sp3d/>
       </a:spPr>
-      <a:bodyPr rot="0" spcFirstLastPara="1" vertOverflow="overflow" horzOverflow="overflow" vert="horz" wrap="square" lIns="50800" tIns="50800" rIns="50800" bIns="50800" numCol="1" spcCol="38100" rtlCol="0" anchor="ctr" upright="0">
+      <a:bodyPr rot="0" spcFirstLastPara="1" vertOverflow="overflow" horzOverflow="overflow" vert="horz" wrap="square" lIns="50800" tIns="50800" rIns="50800" bIns="50800" numCol="1" spcCol="38100" rtlCol="0" anchor="ctr">
         <a:spAutoFit/>
       </a:bodyPr>
       <a:lstStyle>
@@ -7038,7 +7414,7 @@
           <a:buFontTx/>
           <a:buNone/>
           <a:tabLst/>
-          <a:defRPr b="0" baseline="0" cap="none" i="0" spc="0" strike="noStrike" sz="2400" u="none" kumimoji="0" normalizeH="0">
+          <a:defRPr kumimoji="0" sz="2400" b="0" i="0" u="none" strike="noStrike" cap="none" spc="0" normalizeH="0" baseline="0">
             <a:ln>
               <a:noFill/>
             </a:ln>
@@ -7068,7 +7444,7 @@
           <a:buFontTx/>
           <a:buNone/>
           <a:tabLst/>
-          <a:defRPr b="0" baseline="0" cap="none" i="0" spc="0" strike="noStrike" sz="1800" u="none" kumimoji="0" normalizeH="0">
+          <a:defRPr kumimoji="0" sz="1800" b="0" i="0" u="none" strike="noStrike" cap="none" spc="0" normalizeH="0" baseline="0">
             <a:ln>
               <a:noFill/>
             </a:ln>
@@ -7094,7 +7470,7 @@
           <a:buFontTx/>
           <a:buNone/>
           <a:tabLst/>
-          <a:defRPr b="0" baseline="0" cap="none" i="0" spc="0" strike="noStrike" sz="1800" u="none" kumimoji="0" normalizeH="0">
+          <a:defRPr kumimoji="0" sz="1800" b="0" i="0" u="none" strike="noStrike" cap="none" spc="0" normalizeH="0" baseline="0">
             <a:ln>
               <a:noFill/>
             </a:ln>
@@ -7120,7 +7496,7 @@
           <a:buFontTx/>
           <a:buNone/>
           <a:tabLst/>
-          <a:defRPr b="0" baseline="0" cap="none" i="0" spc="0" strike="noStrike" sz="1800" u="none" kumimoji="0" normalizeH="0">
+          <a:defRPr kumimoji="0" sz="1800" b="0" i="0" u="none" strike="noStrike" cap="none" spc="0" normalizeH="0" baseline="0">
             <a:ln>
               <a:noFill/>
             </a:ln>
@@ -7146,7 +7522,7 @@
           <a:buFontTx/>
           <a:buNone/>
           <a:tabLst/>
-          <a:defRPr b="0" baseline="0" cap="none" i="0" spc="0" strike="noStrike" sz="1800" u="none" kumimoji="0" normalizeH="0">
+          <a:defRPr kumimoji="0" sz="1800" b="0" i="0" u="none" strike="noStrike" cap="none" spc="0" normalizeH="0" baseline="0">
             <a:ln>
               <a:noFill/>
             </a:ln>
@@ -7172,7 +7548,7 @@
           <a:buFontTx/>
           <a:buNone/>
           <a:tabLst/>
-          <a:defRPr b="0" baseline="0" cap="none" i="0" spc="0" strike="noStrike" sz="1800" u="none" kumimoji="0" normalizeH="0">
+          <a:defRPr kumimoji="0" sz="1800" b="0" i="0" u="none" strike="noStrike" cap="none" spc="0" normalizeH="0" baseline="0">
             <a:ln>
               <a:noFill/>
             </a:ln>
@@ -7198,7 +7574,7 @@
           <a:buFontTx/>
           <a:buNone/>
           <a:tabLst/>
-          <a:defRPr b="0" baseline="0" cap="none" i="0" spc="0" strike="noStrike" sz="1800" u="none" kumimoji="0" normalizeH="0">
+          <a:defRPr kumimoji="0" sz="1800" b="0" i="0" u="none" strike="noStrike" cap="none" spc="0" normalizeH="0" baseline="0">
             <a:ln>
               <a:noFill/>
             </a:ln>
@@ -7224,7 +7600,7 @@
           <a:buFontTx/>
           <a:buNone/>
           <a:tabLst/>
-          <a:defRPr b="0" baseline="0" cap="none" i="0" spc="0" strike="noStrike" sz="1800" u="none" kumimoji="0" normalizeH="0">
+          <a:defRPr kumimoji="0" sz="1800" b="0" i="0" u="none" strike="noStrike" cap="none" spc="0" normalizeH="0" baseline="0">
             <a:ln>
               <a:noFill/>
             </a:ln>
@@ -7250,7 +7626,7 @@
           <a:buFontTx/>
           <a:buNone/>
           <a:tabLst/>
-          <a:defRPr b="0" baseline="0" cap="none" i="0" spc="0" strike="noStrike" sz="1800" u="none" kumimoji="0" normalizeH="0">
+          <a:defRPr kumimoji="0" sz="1800" b="0" i="0" u="none" strike="noStrike" cap="none" spc="0" normalizeH="0" baseline="0">
             <a:ln>
               <a:noFill/>
             </a:ln>
@@ -7276,7 +7652,7 @@
           <a:buFontTx/>
           <a:buNone/>
           <a:tabLst/>
-          <a:defRPr b="0" baseline="0" cap="none" i="0" spc="0" strike="noStrike" sz="1800" u="none" kumimoji="0" normalizeH="0">
+          <a:defRPr kumimoji="0" sz="1800" b="0" i="0" u="none" strike="noStrike" cap="none" spc="0" normalizeH="0" baseline="0">
             <a:ln>
               <a:noFill/>
             </a:ln>
@@ -7289,12 +7665,19 @@
         </a:lvl9pPr>
       </a:lstStyle>
       <a:style>
-        <a:lnRef idx="0"/>
-        <a:fillRef idx="0"/>
-        <a:effectRef idx="0"/>
+        <a:lnRef idx="0">
+          <a:scrgbClr r="0" g="0" b="0"/>
+        </a:lnRef>
+        <a:fillRef idx="0">
+          <a:scrgbClr r="0" g="0" b="0"/>
+        </a:fillRef>
+        <a:effectRef idx="0">
+          <a:scrgbClr r="0" g="0" b="0"/>
+        </a:effectRef>
         <a:fontRef idx="none"/>
       </a:style>
     </a:txDef>
   </a:objectDefaults>
+  <a:extraClrSchemeLst/>
 </a:theme>
 </file>
--- a/The witcher.pptx
+++ b/The witcher.pptx
@@ -314,6 +314,11 @@
       </a:defRPr>
     </a:lvl9pPr>
   </p:defaultTextStyle>
+  <p:extLst>
+    <p:ext uri="{EFAFB233-063F-42B5-8137-9DF3F51BA10A}">
+      <p15:sldGuideLst xmlns:p15="http://schemas.microsoft.com/office/powerpoint/2012/main"/>
+    </p:ext>
+  </p:extLst>
 </p:presentation>
 </file>
 
@@ -3862,7 +3867,7 @@
           </a:ln>
           <a:extLst>
             <a:ext uri="{C572A759-6A51-4108-AA02-DFA0A04FC94B}">
-              <ma14:wrappingTextBoxFlag xmlns:ma14="http://schemas.microsoft.com/office/mac/drawingml/2011/main" xmlns:a14="http://schemas.microsoft.com/office/drawing/2010/main" xmlns:m="http://schemas.openxmlformats.org/officeDocument/2006/math" xmlns="" val="1"/>
+              <ma14:wrappingTextBoxFlag xmlns="" xmlns:m="http://schemas.openxmlformats.org/officeDocument/2006/math" xmlns:a14="http://schemas.microsoft.com/office/drawing/2010/main" xmlns:ma14="http://schemas.microsoft.com/office/mac/drawingml/2011/main" val="1"/>
             </a:ext>
           </a:extLst>
         </p:spPr>
@@ -3901,7 +3906,7 @@
           </a:ln>
           <a:extLst>
             <a:ext uri="{C572A759-6A51-4108-AA02-DFA0A04FC94B}">
-              <ma14:wrappingTextBoxFlag xmlns:ma14="http://schemas.microsoft.com/office/mac/drawingml/2011/main" xmlns:a14="http://schemas.microsoft.com/office/drawing/2010/main" xmlns:m="http://schemas.openxmlformats.org/officeDocument/2006/math" xmlns="" val="1"/>
+              <ma14:wrappingTextBoxFlag xmlns="" xmlns:m="http://schemas.openxmlformats.org/officeDocument/2006/math" xmlns:a14="http://schemas.microsoft.com/office/drawing/2010/main" xmlns:ma14="http://schemas.microsoft.com/office/mac/drawingml/2011/main" val="1"/>
             </a:ext>
           </a:extLst>
         </p:spPr>
@@ -4855,7 +4860,9 @@
           </a:prstGeom>
         </p:spPr>
         <p:txBody>
-          <a:bodyPr/>
+          <a:bodyPr>
+            <a:normAutofit lnSpcReduction="10000"/>
+          </a:bodyPr>
           <a:lstStyle>
             <a:lvl1pPr marL="529717" indent="-529717" defTabSz="2365188">
               <a:spcBef>
@@ -4866,8 +4873,150 @@
           </a:lstStyle>
           <a:p>
             <a:r>
-              <a:t>“The Witcher” is a book, game, and Netflix tv series. A Witcher is mainly work of men, who were either orphaned or given to a school, to train to kill monsters from a young age. The training is rigorous, studying to kill monsters, even humans, elves, and dwarves. The training of these Witchers leaves only 3 out of 10 people to live through the training. The books, games, and Netflix show follows four characters: a mage named Yennifer of Vengerberg, a princess Ciri of Cintra, a bard named Dandelion or Jaskier depending on the source, and a Witcher named Gerald of Rivia.</a:t>
+              <a:rPr dirty="0"/>
+              <a:t>“The Witcher” is a book</a:t>
             </a:r>
+            <a:r>
+              <a:rPr lang="en-US" dirty="0"/>
+              <a:t> series turned video </a:t>
+            </a:r>
+            <a:r>
+              <a:rPr dirty="0"/>
+              <a:t>game, and Netflix tv series</a:t>
+            </a:r>
+            <a:r>
+              <a:rPr lang="en-US" dirty="0"/>
+              <a:t> made by Andrzej </a:t>
+            </a:r>
+            <a:r>
+              <a:rPr lang="en-US" dirty="0" err="1"/>
+              <a:t>Sapkowski</a:t>
+            </a:r>
+            <a:r>
+              <a:rPr lang="en-US" dirty="0"/>
+              <a:t> in the 1980’s</a:t>
+            </a:r>
+            <a:r>
+              <a:rPr dirty="0"/>
+              <a:t>. Witcher's </a:t>
+            </a:r>
+            <a:r>
+              <a:rPr lang="en-US" dirty="0"/>
+              <a:t>are men</a:t>
+            </a:r>
+            <a:r>
+              <a:rPr dirty="0"/>
+              <a:t>, who were either </a:t>
+            </a:r>
+            <a:r>
+              <a:rPr lang="en-US" dirty="0"/>
+              <a:t>orphans</a:t>
+            </a:r>
+            <a:r>
+              <a:rPr dirty="0"/>
+              <a:t> or given to a school</a:t>
+            </a:r>
+            <a:r>
+              <a:rPr lang="en-US" dirty="0"/>
+              <a:t> by their parents</a:t>
+            </a:r>
+            <a:r>
+              <a:rPr dirty="0"/>
+              <a:t>, to train to kill monsters from a young age. The training is rigorous, studying to kill monsters, even humans, elves, and dwarves. </a:t>
+            </a:r>
+            <a:r>
+              <a:rPr lang="en-US" dirty="0"/>
+              <a:t>The statistics of the</a:t>
+            </a:r>
+            <a:r>
+              <a:rPr dirty="0"/>
+              <a:t> training </a:t>
+            </a:r>
+            <a:r>
+              <a:rPr lang="en-US" dirty="0"/>
+              <a:t>to</a:t>
+            </a:r>
+            <a:r>
+              <a:rPr dirty="0"/>
+              <a:t> </a:t>
+            </a:r>
+            <a:r>
+              <a:rPr lang="en-US" dirty="0"/>
+              <a:t>become a</a:t>
+            </a:r>
+            <a:r>
+              <a:rPr dirty="0"/>
+              <a:t> </a:t>
+            </a:r>
+            <a:r>
+              <a:rPr lang="en-US" dirty="0"/>
+              <a:t>Witcher</a:t>
+            </a:r>
+            <a:r>
+              <a:rPr dirty="0"/>
+              <a:t> only </a:t>
+            </a:r>
+            <a:r>
+              <a:rPr lang="en-US" dirty="0"/>
+              <a:t>leaves </a:t>
+            </a:r>
+            <a:r>
+              <a:rPr dirty="0"/>
+              <a:t>3 out of 10. The books, games, and Netflix show follows four characters: a mage named Yennifer of </a:t>
+            </a:r>
+            <a:r>
+              <a:rPr dirty="0" err="1"/>
+              <a:t>Vengerberg</a:t>
+            </a:r>
+            <a:r>
+              <a:rPr dirty="0"/>
+              <a:t>, a princess </a:t>
+            </a:r>
+            <a:r>
+              <a:rPr dirty="0" err="1"/>
+              <a:t>Ciri</a:t>
+            </a:r>
+            <a:r>
+              <a:rPr dirty="0"/>
+              <a:t> of Cintra, a bard named Dandelion or </a:t>
+            </a:r>
+            <a:r>
+              <a:rPr dirty="0" err="1"/>
+              <a:t>Jaskier</a:t>
+            </a:r>
+            <a:r>
+              <a:rPr dirty="0"/>
+              <a:t> depending on the source, and a Witcher named </a:t>
+            </a:r>
+            <a:r>
+              <a:rPr dirty="0" err="1"/>
+              <a:t>Geral</a:t>
+            </a:r>
+            <a:r>
+              <a:rPr lang="en-US" dirty="0" err="1"/>
+              <a:t>t</a:t>
+            </a:r>
+            <a:r>
+              <a:rPr dirty="0"/>
+              <a:t> of </a:t>
+            </a:r>
+            <a:r>
+              <a:rPr dirty="0" err="1"/>
+              <a:t>Rivia</a:t>
+            </a:r>
+            <a:r>
+              <a:rPr lang="en-US" dirty="0"/>
+              <a:t> to save the world</a:t>
+            </a:r>
+            <a:r>
+              <a:rPr dirty="0"/>
+              <a:t>.</a:t>
+            </a:r>
+            <a:r>
+              <a:rPr lang="en-US" dirty="0"/>
+              <a:t> The show and games are loosely based on the books. This project shows some of the statistics of the book and game sales over the years, along with the viewership of the Netflix live action show.</a:t>
+            </a:r>
+            <a:endParaRPr dirty="0"/>
           </a:p>
         </p:txBody>
       </p:sp>

--- a/The witcher.pptx
+++ b/The witcher.pptx
@@ -314,11 +314,6 @@
       </a:defRPr>
     </a:lvl9pPr>
   </p:defaultTextStyle>
-  <p:extLst>
-    <p:ext uri="{EFAFB233-063F-42B5-8137-9DF3F51BA10A}">
-      <p15:sldGuideLst xmlns:p15="http://schemas.microsoft.com/office/powerpoint/2012/main"/>
-    </p:ext>
-  </p:extLst>
 </p:presentation>
 </file>
 
@@ -408,7 +403,7 @@
           </c:val>
           <c:extLst>
             <c:ext xmlns:c16="http://schemas.microsoft.com/office/drawing/2014/chart" uri="{C3380CC4-5D6E-409C-BE32-E72D297353CC}">
-              <c16:uniqueId val="{00000000-21B5-8144-83A1-FDB8C690E50B}"/>
+              <c16:uniqueId val="{00000000-D904-F141-AB8B-C0F9E9533565}"/>
             </c:ext>
           </c:extLst>
         </c:ser>
@@ -594,34 +589,34 @@
           <c:invertIfNegative val="0"/>
           <c:cat>
             <c:strRef>
-              <c:f>Sheet1!$B$1:$F$1</c:f>
+              <c:f>Sheet1!$B$1:$D$1</c:f>
               <c:strCache>
-                <c:ptCount val="5"/>
+                <c:ptCount val="3"/>
                 <c:pt idx="0">
-                  <c:v>October 13</c:v>
+                  <c:v>October 2013</c:v>
+                </c:pt>
+                <c:pt idx="1">
+                  <c:v>June 2019</c:v>
                 </c:pt>
                 <c:pt idx="2">
-                  <c:v>June 19</c:v>
-                </c:pt>
-                <c:pt idx="4">
-                  <c:v>May 23</c:v>
+                  <c:v>May 2023</c:v>
                 </c:pt>
               </c:strCache>
             </c:strRef>
           </c:cat>
           <c:val>
             <c:numRef>
-              <c:f>Sheet1!$B$2:$F$2</c:f>
+              <c:f>Sheet1!$B$2:$D$2</c:f>
               <c:numCache>
                 <c:formatCode>General</c:formatCode>
-                <c:ptCount val="5"/>
+                <c:ptCount val="3"/>
                 <c:pt idx="0">
                   <c:v>6</c:v>
                 </c:pt>
-                <c:pt idx="2">
+                <c:pt idx="1">
                   <c:v>40</c:v>
                 </c:pt>
-                <c:pt idx="4">
+                <c:pt idx="2">
                   <c:v>75</c:v>
                 </c:pt>
               </c:numCache>
@@ -629,7 +624,7 @@
           </c:val>
           <c:extLst>
             <c:ext xmlns:c16="http://schemas.microsoft.com/office/drawing/2014/chart" uri="{C3380CC4-5D6E-409C-BE32-E72D297353CC}">
-              <c16:uniqueId val="{00000000-FF05-BD44-AB43-1ADCF9A31C8F}"/>
+              <c16:uniqueId val="{00000000-7D36-A64D-AD11-63760A9CBAC8}"/>
             </c:ext>
           </c:extLst>
         </c:ser>
@@ -850,7 +845,7 @@
           </c:val>
           <c:extLst>
             <c:ext xmlns:c16="http://schemas.microsoft.com/office/drawing/2014/chart" uri="{C3380CC4-5D6E-409C-BE32-E72D297353CC}">
-              <c16:uniqueId val="{00000000-2992-AE49-BA17-DAF8F54301F5}"/>
+              <c16:uniqueId val="{00000000-1CE2-6F4F-9274-77F9D2092DF0}"/>
             </c:ext>
           </c:extLst>
         </c:ser>
@@ -1217,9 +1212,9 @@
               <a:buSzTx/>
               <a:buNone/>
               <a:defRPr sz="3000" spc="-29">
-                <a:latin typeface="Graphik Medium"/>
-                <a:ea typeface="Graphik Medium"/>
-                <a:cs typeface="Graphik Medium"/>
+                <a:latin typeface="Graphik-Medium"/>
+                <a:ea typeface="Graphik-Medium"/>
+                <a:cs typeface="Graphik-Medium"/>
                 <a:sym typeface="Graphik Medium"/>
               </a:defRPr>
             </a:lvl1pPr>
@@ -1296,9 +1291,9 @@
               <a:buSzTx/>
               <a:buNone/>
               <a:defRPr sz="6000" spc="-59">
-                <a:latin typeface="Graphik Semibold"/>
-                <a:ea typeface="Graphik Semibold"/>
-                <a:cs typeface="Graphik Semibold"/>
+                <a:latin typeface="Graphik-SemiboldItalic"/>
+                <a:ea typeface="Graphik-SemiboldItalic"/>
+                <a:cs typeface="Graphik-SemiboldItalic"/>
                 <a:sym typeface="Graphik Semibold"/>
               </a:defRPr>
             </a:lvl1pPr>
@@ -1312,9 +1307,9 @@
               <a:buSzTx/>
               <a:buNone/>
               <a:defRPr sz="6000" spc="-59">
-                <a:latin typeface="Graphik Semibold"/>
-                <a:ea typeface="Graphik Semibold"/>
-                <a:cs typeface="Graphik Semibold"/>
+                <a:latin typeface="Graphik-SemiboldItalic"/>
+                <a:ea typeface="Graphik-SemiboldItalic"/>
+                <a:cs typeface="Graphik-SemiboldItalic"/>
                 <a:sym typeface="Graphik Semibold"/>
               </a:defRPr>
             </a:lvl2pPr>
@@ -1328,9 +1323,9 @@
               <a:buSzTx/>
               <a:buNone/>
               <a:defRPr sz="6000" spc="-59">
-                <a:latin typeface="Graphik Semibold"/>
-                <a:ea typeface="Graphik Semibold"/>
-                <a:cs typeface="Graphik Semibold"/>
+                <a:latin typeface="Graphik-SemiboldItalic"/>
+                <a:ea typeface="Graphik-SemiboldItalic"/>
+                <a:cs typeface="Graphik-SemiboldItalic"/>
                 <a:sym typeface="Graphik Semibold"/>
               </a:defRPr>
             </a:lvl3pPr>
@@ -1344,9 +1339,9 @@
               <a:buSzTx/>
               <a:buNone/>
               <a:defRPr sz="6000" spc="-59">
-                <a:latin typeface="Graphik Semibold"/>
-                <a:ea typeface="Graphik Semibold"/>
-                <a:cs typeface="Graphik Semibold"/>
+                <a:latin typeface="Graphik-SemiboldItalic"/>
+                <a:ea typeface="Graphik-SemiboldItalic"/>
+                <a:cs typeface="Graphik-SemiboldItalic"/>
                 <a:sym typeface="Graphik Semibold"/>
               </a:defRPr>
             </a:lvl4pPr>
@@ -1360,9 +1355,9 @@
               <a:buSzTx/>
               <a:buNone/>
               <a:defRPr sz="6000" spc="-59">
-                <a:latin typeface="Graphik Semibold"/>
-                <a:ea typeface="Graphik Semibold"/>
-                <a:cs typeface="Graphik Semibold"/>
+                <a:latin typeface="Graphik-SemiboldItalic"/>
+                <a:ea typeface="Graphik-SemiboldItalic"/>
+                <a:cs typeface="Graphik-SemiboldItalic"/>
                 <a:sym typeface="Graphik Semibold"/>
               </a:defRPr>
             </a:lvl5pPr>
@@ -1656,9 +1651,9 @@
               <a:buSzTx/>
               <a:buNone/>
               <a:defRPr spc="-44">
-                <a:latin typeface="Graphik Semibold"/>
-                <a:ea typeface="Graphik Semibold"/>
-                <a:cs typeface="Graphik Semibold"/>
+                <a:latin typeface="Graphik-SemiboldItalic"/>
+                <a:ea typeface="Graphik-SemiboldItalic"/>
+                <a:cs typeface="Graphik-SemiboldItalic"/>
                 <a:sym typeface="Graphik Semibold"/>
               </a:defRPr>
             </a:lvl1pPr>
@@ -1880,9 +1875,9 @@
               <a:buSzTx/>
               <a:buNone/>
               <a:defRPr spc="-44">
-                <a:latin typeface="Graphik Semibold"/>
-                <a:ea typeface="Graphik Semibold"/>
-                <a:cs typeface="Graphik Semibold"/>
+                <a:latin typeface="Graphik-SemiboldItalic"/>
+                <a:ea typeface="Graphik-SemiboldItalic"/>
+                <a:cs typeface="Graphik-SemiboldItalic"/>
                 <a:sym typeface="Graphik Semibold"/>
               </a:defRPr>
             </a:lvl1pPr>
@@ -2461,9 +2456,9 @@
                 <a:solidFill>
                   <a:srgbClr val="FFFFFF"/>
                 </a:solidFill>
-                <a:latin typeface="Graphik Semibold"/>
-                <a:ea typeface="Graphik Semibold"/>
-                <a:cs typeface="Graphik Semibold"/>
+                <a:latin typeface="Graphik-SemiboldItalic"/>
+                <a:ea typeface="Graphik-SemiboldItalic"/>
+                <a:cs typeface="Graphik-SemiboldItalic"/>
                 <a:sym typeface="Graphik Semibold"/>
               </a:defRPr>
             </a:lvl1pPr>
@@ -2480,9 +2475,9 @@
                 <a:solidFill>
                   <a:srgbClr val="FFFFFF"/>
                 </a:solidFill>
-                <a:latin typeface="Graphik Semibold"/>
-                <a:ea typeface="Graphik Semibold"/>
-                <a:cs typeface="Graphik Semibold"/>
+                <a:latin typeface="Graphik-SemiboldItalic"/>
+                <a:ea typeface="Graphik-SemiboldItalic"/>
+                <a:cs typeface="Graphik-SemiboldItalic"/>
                 <a:sym typeface="Graphik Semibold"/>
               </a:defRPr>
             </a:lvl2pPr>
@@ -2499,9 +2494,9 @@
                 <a:solidFill>
                   <a:srgbClr val="FFFFFF"/>
                 </a:solidFill>
-                <a:latin typeface="Graphik Semibold"/>
-                <a:ea typeface="Graphik Semibold"/>
-                <a:cs typeface="Graphik Semibold"/>
+                <a:latin typeface="Graphik-SemiboldItalic"/>
+                <a:ea typeface="Graphik-SemiboldItalic"/>
+                <a:cs typeface="Graphik-SemiboldItalic"/>
                 <a:sym typeface="Graphik Semibold"/>
               </a:defRPr>
             </a:lvl3pPr>
@@ -2518,9 +2513,9 @@
                 <a:solidFill>
                   <a:srgbClr val="FFFFFF"/>
                 </a:solidFill>
-                <a:latin typeface="Graphik Semibold"/>
-                <a:ea typeface="Graphik Semibold"/>
-                <a:cs typeface="Graphik Semibold"/>
+                <a:latin typeface="Graphik-SemiboldItalic"/>
+                <a:ea typeface="Graphik-SemiboldItalic"/>
+                <a:cs typeface="Graphik-SemiboldItalic"/>
                 <a:sym typeface="Graphik Semibold"/>
               </a:defRPr>
             </a:lvl4pPr>
@@ -2537,9 +2532,9 @@
                 <a:solidFill>
                   <a:srgbClr val="FFFFFF"/>
                 </a:solidFill>
-                <a:latin typeface="Graphik Semibold"/>
-                <a:ea typeface="Graphik Semibold"/>
-                <a:cs typeface="Graphik Semibold"/>
+                <a:latin typeface="Graphik-SemiboldItalic"/>
+                <a:ea typeface="Graphik-SemiboldItalic"/>
+                <a:cs typeface="Graphik-SemiboldItalic"/>
                 <a:sym typeface="Graphik Semibold"/>
               </a:defRPr>
             </a:lvl5pPr>
@@ -2602,9 +2597,9 @@
                 <a:solidFill>
                   <a:srgbClr val="FFFFFF"/>
                 </a:solidFill>
-                <a:latin typeface="Graphik Medium"/>
-                <a:ea typeface="Graphik Medium"/>
-                <a:cs typeface="Graphik Medium"/>
+                <a:latin typeface="Graphik-Medium"/>
+                <a:ea typeface="Graphik-Medium"/>
+                <a:cs typeface="Graphik-Medium"/>
                 <a:sym typeface="Graphik Medium"/>
               </a:defRPr>
             </a:lvl1pPr>
@@ -2766,9 +2761,9 @@
               <a:buSzTx/>
               <a:buNone/>
               <a:defRPr spc="-44">
-                <a:latin typeface="Graphik Semibold"/>
-                <a:ea typeface="Graphik Semibold"/>
-                <a:cs typeface="Graphik Semibold"/>
+                <a:latin typeface="Graphik-SemiboldItalic"/>
+                <a:ea typeface="Graphik-SemiboldItalic"/>
+                <a:cs typeface="Graphik-SemiboldItalic"/>
                 <a:sym typeface="Graphik Semibold"/>
               </a:defRPr>
             </a:lvl1pPr>
@@ -2782,9 +2777,9 @@
               <a:buSzTx/>
               <a:buNone/>
               <a:defRPr spc="-44">
-                <a:latin typeface="Graphik Semibold"/>
-                <a:ea typeface="Graphik Semibold"/>
-                <a:cs typeface="Graphik Semibold"/>
+                <a:latin typeface="Graphik-SemiboldItalic"/>
+                <a:ea typeface="Graphik-SemiboldItalic"/>
+                <a:cs typeface="Graphik-SemiboldItalic"/>
                 <a:sym typeface="Graphik Semibold"/>
               </a:defRPr>
             </a:lvl2pPr>
@@ -2798,9 +2793,9 @@
               <a:buSzTx/>
               <a:buNone/>
               <a:defRPr spc="-44">
-                <a:latin typeface="Graphik Semibold"/>
-                <a:ea typeface="Graphik Semibold"/>
-                <a:cs typeface="Graphik Semibold"/>
+                <a:latin typeface="Graphik-SemiboldItalic"/>
+                <a:ea typeface="Graphik-SemiboldItalic"/>
+                <a:cs typeface="Graphik-SemiboldItalic"/>
                 <a:sym typeface="Graphik Semibold"/>
               </a:defRPr>
             </a:lvl3pPr>
@@ -2814,9 +2809,9 @@
               <a:buSzTx/>
               <a:buNone/>
               <a:defRPr spc="-44">
-                <a:latin typeface="Graphik Semibold"/>
-                <a:ea typeface="Graphik Semibold"/>
-                <a:cs typeface="Graphik Semibold"/>
+                <a:latin typeface="Graphik-SemiboldItalic"/>
+                <a:ea typeface="Graphik-SemiboldItalic"/>
+                <a:cs typeface="Graphik-SemiboldItalic"/>
                 <a:sym typeface="Graphik Semibold"/>
               </a:defRPr>
             </a:lvl4pPr>
@@ -2830,9 +2825,9 @@
               <a:buSzTx/>
               <a:buNone/>
               <a:defRPr spc="-44">
-                <a:latin typeface="Graphik Semibold"/>
-                <a:ea typeface="Graphik Semibold"/>
-                <a:cs typeface="Graphik Semibold"/>
+                <a:latin typeface="Graphik-SemiboldItalic"/>
+                <a:ea typeface="Graphik-SemiboldItalic"/>
+                <a:cs typeface="Graphik-SemiboldItalic"/>
                 <a:sym typeface="Graphik Semibold"/>
               </a:defRPr>
             </a:lvl5pPr>
@@ -3010,9 +3005,9 @@
               <a:buSzTx/>
               <a:buNone/>
               <a:defRPr spc="-44">
-                <a:latin typeface="Graphik Semibold"/>
-                <a:ea typeface="Graphik Semibold"/>
-                <a:cs typeface="Graphik Semibold"/>
+                <a:latin typeface="Graphik-SemiboldItalic"/>
+                <a:ea typeface="Graphik-SemiboldItalic"/>
+                <a:cs typeface="Graphik-SemiboldItalic"/>
                 <a:sym typeface="Graphik Semibold"/>
               </a:defRPr>
             </a:lvl1pPr>
@@ -3267,9 +3262,9 @@
               <a:buSzTx/>
               <a:buNone/>
               <a:defRPr spc="-44">
-                <a:latin typeface="Graphik Semibold"/>
-                <a:ea typeface="Graphik Semibold"/>
-                <a:cs typeface="Graphik Semibold"/>
+                <a:latin typeface="Graphik-SemiboldItalic"/>
+                <a:ea typeface="Graphik-SemiboldItalic"/>
+                <a:cs typeface="Graphik-SemiboldItalic"/>
                 <a:sym typeface="Graphik Semibold"/>
               </a:defRPr>
             </a:lvl1pPr>
@@ -3528,9 +3523,9 @@
               <a:buSzTx/>
               <a:buNone/>
               <a:defRPr spc="-44">
-                <a:latin typeface="Graphik Semibold"/>
-                <a:ea typeface="Graphik Semibold"/>
-                <a:cs typeface="Graphik Semibold"/>
+                <a:latin typeface="Graphik-SemiboldItalic"/>
+                <a:ea typeface="Graphik-SemiboldItalic"/>
+                <a:cs typeface="Graphik-SemiboldItalic"/>
                 <a:sym typeface="Graphik Semibold"/>
               </a:defRPr>
             </a:lvl1pPr>
@@ -3766,9 +3761,9 @@
               <a:buSzTx/>
               <a:buNone/>
               <a:defRPr spc="-44">
-                <a:latin typeface="Graphik Semibold"/>
-                <a:ea typeface="Graphik Semibold"/>
-                <a:cs typeface="Graphik Semibold"/>
+                <a:latin typeface="Graphik-SemiboldItalic"/>
+                <a:ea typeface="Graphik-SemiboldItalic"/>
+                <a:cs typeface="Graphik-SemiboldItalic"/>
                 <a:sym typeface="Graphik Semibold"/>
               </a:defRPr>
             </a:lvl1pPr>
@@ -3867,7 +3862,7 @@
           </a:ln>
           <a:extLst>
             <a:ext uri="{C572A759-6A51-4108-AA02-DFA0A04FC94B}">
-              <ma14:wrappingTextBoxFlag xmlns="" xmlns:m="http://schemas.openxmlformats.org/officeDocument/2006/math" xmlns:a14="http://schemas.microsoft.com/office/drawing/2010/main" xmlns:ma14="http://schemas.microsoft.com/office/mac/drawingml/2011/main" val="1"/>
+              <ma14:wrappingTextBoxFlag xmlns:ma14="http://schemas.microsoft.com/office/mac/drawingml/2011/main" xmlns:a14="http://schemas.microsoft.com/office/drawing/2010/main" xmlns:m="http://schemas.openxmlformats.org/officeDocument/2006/math" xmlns="" val="1"/>
             </a:ext>
           </a:extLst>
         </p:spPr>
@@ -3906,7 +3901,7 @@
           </a:ln>
           <a:extLst>
             <a:ext uri="{C572A759-6A51-4108-AA02-DFA0A04FC94B}">
-              <ma14:wrappingTextBoxFlag xmlns="" xmlns:m="http://schemas.openxmlformats.org/officeDocument/2006/math" xmlns:a14="http://schemas.microsoft.com/office/drawing/2010/main" xmlns:ma14="http://schemas.microsoft.com/office/mac/drawingml/2011/main" val="1"/>
+              <ma14:wrappingTextBoxFlag xmlns:ma14="http://schemas.microsoft.com/office/mac/drawingml/2011/main" xmlns:a14="http://schemas.microsoft.com/office/drawing/2010/main" xmlns:m="http://schemas.openxmlformats.org/officeDocument/2006/math" xmlns="" val="1"/>
             </a:ext>
           </a:extLst>
         </p:spPr>
@@ -4860,9 +4855,7 @@
           </a:prstGeom>
         </p:spPr>
         <p:txBody>
-          <a:bodyPr>
-            <a:normAutofit lnSpcReduction="10000"/>
-          </a:bodyPr>
+          <a:bodyPr/>
           <a:lstStyle>
             <a:lvl1pPr marL="529717" indent="-529717" defTabSz="2365188">
               <a:spcBef>
@@ -4873,150 +4866,8 @@
           </a:lstStyle>
           <a:p>
             <a:r>
-              <a:rPr dirty="0"/>
-              <a:t>“The Witcher” is a book</a:t>
+              <a:t>“The Witcher” is a book, game, and Netflix tv series. A Witcher is mainly work of men, who were either orphaned or given to a school, to train to kill monsters from a young age. The training is rigorous, studying to kill monsters, even humans, elves, and dwarves. The training of these Witchers leaves only 3 out of 10 people to live through the training. The books, games, and Netflix show follows four characters: a mage named Yennifer of Vengerberg, a princess Ciri of Cintra, a bard named Dandelion or Jaskier depending on the source, and a Witcher named Gerald of Rivia.</a:t>
             </a:r>
-            <a:r>
-              <a:rPr lang="en-US" dirty="0"/>
-              <a:t> series turned video </a:t>
-            </a:r>
-            <a:r>
-              <a:rPr dirty="0"/>
-              <a:t>game, and Netflix tv series</a:t>
-            </a:r>
-            <a:r>
-              <a:rPr lang="en-US" dirty="0"/>
-              <a:t> made by Andrzej </a:t>
-            </a:r>
-            <a:r>
-              <a:rPr lang="en-US" dirty="0" err="1"/>
-              <a:t>Sapkowski</a:t>
-            </a:r>
-            <a:r>
-              <a:rPr lang="en-US" dirty="0"/>
-              <a:t> in the 1980’s</a:t>
-            </a:r>
-            <a:r>
-              <a:rPr dirty="0"/>
-              <a:t>. Witcher's </a:t>
-            </a:r>
-            <a:r>
-              <a:rPr lang="en-US" dirty="0"/>
-              <a:t>are men</a:t>
-            </a:r>
-            <a:r>
-              <a:rPr dirty="0"/>
-              <a:t>, who were either </a:t>
-            </a:r>
-            <a:r>
-              <a:rPr lang="en-US" dirty="0"/>
-              <a:t>orphans</a:t>
-            </a:r>
-            <a:r>
-              <a:rPr dirty="0"/>
-              <a:t> or given to a school</a:t>
-            </a:r>
-            <a:r>
-              <a:rPr lang="en-US" dirty="0"/>
-              <a:t> by their parents</a:t>
-            </a:r>
-            <a:r>
-              <a:rPr dirty="0"/>
-              <a:t>, to train to kill monsters from a young age. The training is rigorous, studying to kill monsters, even humans, elves, and dwarves. </a:t>
-            </a:r>
-            <a:r>
-              <a:rPr lang="en-US" dirty="0"/>
-              <a:t>The statistics of the</a:t>
-            </a:r>
-            <a:r>
-              <a:rPr dirty="0"/>
-              <a:t> training </a:t>
-            </a:r>
-            <a:r>
-              <a:rPr lang="en-US" dirty="0"/>
-              <a:t>to</a:t>
-            </a:r>
-            <a:r>
-              <a:rPr dirty="0"/>
-              <a:t> </a:t>
-            </a:r>
-            <a:r>
-              <a:rPr lang="en-US" dirty="0"/>
-              <a:t>become a</a:t>
-            </a:r>
-            <a:r>
-              <a:rPr dirty="0"/>
-              <a:t> </a:t>
-            </a:r>
-            <a:r>
-              <a:rPr lang="en-US" dirty="0"/>
-              <a:t>Witcher</a:t>
-            </a:r>
-            <a:r>
-              <a:rPr dirty="0"/>
-              <a:t> only </a:t>
-            </a:r>
-            <a:r>
-              <a:rPr lang="en-US" dirty="0"/>
-              <a:t>leaves </a:t>
-            </a:r>
-            <a:r>
-              <a:rPr dirty="0"/>
-              <a:t>3 out of 10. The books, games, and Netflix show follows four characters: a mage named Yennifer of </a:t>
-            </a:r>
-            <a:r>
-              <a:rPr dirty="0" err="1"/>
-              <a:t>Vengerberg</a:t>
-            </a:r>
-            <a:r>
-              <a:rPr dirty="0"/>
-              <a:t>, a princess </a:t>
-            </a:r>
-            <a:r>
-              <a:rPr dirty="0" err="1"/>
-              <a:t>Ciri</a:t>
-            </a:r>
-            <a:r>
-              <a:rPr dirty="0"/>
-              <a:t> of Cintra, a bard named Dandelion or </a:t>
-            </a:r>
-            <a:r>
-              <a:rPr dirty="0" err="1"/>
-              <a:t>Jaskier</a:t>
-            </a:r>
-            <a:r>
-              <a:rPr dirty="0"/>
-              <a:t> depending on the source, and a Witcher named </a:t>
-            </a:r>
-            <a:r>
-              <a:rPr dirty="0" err="1"/>
-              <a:t>Geral</a:t>
-            </a:r>
-            <a:r>
-              <a:rPr lang="en-US" dirty="0" err="1"/>
-              <a:t>t</a:t>
-            </a:r>
-            <a:r>
-              <a:rPr dirty="0"/>
-              <a:t> of </a:t>
-            </a:r>
-            <a:r>
-              <a:rPr dirty="0" err="1"/>
-              <a:t>Rivia</a:t>
-            </a:r>
-            <a:r>
-              <a:rPr lang="en-US" dirty="0"/>
-              <a:t> to save the world</a:t>
-            </a:r>
-            <a:r>
-              <a:rPr dirty="0"/>
-              <a:t>.</a:t>
-            </a:r>
-            <a:r>
-              <a:rPr lang="en-US" dirty="0"/>
-              <a:t> The show and games are loosely based on the books. This project shows some of the statistics of the book and game sales over the years, along with the viewership of the Netflix live action show.</a:t>
-            </a:r>
-            <a:endParaRPr dirty="0"/>
           </a:p>
         </p:txBody>
       </p:sp>
@@ -5093,7 +4944,6 @@
           <a:lstStyle/>
           <a:p>
             <a:r>
-              <a:rPr dirty="0"/>
               <a:t>Show Views</a:t>
             </a:r>
           </a:p>
@@ -5149,7 +4999,7 @@
           <p:cNvPr id="2" name="TextBox 1">
             <a:extLst>
               <a:ext uri="{FF2B5EF4-FFF2-40B4-BE49-F238E27FC236}">
-                <a16:creationId xmlns:a16="http://schemas.microsoft.com/office/drawing/2014/main" id="{2D0A8DE3-803D-C84D-AB6E-E2BD9DB8F02D}"/>
+                <a16:creationId xmlns:a16="http://schemas.microsoft.com/office/drawing/2014/main" id="{ACF43763-52C2-E96D-46A6-C2E1B63E46B1}"/>
               </a:ext>
             </a:extLst>
           </p:cNvPr>
@@ -5158,90 +5008,8 @@
         </p:nvSpPr>
         <p:spPr>
           <a:xfrm>
-            <a:off x="4928839" y="11984291"/>
-            <a:ext cx="5464098" cy="434991"/>
-          </a:xfrm>
-          <a:prstGeom prst="rect">
-            <a:avLst/>
-          </a:prstGeom>
-          <a:noFill/>
-          <a:ln w="12700" cap="flat">
-            <a:noFill/>
-            <a:miter lim="400000"/>
-          </a:ln>
-          <a:effectLst/>
-          <a:sp3d/>
-        </p:spPr>
-        <p:style>
-          <a:lnRef idx="0">
-            <a:scrgbClr r="0" g="0" b="0"/>
-          </a:lnRef>
-          <a:fillRef idx="0">
-            <a:scrgbClr r="0" g="0" b="0"/>
-          </a:fillRef>
-          <a:effectRef idx="0">
-            <a:scrgbClr r="0" g="0" b="0"/>
-          </a:effectRef>
-          <a:fontRef idx="none"/>
-        </p:style>
-        <p:txBody>
-          <a:bodyPr rot="0" spcFirstLastPara="1" vertOverflow="overflow" horzOverflow="overflow" vert="horz" wrap="square" lIns="50800" tIns="50800" rIns="50800" bIns="50800" numCol="1" spcCol="38100" rtlCol="0" anchor="ctr">
-            <a:spAutoFit/>
-          </a:bodyPr>
-          <a:lstStyle/>
-          <a:p>
-            <a:pPr marL="0" marR="0" indent="0" algn="ctr" defTabSz="2438400" rtl="0" fontAlgn="auto" latinLnBrk="0" hangingPunct="0">
-              <a:lnSpc>
-                <a:spcPct val="90000"/>
-              </a:lnSpc>
-              <a:spcBef>
-                <a:spcPts val="0"/>
-              </a:spcBef>
-              <a:spcAft>
-                <a:spcPts val="0"/>
-              </a:spcAft>
-              <a:buClrTx/>
-              <a:buSzTx/>
-              <a:buFontTx/>
-              <a:buNone/>
-              <a:tabLst/>
-            </a:pPr>
-            <a:r>
-              <a:rPr kumimoji="0" lang="en-US" sz="2400" b="0" i="0" u="none" strike="noStrike" cap="none" spc="0" normalizeH="0" baseline="0" dirty="0">
-                <a:ln>
-                  <a:noFill/>
-                </a:ln>
-                <a:solidFill>
-                  <a:srgbClr val="000000"/>
-                </a:solidFill>
-                <a:effectLst/>
-                <a:uFillTx/>
-                <a:latin typeface="Canela Text Regular"/>
-                <a:ea typeface="Canela Text Regular"/>
-                <a:cs typeface="Canela Text Regular"/>
-                <a:sym typeface="Canela Text Regular"/>
-              </a:rPr>
-              <a:t>By Seasons</a:t>
-            </a:r>
-          </a:p>
-        </p:txBody>
-      </p:sp>
-      <p:sp>
-        <p:nvSpPr>
-          <p:cNvPr id="3" name="TextBox 2">
-            <a:extLst>
-              <a:ext uri="{FF2B5EF4-FFF2-40B4-BE49-F238E27FC236}">
-                <a16:creationId xmlns:a16="http://schemas.microsoft.com/office/drawing/2014/main" id="{355FD8D0-0165-BFE8-F3CF-E5C92AB9D468}"/>
-              </a:ext>
-            </a:extLst>
-          </p:cNvPr>
-          <p:cNvSpPr txBox="1"/>
-          <p:nvPr/>
-        </p:nvSpPr>
-        <p:spPr>
-          <a:xfrm>
-            <a:off x="94060" y="6075104"/>
-            <a:ext cx="2550667" cy="767390"/>
+            <a:off x="94061" y="5576506"/>
+            <a:ext cx="1275334" cy="1764586"/>
           </a:xfrm>
           <a:prstGeom prst="rect">
             <a:avLst/>
@@ -5304,6 +5072,88 @@
                 <a:sym typeface="Canela Text Regular"/>
               </a:rPr>
               <a:t>Views by Season in millions</a:t>
+            </a:r>
+          </a:p>
+        </p:txBody>
+      </p:sp>
+      <p:sp>
+        <p:nvSpPr>
+          <p:cNvPr id="3" name="TextBox 2">
+            <a:extLst>
+              <a:ext uri="{FF2B5EF4-FFF2-40B4-BE49-F238E27FC236}">
+                <a16:creationId xmlns:a16="http://schemas.microsoft.com/office/drawing/2014/main" id="{503CEB93-F906-4584-EA8A-01DFF1C9A7E9}"/>
+              </a:ext>
+            </a:extLst>
+          </p:cNvPr>
+          <p:cNvSpPr txBox="1"/>
+          <p:nvPr/>
+        </p:nvSpPr>
+        <p:spPr>
+          <a:xfrm>
+            <a:off x="4673657" y="11971570"/>
+            <a:ext cx="5464098" cy="434991"/>
+          </a:xfrm>
+          <a:prstGeom prst="rect">
+            <a:avLst/>
+          </a:prstGeom>
+          <a:noFill/>
+          <a:ln w="12700" cap="flat">
+            <a:noFill/>
+            <a:miter lim="400000"/>
+          </a:ln>
+          <a:effectLst/>
+          <a:sp3d/>
+        </p:spPr>
+        <p:style>
+          <a:lnRef idx="0">
+            <a:scrgbClr r="0" g="0" b="0"/>
+          </a:lnRef>
+          <a:fillRef idx="0">
+            <a:scrgbClr r="0" g="0" b="0"/>
+          </a:fillRef>
+          <a:effectRef idx="0">
+            <a:scrgbClr r="0" g="0" b="0"/>
+          </a:effectRef>
+          <a:fontRef idx="none"/>
+        </p:style>
+        <p:txBody>
+          <a:bodyPr rot="0" spcFirstLastPara="1" vertOverflow="overflow" horzOverflow="overflow" vert="horz" wrap="square" lIns="50800" tIns="50800" rIns="50800" bIns="50800" numCol="1" spcCol="38100" rtlCol="0" anchor="ctr">
+            <a:spAutoFit/>
+          </a:bodyPr>
+          <a:lstStyle/>
+          <a:p>
+            <a:pPr marL="0" marR="0" indent="0" algn="ctr" defTabSz="2438400" rtl="0" fontAlgn="auto" latinLnBrk="0" hangingPunct="0">
+              <a:lnSpc>
+                <a:spcPct val="90000"/>
+              </a:lnSpc>
+              <a:spcBef>
+                <a:spcPts val="0"/>
+              </a:spcBef>
+              <a:spcAft>
+                <a:spcPts val="0"/>
+              </a:spcAft>
+              <a:buClrTx/>
+              <a:buSzTx/>
+              <a:buFontTx/>
+              <a:buNone/>
+              <a:tabLst/>
+            </a:pPr>
+            <a:r>
+              <a:rPr kumimoji="0" lang="en-US" sz="2400" b="0" i="0" u="none" strike="noStrike" cap="none" spc="0" normalizeH="0" baseline="0" dirty="0">
+                <a:ln>
+                  <a:noFill/>
+                </a:ln>
+                <a:solidFill>
+                  <a:srgbClr val="000000"/>
+                </a:solidFill>
+                <a:effectLst/>
+                <a:uFillTx/>
+                <a:latin typeface="Canela Text Regular"/>
+                <a:ea typeface="Canela Text Regular"/>
+                <a:cs typeface="Canela Text Regular"/>
+                <a:sym typeface="Canela Text Regular"/>
+              </a:rPr>
+              <a:t>Seasons</a:t>
             </a:r>
           </a:p>
         </p:txBody>
@@ -5363,10 +5213,16 @@
         <p:nvGraphicFramePr>
           <p:cNvPr id="163" name="2D Column Chart"/>
           <p:cNvGraphicFramePr/>
-          <p:nvPr/>
+          <p:nvPr>
+            <p:extLst>
+              <p:ext uri="{D42A27DB-BD31-4B8C-83A1-F6EECF244321}">
+                <p14:modId xmlns:p14="http://schemas.microsoft.com/office/powerpoint/2010/main" val="2143955087"/>
+              </p:ext>
+            </p:extLst>
+          </p:nvPr>
         </p:nvGraphicFramePr>
         <p:xfrm>
-          <a:off x="766410" y="4055771"/>
+          <a:off x="2845782" y="4055771"/>
           <a:ext cx="9079539" cy="7088116"/>
         </p:xfrm>
         <a:graphic>
@@ -5387,15 +5243,17 @@
         </p:nvSpPr>
         <p:spPr>
           <a:xfrm>
-            <a:off x="10626063" y="2989909"/>
-            <a:ext cx="12638604" cy="9894452"/>
+            <a:off x="15353413" y="2989909"/>
+            <a:ext cx="7911253" cy="9894452"/>
           </a:xfrm>
           <a:prstGeom prst="rect">
             <a:avLst/>
           </a:prstGeom>
         </p:spPr>
         <p:txBody>
-          <a:bodyPr/>
+          <a:bodyPr>
+            <a:normAutofit fontScale="92500" lnSpcReduction="20000"/>
+          </a:bodyPr>
           <a:lstStyle/>
           <a:p>
             <a:r>
@@ -5418,7 +5276,7 @@
           <p:cNvPr id="2" name="TextBox 1">
             <a:extLst>
               <a:ext uri="{FF2B5EF4-FFF2-40B4-BE49-F238E27FC236}">
-                <a16:creationId xmlns:a16="http://schemas.microsoft.com/office/drawing/2014/main" id="{C81AFB8B-3940-ADA6-5542-256EEFAC034E}"/>
+                <a16:creationId xmlns:a16="http://schemas.microsoft.com/office/drawing/2014/main" id="{38DD119F-7E3A-8976-7543-E6220A9F24F8}"/>
               </a:ext>
             </a:extLst>
           </p:cNvPr>
@@ -5427,7 +5285,7 @@
         </p:nvSpPr>
         <p:spPr>
           <a:xfrm>
-            <a:off x="1828800" y="11143887"/>
+            <a:off x="5244704" y="11123588"/>
             <a:ext cx="5464098" cy="434991"/>
           </a:xfrm>
           <a:prstGeom prst="rect">
@@ -5477,7 +5335,7 @@
             </a:pPr>
             <a:r>
               <a:rPr lang="en-US" dirty="0"/>
-              <a:t>Sales by years</a:t>
+              <a:t>Sales</a:t>
             </a:r>
             <a:endParaRPr kumimoji="0" lang="en-US" sz="2400" b="0" i="0" u="none" strike="noStrike" cap="none" spc="0" normalizeH="0" baseline="0" dirty="0">
               <a:ln>
@@ -5501,7 +5359,7 @@
           <p:cNvPr id="3" name="TextBox 2">
             <a:extLst>
               <a:ext uri="{FF2B5EF4-FFF2-40B4-BE49-F238E27FC236}">
-                <a16:creationId xmlns:a16="http://schemas.microsoft.com/office/drawing/2014/main" id="{E9DDA198-61CC-DDB2-2935-7A48C696ADF9}"/>
+                <a16:creationId xmlns:a16="http://schemas.microsoft.com/office/drawing/2014/main" id="{3340EB92-E56D-CD98-B4B7-3FD6FB9BCD3A}"/>
               </a:ext>
             </a:extLst>
           </p:cNvPr>
@@ -5510,8 +5368,8 @@
         </p:nvSpPr>
         <p:spPr>
           <a:xfrm>
-            <a:off x="89210" y="6474305"/>
-            <a:ext cx="1918010" cy="767390"/>
+            <a:off x="1492707" y="5975707"/>
+            <a:ext cx="1030123" cy="1764586"/>
           </a:xfrm>
           <a:prstGeom prst="rect">
             <a:avLst/>

--- a/The witcher.pptx
+++ b/The witcher.pptx
@@ -314,6 +314,11 @@
       </a:defRPr>
     </a:lvl9pPr>
   </p:defaultTextStyle>
+  <p:extLst>
+    <p:ext uri="{EFAFB233-063F-42B5-8137-9DF3F51BA10A}">
+      <p15:sldGuideLst xmlns:p15="http://schemas.microsoft.com/office/powerpoint/2012/main"/>
+    </p:ext>
+  </p:extLst>
 </p:presentation>
 </file>
 
@@ -3862,7 +3867,7 @@
           </a:ln>
           <a:extLst>
             <a:ext uri="{C572A759-6A51-4108-AA02-DFA0A04FC94B}">
-              <ma14:wrappingTextBoxFlag xmlns:ma14="http://schemas.microsoft.com/office/mac/drawingml/2011/main" xmlns:a14="http://schemas.microsoft.com/office/drawing/2010/main" xmlns:m="http://schemas.openxmlformats.org/officeDocument/2006/math" xmlns="" val="1"/>
+              <ma14:wrappingTextBoxFlag xmlns="" xmlns:m="http://schemas.openxmlformats.org/officeDocument/2006/math" xmlns:a14="http://schemas.microsoft.com/office/drawing/2010/main" xmlns:ma14="http://schemas.microsoft.com/office/mac/drawingml/2011/main" val="1"/>
             </a:ext>
           </a:extLst>
         </p:spPr>
@@ -3901,7 +3906,7 @@
           </a:ln>
           <a:extLst>
             <a:ext uri="{C572A759-6A51-4108-AA02-DFA0A04FC94B}">
-              <ma14:wrappingTextBoxFlag xmlns:ma14="http://schemas.microsoft.com/office/mac/drawingml/2011/main" xmlns:a14="http://schemas.microsoft.com/office/drawing/2010/main" xmlns:m="http://schemas.openxmlformats.org/officeDocument/2006/math" xmlns="" val="1"/>
+              <ma14:wrappingTextBoxFlag xmlns="" xmlns:m="http://schemas.openxmlformats.org/officeDocument/2006/math" xmlns:a14="http://schemas.microsoft.com/office/drawing/2010/main" xmlns:ma14="http://schemas.microsoft.com/office/mac/drawingml/2011/main" val="1"/>
             </a:ext>
           </a:extLst>
         </p:spPr>
@@ -4953,10 +4958,16 @@
         <p:nvGraphicFramePr>
           <p:cNvPr id="159" name="2D Column Chart"/>
           <p:cNvGraphicFramePr/>
-          <p:nvPr/>
+          <p:nvPr>
+            <p:extLst>
+              <p:ext uri="{D42A27DB-BD31-4B8C-83A1-F6EECF244321}">
+                <p14:modId xmlns:p14="http://schemas.microsoft.com/office/powerpoint/2010/main" val="2795685868"/>
+              </p:ext>
+            </p:extLst>
+          </p:nvPr>
         </p:nvGraphicFramePr>
         <p:xfrm>
-          <a:off x="1369394" y="2566696"/>
+          <a:off x="3778057" y="2501900"/>
           <a:ext cx="10784803" cy="9340078"/>
         </p:xfrm>
         <a:graphic>
@@ -4977,8 +4988,8 @@
         </p:nvSpPr>
         <p:spPr>
           <a:xfrm>
-            <a:off x="12383204" y="2602349"/>
-            <a:ext cx="10784573" cy="9894451"/>
+            <a:off x="14875727" y="2602349"/>
+            <a:ext cx="8292050" cy="9894451"/>
           </a:xfrm>
           <a:prstGeom prst="rect">
             <a:avLst/>
@@ -4989,6 +5000,7 @@
           <a:lstStyle/>
           <a:p>
             <a:r>
+              <a:rPr dirty="0"/>
               <a:t>The show, in millions, brought a lot of attention when Netflix adapted the books and video games. Season 1 of the show brought over 501 million views during December holidays of 2019. When season 2 dropped during the December holidays 2021, the show 462.5 million after release. In the span of three to four days with season 3 coming out of June 2023, the Witcher brought about 66.5 million views.</a:t>
             </a:r>
           </a:p>
@@ -5008,7 +5020,7 @@
         </p:nvSpPr>
         <p:spPr>
           <a:xfrm>
-            <a:off x="94061" y="5576506"/>
+            <a:off x="2189856" y="5407353"/>
             <a:ext cx="1275334" cy="1764586"/>
           </a:xfrm>
           <a:prstGeom prst="rect">
@@ -5090,7 +5102,7 @@
         </p:nvSpPr>
         <p:spPr>
           <a:xfrm>
-            <a:off x="4673657" y="11971570"/>
+            <a:off x="6776225" y="12061809"/>
             <a:ext cx="5464098" cy="434991"/>
           </a:xfrm>
           <a:prstGeom prst="rect">

--- a/The witcher.pptx
+++ b/The witcher.pptx
@@ -779,9 +779,9 @@
           <c:xMode val="edge"/>
           <c:yMode val="edge"/>
           <c:x val="0.105629"/>
-          <c:y val="7.8227000000000005E-2"/>
+          <c:y val="3.9597263927396223E-2"/>
           <c:w val="0.88937100000000002"/>
-          <c:h val="0.79352699999999998"/>
+          <c:h val="0.83384696300116989"/>
         </c:manualLayout>
       </c:layout>
       <c:barChart>
@@ -3867,7 +3867,7 @@
           </a:ln>
           <a:extLst>
             <a:ext uri="{C572A759-6A51-4108-AA02-DFA0A04FC94B}">
-              <ma14:wrappingTextBoxFlag xmlns="" xmlns:m="http://schemas.openxmlformats.org/officeDocument/2006/math" xmlns:a14="http://schemas.microsoft.com/office/drawing/2010/main" xmlns:ma14="http://schemas.microsoft.com/office/mac/drawingml/2011/main" val="1"/>
+              <ma14:wrappingTextBoxFlag xmlns:ma14="http://schemas.microsoft.com/office/mac/drawingml/2011/main" xmlns:a14="http://schemas.microsoft.com/office/drawing/2010/main" xmlns:m="http://schemas.openxmlformats.org/officeDocument/2006/math" xmlns="" val="1"/>
             </a:ext>
           </a:extLst>
         </p:spPr>
@@ -3906,7 +3906,7 @@
           </a:ln>
           <a:extLst>
             <a:ext uri="{C572A759-6A51-4108-AA02-DFA0A04FC94B}">
-              <ma14:wrappingTextBoxFlag xmlns="" xmlns:m="http://schemas.openxmlformats.org/officeDocument/2006/math" xmlns:a14="http://schemas.microsoft.com/office/drawing/2010/main" xmlns:ma14="http://schemas.microsoft.com/office/mac/drawingml/2011/main" val="1"/>
+              <ma14:wrappingTextBoxFlag xmlns:ma14="http://schemas.microsoft.com/office/mac/drawingml/2011/main" xmlns:a14="http://schemas.microsoft.com/office/drawing/2010/main" xmlns:m="http://schemas.openxmlformats.org/officeDocument/2006/math" xmlns="" val="1"/>
             </a:ext>
           </a:extLst>
         </p:spPr>
@@ -4949,6 +4949,7 @@
           <a:lstStyle/>
           <a:p>
             <a:r>
+              <a:rPr dirty="0"/>
               <a:t>Show Views</a:t>
             </a:r>
           </a:p>
@@ -4961,13 +4962,13 @@
           <p:nvPr>
             <p:extLst>
               <p:ext uri="{D42A27DB-BD31-4B8C-83A1-F6EECF244321}">
-                <p14:modId xmlns:p14="http://schemas.microsoft.com/office/powerpoint/2010/main" val="2795685868"/>
+                <p14:modId xmlns:p14="http://schemas.microsoft.com/office/powerpoint/2010/main" val="1245971902"/>
               </p:ext>
             </p:extLst>
           </p:nvPr>
         </p:nvGraphicFramePr>
         <p:xfrm>
-          <a:off x="3778057" y="2501900"/>
+          <a:off x="1860962" y="2515781"/>
           <a:ext cx="10784803" cy="9340078"/>
         </p:xfrm>
         <a:graphic>
@@ -4988,8 +4989,8 @@
         </p:nvSpPr>
         <p:spPr>
           <a:xfrm>
-            <a:off x="14875727" y="2602349"/>
-            <a:ext cx="8292050" cy="9894451"/>
+            <a:off x="13921099" y="3156722"/>
+            <a:ext cx="9246678" cy="9340078"/>
           </a:xfrm>
           <a:prstGeom prst="rect">
             <a:avLst/>
@@ -5001,7 +5002,55 @@
           <a:p>
             <a:r>
               <a:rPr dirty="0"/>
-              <a:t>The show, in millions, brought a lot of attention when Netflix adapted the books and video games. Season 1 of the show brought over 501 million views during December holidays of 2019. When season 2 dropped during the December holidays 2021, the show 462.5 million after release. In the span of three to four days with season 3 coming out of June 2023, the Witcher brought about 66.5 million views.</a:t>
+              <a:t>The show brought a lot of attention when Netflix adapted the books and video games.</a:t>
+            </a:r>
+            <a:r>
+              <a:rPr lang="en-US" dirty="0"/>
+              <a:t> The show premiered</a:t>
+            </a:r>
+            <a:r>
+              <a:rPr dirty="0"/>
+              <a:t> </a:t>
+            </a:r>
+            <a:r>
+              <a:rPr lang="en-US" dirty="0"/>
+              <a:t>s</a:t>
+            </a:r>
+            <a:r>
+              <a:rPr dirty="0"/>
+              <a:t>eason 1 of the show brought over 501 million views during December holidays of 2019. When season 2 dropped during the December holidays </a:t>
+            </a:r>
+            <a:r>
+              <a:rPr lang="en-US" dirty="0"/>
+              <a:t>two years later</a:t>
+            </a:r>
+            <a:r>
+              <a:rPr dirty="0"/>
+              <a:t>, the show 462.5 million</a:t>
+            </a:r>
+            <a:r>
+              <a:rPr lang="en-US" dirty="0"/>
+              <a:t> views</a:t>
+            </a:r>
+            <a:r>
+              <a:rPr dirty="0"/>
+              <a:t>. </a:t>
+            </a:r>
+            <a:r>
+              <a:rPr lang="en-US" dirty="0"/>
+              <a:t>In the first </a:t>
+            </a:r>
+            <a:r>
+              <a:rPr dirty="0"/>
+              <a:t>three to four days with season 3 coming out</a:t>
+            </a:r>
+            <a:r>
+              <a:rPr lang="en-US" dirty="0"/>
+              <a:t> in July 2023</a:t>
+            </a:r>
+            <a:r>
+              <a:rPr dirty="0"/>
+              <a:t>, the Witcher brought about 66.5 million views.</a:t>
             </a:r>
           </a:p>
         </p:txBody>
@@ -5020,8 +5069,8 @@
         </p:nvSpPr>
         <p:spPr>
           <a:xfrm>
-            <a:off x="2189856" y="5407353"/>
-            <a:ext cx="1275334" cy="1764586"/>
+            <a:off x="585628" y="6020854"/>
+            <a:ext cx="1275334" cy="767390"/>
           </a:xfrm>
           <a:prstGeom prst="rect">
             <a:avLst/>
@@ -5083,7 +5132,7 @@
                 <a:cs typeface="Canela Text Regular"/>
                 <a:sym typeface="Canela Text Regular"/>
               </a:rPr>
-              <a:t>Views by Season in millions</a:t>
+              <a:t>Views in millions</a:t>
             </a:r>
           </a:p>
         </p:txBody>
@@ -5102,7 +5151,7 @@
         </p:nvSpPr>
         <p:spPr>
           <a:xfrm>
-            <a:off x="6776225" y="12061809"/>
+            <a:off x="4998804" y="12061809"/>
             <a:ext cx="5464098" cy="434991"/>
           </a:xfrm>
           <a:prstGeom prst="rect">
@@ -5216,6 +5265,7 @@
           <a:lstStyle/>
           <a:p>
             <a:r>
+              <a:rPr dirty="0"/>
               <a:t>Book Sales</a:t>
             </a:r>
           </a:p>
@@ -5228,13 +5278,13 @@
           <p:nvPr>
             <p:extLst>
               <p:ext uri="{D42A27DB-BD31-4B8C-83A1-F6EECF244321}">
-                <p14:modId xmlns:p14="http://schemas.microsoft.com/office/powerpoint/2010/main" val="2143955087"/>
+                <p14:modId xmlns:p14="http://schemas.microsoft.com/office/powerpoint/2010/main" val="1796218467"/>
               </p:ext>
             </p:extLst>
           </p:nvPr>
         </p:nvGraphicFramePr>
         <p:xfrm>
-          <a:off x="2845782" y="4055771"/>
+          <a:off x="2064366" y="4035472"/>
           <a:ext cx="9079539" cy="7088116"/>
         </p:xfrm>
         <a:graphic>
@@ -5255,8 +5305,8 @@
         </p:nvSpPr>
         <p:spPr>
           <a:xfrm>
-            <a:off x="15353413" y="2989909"/>
-            <a:ext cx="7911253" cy="9894452"/>
+            <a:off x="12192000" y="2989909"/>
+            <a:ext cx="11072667" cy="9894452"/>
           </a:xfrm>
           <a:prstGeom prst="rect">
             <a:avLst/>
@@ -5264,7 +5314,7 @@
         </p:spPr>
         <p:txBody>
           <a:bodyPr>
-            <a:normAutofit fontScale="92500" lnSpcReduction="20000"/>
+            <a:normAutofit/>
           </a:bodyPr>
           <a:lstStyle/>
           <a:p>
@@ -5297,7 +5347,7 @@
         </p:nvSpPr>
         <p:spPr>
           <a:xfrm>
-            <a:off x="5244704" y="11123588"/>
+            <a:off x="3929668" y="11168050"/>
             <a:ext cx="5464098" cy="434991"/>
           </a:xfrm>
           <a:prstGeom prst="rect">
@@ -5380,8 +5430,8 @@
         </p:nvSpPr>
         <p:spPr>
           <a:xfrm>
-            <a:off x="1492707" y="5975707"/>
-            <a:ext cx="1030123" cy="1764586"/>
+            <a:off x="616197" y="6308105"/>
+            <a:ext cx="1212603" cy="1099788"/>
           </a:xfrm>
           <a:prstGeom prst="rect">
             <a:avLst/>
@@ -5430,7 +5480,90 @@
             </a:pPr>
             <a:r>
               <a:rPr lang="en-US" dirty="0"/>
-              <a:t>Books by unit in millions</a:t>
+              <a:t>Books in millions</a:t>
+            </a:r>
+            <a:endParaRPr kumimoji="0" lang="en-US" sz="2400" b="0" i="0" u="none" strike="noStrike" cap="none" spc="0" normalizeH="0" baseline="0" dirty="0">
+              <a:ln>
+                <a:noFill/>
+              </a:ln>
+              <a:solidFill>
+                <a:srgbClr val="000000"/>
+              </a:solidFill>
+              <a:effectLst/>
+              <a:uFillTx/>
+              <a:latin typeface="Canela Text Regular"/>
+              <a:ea typeface="Canela Text Regular"/>
+              <a:cs typeface="Canela Text Regular"/>
+              <a:sym typeface="Canela Text Regular"/>
+            </a:endParaRPr>
+          </a:p>
+        </p:txBody>
+      </p:sp>
+      <p:sp>
+        <p:nvSpPr>
+          <p:cNvPr id="5" name="TextBox 4">
+            <a:extLst>
+              <a:ext uri="{FF2B5EF4-FFF2-40B4-BE49-F238E27FC236}">
+                <a16:creationId xmlns:a16="http://schemas.microsoft.com/office/drawing/2014/main" id="{88EDCDFA-1D74-3741-ED94-25F2B2B53463}"/>
+              </a:ext>
+            </a:extLst>
+          </p:cNvPr>
+          <p:cNvSpPr txBox="1"/>
+          <p:nvPr/>
+        </p:nvSpPr>
+        <p:spPr>
+          <a:xfrm>
+            <a:off x="4315984" y="3817976"/>
+            <a:ext cx="5464098" cy="434991"/>
+          </a:xfrm>
+          <a:prstGeom prst="rect">
+            <a:avLst/>
+          </a:prstGeom>
+          <a:noFill/>
+          <a:ln w="12700" cap="flat">
+            <a:noFill/>
+            <a:miter lim="400000"/>
+          </a:ln>
+          <a:effectLst/>
+          <a:sp3d/>
+        </p:spPr>
+        <p:style>
+          <a:lnRef idx="0">
+            <a:scrgbClr r="0" g="0" b="0"/>
+          </a:lnRef>
+          <a:fillRef idx="0">
+            <a:scrgbClr r="0" g="0" b="0"/>
+          </a:fillRef>
+          <a:effectRef idx="0">
+            <a:scrgbClr r="0" g="0" b="0"/>
+          </a:effectRef>
+          <a:fontRef idx="none"/>
+        </p:style>
+        <p:txBody>
+          <a:bodyPr rot="0" spcFirstLastPara="1" vertOverflow="overflow" horzOverflow="overflow" vert="horz" wrap="square" lIns="50800" tIns="50800" rIns="50800" bIns="50800" numCol="1" spcCol="38100" rtlCol="0" anchor="ctr">
+            <a:spAutoFit/>
+          </a:bodyPr>
+          <a:lstStyle/>
+          <a:p>
+            <a:pPr marL="0" marR="0" indent="0" algn="ctr" defTabSz="2438400" rtl="0" fontAlgn="auto" latinLnBrk="0" hangingPunct="0">
+              <a:lnSpc>
+                <a:spcPct val="90000"/>
+              </a:lnSpc>
+              <a:spcBef>
+                <a:spcPts val="0"/>
+              </a:spcBef>
+              <a:spcAft>
+                <a:spcPts val="0"/>
+              </a:spcAft>
+              <a:buClrTx/>
+              <a:buSzTx/>
+              <a:buFontTx/>
+              <a:buNone/>
+              <a:tabLst/>
+            </a:pPr>
+            <a:r>
+              <a:rPr lang="en-US" dirty="0"/>
+              <a:t>Books</a:t>
             </a:r>
             <a:endParaRPr kumimoji="0" lang="en-US" sz="2400" b="0" i="0" u="none" strike="noStrike" cap="none" spc="0" normalizeH="0" baseline="0" dirty="0">
               <a:ln>
@@ -5495,6 +5628,7 @@
           <a:lstStyle/>
           <a:p>
             <a:r>
+              <a:rPr dirty="0"/>
               <a:t>Games</a:t>
             </a:r>
           </a:p>
@@ -5504,11 +5638,17 @@
         <p:nvGraphicFramePr>
           <p:cNvPr id="167" name="2D Column Chart"/>
           <p:cNvGraphicFramePr/>
-          <p:nvPr/>
+          <p:nvPr>
+            <p:extLst>
+              <p:ext uri="{D42A27DB-BD31-4B8C-83A1-F6EECF244321}">
+                <p14:modId xmlns:p14="http://schemas.microsoft.com/office/powerpoint/2010/main" val="2681200509"/>
+              </p:ext>
+            </p:extLst>
+          </p:nvPr>
         </p:nvGraphicFramePr>
         <p:xfrm>
-          <a:off x="1459911" y="5153858"/>
-          <a:ext cx="11014686" cy="7088116"/>
+          <a:off x="1459911" y="2602349"/>
+          <a:ext cx="11014686" cy="9639625"/>
         </p:xfrm>
         <a:graphic>
           <a:graphicData uri="http://schemas.openxmlformats.org/drawingml/2006/chart">
@@ -5547,8 +5687,300 @@
           </a:lstStyle>
           <a:p>
             <a:r>
-              <a:t>The games were a massive hit since 2007, when the first game hit shelves. CD Projekt, the company to develop the games, brought the games to life through xbox, were released through pc, playstation and the xbox, with each game following Geralt and companies adventures through the Continent. The first game, after release, sold around 1 million copies through pc. A couple years later, the Witcher 2: Assassins of Kings sold over 1.7 million, while the Witcher 3: Wild hunt sold over 50 million copies in 2014 and after it’s release years later. </a:t>
-            </a:r>
+              <a:rPr dirty="0"/>
+              <a:t>The games </a:t>
+            </a:r>
+            <a:r>
+              <a:rPr lang="en-US" dirty="0"/>
+              <a:t>are</a:t>
+            </a:r>
+            <a:r>
+              <a:rPr dirty="0"/>
+              <a:t> a massive hit since 2007, when the first game hit </a:t>
+            </a:r>
+            <a:r>
+              <a:rPr lang="en-US" dirty="0"/>
+              <a:t>came out on PC</a:t>
+            </a:r>
+            <a:r>
+              <a:rPr dirty="0"/>
+              <a:t>. CD </a:t>
+            </a:r>
+            <a:r>
+              <a:rPr dirty="0" err="1"/>
+              <a:t>Projekt</a:t>
+            </a:r>
+            <a:r>
+              <a:rPr dirty="0"/>
+              <a:t>, the company </a:t>
+            </a:r>
+            <a:r>
+              <a:rPr lang="en-US" dirty="0"/>
+              <a:t>that</a:t>
+            </a:r>
+            <a:r>
+              <a:rPr dirty="0"/>
+              <a:t> develop</a:t>
+            </a:r>
+            <a:r>
+              <a:rPr lang="en-US" dirty="0"/>
+              <a:t>ed</a:t>
+            </a:r>
+            <a:r>
+              <a:rPr dirty="0"/>
+              <a:t> the games, brought the games to life through </a:t>
+            </a:r>
+            <a:r>
+              <a:rPr lang="en-US" dirty="0"/>
+              <a:t>X</a:t>
+            </a:r>
+            <a:r>
+              <a:rPr dirty="0"/>
+              <a:t>box, </a:t>
+            </a:r>
+            <a:r>
+              <a:rPr lang="en-US" dirty="0"/>
+              <a:t>PC</a:t>
+            </a:r>
+            <a:r>
+              <a:rPr dirty="0"/>
+              <a:t>, </a:t>
+            </a:r>
+            <a:r>
+              <a:rPr lang="en-US" dirty="0"/>
+              <a:t>and PlayStation</a:t>
+            </a:r>
+            <a:r>
+              <a:rPr dirty="0"/>
+              <a:t>, with each game following </a:t>
+            </a:r>
+            <a:r>
+              <a:rPr dirty="0" err="1"/>
+              <a:t>Geralt</a:t>
+            </a:r>
+            <a:r>
+              <a:rPr dirty="0"/>
+              <a:t> and companies adventures through the </a:t>
+            </a:r>
+            <a:r>
+              <a:rPr lang="en-US" dirty="0"/>
+              <a:t>c</a:t>
+            </a:r>
+            <a:r>
+              <a:rPr dirty="0"/>
+              <a:t>ontinent. The first game, after release, sold around 1 million copies </a:t>
+            </a:r>
+            <a:r>
+              <a:rPr lang="en-US" dirty="0"/>
+              <a:t>on</a:t>
+            </a:r>
+            <a:r>
+              <a:rPr dirty="0"/>
+              <a:t> </a:t>
+            </a:r>
+            <a:r>
+              <a:rPr lang="en-US" dirty="0"/>
+              <a:t>PC</a:t>
+            </a:r>
+            <a:r>
+              <a:rPr dirty="0"/>
+              <a:t>. </a:t>
+            </a:r>
+            <a:r>
+              <a:rPr lang="en-US" dirty="0"/>
+              <a:t>In May 2012</a:t>
+            </a:r>
+            <a:r>
+              <a:rPr dirty="0"/>
+              <a:t>, the Witcher 2: Assassins of Kings sold over 1.7 million</a:t>
+            </a:r>
+            <a:r>
+              <a:rPr lang="en-US" dirty="0"/>
+              <a:t>. In May 2015, </a:t>
+            </a:r>
+            <a:r>
+              <a:rPr dirty="0"/>
+              <a:t>the Witcher 3: Wild </a:t>
+            </a:r>
+            <a:r>
+              <a:rPr lang="en-US" dirty="0"/>
+              <a:t>H</a:t>
+            </a:r>
+            <a:r>
+              <a:rPr dirty="0"/>
+              <a:t>unt sold over 50 million copies</a:t>
+            </a:r>
+            <a:r>
+              <a:rPr lang="en-US" dirty="0"/>
+              <a:t>. The Witcher 3: Wild Hunt is still sold because of the success of the books and Netflix tv show.</a:t>
+            </a:r>
+            <a:endParaRPr dirty="0"/>
+          </a:p>
+        </p:txBody>
+      </p:sp>
+      <p:sp>
+        <p:nvSpPr>
+          <p:cNvPr id="2" name="TextBox 1">
+            <a:extLst>
+              <a:ext uri="{FF2B5EF4-FFF2-40B4-BE49-F238E27FC236}">
+                <a16:creationId xmlns:a16="http://schemas.microsoft.com/office/drawing/2014/main" id="{895FF359-D6CC-C9A1-6989-2E40C9399EA9}"/>
+              </a:ext>
+            </a:extLst>
+          </p:cNvPr>
+          <p:cNvSpPr txBox="1"/>
+          <p:nvPr/>
+        </p:nvSpPr>
+        <p:spPr>
+          <a:xfrm>
+            <a:off x="4716477" y="12151892"/>
+            <a:ext cx="5464098" cy="434991"/>
+          </a:xfrm>
+          <a:prstGeom prst="rect">
+            <a:avLst/>
+          </a:prstGeom>
+          <a:noFill/>
+          <a:ln w="12700" cap="flat">
+            <a:noFill/>
+            <a:miter lim="400000"/>
+          </a:ln>
+          <a:effectLst/>
+          <a:sp3d/>
+        </p:spPr>
+        <p:style>
+          <a:lnRef idx="0">
+            <a:scrgbClr r="0" g="0" b="0"/>
+          </a:lnRef>
+          <a:fillRef idx="0">
+            <a:scrgbClr r="0" g="0" b="0"/>
+          </a:fillRef>
+          <a:effectRef idx="0">
+            <a:scrgbClr r="0" g="0" b="0"/>
+          </a:effectRef>
+          <a:fontRef idx="none"/>
+        </p:style>
+        <p:txBody>
+          <a:bodyPr rot="0" spcFirstLastPara="1" vertOverflow="overflow" horzOverflow="overflow" vert="horz" wrap="square" lIns="50800" tIns="50800" rIns="50800" bIns="50800" numCol="1" spcCol="38100" rtlCol="0" anchor="ctr">
+            <a:spAutoFit/>
+          </a:bodyPr>
+          <a:lstStyle/>
+          <a:p>
+            <a:pPr marL="0" marR="0" indent="0" algn="ctr" defTabSz="2438400" rtl="0" fontAlgn="auto" latinLnBrk="0" hangingPunct="0">
+              <a:lnSpc>
+                <a:spcPct val="90000"/>
+              </a:lnSpc>
+              <a:spcBef>
+                <a:spcPts val="0"/>
+              </a:spcBef>
+              <a:spcAft>
+                <a:spcPts val="0"/>
+              </a:spcAft>
+              <a:buClrTx/>
+              <a:buSzTx/>
+              <a:buFontTx/>
+              <a:buNone/>
+              <a:tabLst/>
+            </a:pPr>
+            <a:r>
+              <a:rPr lang="en-US" dirty="0"/>
+              <a:t>Games</a:t>
+            </a:r>
+            <a:endParaRPr kumimoji="0" lang="en-US" sz="2400" b="0" i="0" u="none" strike="noStrike" cap="none" spc="0" normalizeH="0" baseline="0" dirty="0">
+              <a:ln>
+                <a:noFill/>
+              </a:ln>
+              <a:solidFill>
+                <a:srgbClr val="000000"/>
+              </a:solidFill>
+              <a:effectLst/>
+              <a:uFillTx/>
+              <a:latin typeface="Canela Text Regular"/>
+              <a:ea typeface="Canela Text Regular"/>
+              <a:cs typeface="Canela Text Regular"/>
+              <a:sym typeface="Canela Text Regular"/>
+            </a:endParaRPr>
+          </a:p>
+        </p:txBody>
+      </p:sp>
+      <p:sp>
+        <p:nvSpPr>
+          <p:cNvPr id="3" name="TextBox 2">
+            <a:extLst>
+              <a:ext uri="{FF2B5EF4-FFF2-40B4-BE49-F238E27FC236}">
+                <a16:creationId xmlns:a16="http://schemas.microsoft.com/office/drawing/2014/main" id="{98975E8E-6DD7-EC54-5A45-D9743406AA1E}"/>
+              </a:ext>
+            </a:extLst>
+          </p:cNvPr>
+          <p:cNvSpPr txBox="1"/>
+          <p:nvPr/>
+        </p:nvSpPr>
+        <p:spPr>
+          <a:xfrm>
+            <a:off x="43591" y="6474305"/>
+            <a:ext cx="1416320" cy="767390"/>
+          </a:xfrm>
+          <a:prstGeom prst="rect">
+            <a:avLst/>
+          </a:prstGeom>
+          <a:noFill/>
+          <a:ln w="12700" cap="flat">
+            <a:noFill/>
+            <a:miter lim="400000"/>
+          </a:ln>
+          <a:effectLst/>
+          <a:sp3d/>
+        </p:spPr>
+        <p:style>
+          <a:lnRef idx="0">
+            <a:scrgbClr r="0" g="0" b="0"/>
+          </a:lnRef>
+          <a:fillRef idx="0">
+            <a:scrgbClr r="0" g="0" b="0"/>
+          </a:fillRef>
+          <a:effectRef idx="0">
+            <a:scrgbClr r="0" g="0" b="0"/>
+          </a:effectRef>
+          <a:fontRef idx="none"/>
+        </p:style>
+        <p:txBody>
+          <a:bodyPr rot="0" spcFirstLastPara="1" vertOverflow="overflow" horzOverflow="overflow" vert="horz" wrap="square" lIns="50800" tIns="50800" rIns="50800" bIns="50800" numCol="1" spcCol="38100" rtlCol="0" anchor="ctr">
+            <a:spAutoFit/>
+          </a:bodyPr>
+          <a:lstStyle/>
+          <a:p>
+            <a:pPr marL="0" marR="0" indent="0" algn="ctr" defTabSz="2438400" rtl="0" fontAlgn="auto" latinLnBrk="0" hangingPunct="0">
+              <a:lnSpc>
+                <a:spcPct val="90000"/>
+              </a:lnSpc>
+              <a:spcBef>
+                <a:spcPts val="0"/>
+              </a:spcBef>
+              <a:spcAft>
+                <a:spcPts val="0"/>
+              </a:spcAft>
+              <a:buClrTx/>
+              <a:buSzTx/>
+              <a:buFontTx/>
+              <a:buNone/>
+              <a:tabLst/>
+            </a:pPr>
+            <a:r>
+              <a:rPr lang="en-US" dirty="0"/>
+              <a:t>In Millions</a:t>
+            </a:r>
+            <a:endParaRPr kumimoji="0" lang="en-US" sz="2400" b="0" i="0" u="none" strike="noStrike" cap="none" spc="0" normalizeH="0" baseline="0" dirty="0">
+              <a:ln>
+                <a:noFill/>
+              </a:ln>
+              <a:solidFill>
+                <a:srgbClr val="000000"/>
+              </a:solidFill>
+              <a:effectLst/>
+              <a:uFillTx/>
+              <a:latin typeface="Canela Text Regular"/>
+              <a:ea typeface="Canela Text Regular"/>
+              <a:cs typeface="Canela Text Regular"/>
+              <a:sym typeface="Canela Text Regular"/>
+            </a:endParaRPr>
           </a:p>
         </p:txBody>
       </p:sp>

--- a/The witcher.pptx
+++ b/The witcher.pptx
@@ -314,11 +314,6 @@
       </a:defRPr>
     </a:lvl9pPr>
   </p:defaultTextStyle>
-  <p:extLst>
-    <p:ext uri="{EFAFB233-063F-42B5-8137-9DF3F51BA10A}">
-      <p15:sldGuideLst xmlns:p15="http://schemas.microsoft.com/office/powerpoint/2012/main"/>
-    </p:ext>
-  </p:extLst>
 </p:presentation>
 </file>
 
@@ -336,10 +331,10 @@
           <c:layoutTarget val="inner"/>
           <c:xMode val="edge"/>
           <c:yMode val="edge"/>
-          <c:x val="0.112605"/>
-          <c:y val="5.9365899999999999E-2"/>
-          <c:w val="0.88239500000000004"/>
-          <c:h val="0.84029500000000001"/>
+          <c:x val="0.17614099999999999"/>
+          <c:y val="5.4511700000000003E-2"/>
+          <c:w val="0.818859"/>
+          <c:h val="0.77056400000000003"/>
         </c:manualLayout>
       </c:layout>
       <c:barChart>
@@ -408,7 +403,7 @@
           </c:val>
           <c:extLst>
             <c:ext xmlns:c16="http://schemas.microsoft.com/office/drawing/2014/chart" uri="{C3380CC4-5D6E-409C-BE32-E72D297353CC}">
-              <c16:uniqueId val="{00000000-D904-F141-AB8B-C0F9E9533565}"/>
+              <c16:uniqueId val="{00000000-13D3-9945-9496-2F083054B927}"/>
             </c:ext>
           </c:extLst>
         </c:ser>
@@ -432,6 +427,34 @@
         </c:scaling>
         <c:delete val="0"/>
         <c:axPos val="b"/>
+        <c:title>
+          <c:tx>
+            <c:rich>
+              <a:bodyPr rot="0"/>
+              <a:lstStyle/>
+              <a:p>
+                <a:pPr>
+                  <a:defRPr sz="3400" b="0" i="0" u="none" strike="noStrike">
+                    <a:solidFill>
+                      <a:srgbClr val="000000"/>
+                    </a:solidFill>
+                    <a:latin typeface="Graphik"/>
+                  </a:defRPr>
+                </a:pPr>
+                <a:r>
+                  <a:rPr lang="en-US" sz="3400" b="0" i="0" u="none" strike="noStrike">
+                    <a:solidFill>
+                      <a:srgbClr val="000000"/>
+                    </a:solidFill>
+                    <a:latin typeface="Graphik"/>
+                  </a:rPr>
+                  <a:t>Seasons</a:t>
+                </a:r>
+              </a:p>
+            </c:rich>
+          </c:tx>
+          <c:overlay val="1"/>
+        </c:title>
         <c:numFmt formatCode="General" sourceLinked="0"/>
         <c:majorTickMark val="none"/>
         <c:minorTickMark val="none"/>
@@ -485,6 +508,34 @@
             </a:ln>
           </c:spPr>
         </c:majorGridlines>
+        <c:title>
+          <c:tx>
+            <c:rich>
+              <a:bodyPr rot="-5400000"/>
+              <a:lstStyle/>
+              <a:p>
+                <a:pPr>
+                  <a:defRPr sz="3400" b="0" i="0" u="none" strike="noStrike">
+                    <a:solidFill>
+                      <a:srgbClr val="000000"/>
+                    </a:solidFill>
+                    <a:latin typeface="Graphik"/>
+                  </a:defRPr>
+                </a:pPr>
+                <a:r>
+                  <a:rPr lang="en-US" sz="3400" b="0" i="0" u="none" strike="noStrike">
+                    <a:solidFill>
+                      <a:srgbClr val="000000"/>
+                    </a:solidFill>
+                    <a:latin typeface="Graphik"/>
+                  </a:rPr>
+                  <a:t>Views in Millions</a:t>
+                </a:r>
+              </a:p>
+            </c:rich>
+          </c:tx>
+          <c:overlay val="1"/>
+        </c:title>
         <c:numFmt formatCode="General" sourceLinked="0"/>
         <c:majorTickMark val="none"/>
         <c:minorTickMark val="none"/>
@@ -557,10 +608,10 @@
           <c:layoutTarget val="inner"/>
           <c:xMode val="edge"/>
           <c:yMode val="edge"/>
-          <c:x val="0.101367"/>
-          <c:y val="7.8227000000000005E-2"/>
-          <c:w val="0.89363300000000001"/>
-          <c:h val="0.79352699999999998"/>
+          <c:x val="0.17677799999999999"/>
+          <c:y val="7.0011799999999999E-2"/>
+          <c:w val="0.818222"/>
+          <c:h val="0.70887999999999995"/>
         </c:manualLayout>
       </c:layout>
       <c:barChart>
@@ -629,7 +680,7 @@
           </c:val>
           <c:extLst>
             <c:ext xmlns:c16="http://schemas.microsoft.com/office/drawing/2014/chart" uri="{C3380CC4-5D6E-409C-BE32-E72D297353CC}">
-              <c16:uniqueId val="{00000000-7D36-A64D-AD11-63760A9CBAC8}"/>
+              <c16:uniqueId val="{00000000-A916-1946-AE99-35E27201C7D1}"/>
             </c:ext>
           </c:extLst>
         </c:ser>
@@ -653,6 +704,34 @@
         </c:scaling>
         <c:delete val="0"/>
         <c:axPos val="b"/>
+        <c:title>
+          <c:tx>
+            <c:rich>
+              <a:bodyPr rot="0"/>
+              <a:lstStyle/>
+              <a:p>
+                <a:pPr>
+                  <a:defRPr sz="3400" b="0" i="0" u="none" strike="noStrike">
+                    <a:solidFill>
+                      <a:srgbClr val="000000"/>
+                    </a:solidFill>
+                    <a:latin typeface="Graphik"/>
+                  </a:defRPr>
+                </a:pPr>
+                <a:r>
+                  <a:rPr lang="en-US" sz="3400" b="0" i="0" u="none" strike="noStrike">
+                    <a:solidFill>
+                      <a:srgbClr val="000000"/>
+                    </a:solidFill>
+                    <a:latin typeface="Graphik"/>
+                  </a:rPr>
+                  <a:t>Books</a:t>
+                </a:r>
+              </a:p>
+            </c:rich>
+          </c:tx>
+          <c:overlay val="1"/>
+        </c:title>
         <c:numFmt formatCode="General" sourceLinked="0"/>
         <c:majorTickMark val="none"/>
         <c:minorTickMark val="none"/>
@@ -706,6 +785,34 @@
             </a:ln>
           </c:spPr>
         </c:majorGridlines>
+        <c:title>
+          <c:tx>
+            <c:rich>
+              <a:bodyPr rot="-5400000"/>
+              <a:lstStyle/>
+              <a:p>
+                <a:pPr>
+                  <a:defRPr sz="3400" b="0" i="0" u="none" strike="noStrike">
+                    <a:solidFill>
+                      <a:srgbClr val="000000"/>
+                    </a:solidFill>
+                    <a:latin typeface="Graphik"/>
+                  </a:defRPr>
+                </a:pPr>
+                <a:r>
+                  <a:rPr lang="en-US" sz="3400" b="0" i="0" u="none" strike="noStrike">
+                    <a:solidFill>
+                      <a:srgbClr val="000000"/>
+                    </a:solidFill>
+                    <a:latin typeface="Graphik"/>
+                  </a:rPr>
+                  <a:t>Books in Millions</a:t>
+                </a:r>
+              </a:p>
+            </c:rich>
+          </c:tx>
+          <c:overlay val="1"/>
+        </c:title>
         <c:numFmt formatCode="General" sourceLinked="0"/>
         <c:majorTickMark val="none"/>
         <c:minorTickMark val="none"/>
@@ -778,10 +885,10 @@
           <c:layoutTarget val="inner"/>
           <c:xMode val="edge"/>
           <c:yMode val="edge"/>
-          <c:x val="0.105629"/>
-          <c:y val="3.9597263927396223E-2"/>
-          <c:w val="0.88937100000000002"/>
-          <c:h val="0.83384696300116989"/>
+          <c:x val="0.16842199999999999"/>
+          <c:y val="7.0011799999999999E-2"/>
+          <c:w val="0.82657800000000003"/>
+          <c:h val="0.70887999999999995"/>
         </c:manualLayout>
       </c:layout>
       <c:barChart>
@@ -850,7 +957,7 @@
           </c:val>
           <c:extLst>
             <c:ext xmlns:c16="http://schemas.microsoft.com/office/drawing/2014/chart" uri="{C3380CC4-5D6E-409C-BE32-E72D297353CC}">
-              <c16:uniqueId val="{00000000-1CE2-6F4F-9274-77F9D2092DF0}"/>
+              <c16:uniqueId val="{00000000-2A8C-534D-B5CD-2DF717A4F540}"/>
             </c:ext>
           </c:extLst>
         </c:ser>
@@ -874,6 +981,34 @@
         </c:scaling>
         <c:delete val="0"/>
         <c:axPos val="b"/>
+        <c:title>
+          <c:tx>
+            <c:rich>
+              <a:bodyPr rot="0"/>
+              <a:lstStyle/>
+              <a:p>
+                <a:pPr>
+                  <a:defRPr sz="3400" b="0" i="0" u="none" strike="noStrike">
+                    <a:solidFill>
+                      <a:srgbClr val="000000"/>
+                    </a:solidFill>
+                    <a:latin typeface="Graphik"/>
+                  </a:defRPr>
+                </a:pPr>
+                <a:r>
+                  <a:rPr sz="3400" b="0" i="0" u="none" strike="noStrike">
+                    <a:solidFill>
+                      <a:srgbClr val="000000"/>
+                    </a:solidFill>
+                    <a:latin typeface="Graphik"/>
+                  </a:rPr>
+                  <a:t>Games</a:t>
+                </a:r>
+              </a:p>
+            </c:rich>
+          </c:tx>
+          <c:overlay val="1"/>
+        </c:title>
         <c:numFmt formatCode="General" sourceLinked="0"/>
         <c:majorTickMark val="none"/>
         <c:minorTickMark val="none"/>
@@ -927,6 +1062,34 @@
             </a:ln>
           </c:spPr>
         </c:majorGridlines>
+        <c:title>
+          <c:tx>
+            <c:rich>
+              <a:bodyPr rot="-5400000"/>
+              <a:lstStyle/>
+              <a:p>
+                <a:pPr>
+                  <a:defRPr sz="3400" b="0" i="0" u="none" strike="noStrike">
+                    <a:solidFill>
+                      <a:srgbClr val="000000"/>
+                    </a:solidFill>
+                    <a:latin typeface="Graphik"/>
+                  </a:defRPr>
+                </a:pPr>
+                <a:r>
+                  <a:rPr sz="3400" b="0" i="0" u="none" strike="noStrike">
+                    <a:solidFill>
+                      <a:srgbClr val="000000"/>
+                    </a:solidFill>
+                    <a:latin typeface="Graphik"/>
+                  </a:rPr>
+                  <a:t>Sells in Millions</a:t>
+                </a:r>
+              </a:p>
+            </c:rich>
+          </c:tx>
+          <c:overlay val="1"/>
+        </c:title>
         <c:numFmt formatCode="General" sourceLinked="0"/>
         <c:majorTickMark val="none"/>
         <c:minorTickMark val="none"/>
@@ -4949,7 +5112,6 @@
           <a:lstStyle/>
           <a:p>
             <a:r>
-              <a:rPr dirty="0"/>
               <a:t>Show Views</a:t>
             </a:r>
           </a:p>
@@ -4959,17 +5121,11 @@
         <p:nvGraphicFramePr>
           <p:cNvPr id="159" name="2D Column Chart"/>
           <p:cNvGraphicFramePr/>
-          <p:nvPr>
-            <p:extLst>
-              <p:ext uri="{D42A27DB-BD31-4B8C-83A1-F6EECF244321}">
-                <p14:modId xmlns:p14="http://schemas.microsoft.com/office/powerpoint/2010/main" val="1245971902"/>
-              </p:ext>
-            </p:extLst>
-          </p:nvPr>
+          <p:nvPr/>
         </p:nvGraphicFramePr>
         <p:xfrm>
-          <a:off x="1860962" y="2515781"/>
-          <a:ext cx="10784803" cy="9340078"/>
+          <a:off x="537671" y="2566696"/>
+          <a:ext cx="11616526" cy="10171801"/>
         </p:xfrm>
         <a:graphic>
           <a:graphicData uri="http://schemas.openxmlformats.org/drawingml/2006/chart">
@@ -4989,8 +5145,8 @@
         </p:nvSpPr>
         <p:spPr>
           <a:xfrm>
-            <a:off x="13921099" y="3156722"/>
-            <a:ext cx="9246678" cy="9340078"/>
+            <a:off x="12779298" y="2602349"/>
+            <a:ext cx="10388479" cy="9894451"/>
           </a:xfrm>
           <a:prstGeom prst="rect">
             <a:avLst/>
@@ -5002,219 +5158,7 @@
           <a:p>
             <a:r>
               <a:rPr dirty="0"/>
-              <a:t>The show brought a lot of attention when Netflix adapted the books and video games.</a:t>
-            </a:r>
-            <a:r>
-              <a:rPr lang="en-US" dirty="0"/>
-              <a:t> The show premiered</a:t>
-            </a:r>
-            <a:r>
-              <a:rPr dirty="0"/>
-              <a:t> </a:t>
-            </a:r>
-            <a:r>
-              <a:rPr lang="en-US" dirty="0"/>
-              <a:t>s</a:t>
-            </a:r>
-            <a:r>
-              <a:rPr dirty="0"/>
-              <a:t>eason 1 of the show brought over 501 million views during December holidays of 2019. When season 2 dropped during the December holidays </a:t>
-            </a:r>
-            <a:r>
-              <a:rPr lang="en-US" dirty="0"/>
-              <a:t>two years later</a:t>
-            </a:r>
-            <a:r>
-              <a:rPr dirty="0"/>
-              <a:t>, the show 462.5 million</a:t>
-            </a:r>
-            <a:r>
-              <a:rPr lang="en-US" dirty="0"/>
-              <a:t> views</a:t>
-            </a:r>
-            <a:r>
-              <a:rPr dirty="0"/>
-              <a:t>. </a:t>
-            </a:r>
-            <a:r>
-              <a:rPr lang="en-US" dirty="0"/>
-              <a:t>In the first </a:t>
-            </a:r>
-            <a:r>
-              <a:rPr dirty="0"/>
-              <a:t>three to four days with season 3 coming out</a:t>
-            </a:r>
-            <a:r>
-              <a:rPr lang="en-US" dirty="0"/>
-              <a:t> in July 2023</a:t>
-            </a:r>
-            <a:r>
-              <a:rPr dirty="0"/>
-              <a:t>, the Witcher brought about 66.5 million views.</a:t>
-            </a:r>
-          </a:p>
-        </p:txBody>
-      </p:sp>
-      <p:sp>
-        <p:nvSpPr>
-          <p:cNvPr id="2" name="TextBox 1">
-            <a:extLst>
-              <a:ext uri="{FF2B5EF4-FFF2-40B4-BE49-F238E27FC236}">
-                <a16:creationId xmlns:a16="http://schemas.microsoft.com/office/drawing/2014/main" id="{ACF43763-52C2-E96D-46A6-C2E1B63E46B1}"/>
-              </a:ext>
-            </a:extLst>
-          </p:cNvPr>
-          <p:cNvSpPr txBox="1"/>
-          <p:nvPr/>
-        </p:nvSpPr>
-        <p:spPr>
-          <a:xfrm>
-            <a:off x="585628" y="6020854"/>
-            <a:ext cx="1275334" cy="767390"/>
-          </a:xfrm>
-          <a:prstGeom prst="rect">
-            <a:avLst/>
-          </a:prstGeom>
-          <a:noFill/>
-          <a:ln w="12700" cap="flat">
-            <a:noFill/>
-            <a:miter lim="400000"/>
-          </a:ln>
-          <a:effectLst/>
-          <a:sp3d/>
-        </p:spPr>
-        <p:style>
-          <a:lnRef idx="0">
-            <a:scrgbClr r="0" g="0" b="0"/>
-          </a:lnRef>
-          <a:fillRef idx="0">
-            <a:scrgbClr r="0" g="0" b="0"/>
-          </a:fillRef>
-          <a:effectRef idx="0">
-            <a:scrgbClr r="0" g="0" b="0"/>
-          </a:effectRef>
-          <a:fontRef idx="none"/>
-        </p:style>
-        <p:txBody>
-          <a:bodyPr rot="0" spcFirstLastPara="1" vertOverflow="overflow" horzOverflow="overflow" vert="horz" wrap="square" lIns="50800" tIns="50800" rIns="50800" bIns="50800" numCol="1" spcCol="38100" rtlCol="0" anchor="ctr">
-            <a:spAutoFit/>
-          </a:bodyPr>
-          <a:lstStyle/>
-          <a:p>
-            <a:pPr marL="0" marR="0" indent="0" algn="ctr" defTabSz="2438400" rtl="0" fontAlgn="auto" latinLnBrk="0" hangingPunct="0">
-              <a:lnSpc>
-                <a:spcPct val="90000"/>
-              </a:lnSpc>
-              <a:spcBef>
-                <a:spcPts val="0"/>
-              </a:spcBef>
-              <a:spcAft>
-                <a:spcPts val="0"/>
-              </a:spcAft>
-              <a:buClrTx/>
-              <a:buSzTx/>
-              <a:buFontTx/>
-              <a:buNone/>
-              <a:tabLst/>
-            </a:pPr>
-            <a:r>
-              <a:rPr kumimoji="0" lang="en-US" sz="2400" b="0" i="0" u="none" strike="noStrike" cap="none" spc="0" normalizeH="0" baseline="0" dirty="0">
-                <a:ln>
-                  <a:noFill/>
-                </a:ln>
-                <a:solidFill>
-                  <a:srgbClr val="000000"/>
-                </a:solidFill>
-                <a:effectLst/>
-                <a:uFillTx/>
-                <a:latin typeface="Canela Text Regular"/>
-                <a:ea typeface="Canela Text Regular"/>
-                <a:cs typeface="Canela Text Regular"/>
-                <a:sym typeface="Canela Text Regular"/>
-              </a:rPr>
-              <a:t>Views in millions</a:t>
-            </a:r>
-          </a:p>
-        </p:txBody>
-      </p:sp>
-      <p:sp>
-        <p:nvSpPr>
-          <p:cNvPr id="3" name="TextBox 2">
-            <a:extLst>
-              <a:ext uri="{FF2B5EF4-FFF2-40B4-BE49-F238E27FC236}">
-                <a16:creationId xmlns:a16="http://schemas.microsoft.com/office/drawing/2014/main" id="{503CEB93-F906-4584-EA8A-01DFF1C9A7E9}"/>
-              </a:ext>
-            </a:extLst>
-          </p:cNvPr>
-          <p:cNvSpPr txBox="1"/>
-          <p:nvPr/>
-        </p:nvSpPr>
-        <p:spPr>
-          <a:xfrm>
-            <a:off x="4998804" y="12061809"/>
-            <a:ext cx="5464098" cy="434991"/>
-          </a:xfrm>
-          <a:prstGeom prst="rect">
-            <a:avLst/>
-          </a:prstGeom>
-          <a:noFill/>
-          <a:ln w="12700" cap="flat">
-            <a:noFill/>
-            <a:miter lim="400000"/>
-          </a:ln>
-          <a:effectLst/>
-          <a:sp3d/>
-        </p:spPr>
-        <p:style>
-          <a:lnRef idx="0">
-            <a:scrgbClr r="0" g="0" b="0"/>
-          </a:lnRef>
-          <a:fillRef idx="0">
-            <a:scrgbClr r="0" g="0" b="0"/>
-          </a:fillRef>
-          <a:effectRef idx="0">
-            <a:scrgbClr r="0" g="0" b="0"/>
-          </a:effectRef>
-          <a:fontRef idx="none"/>
-        </p:style>
-        <p:txBody>
-          <a:bodyPr rot="0" spcFirstLastPara="1" vertOverflow="overflow" horzOverflow="overflow" vert="horz" wrap="square" lIns="50800" tIns="50800" rIns="50800" bIns="50800" numCol="1" spcCol="38100" rtlCol="0" anchor="ctr">
-            <a:spAutoFit/>
-          </a:bodyPr>
-          <a:lstStyle/>
-          <a:p>
-            <a:pPr marL="0" marR="0" indent="0" algn="ctr" defTabSz="2438400" rtl="0" fontAlgn="auto" latinLnBrk="0" hangingPunct="0">
-              <a:lnSpc>
-                <a:spcPct val="90000"/>
-              </a:lnSpc>
-              <a:spcBef>
-                <a:spcPts val="0"/>
-              </a:spcBef>
-              <a:spcAft>
-                <a:spcPts val="0"/>
-              </a:spcAft>
-              <a:buClrTx/>
-              <a:buSzTx/>
-              <a:buFontTx/>
-              <a:buNone/>
-              <a:tabLst/>
-            </a:pPr>
-            <a:r>
-              <a:rPr kumimoji="0" lang="en-US" sz="2400" b="0" i="0" u="none" strike="noStrike" cap="none" spc="0" normalizeH="0" baseline="0" dirty="0">
-                <a:ln>
-                  <a:noFill/>
-                </a:ln>
-                <a:solidFill>
-                  <a:srgbClr val="000000"/>
-                </a:solidFill>
-                <a:effectLst/>
-                <a:uFillTx/>
-                <a:latin typeface="Canela Text Regular"/>
-                <a:ea typeface="Canela Text Regular"/>
-                <a:cs typeface="Canela Text Regular"/>
-                <a:sym typeface="Canela Text Regular"/>
-              </a:rPr>
-              <a:t>Seasons</a:t>
+              <a:t>The show, in millions, brought a lot of attention when Netflix adapted the books and video games. Season 1 of the show brought over 501 million views during December holidays of 2019. When season 2 dropped during the December holidays 2021, the show 462.5 million after release. In the span of three to four days with season 3 coming out of June 2023, the Witcher brought about 66.5 million views.</a:t>
             </a:r>
           </a:p>
         </p:txBody>
@@ -5265,7 +5209,6 @@
           <a:lstStyle/>
           <a:p>
             <a:r>
-              <a:rPr dirty="0"/>
               <a:t>Book Sales</a:t>
             </a:r>
           </a:p>
@@ -5278,14 +5221,14 @@
           <p:nvPr>
             <p:extLst>
               <p:ext uri="{D42A27DB-BD31-4B8C-83A1-F6EECF244321}">
-                <p14:modId xmlns:p14="http://schemas.microsoft.com/office/powerpoint/2010/main" val="1796218467"/>
+                <p14:modId xmlns:p14="http://schemas.microsoft.com/office/powerpoint/2010/main" val="675852098"/>
               </p:ext>
             </p:extLst>
           </p:nvPr>
         </p:nvGraphicFramePr>
         <p:xfrm>
-          <a:off x="2064366" y="4035472"/>
-          <a:ext cx="9079539" cy="7088116"/>
+          <a:off x="403038" y="3977215"/>
+          <a:ext cx="9911262" cy="7919839"/>
         </p:xfrm>
         <a:graphic>
           <a:graphicData uri="http://schemas.openxmlformats.org/drawingml/2006/chart">
@@ -5305,280 +5248,20 @@
         </p:nvSpPr>
         <p:spPr>
           <a:xfrm>
-            <a:off x="12192000" y="2989909"/>
-            <a:ext cx="11072667" cy="9894452"/>
+            <a:off x="10626063" y="2989909"/>
+            <a:ext cx="12638604" cy="9894452"/>
           </a:xfrm>
           <a:prstGeom prst="rect">
             <a:avLst/>
           </a:prstGeom>
         </p:spPr>
         <p:txBody>
-          <a:bodyPr>
-            <a:normAutofit/>
-          </a:bodyPr>
+          <a:bodyPr/>
           <a:lstStyle/>
           <a:p>
             <a:r>
-              <a:rPr dirty="0"/>
-              <a:t>The Witcher books were written by a Polish author named Andrzej </a:t>
+              <a:t>The Witcher books were written by a Polish author named Andrzej Sapkowski and was first published, through a magazine competition, in 1986. Because of the popularity then, 14 books were published. Around October of 2013, over 6 million copies of the books were sold. Once the games were released, more books were sold. When Netflix came out with the show in 2019, over 40 million books were sold world wide. As of 2023, more than 75 million copies were sold, making the series very popular among show and game fanatics.</a:t>
             </a:r>
-            <a:r>
-              <a:rPr dirty="0" err="1"/>
-              <a:t>Sapkowski</a:t>
-            </a:r>
-            <a:r>
-              <a:rPr dirty="0"/>
-              <a:t> and was first published, through a magazine competition, in 1986. Because of the popularity then, 14 books were published. Around October of 2013, over 6 million copies of the books were sold. Once the games were released, more books were sold. When Netflix came out with the show in 2019, over 40 million books were sold world wide. As of 2023, more than 75 million copies were sold, making the series very popular among show and game fanatics.</a:t>
-            </a:r>
-          </a:p>
-        </p:txBody>
-      </p:sp>
-      <p:sp>
-        <p:nvSpPr>
-          <p:cNvPr id="2" name="TextBox 1">
-            <a:extLst>
-              <a:ext uri="{FF2B5EF4-FFF2-40B4-BE49-F238E27FC236}">
-                <a16:creationId xmlns:a16="http://schemas.microsoft.com/office/drawing/2014/main" id="{38DD119F-7E3A-8976-7543-E6220A9F24F8}"/>
-              </a:ext>
-            </a:extLst>
-          </p:cNvPr>
-          <p:cNvSpPr txBox="1"/>
-          <p:nvPr/>
-        </p:nvSpPr>
-        <p:spPr>
-          <a:xfrm>
-            <a:off x="3929668" y="11168050"/>
-            <a:ext cx="5464098" cy="434991"/>
-          </a:xfrm>
-          <a:prstGeom prst="rect">
-            <a:avLst/>
-          </a:prstGeom>
-          <a:noFill/>
-          <a:ln w="12700" cap="flat">
-            <a:noFill/>
-            <a:miter lim="400000"/>
-          </a:ln>
-          <a:effectLst/>
-          <a:sp3d/>
-        </p:spPr>
-        <p:style>
-          <a:lnRef idx="0">
-            <a:scrgbClr r="0" g="0" b="0"/>
-          </a:lnRef>
-          <a:fillRef idx="0">
-            <a:scrgbClr r="0" g="0" b="0"/>
-          </a:fillRef>
-          <a:effectRef idx="0">
-            <a:scrgbClr r="0" g="0" b="0"/>
-          </a:effectRef>
-          <a:fontRef idx="none"/>
-        </p:style>
-        <p:txBody>
-          <a:bodyPr rot="0" spcFirstLastPara="1" vertOverflow="overflow" horzOverflow="overflow" vert="horz" wrap="square" lIns="50800" tIns="50800" rIns="50800" bIns="50800" numCol="1" spcCol="38100" rtlCol="0" anchor="ctr">
-            <a:spAutoFit/>
-          </a:bodyPr>
-          <a:lstStyle/>
-          <a:p>
-            <a:pPr marL="0" marR="0" indent="0" algn="ctr" defTabSz="2438400" rtl="0" fontAlgn="auto" latinLnBrk="0" hangingPunct="0">
-              <a:lnSpc>
-                <a:spcPct val="90000"/>
-              </a:lnSpc>
-              <a:spcBef>
-                <a:spcPts val="0"/>
-              </a:spcBef>
-              <a:spcAft>
-                <a:spcPts val="0"/>
-              </a:spcAft>
-              <a:buClrTx/>
-              <a:buSzTx/>
-              <a:buFontTx/>
-              <a:buNone/>
-              <a:tabLst/>
-            </a:pPr>
-            <a:r>
-              <a:rPr lang="en-US" dirty="0"/>
-              <a:t>Sales</a:t>
-            </a:r>
-            <a:endParaRPr kumimoji="0" lang="en-US" sz="2400" b="0" i="0" u="none" strike="noStrike" cap="none" spc="0" normalizeH="0" baseline="0" dirty="0">
-              <a:ln>
-                <a:noFill/>
-              </a:ln>
-              <a:solidFill>
-                <a:srgbClr val="000000"/>
-              </a:solidFill>
-              <a:effectLst/>
-              <a:uFillTx/>
-              <a:latin typeface="Canela Text Regular"/>
-              <a:ea typeface="Canela Text Regular"/>
-              <a:cs typeface="Canela Text Regular"/>
-              <a:sym typeface="Canela Text Regular"/>
-            </a:endParaRPr>
-          </a:p>
-        </p:txBody>
-      </p:sp>
-      <p:sp>
-        <p:nvSpPr>
-          <p:cNvPr id="3" name="TextBox 2">
-            <a:extLst>
-              <a:ext uri="{FF2B5EF4-FFF2-40B4-BE49-F238E27FC236}">
-                <a16:creationId xmlns:a16="http://schemas.microsoft.com/office/drawing/2014/main" id="{3340EB92-E56D-CD98-B4B7-3FD6FB9BCD3A}"/>
-              </a:ext>
-            </a:extLst>
-          </p:cNvPr>
-          <p:cNvSpPr txBox="1"/>
-          <p:nvPr/>
-        </p:nvSpPr>
-        <p:spPr>
-          <a:xfrm>
-            <a:off x="616197" y="6308105"/>
-            <a:ext cx="1212603" cy="1099788"/>
-          </a:xfrm>
-          <a:prstGeom prst="rect">
-            <a:avLst/>
-          </a:prstGeom>
-          <a:noFill/>
-          <a:ln w="12700" cap="flat">
-            <a:noFill/>
-            <a:miter lim="400000"/>
-          </a:ln>
-          <a:effectLst/>
-          <a:sp3d/>
-        </p:spPr>
-        <p:style>
-          <a:lnRef idx="0">
-            <a:scrgbClr r="0" g="0" b="0"/>
-          </a:lnRef>
-          <a:fillRef idx="0">
-            <a:scrgbClr r="0" g="0" b="0"/>
-          </a:fillRef>
-          <a:effectRef idx="0">
-            <a:scrgbClr r="0" g="0" b="0"/>
-          </a:effectRef>
-          <a:fontRef idx="none"/>
-        </p:style>
-        <p:txBody>
-          <a:bodyPr rot="0" spcFirstLastPara="1" vertOverflow="overflow" horzOverflow="overflow" vert="horz" wrap="square" lIns="50800" tIns="50800" rIns="50800" bIns="50800" numCol="1" spcCol="38100" rtlCol="0" anchor="ctr">
-            <a:spAutoFit/>
-          </a:bodyPr>
-          <a:lstStyle/>
-          <a:p>
-            <a:pPr marL="0" marR="0" indent="0" algn="ctr" defTabSz="2438400" rtl="0" fontAlgn="auto" latinLnBrk="0" hangingPunct="0">
-              <a:lnSpc>
-                <a:spcPct val="90000"/>
-              </a:lnSpc>
-              <a:spcBef>
-                <a:spcPts val="0"/>
-              </a:spcBef>
-              <a:spcAft>
-                <a:spcPts val="0"/>
-              </a:spcAft>
-              <a:buClrTx/>
-              <a:buSzTx/>
-              <a:buFontTx/>
-              <a:buNone/>
-              <a:tabLst/>
-            </a:pPr>
-            <a:r>
-              <a:rPr lang="en-US" dirty="0"/>
-              <a:t>Books in millions</a:t>
-            </a:r>
-            <a:endParaRPr kumimoji="0" lang="en-US" sz="2400" b="0" i="0" u="none" strike="noStrike" cap="none" spc="0" normalizeH="0" baseline="0" dirty="0">
-              <a:ln>
-                <a:noFill/>
-              </a:ln>
-              <a:solidFill>
-                <a:srgbClr val="000000"/>
-              </a:solidFill>
-              <a:effectLst/>
-              <a:uFillTx/>
-              <a:latin typeface="Canela Text Regular"/>
-              <a:ea typeface="Canela Text Regular"/>
-              <a:cs typeface="Canela Text Regular"/>
-              <a:sym typeface="Canela Text Regular"/>
-            </a:endParaRPr>
-          </a:p>
-        </p:txBody>
-      </p:sp>
-      <p:sp>
-        <p:nvSpPr>
-          <p:cNvPr id="5" name="TextBox 4">
-            <a:extLst>
-              <a:ext uri="{FF2B5EF4-FFF2-40B4-BE49-F238E27FC236}">
-                <a16:creationId xmlns:a16="http://schemas.microsoft.com/office/drawing/2014/main" id="{88EDCDFA-1D74-3741-ED94-25F2B2B53463}"/>
-              </a:ext>
-            </a:extLst>
-          </p:cNvPr>
-          <p:cNvSpPr txBox="1"/>
-          <p:nvPr/>
-        </p:nvSpPr>
-        <p:spPr>
-          <a:xfrm>
-            <a:off x="4315984" y="3817976"/>
-            <a:ext cx="5464098" cy="434991"/>
-          </a:xfrm>
-          <a:prstGeom prst="rect">
-            <a:avLst/>
-          </a:prstGeom>
-          <a:noFill/>
-          <a:ln w="12700" cap="flat">
-            <a:noFill/>
-            <a:miter lim="400000"/>
-          </a:ln>
-          <a:effectLst/>
-          <a:sp3d/>
-        </p:spPr>
-        <p:style>
-          <a:lnRef idx="0">
-            <a:scrgbClr r="0" g="0" b="0"/>
-          </a:lnRef>
-          <a:fillRef idx="0">
-            <a:scrgbClr r="0" g="0" b="0"/>
-          </a:fillRef>
-          <a:effectRef idx="0">
-            <a:scrgbClr r="0" g="0" b="0"/>
-          </a:effectRef>
-          <a:fontRef idx="none"/>
-        </p:style>
-        <p:txBody>
-          <a:bodyPr rot="0" spcFirstLastPara="1" vertOverflow="overflow" horzOverflow="overflow" vert="horz" wrap="square" lIns="50800" tIns="50800" rIns="50800" bIns="50800" numCol="1" spcCol="38100" rtlCol="0" anchor="ctr">
-            <a:spAutoFit/>
-          </a:bodyPr>
-          <a:lstStyle/>
-          <a:p>
-            <a:pPr marL="0" marR="0" indent="0" algn="ctr" defTabSz="2438400" rtl="0" fontAlgn="auto" latinLnBrk="0" hangingPunct="0">
-              <a:lnSpc>
-                <a:spcPct val="90000"/>
-              </a:lnSpc>
-              <a:spcBef>
-                <a:spcPts val="0"/>
-              </a:spcBef>
-              <a:spcAft>
-                <a:spcPts val="0"/>
-              </a:spcAft>
-              <a:buClrTx/>
-              <a:buSzTx/>
-              <a:buFontTx/>
-              <a:buNone/>
-              <a:tabLst/>
-            </a:pPr>
-            <a:r>
-              <a:rPr lang="en-US" dirty="0"/>
-              <a:t>Books</a:t>
-            </a:r>
-            <a:endParaRPr kumimoji="0" lang="en-US" sz="2400" b="0" i="0" u="none" strike="noStrike" cap="none" spc="0" normalizeH="0" baseline="0" dirty="0">
-              <a:ln>
-                <a:noFill/>
-              </a:ln>
-              <a:solidFill>
-                <a:srgbClr val="000000"/>
-              </a:solidFill>
-              <a:effectLst/>
-              <a:uFillTx/>
-              <a:latin typeface="Canela Text Regular"/>
-              <a:ea typeface="Canela Text Regular"/>
-              <a:cs typeface="Canela Text Regular"/>
-              <a:sym typeface="Canela Text Regular"/>
-            </a:endParaRPr>
           </a:p>
         </p:txBody>
       </p:sp>
@@ -5628,7 +5311,6 @@
           <a:lstStyle/>
           <a:p>
             <a:r>
-              <a:rPr dirty="0"/>
               <a:t>Games</a:t>
             </a:r>
           </a:p>
@@ -5638,17 +5320,11 @@
         <p:nvGraphicFramePr>
           <p:cNvPr id="167" name="2D Column Chart"/>
           <p:cNvGraphicFramePr/>
-          <p:nvPr>
-            <p:extLst>
-              <p:ext uri="{D42A27DB-BD31-4B8C-83A1-F6EECF244321}">
-                <p14:modId xmlns:p14="http://schemas.microsoft.com/office/powerpoint/2010/main" val="2681200509"/>
-              </p:ext>
-            </p:extLst>
-          </p:nvPr>
+          <p:nvPr/>
         </p:nvGraphicFramePr>
         <p:xfrm>
-          <a:off x="1459911" y="2602349"/>
-          <a:ext cx="11014686" cy="9639625"/>
+          <a:off x="628188" y="5153858"/>
+          <a:ext cx="11846409" cy="7919839"/>
         </p:xfrm>
         <a:graphic>
           <a:graphicData uri="http://schemas.openxmlformats.org/drawingml/2006/chart">
@@ -5687,300 +5363,8 @@
           </a:lstStyle>
           <a:p>
             <a:r>
-              <a:rPr dirty="0"/>
-              <a:t>The games </a:t>
+              <a:t>The games were a massive hit since 2007, when the first game hit shelves. CD Projekt, the company to develop the games, brought the games to life through xbox, were released through pc, playstation and the xbox, with each game following Geralt and companies adventures through the Continent. The first game, after release, sold around 1 million copies through pc. A couple years later, the Witcher 2: Assassins of Kings sold over 1.7 million, while the Witcher 3: Wild hunt sold over 50 million copies in 2014 and after it’s release years later. </a:t>
             </a:r>
-            <a:r>
-              <a:rPr lang="en-US" dirty="0"/>
-              <a:t>are</a:t>
-            </a:r>
-            <a:r>
-              <a:rPr dirty="0"/>
-              <a:t> a massive hit since 2007, when the first game hit </a:t>
-            </a:r>
-            <a:r>
-              <a:rPr lang="en-US" dirty="0"/>
-              <a:t>came out on PC</a:t>
-            </a:r>
-            <a:r>
-              <a:rPr dirty="0"/>
-              <a:t>. CD </a:t>
-            </a:r>
-            <a:r>
-              <a:rPr dirty="0" err="1"/>
-              <a:t>Projekt</a:t>
-            </a:r>
-            <a:r>
-              <a:rPr dirty="0"/>
-              <a:t>, the company </a:t>
-            </a:r>
-            <a:r>
-              <a:rPr lang="en-US" dirty="0"/>
-              <a:t>that</a:t>
-            </a:r>
-            <a:r>
-              <a:rPr dirty="0"/>
-              <a:t> develop</a:t>
-            </a:r>
-            <a:r>
-              <a:rPr lang="en-US" dirty="0"/>
-              <a:t>ed</a:t>
-            </a:r>
-            <a:r>
-              <a:rPr dirty="0"/>
-              <a:t> the games, brought the games to life through </a:t>
-            </a:r>
-            <a:r>
-              <a:rPr lang="en-US" dirty="0"/>
-              <a:t>X</a:t>
-            </a:r>
-            <a:r>
-              <a:rPr dirty="0"/>
-              <a:t>box, </a:t>
-            </a:r>
-            <a:r>
-              <a:rPr lang="en-US" dirty="0"/>
-              <a:t>PC</a:t>
-            </a:r>
-            <a:r>
-              <a:rPr dirty="0"/>
-              <a:t>, </a:t>
-            </a:r>
-            <a:r>
-              <a:rPr lang="en-US" dirty="0"/>
-              <a:t>and PlayStation</a:t>
-            </a:r>
-            <a:r>
-              <a:rPr dirty="0"/>
-              <a:t>, with each game following </a:t>
-            </a:r>
-            <a:r>
-              <a:rPr dirty="0" err="1"/>
-              <a:t>Geralt</a:t>
-            </a:r>
-            <a:r>
-              <a:rPr dirty="0"/>
-              <a:t> and companies adventures through the </a:t>
-            </a:r>
-            <a:r>
-              <a:rPr lang="en-US" dirty="0"/>
-              <a:t>c</a:t>
-            </a:r>
-            <a:r>
-              <a:rPr dirty="0"/>
-              <a:t>ontinent. The first game, after release, sold around 1 million copies </a:t>
-            </a:r>
-            <a:r>
-              <a:rPr lang="en-US" dirty="0"/>
-              <a:t>on</a:t>
-            </a:r>
-            <a:r>
-              <a:rPr dirty="0"/>
-              <a:t> </a:t>
-            </a:r>
-            <a:r>
-              <a:rPr lang="en-US" dirty="0"/>
-              <a:t>PC</a:t>
-            </a:r>
-            <a:r>
-              <a:rPr dirty="0"/>
-              <a:t>. </a:t>
-            </a:r>
-            <a:r>
-              <a:rPr lang="en-US" dirty="0"/>
-              <a:t>In May 2012</a:t>
-            </a:r>
-            <a:r>
-              <a:rPr dirty="0"/>
-              <a:t>, the Witcher 2: Assassins of Kings sold over 1.7 million</a:t>
-            </a:r>
-            <a:r>
-              <a:rPr lang="en-US" dirty="0"/>
-              <a:t>. In May 2015, </a:t>
-            </a:r>
-            <a:r>
-              <a:rPr dirty="0"/>
-              <a:t>the Witcher 3: Wild </a:t>
-            </a:r>
-            <a:r>
-              <a:rPr lang="en-US" dirty="0"/>
-              <a:t>H</a:t>
-            </a:r>
-            <a:r>
-              <a:rPr dirty="0"/>
-              <a:t>unt sold over 50 million copies</a:t>
-            </a:r>
-            <a:r>
-              <a:rPr lang="en-US" dirty="0"/>
-              <a:t>. The Witcher 3: Wild Hunt is still sold because of the success of the books and Netflix tv show.</a:t>
-            </a:r>
-            <a:endParaRPr dirty="0"/>
-          </a:p>
-        </p:txBody>
-      </p:sp>
-      <p:sp>
-        <p:nvSpPr>
-          <p:cNvPr id="2" name="TextBox 1">
-            <a:extLst>
-              <a:ext uri="{FF2B5EF4-FFF2-40B4-BE49-F238E27FC236}">
-                <a16:creationId xmlns:a16="http://schemas.microsoft.com/office/drawing/2014/main" id="{895FF359-D6CC-C9A1-6989-2E40C9399EA9}"/>
-              </a:ext>
-            </a:extLst>
-          </p:cNvPr>
-          <p:cNvSpPr txBox="1"/>
-          <p:nvPr/>
-        </p:nvSpPr>
-        <p:spPr>
-          <a:xfrm>
-            <a:off x="4716477" y="12151892"/>
-            <a:ext cx="5464098" cy="434991"/>
-          </a:xfrm>
-          <a:prstGeom prst="rect">
-            <a:avLst/>
-          </a:prstGeom>
-          <a:noFill/>
-          <a:ln w="12700" cap="flat">
-            <a:noFill/>
-            <a:miter lim="400000"/>
-          </a:ln>
-          <a:effectLst/>
-          <a:sp3d/>
-        </p:spPr>
-        <p:style>
-          <a:lnRef idx="0">
-            <a:scrgbClr r="0" g="0" b="0"/>
-          </a:lnRef>
-          <a:fillRef idx="0">
-            <a:scrgbClr r="0" g="0" b="0"/>
-          </a:fillRef>
-          <a:effectRef idx="0">
-            <a:scrgbClr r="0" g="0" b="0"/>
-          </a:effectRef>
-          <a:fontRef idx="none"/>
-        </p:style>
-        <p:txBody>
-          <a:bodyPr rot="0" spcFirstLastPara="1" vertOverflow="overflow" horzOverflow="overflow" vert="horz" wrap="square" lIns="50800" tIns="50800" rIns="50800" bIns="50800" numCol="1" spcCol="38100" rtlCol="0" anchor="ctr">
-            <a:spAutoFit/>
-          </a:bodyPr>
-          <a:lstStyle/>
-          <a:p>
-            <a:pPr marL="0" marR="0" indent="0" algn="ctr" defTabSz="2438400" rtl="0" fontAlgn="auto" latinLnBrk="0" hangingPunct="0">
-              <a:lnSpc>
-                <a:spcPct val="90000"/>
-              </a:lnSpc>
-              <a:spcBef>
-                <a:spcPts val="0"/>
-              </a:spcBef>
-              <a:spcAft>
-                <a:spcPts val="0"/>
-              </a:spcAft>
-              <a:buClrTx/>
-              <a:buSzTx/>
-              <a:buFontTx/>
-              <a:buNone/>
-              <a:tabLst/>
-            </a:pPr>
-            <a:r>
-              <a:rPr lang="en-US" dirty="0"/>
-              <a:t>Games</a:t>
-            </a:r>
-            <a:endParaRPr kumimoji="0" lang="en-US" sz="2400" b="0" i="0" u="none" strike="noStrike" cap="none" spc="0" normalizeH="0" baseline="0" dirty="0">
-              <a:ln>
-                <a:noFill/>
-              </a:ln>
-              <a:solidFill>
-                <a:srgbClr val="000000"/>
-              </a:solidFill>
-              <a:effectLst/>
-              <a:uFillTx/>
-              <a:latin typeface="Canela Text Regular"/>
-              <a:ea typeface="Canela Text Regular"/>
-              <a:cs typeface="Canela Text Regular"/>
-              <a:sym typeface="Canela Text Regular"/>
-            </a:endParaRPr>
-          </a:p>
-        </p:txBody>
-      </p:sp>
-      <p:sp>
-        <p:nvSpPr>
-          <p:cNvPr id="3" name="TextBox 2">
-            <a:extLst>
-              <a:ext uri="{FF2B5EF4-FFF2-40B4-BE49-F238E27FC236}">
-                <a16:creationId xmlns:a16="http://schemas.microsoft.com/office/drawing/2014/main" id="{98975E8E-6DD7-EC54-5A45-D9743406AA1E}"/>
-              </a:ext>
-            </a:extLst>
-          </p:cNvPr>
-          <p:cNvSpPr txBox="1"/>
-          <p:nvPr/>
-        </p:nvSpPr>
-        <p:spPr>
-          <a:xfrm>
-            <a:off x="43591" y="6474305"/>
-            <a:ext cx="1416320" cy="767390"/>
-          </a:xfrm>
-          <a:prstGeom prst="rect">
-            <a:avLst/>
-          </a:prstGeom>
-          <a:noFill/>
-          <a:ln w="12700" cap="flat">
-            <a:noFill/>
-            <a:miter lim="400000"/>
-          </a:ln>
-          <a:effectLst/>
-          <a:sp3d/>
-        </p:spPr>
-        <p:style>
-          <a:lnRef idx="0">
-            <a:scrgbClr r="0" g="0" b="0"/>
-          </a:lnRef>
-          <a:fillRef idx="0">
-            <a:scrgbClr r="0" g="0" b="0"/>
-          </a:fillRef>
-          <a:effectRef idx="0">
-            <a:scrgbClr r="0" g="0" b="0"/>
-          </a:effectRef>
-          <a:fontRef idx="none"/>
-        </p:style>
-        <p:txBody>
-          <a:bodyPr rot="0" spcFirstLastPara="1" vertOverflow="overflow" horzOverflow="overflow" vert="horz" wrap="square" lIns="50800" tIns="50800" rIns="50800" bIns="50800" numCol="1" spcCol="38100" rtlCol="0" anchor="ctr">
-            <a:spAutoFit/>
-          </a:bodyPr>
-          <a:lstStyle/>
-          <a:p>
-            <a:pPr marL="0" marR="0" indent="0" algn="ctr" defTabSz="2438400" rtl="0" fontAlgn="auto" latinLnBrk="0" hangingPunct="0">
-              <a:lnSpc>
-                <a:spcPct val="90000"/>
-              </a:lnSpc>
-              <a:spcBef>
-                <a:spcPts val="0"/>
-              </a:spcBef>
-              <a:spcAft>
-                <a:spcPts val="0"/>
-              </a:spcAft>
-              <a:buClrTx/>
-              <a:buSzTx/>
-              <a:buFontTx/>
-              <a:buNone/>
-              <a:tabLst/>
-            </a:pPr>
-            <a:r>
-              <a:rPr lang="en-US" dirty="0"/>
-              <a:t>In Millions</a:t>
-            </a:r>
-            <a:endParaRPr kumimoji="0" lang="en-US" sz="2400" b="0" i="0" u="none" strike="noStrike" cap="none" spc="0" normalizeH="0" baseline="0" dirty="0">
-              <a:ln>
-                <a:noFill/>
-              </a:ln>
-              <a:solidFill>
-                <a:srgbClr val="000000"/>
-              </a:solidFill>
-              <a:effectLst/>
-              <a:uFillTx/>
-              <a:latin typeface="Canela Text Regular"/>
-              <a:ea typeface="Canela Text Regular"/>
-              <a:cs typeface="Canela Text Regular"/>
-              <a:sym typeface="Canela Text Regular"/>
-            </a:endParaRPr>
           </a:p>
         </p:txBody>
       </p:sp>

--- a/The witcher.pptx
+++ b/The witcher.pptx
@@ -1,18 +1,18 @@
 
 <file path=ppt/presentation.xml><?xml version="1.0" encoding="utf-8"?>
-<p:presentation xmlns:a="http://schemas.openxmlformats.org/drawingml/2006/main" xmlns:r="http://schemas.openxmlformats.org/officeDocument/2006/relationships" xmlns:p="http://schemas.openxmlformats.org/presentationml/2006/main">
+<p:presentation xmlns:a="http://schemas.openxmlformats.org/drawingml/2006/main" xmlns:r="http://schemas.openxmlformats.org/officeDocument/2006/relationships" xmlns:p="http://schemas.openxmlformats.org/presentationml/2006/main" xmlns:m="http://schemas.openxmlformats.org/officeDocument/2006/math" xmlns:a14="http://schemas.microsoft.com/office/drawing/2010/main">
   <p:sldMasterIdLst>
-    <p:sldMasterId id="2147483648" r:id="rId1"/>
+    <p:sldMasterId id="2147483648" r:id="rId5"/>
   </p:sldMasterIdLst>
   <p:notesMasterIdLst>
     <p:notesMasterId r:id="rId7"/>
   </p:notesMasterIdLst>
   <p:sldIdLst>
-    <p:sldId id="256" r:id="rId2"/>
-    <p:sldId id="257" r:id="rId3"/>
-    <p:sldId id="258" r:id="rId4"/>
-    <p:sldId id="259" r:id="rId5"/>
-    <p:sldId id="260" r:id="rId6"/>
+    <p:sldId id="256" r:id="rId8"/>
+    <p:sldId id="257" r:id="rId9"/>
+    <p:sldId id="258" r:id="rId10"/>
+    <p:sldId id="259" r:id="rId11"/>
+    <p:sldId id="260" r:id="rId12"/>
   </p:sldIdLst>
   <p:sldSz cx="24384000" cy="13716000"/>
   <p:notesSz cx="6858000" cy="9144000"/>
@@ -32,7 +32,7 @@
       <a:buFontTx/>
       <a:buNone/>
       <a:tabLst/>
-      <a:defRPr kumimoji="0" sz="1800" b="0" i="0" u="none" strike="noStrike" cap="none" spc="0" normalizeH="0" baseline="0">
+      <a:defRPr b="0" baseline="0" cap="none" i="0" spc="0" strike="noStrike" sz="1800" u="none" kumimoji="0" normalizeH="0">
         <a:ln>
           <a:noFill/>
         </a:ln>
@@ -58,7 +58,7 @@
       <a:buFontTx/>
       <a:buNone/>
       <a:tabLst/>
-      <a:defRPr kumimoji="0" sz="2400" b="0" i="0" u="none" strike="noStrike" cap="none" spc="0" normalizeH="0" baseline="0">
+      <a:defRPr b="0" baseline="0" cap="none" i="0" spc="0" strike="noStrike" sz="2400" u="none" kumimoji="0" normalizeH="0">
         <a:ln>
           <a:noFill/>
         </a:ln>
@@ -88,7 +88,7 @@
       <a:buFontTx/>
       <a:buNone/>
       <a:tabLst/>
-      <a:defRPr kumimoji="0" sz="2400" b="0" i="0" u="none" strike="noStrike" cap="none" spc="0" normalizeH="0" baseline="0">
+      <a:defRPr b="0" baseline="0" cap="none" i="0" spc="0" strike="noStrike" sz="2400" u="none" kumimoji="0" normalizeH="0">
         <a:ln>
           <a:noFill/>
         </a:ln>
@@ -118,7 +118,7 @@
       <a:buFontTx/>
       <a:buNone/>
       <a:tabLst/>
-      <a:defRPr kumimoji="0" sz="2400" b="0" i="0" u="none" strike="noStrike" cap="none" spc="0" normalizeH="0" baseline="0">
+      <a:defRPr b="0" baseline="0" cap="none" i="0" spc="0" strike="noStrike" sz="2400" u="none" kumimoji="0" normalizeH="0">
         <a:ln>
           <a:noFill/>
         </a:ln>
@@ -148,7 +148,7 @@
       <a:buFontTx/>
       <a:buNone/>
       <a:tabLst/>
-      <a:defRPr kumimoji="0" sz="2400" b="0" i="0" u="none" strike="noStrike" cap="none" spc="0" normalizeH="0" baseline="0">
+      <a:defRPr b="0" baseline="0" cap="none" i="0" spc="0" strike="noStrike" sz="2400" u="none" kumimoji="0" normalizeH="0">
         <a:ln>
           <a:noFill/>
         </a:ln>
@@ -178,7 +178,7 @@
       <a:buFontTx/>
       <a:buNone/>
       <a:tabLst/>
-      <a:defRPr kumimoji="0" sz="2400" b="0" i="0" u="none" strike="noStrike" cap="none" spc="0" normalizeH="0" baseline="0">
+      <a:defRPr b="0" baseline="0" cap="none" i="0" spc="0" strike="noStrike" sz="2400" u="none" kumimoji="0" normalizeH="0">
         <a:ln>
           <a:noFill/>
         </a:ln>
@@ -208,7 +208,7 @@
       <a:buFontTx/>
       <a:buNone/>
       <a:tabLst/>
-      <a:defRPr kumimoji="0" sz="2400" b="0" i="0" u="none" strike="noStrike" cap="none" spc="0" normalizeH="0" baseline="0">
+      <a:defRPr b="0" baseline="0" cap="none" i="0" spc="0" strike="noStrike" sz="2400" u="none" kumimoji="0" normalizeH="0">
         <a:ln>
           <a:noFill/>
         </a:ln>
@@ -238,7 +238,7 @@
       <a:buFontTx/>
       <a:buNone/>
       <a:tabLst/>
-      <a:defRPr kumimoji="0" sz="2400" b="0" i="0" u="none" strike="noStrike" cap="none" spc="0" normalizeH="0" baseline="0">
+      <a:defRPr b="0" baseline="0" cap="none" i="0" spc="0" strike="noStrike" sz="2400" u="none" kumimoji="0" normalizeH="0">
         <a:ln>
           <a:noFill/>
         </a:ln>
@@ -268,7 +268,7 @@
       <a:buFontTx/>
       <a:buNone/>
       <a:tabLst/>
-      <a:defRPr kumimoji="0" sz="2400" b="0" i="0" u="none" strike="noStrike" cap="none" spc="0" normalizeH="0" baseline="0">
+      <a:defRPr b="0" baseline="0" cap="none" i="0" spc="0" strike="noStrike" sz="2400" u="none" kumimoji="0" normalizeH="0">
         <a:ln>
           <a:noFill/>
         </a:ln>
@@ -298,7 +298,7 @@
       <a:buFontTx/>
       <a:buNone/>
       <a:tabLst/>
-      <a:defRPr kumimoji="0" sz="2400" b="0" i="0" u="none" strike="noStrike" cap="none" spc="0" normalizeH="0" baseline="0">
+      <a:defRPr b="0" baseline="0" cap="none" i="0" spc="0" strike="noStrike" sz="2400" u="none" kumimoji="0" normalizeH="0">
         <a:ln>
           <a:noFill/>
         </a:ln>
@@ -317,12 +317,14 @@
 </p:presentation>
 </file>
 
+<file path=ppt/commentAuthors.xml><?xml version="1.0" encoding="utf-8"?>
+<p:cmAuthorLst xmlns:a="http://schemas.openxmlformats.org/drawingml/2006/main" xmlns:r="http://schemas.openxmlformats.org/officeDocument/2006/relationships" xmlns:p="http://schemas.openxmlformats.org/presentationml/2006/main" xmlns:m="http://schemas.openxmlformats.org/officeDocument/2006/math" xmlns:a14="http://schemas.microsoft.com/office/drawing/2010/main"/>
+</file>
+
 <file path=ppt/charts/chart1.xml><?xml version="1.0" encoding="utf-8"?>
-<c:chartSpace xmlns:c="http://schemas.openxmlformats.org/drawingml/2006/chart" xmlns:a="http://schemas.openxmlformats.org/drawingml/2006/main" xmlns:r="http://schemas.openxmlformats.org/officeDocument/2006/relationships" xmlns:c16r2="http://schemas.microsoft.com/office/drawing/2015/06/chart">
+<c:chartSpace xmlns:c="http://schemas.openxmlformats.org/drawingml/2006/chart" xmlns:a="http://schemas.openxmlformats.org/drawingml/2006/main" xmlns:r="http://schemas.openxmlformats.org/officeDocument/2006/relationships">
   <c:date1904 val="1"/>
-  <c:lang val="en-US"/>
   <c:roundedCorners val="0"/>
-  <c:style val="2"/>
   <c:chart>
     <c:autoTitleDeleted val="1"/>
     <c:plotArea>
@@ -331,10 +333,10 @@
           <c:layoutTarget val="inner"/>
           <c:xMode val="edge"/>
           <c:yMode val="edge"/>
-          <c:x val="0.17614099999999999"/>
-          <c:y val="5.4511700000000003E-2"/>
-          <c:w val="0.818859"/>
-          <c:h val="0.77056400000000003"/>
+          <c:x val="0.111918"/>
+          <c:y val="0.0546739"/>
+          <c:w val="0.88198"/>
+          <c:h val="0.772894"/>
         </c:manualLayout>
       </c:layout>
       <c:barChart>
@@ -350,7 +352,7 @@
               <c:strCache>
                 <c:ptCount val="1"/>
                 <c:pt idx="0">
-                  <c:v>Region 1</c:v>
+                  <c:v>Views in millions</c:v>
                 </c:pt>
               </c:strCache>
             </c:strRef>
@@ -366,11 +368,36 @@
             <a:effectLst/>
           </c:spPr>
           <c:invertIfNegative val="0"/>
+          <c:dLbls>
+            <c:numFmt formatCode="#,##0" sourceLinked="0"/>
+            <c:txPr>
+              <a:bodyPr/>
+              <a:lstStyle/>
+              <a:p>
+                <a:pPr>
+                  <a:defRPr b="0" i="0" strike="noStrike" sz="5000" u="none">
+                    <a:solidFill>
+                      <a:srgbClr val="FFFFFF"/>
+                    </a:solidFill>
+                    <a:latin typeface="Graphik"/>
+                  </a:defRPr>
+                </a:pPr>
+              </a:p>
+            </c:txPr>
+            <c:dLblPos val="inEnd"/>
+            <c:showLegendKey val="0"/>
+            <c:showVal val="0"/>
+            <c:showCatName val="0"/>
+            <c:showSerName val="0"/>
+            <c:showPercent val="0"/>
+            <c:showBubbleSize val="0"/>
+            <c:showLeaderLines val="0"/>
+          </c:dLbls>
           <c:cat>
             <c:strRef>
-              <c:f>Sheet1!$B$1:$E$1</c:f>
+              <c:f>Sheet1!$B$1:$D$1</c:f>
               <c:strCache>
-                <c:ptCount val="4"/>
+                <c:ptCount val="3"/>
                 <c:pt idx="0">
                   <c:v>Season 1</c:v>
                 </c:pt>
@@ -385,36 +412,22 @@
           </c:cat>
           <c:val>
             <c:numRef>
-              <c:f>Sheet1!$B$2:$E$2</c:f>
+              <c:f>Sheet1!$B$2:$D$2</c:f>
               <c:numCache>
-                <c:formatCode>General</c:formatCode>
                 <c:ptCount val="3"/>
                 <c:pt idx="0">
-                  <c:v>541.01</c:v>
+                  <c:v>541.010000</c:v>
                 </c:pt>
                 <c:pt idx="1">
-                  <c:v>462.5</c:v>
+                  <c:v>462.500000</c:v>
                 </c:pt>
                 <c:pt idx="2">
-                  <c:v>66.5</c:v>
+                  <c:v>66.500000</c:v>
                 </c:pt>
               </c:numCache>
             </c:numRef>
           </c:val>
-          <c:extLst>
-            <c:ext xmlns:c16="http://schemas.microsoft.com/office/drawing/2014/chart" uri="{C3380CC4-5D6E-409C-BE32-E72D297353CC}">
-              <c16:uniqueId val="{00000000-13D3-9945-9496-2F083054B927}"/>
-            </c:ext>
-          </c:extLst>
         </c:ser>
-        <c:dLbls>
-          <c:showLegendKey val="0"/>
-          <c:showVal val="0"/>
-          <c:showCatName val="0"/>
-          <c:showSerName val="0"/>
-          <c:showPercent val="0"/>
-          <c:showBubbleSize val="0"/>
-        </c:dLbls>
         <c:gapWidth val="40"/>
         <c:overlap val="-10"/>
         <c:axId val="2094734552"/>
@@ -427,34 +440,6 @@
         </c:scaling>
         <c:delete val="0"/>
         <c:axPos val="b"/>
-        <c:title>
-          <c:tx>
-            <c:rich>
-              <a:bodyPr rot="0"/>
-              <a:lstStyle/>
-              <a:p>
-                <a:pPr>
-                  <a:defRPr sz="3400" b="0" i="0" u="none" strike="noStrike">
-                    <a:solidFill>
-                      <a:srgbClr val="000000"/>
-                    </a:solidFill>
-                    <a:latin typeface="Graphik"/>
-                  </a:defRPr>
-                </a:pPr>
-                <a:r>
-                  <a:rPr lang="en-US" sz="3400" b="0" i="0" u="none" strike="noStrike">
-                    <a:solidFill>
-                      <a:srgbClr val="000000"/>
-                    </a:solidFill>
-                    <a:latin typeface="Graphik"/>
-                  </a:rPr>
-                  <a:t>Seasons</a:t>
-                </a:r>
-              </a:p>
-            </c:rich>
-          </c:tx>
-          <c:overlay val="1"/>
-        </c:title>
         <c:numFmt formatCode="General" sourceLinked="0"/>
         <c:majorTickMark val="none"/>
         <c:minorTickMark val="none"/>
@@ -473,21 +458,19 @@
           <a:lstStyle/>
           <a:p>
             <a:pPr>
-              <a:defRPr sz="3400" b="0" i="0" u="none" strike="noStrike">
+              <a:defRPr b="0" i="0" strike="noStrike" sz="3400" u="none">
                 <a:solidFill>
                   <a:srgbClr val="000000"/>
                 </a:solidFill>
                 <a:latin typeface="Graphik"/>
               </a:defRPr>
             </a:pPr>
-            <a:endParaRPr lang="en-US"/>
           </a:p>
         </c:txPr>
         <c:crossAx val="2094734553"/>
         <c:crosses val="autoZero"/>
         <c:auto val="1"/>
         <c:lblAlgn val="ctr"/>
-        <c:lblOffset val="100"/>
         <c:noMultiLvlLbl val="1"/>
       </c:catAx>
       <c:valAx>
@@ -508,34 +491,6 @@
             </a:ln>
           </c:spPr>
         </c:majorGridlines>
-        <c:title>
-          <c:tx>
-            <c:rich>
-              <a:bodyPr rot="-5400000"/>
-              <a:lstStyle/>
-              <a:p>
-                <a:pPr>
-                  <a:defRPr sz="3400" b="0" i="0" u="none" strike="noStrike">
-                    <a:solidFill>
-                      <a:srgbClr val="000000"/>
-                    </a:solidFill>
-                    <a:latin typeface="Graphik"/>
-                  </a:defRPr>
-                </a:pPr>
-                <a:r>
-                  <a:rPr lang="en-US" sz="3400" b="0" i="0" u="none" strike="noStrike">
-                    <a:solidFill>
-                      <a:srgbClr val="000000"/>
-                    </a:solidFill>
-                    <a:latin typeface="Graphik"/>
-                  </a:rPr>
-                  <a:t>Views in Millions</a:t>
-                </a:r>
-              </a:p>
-            </c:rich>
-          </c:tx>
-          <c:overlay val="1"/>
-        </c:title>
         <c:numFmt formatCode="General" sourceLinked="0"/>
         <c:majorTickMark val="none"/>
         <c:minorTickMark val="none"/>
@@ -552,14 +507,13 @@
           <a:lstStyle/>
           <a:p>
             <a:pPr>
-              <a:defRPr sz="3400" b="0" i="0" u="none" strike="noStrike">
+              <a:defRPr b="0" i="0" strike="noStrike" sz="3400" u="none">
                 <a:solidFill>
                   <a:srgbClr val="000000"/>
                 </a:solidFill>
                 <a:latin typeface="Graphik"/>
               </a:defRPr>
             </a:pPr>
-            <a:endParaRPr lang="en-US"/>
           </a:p>
         </c:txPr>
         <c:crossAx val="2094734552"/>
@@ -577,9 +531,44 @@
         <a:effectLst/>
       </c:spPr>
     </c:plotArea>
+    <c:legend>
+      <c:legendPos val="b"/>
+      <c:layout>
+        <c:manualLayout>
+          <c:xMode val="edge"/>
+          <c:yMode val="edge"/>
+          <c:x val="0.105816"/>
+          <c:y val="0.932826"/>
+          <c:w val="0.894184"/>
+          <c:h val="0.0671739"/>
+        </c:manualLayout>
+      </c:layout>
+      <c:overlay val="1"/>
+      <c:spPr>
+        <a:noFill/>
+        <a:ln w="12700" cap="flat">
+          <a:noFill/>
+          <a:miter lim="400000"/>
+        </a:ln>
+        <a:effectLst/>
+      </c:spPr>
+      <c:txPr>
+        <a:bodyPr rot="0"/>
+        <a:lstStyle/>
+        <a:p>
+          <a:pPr>
+            <a:defRPr b="0" i="0" strike="noStrike" sz="3400" u="none">
+              <a:solidFill>
+                <a:srgbClr val="000000"/>
+              </a:solidFill>
+              <a:latin typeface="Graphik"/>
+            </a:defRPr>
+          </a:pPr>
+        </a:p>
+      </c:txPr>
+    </c:legend>
     <c:plotVisOnly val="1"/>
     <c:dispBlanksAs val="gap"/>
-    <c:showDLblsOverMax val="1"/>
   </c:chart>
   <c:spPr>
     <a:noFill/>
@@ -595,11 +584,9 @@
 </file>
 
 <file path=ppt/charts/chart2.xml><?xml version="1.0" encoding="utf-8"?>
-<c:chartSpace xmlns:c="http://schemas.openxmlformats.org/drawingml/2006/chart" xmlns:a="http://schemas.openxmlformats.org/drawingml/2006/main" xmlns:r="http://schemas.openxmlformats.org/officeDocument/2006/relationships" xmlns:c16r2="http://schemas.microsoft.com/office/drawing/2015/06/chart">
+<c:chartSpace xmlns:c="http://schemas.openxmlformats.org/drawingml/2006/chart" xmlns:a="http://schemas.openxmlformats.org/drawingml/2006/main" xmlns:r="http://schemas.openxmlformats.org/officeDocument/2006/relationships">
   <c:date1904 val="1"/>
-  <c:lang val="en-US"/>
   <c:roundedCorners val="0"/>
-  <c:style val="2"/>
   <c:chart>
     <c:autoTitleDeleted val="1"/>
     <c:plotArea>
@@ -608,10 +595,10 @@
           <c:layoutTarget val="inner"/>
           <c:xMode val="edge"/>
           <c:yMode val="edge"/>
-          <c:x val="0.17677799999999999"/>
-          <c:y val="7.0011799999999999E-2"/>
-          <c:w val="0.818222"/>
-          <c:h val="0.70887999999999995"/>
+          <c:x val="0.10008"/>
+          <c:y val="0.0707189"/>
+          <c:w val="0.88722"/>
+          <c:h val="0.716166"/>
         </c:manualLayout>
       </c:layout>
       <c:barChart>
@@ -627,7 +614,7 @@
               <c:strCache>
                 <c:ptCount val="1"/>
                 <c:pt idx="0">
-                  <c:v>Region 1</c:v>
+                  <c:v>Sales in millions</c:v>
                 </c:pt>
               </c:strCache>
             </c:strRef>
@@ -643,19 +630,44 @@
             <a:effectLst/>
           </c:spPr>
           <c:invertIfNegative val="0"/>
+          <c:dLbls>
+            <c:numFmt formatCode="#,##0" sourceLinked="0"/>
+            <c:txPr>
+              <a:bodyPr/>
+              <a:lstStyle/>
+              <a:p>
+                <a:pPr>
+                  <a:defRPr b="0" i="0" strike="noStrike" sz="5000" u="none">
+                    <a:solidFill>
+                      <a:srgbClr val="FFFFFF"/>
+                    </a:solidFill>
+                    <a:latin typeface="Graphik"/>
+                  </a:defRPr>
+                </a:pPr>
+              </a:p>
+            </c:txPr>
+            <c:dLblPos val="inEnd"/>
+            <c:showLegendKey val="0"/>
+            <c:showVal val="0"/>
+            <c:showCatName val="0"/>
+            <c:showSerName val="0"/>
+            <c:showPercent val="0"/>
+            <c:showBubbleSize val="0"/>
+            <c:showLeaderLines val="0"/>
+          </c:dLbls>
           <c:cat>
             <c:strRef>
               <c:f>Sheet1!$B$1:$D$1</c:f>
               <c:strCache>
                 <c:ptCount val="3"/>
                 <c:pt idx="0">
-                  <c:v>October 2013</c:v>
+                  <c:v>Oct. 13</c:v>
                 </c:pt>
                 <c:pt idx="1">
-                  <c:v>June 2019</c:v>
+                  <c:v>June 19</c:v>
                 </c:pt>
                 <c:pt idx="2">
-                  <c:v>May 2023</c:v>
+                  <c:v>May 23</c:v>
                 </c:pt>
               </c:strCache>
             </c:strRef>
@@ -664,34 +676,20 @@
             <c:numRef>
               <c:f>Sheet1!$B$2:$D$2</c:f>
               <c:numCache>
-                <c:formatCode>General</c:formatCode>
                 <c:ptCount val="3"/>
                 <c:pt idx="0">
-                  <c:v>6</c:v>
+                  <c:v>6.000000</c:v>
                 </c:pt>
                 <c:pt idx="1">
-                  <c:v>40</c:v>
+                  <c:v>40.000000</c:v>
                 </c:pt>
                 <c:pt idx="2">
-                  <c:v>75</c:v>
+                  <c:v>75.000000</c:v>
                 </c:pt>
               </c:numCache>
             </c:numRef>
           </c:val>
-          <c:extLst>
-            <c:ext xmlns:c16="http://schemas.microsoft.com/office/drawing/2014/chart" uri="{C3380CC4-5D6E-409C-BE32-E72D297353CC}">
-              <c16:uniqueId val="{00000000-A916-1946-AE99-35E27201C7D1}"/>
-            </c:ext>
-          </c:extLst>
         </c:ser>
-        <c:dLbls>
-          <c:showLegendKey val="0"/>
-          <c:showVal val="0"/>
-          <c:showCatName val="0"/>
-          <c:showSerName val="0"/>
-          <c:showPercent val="0"/>
-          <c:showBubbleSize val="0"/>
-        </c:dLbls>
         <c:gapWidth val="40"/>
         <c:overlap val="-10"/>
         <c:axId val="2094734552"/>
@@ -704,34 +702,6 @@
         </c:scaling>
         <c:delete val="0"/>
         <c:axPos val="b"/>
-        <c:title>
-          <c:tx>
-            <c:rich>
-              <a:bodyPr rot="0"/>
-              <a:lstStyle/>
-              <a:p>
-                <a:pPr>
-                  <a:defRPr sz="3400" b="0" i="0" u="none" strike="noStrike">
-                    <a:solidFill>
-                      <a:srgbClr val="000000"/>
-                    </a:solidFill>
-                    <a:latin typeface="Graphik"/>
-                  </a:defRPr>
-                </a:pPr>
-                <a:r>
-                  <a:rPr lang="en-US" sz="3400" b="0" i="0" u="none" strike="noStrike">
-                    <a:solidFill>
-                      <a:srgbClr val="000000"/>
-                    </a:solidFill>
-                    <a:latin typeface="Graphik"/>
-                  </a:rPr>
-                  <a:t>Books</a:t>
-                </a:r>
-              </a:p>
-            </c:rich>
-          </c:tx>
-          <c:overlay val="1"/>
-        </c:title>
         <c:numFmt formatCode="General" sourceLinked="0"/>
         <c:majorTickMark val="none"/>
         <c:minorTickMark val="none"/>
@@ -750,21 +720,19 @@
           <a:lstStyle/>
           <a:p>
             <a:pPr>
-              <a:defRPr sz="3400" b="0" i="0" u="none" strike="noStrike">
+              <a:defRPr b="0" i="0" strike="noStrike" sz="3400" u="none">
                 <a:solidFill>
                   <a:srgbClr val="000000"/>
                 </a:solidFill>
                 <a:latin typeface="Graphik"/>
               </a:defRPr>
             </a:pPr>
-            <a:endParaRPr lang="en-US"/>
           </a:p>
         </c:txPr>
         <c:crossAx val="2094734553"/>
         <c:crosses val="autoZero"/>
         <c:auto val="1"/>
         <c:lblAlgn val="ctr"/>
-        <c:lblOffset val="100"/>
         <c:noMultiLvlLbl val="1"/>
       </c:catAx>
       <c:valAx>
@@ -785,34 +753,6 @@
             </a:ln>
           </c:spPr>
         </c:majorGridlines>
-        <c:title>
-          <c:tx>
-            <c:rich>
-              <a:bodyPr rot="-5400000"/>
-              <a:lstStyle/>
-              <a:p>
-                <a:pPr>
-                  <a:defRPr sz="3400" b="0" i="0" u="none" strike="noStrike">
-                    <a:solidFill>
-                      <a:srgbClr val="000000"/>
-                    </a:solidFill>
-                    <a:latin typeface="Graphik"/>
-                  </a:defRPr>
-                </a:pPr>
-                <a:r>
-                  <a:rPr lang="en-US" sz="3400" b="0" i="0" u="none" strike="noStrike">
-                    <a:solidFill>
-                      <a:srgbClr val="000000"/>
-                    </a:solidFill>
-                    <a:latin typeface="Graphik"/>
-                  </a:rPr>
-                  <a:t>Books in Millions</a:t>
-                </a:r>
-              </a:p>
-            </c:rich>
-          </c:tx>
-          <c:overlay val="1"/>
-        </c:title>
         <c:numFmt formatCode="General" sourceLinked="0"/>
         <c:majorTickMark val="none"/>
         <c:minorTickMark val="none"/>
@@ -829,14 +769,13 @@
           <a:lstStyle/>
           <a:p>
             <a:pPr>
-              <a:defRPr sz="3400" b="0" i="0" u="none" strike="noStrike">
+              <a:defRPr b="0" i="0" strike="noStrike" sz="3400" u="none">
                 <a:solidFill>
                   <a:srgbClr val="000000"/>
                 </a:solidFill>
                 <a:latin typeface="Graphik"/>
               </a:defRPr>
             </a:pPr>
-            <a:endParaRPr lang="en-US"/>
           </a:p>
         </c:txPr>
         <c:crossAx val="2094734552"/>
@@ -854,9 +793,44 @@
         <a:effectLst/>
       </c:spPr>
     </c:plotArea>
+    <c:legend>
+      <c:legendPos val="b"/>
+      <c:layout>
+        <c:manualLayout>
+          <c:xMode val="edge"/>
+          <c:yMode val="edge"/>
+          <c:x val="0.0873807"/>
+          <c:y val="0.916781"/>
+          <c:w val="0.912619"/>
+          <c:h val="0.0832189"/>
+        </c:manualLayout>
+      </c:layout>
+      <c:overlay val="1"/>
+      <c:spPr>
+        <a:noFill/>
+        <a:ln w="12700" cap="flat">
+          <a:noFill/>
+          <a:miter lim="400000"/>
+        </a:ln>
+        <a:effectLst/>
+      </c:spPr>
+      <c:txPr>
+        <a:bodyPr rot="0"/>
+        <a:lstStyle/>
+        <a:p>
+          <a:pPr>
+            <a:defRPr b="0" i="0" strike="noStrike" sz="3400" u="none">
+              <a:solidFill>
+                <a:srgbClr val="000000"/>
+              </a:solidFill>
+              <a:latin typeface="Graphik"/>
+            </a:defRPr>
+          </a:pPr>
+        </a:p>
+      </c:txPr>
+    </c:legend>
     <c:plotVisOnly val="1"/>
     <c:dispBlanksAs val="gap"/>
-    <c:showDLblsOverMax val="1"/>
   </c:chart>
   <c:spPr>
     <a:noFill/>
@@ -872,11 +846,9 @@
 </file>
 
 <file path=ppt/charts/chart3.xml><?xml version="1.0" encoding="utf-8"?>
-<c:chartSpace xmlns:c="http://schemas.openxmlformats.org/drawingml/2006/chart" xmlns:a="http://schemas.openxmlformats.org/drawingml/2006/main" xmlns:r="http://schemas.openxmlformats.org/officeDocument/2006/relationships" xmlns:c16r2="http://schemas.microsoft.com/office/drawing/2015/06/chart">
+<c:chartSpace xmlns:c="http://schemas.openxmlformats.org/drawingml/2006/chart" xmlns:a="http://schemas.openxmlformats.org/drawingml/2006/main" xmlns:r="http://schemas.openxmlformats.org/officeDocument/2006/relationships">
   <c:date1904 val="1"/>
-  <c:lang val="en-US"/>
   <c:roundedCorners val="0"/>
-  <c:style val="2"/>
   <c:chart>
     <c:autoTitleDeleted val="1"/>
     <c:plotArea>
@@ -885,10 +857,10 @@
           <c:layoutTarget val="inner"/>
           <c:xMode val="edge"/>
           <c:yMode val="edge"/>
-          <c:x val="0.16842199999999999"/>
-          <c:y val="7.0011799999999999E-2"/>
-          <c:w val="0.82657800000000003"/>
-          <c:h val="0.70887999999999995"/>
+          <c:x val="0.105629"/>
+          <c:y val="0.0709465"/>
+          <c:w val="0.889371"/>
+          <c:h val="0.718511"/>
         </c:manualLayout>
       </c:layout>
       <c:barChart>
@@ -904,7 +876,7 @@
               <c:strCache>
                 <c:ptCount val="1"/>
                 <c:pt idx="0">
-                  <c:v>Region 1</c:v>
+                  <c:v>Sales in millions</c:v>
                 </c:pt>
               </c:strCache>
             </c:strRef>
@@ -920,11 +892,36 @@
             <a:effectLst/>
           </c:spPr>
           <c:invertIfNegative val="0"/>
+          <c:dLbls>
+            <c:numFmt formatCode="#,##0" sourceLinked="0"/>
+            <c:txPr>
+              <a:bodyPr/>
+              <a:lstStyle/>
+              <a:p>
+                <a:pPr>
+                  <a:defRPr b="0" i="0" strike="noStrike" sz="5000" u="none">
+                    <a:solidFill>
+                      <a:srgbClr val="FFFFFF"/>
+                    </a:solidFill>
+                    <a:latin typeface="Graphik"/>
+                  </a:defRPr>
+                </a:pPr>
+              </a:p>
+            </c:txPr>
+            <c:dLblPos val="inEnd"/>
+            <c:showLegendKey val="0"/>
+            <c:showVal val="0"/>
+            <c:showCatName val="0"/>
+            <c:showSerName val="0"/>
+            <c:showPercent val="0"/>
+            <c:showBubbleSize val="0"/>
+            <c:showLeaderLines val="0"/>
+          </c:dLbls>
           <c:cat>
             <c:strRef>
-              <c:f>Sheet1!$B$1:$E$1</c:f>
+              <c:f>Sheet1!$B$1:$D$1</c:f>
               <c:strCache>
-                <c:ptCount val="4"/>
+                <c:ptCount val="3"/>
                 <c:pt idx="0">
                   <c:v>Witcher 1</c:v>
                 </c:pt>
@@ -939,36 +936,22 @@
           </c:cat>
           <c:val>
             <c:numRef>
-              <c:f>Sheet1!$B$2:$E$2</c:f>
+              <c:f>Sheet1!$B$2:$D$2</c:f>
               <c:numCache>
-                <c:formatCode>General</c:formatCode>
                 <c:ptCount val="3"/>
                 <c:pt idx="0">
-                  <c:v>1</c:v>
+                  <c:v>1.000000</c:v>
                 </c:pt>
                 <c:pt idx="1">
-                  <c:v>1.7</c:v>
+                  <c:v>1.700000</c:v>
                 </c:pt>
                 <c:pt idx="2">
-                  <c:v>50</c:v>
+                  <c:v>50.000000</c:v>
                 </c:pt>
               </c:numCache>
             </c:numRef>
           </c:val>
-          <c:extLst>
-            <c:ext xmlns:c16="http://schemas.microsoft.com/office/drawing/2014/chart" uri="{C3380CC4-5D6E-409C-BE32-E72D297353CC}">
-              <c16:uniqueId val="{00000000-2A8C-534D-B5CD-2DF717A4F540}"/>
-            </c:ext>
-          </c:extLst>
         </c:ser>
-        <c:dLbls>
-          <c:showLegendKey val="0"/>
-          <c:showVal val="0"/>
-          <c:showCatName val="0"/>
-          <c:showSerName val="0"/>
-          <c:showPercent val="0"/>
-          <c:showBubbleSize val="0"/>
-        </c:dLbls>
         <c:gapWidth val="40"/>
         <c:overlap val="-10"/>
         <c:axId val="2094734552"/>
@@ -981,34 +964,6 @@
         </c:scaling>
         <c:delete val="0"/>
         <c:axPos val="b"/>
-        <c:title>
-          <c:tx>
-            <c:rich>
-              <a:bodyPr rot="0"/>
-              <a:lstStyle/>
-              <a:p>
-                <a:pPr>
-                  <a:defRPr sz="3400" b="0" i="0" u="none" strike="noStrike">
-                    <a:solidFill>
-                      <a:srgbClr val="000000"/>
-                    </a:solidFill>
-                    <a:latin typeface="Graphik"/>
-                  </a:defRPr>
-                </a:pPr>
-                <a:r>
-                  <a:rPr sz="3400" b="0" i="0" u="none" strike="noStrike">
-                    <a:solidFill>
-                      <a:srgbClr val="000000"/>
-                    </a:solidFill>
-                    <a:latin typeface="Graphik"/>
-                  </a:rPr>
-                  <a:t>Games</a:t>
-                </a:r>
-              </a:p>
-            </c:rich>
-          </c:tx>
-          <c:overlay val="1"/>
-        </c:title>
         <c:numFmt formatCode="General" sourceLinked="0"/>
         <c:majorTickMark val="none"/>
         <c:minorTickMark val="none"/>
@@ -1027,21 +982,19 @@
           <a:lstStyle/>
           <a:p>
             <a:pPr>
-              <a:defRPr sz="3400" b="0" i="0" u="none" strike="noStrike">
+              <a:defRPr b="0" i="0" strike="noStrike" sz="3400" u="none">
                 <a:solidFill>
                   <a:srgbClr val="000000"/>
                 </a:solidFill>
                 <a:latin typeface="Graphik"/>
               </a:defRPr>
             </a:pPr>
-            <a:endParaRPr lang="en-US"/>
           </a:p>
         </c:txPr>
         <c:crossAx val="2094734553"/>
         <c:crosses val="autoZero"/>
         <c:auto val="1"/>
         <c:lblAlgn val="ctr"/>
-        <c:lblOffset val="100"/>
         <c:noMultiLvlLbl val="1"/>
       </c:catAx>
       <c:valAx>
@@ -1062,34 +1015,6 @@
             </a:ln>
           </c:spPr>
         </c:majorGridlines>
-        <c:title>
-          <c:tx>
-            <c:rich>
-              <a:bodyPr rot="-5400000"/>
-              <a:lstStyle/>
-              <a:p>
-                <a:pPr>
-                  <a:defRPr sz="3400" b="0" i="0" u="none" strike="noStrike">
-                    <a:solidFill>
-                      <a:srgbClr val="000000"/>
-                    </a:solidFill>
-                    <a:latin typeface="Graphik"/>
-                  </a:defRPr>
-                </a:pPr>
-                <a:r>
-                  <a:rPr sz="3400" b="0" i="0" u="none" strike="noStrike">
-                    <a:solidFill>
-                      <a:srgbClr val="000000"/>
-                    </a:solidFill>
-                    <a:latin typeface="Graphik"/>
-                  </a:rPr>
-                  <a:t>Sells in Millions</a:t>
-                </a:r>
-              </a:p>
-            </c:rich>
-          </c:tx>
-          <c:overlay val="1"/>
-        </c:title>
         <c:numFmt formatCode="General" sourceLinked="0"/>
         <c:majorTickMark val="none"/>
         <c:minorTickMark val="none"/>
@@ -1106,14 +1031,13 @@
           <a:lstStyle/>
           <a:p>
             <a:pPr>
-              <a:defRPr sz="3400" b="0" i="0" u="none" strike="noStrike">
+              <a:defRPr b="0" i="0" strike="noStrike" sz="3400" u="none">
                 <a:solidFill>
                   <a:srgbClr val="000000"/>
                 </a:solidFill>
                 <a:latin typeface="Graphik"/>
               </a:defRPr>
             </a:pPr>
-            <a:endParaRPr lang="en-US"/>
           </a:p>
         </c:txPr>
         <c:crossAx val="2094734552"/>
@@ -1131,9 +1055,44 @@
         <a:effectLst/>
       </c:spPr>
     </c:plotArea>
+    <c:legend>
+      <c:legendPos val="b"/>
+      <c:layout>
+        <c:manualLayout>
+          <c:xMode val="edge"/>
+          <c:yMode val="edge"/>
+          <c:x val="0.0480216"/>
+          <c:y val="0.916553"/>
+          <c:w val="0.903957"/>
+          <c:h val="0.0834465"/>
+        </c:manualLayout>
+      </c:layout>
+      <c:overlay val="1"/>
+      <c:spPr>
+        <a:noFill/>
+        <a:ln w="12700" cap="flat">
+          <a:noFill/>
+          <a:miter lim="400000"/>
+        </a:ln>
+        <a:effectLst/>
+      </c:spPr>
+      <c:txPr>
+        <a:bodyPr rot="0"/>
+        <a:lstStyle/>
+        <a:p>
+          <a:pPr>
+            <a:defRPr b="0" i="0" strike="noStrike" sz="3400" u="none">
+              <a:solidFill>
+                <a:srgbClr val="000000"/>
+              </a:solidFill>
+              <a:latin typeface="Graphik"/>
+            </a:defRPr>
+          </a:pPr>
+        </a:p>
+      </c:txPr>
+    </c:legend>
     <c:plotVisOnly val="1"/>
     <c:dispBlanksAs val="gap"/>
-    <c:showDLblsOverMax val="1"/>
   </c:chart>
   <c:spPr>
     <a:noFill/>
@@ -1149,13 +1108,8 @@
 </file>
 
 <file path=ppt/notesMasters/notesMaster1.xml><?xml version="1.0" encoding="utf-8"?>
-<p:notesMaster xmlns:a="http://schemas.openxmlformats.org/drawingml/2006/main" xmlns:r="http://schemas.openxmlformats.org/officeDocument/2006/relationships" xmlns:p="http://schemas.openxmlformats.org/presentationml/2006/main">
+<p:notesMaster xmlns:a="http://schemas.openxmlformats.org/drawingml/2006/main" xmlns:r="http://schemas.openxmlformats.org/officeDocument/2006/relationships" xmlns:p="http://schemas.openxmlformats.org/presentationml/2006/main" xmlns:m="http://schemas.openxmlformats.org/officeDocument/2006/math" xmlns:a14="http://schemas.microsoft.com/office/drawing/2010/main">
   <p:cSld>
-    <p:bg>
-      <p:bgRef idx="1001">
-        <a:schemeClr val="bg1"/>
-      </p:bgRef>
-    </p:bg>
     <p:spTree>
       <p:nvGrpSpPr>
         <p:cNvPr id="1" name=""/>
@@ -1173,9 +1127,7 @@
       <p:sp>
         <p:nvSpPr>
           <p:cNvPr id="148" name="Shape 148"/>
-          <p:cNvSpPr>
-            <a:spLocks noGrp="1" noRot="1" noChangeAspect="1"/>
-          </p:cNvSpPr>
+          <p:cNvSpPr/>
           <p:nvPr>
             <p:ph type="sldImg"/>
           </p:nvPr>
@@ -1193,16 +1145,14 @@
           <a:bodyPr/>
           <a:lstStyle/>
           <a:p>
-            <a:endParaRPr/>
+            <a:pPr/>
           </a:p>
         </p:txBody>
       </p:sp>
       <p:sp>
         <p:nvSpPr>
           <p:cNvPr id="149" name="Shape 149"/>
-          <p:cNvSpPr>
-            <a:spLocks noGrp="1"/>
-          </p:cNvSpPr>
+          <p:cNvSpPr/>
           <p:nvPr>
             <p:ph type="body" sz="quarter" idx="1"/>
           </p:nvPr>
@@ -1220,7 +1170,7 @@
           <a:bodyPr/>
           <a:lstStyle/>
           <a:p>
-            <a:endParaRPr/>
+            <a:pPr/>
           </a:p>
         </p:txBody>
       </p:sp>
@@ -1332,7 +1282,7 @@
 </file>
 
 <file path=ppt/slideLayouts/slideLayout1.xml><?xml version="1.0" encoding="utf-8"?>
-<p:sldLayout xmlns:a="http://schemas.openxmlformats.org/drawingml/2006/main" xmlns:r="http://schemas.openxmlformats.org/officeDocument/2006/relationships" xmlns:p="http://schemas.openxmlformats.org/presentationml/2006/main" type="title">
+<p:sldLayout xmlns:a="http://schemas.openxmlformats.org/drawingml/2006/main" xmlns:r="http://schemas.openxmlformats.org/officeDocument/2006/relationships" xmlns:p="http://schemas.openxmlformats.org/presentationml/2006/main" xmlns:m="http://schemas.openxmlformats.org/officeDocument/2006/math" xmlns:a14="http://schemas.microsoft.com/office/drawing/2010/main" type="title" showMasterSp="1" showMasterPhAnim="1">
   <p:cSld name="Title">
     <p:spTree>
       <p:nvGrpSpPr>
@@ -1351,9 +1301,7 @@
       <p:sp>
         <p:nvSpPr>
           <p:cNvPr id="11" name="Author and Date"/>
-          <p:cNvSpPr txBox="1">
-            <a:spLocks noGrp="1"/>
-          </p:cNvSpPr>
+          <p:cNvSpPr txBox="1"/>
           <p:nvPr>
             <p:ph type="body" sz="quarter" idx="21" hasCustomPrompt="1"/>
           </p:nvPr>
@@ -1379,15 +1327,16 @@
               </a:spcBef>
               <a:buSzTx/>
               <a:buNone/>
-              <a:defRPr sz="3000" spc="-29">
-                <a:latin typeface="Graphik-Medium"/>
-                <a:ea typeface="Graphik-Medium"/>
-                <a:cs typeface="Graphik-Medium"/>
+              <a:defRPr spc="-29" sz="3000">
+                <a:latin typeface="Graphik Medium"/>
+                <a:ea typeface="Graphik Medium"/>
+                <a:cs typeface="Graphik Medium"/>
                 <a:sym typeface="Graphik Medium"/>
               </a:defRPr>
             </a:lvl1pPr>
           </a:lstStyle>
           <a:p>
+            <a:pPr/>
             <a:r>
               <a:t>Author and Date</a:t>
             </a:r>
@@ -1397,9 +1346,7 @@
       <p:sp>
         <p:nvSpPr>
           <p:cNvPr id="12" name="Presentation Title"/>
-          <p:cNvSpPr txBox="1">
-            <a:spLocks noGrp="1"/>
-          </p:cNvSpPr>
+          <p:cNvSpPr txBox="1"/>
           <p:nvPr>
             <p:ph type="title" hasCustomPrompt="1"/>
           </p:nvPr>
@@ -1417,10 +1364,11 @@
           <a:bodyPr anchor="b"/>
           <a:lstStyle>
             <a:lvl1pPr>
-              <a:defRPr sz="12800" spc="-128"/>
+              <a:defRPr spc="-128" sz="12800"/>
             </a:lvl1pPr>
           </a:lstStyle>
           <a:p>
+            <a:pPr/>
             <a:r>
               <a:t>Presentation Title</a:t>
             </a:r>
@@ -1430,9 +1378,7 @@
       <p:sp>
         <p:nvSpPr>
           <p:cNvPr id="13" name="Body Level One…"/>
-          <p:cNvSpPr txBox="1">
-            <a:spLocks noGrp="1"/>
-          </p:cNvSpPr>
+          <p:cNvSpPr txBox="1"/>
           <p:nvPr>
             <p:ph type="body" sz="quarter" idx="1" hasCustomPrompt="1"/>
           </p:nvPr>
@@ -1458,10 +1404,10 @@
               </a:spcBef>
               <a:buSzTx/>
               <a:buNone/>
-              <a:defRPr sz="6000" spc="-59">
-                <a:latin typeface="Graphik-SemiboldItalic"/>
-                <a:ea typeface="Graphik-SemiboldItalic"/>
-                <a:cs typeface="Graphik-SemiboldItalic"/>
+              <a:defRPr spc="-59" sz="6000">
+                <a:latin typeface="Graphik Semibold"/>
+                <a:ea typeface="Graphik Semibold"/>
+                <a:cs typeface="Graphik Semibold"/>
                 <a:sym typeface="Graphik Semibold"/>
               </a:defRPr>
             </a:lvl1pPr>
@@ -1474,10 +1420,10 @@
               </a:spcBef>
               <a:buSzTx/>
               <a:buNone/>
-              <a:defRPr sz="6000" spc="-59">
-                <a:latin typeface="Graphik-SemiboldItalic"/>
-                <a:ea typeface="Graphik-SemiboldItalic"/>
-                <a:cs typeface="Graphik-SemiboldItalic"/>
+              <a:defRPr spc="-59" sz="6000">
+                <a:latin typeface="Graphik Semibold"/>
+                <a:ea typeface="Graphik Semibold"/>
+                <a:cs typeface="Graphik Semibold"/>
                 <a:sym typeface="Graphik Semibold"/>
               </a:defRPr>
             </a:lvl2pPr>
@@ -1490,10 +1436,10 @@
               </a:spcBef>
               <a:buSzTx/>
               <a:buNone/>
-              <a:defRPr sz="6000" spc="-59">
-                <a:latin typeface="Graphik-SemiboldItalic"/>
-                <a:ea typeface="Graphik-SemiboldItalic"/>
-                <a:cs typeface="Graphik-SemiboldItalic"/>
+              <a:defRPr spc="-59" sz="6000">
+                <a:latin typeface="Graphik Semibold"/>
+                <a:ea typeface="Graphik Semibold"/>
+                <a:cs typeface="Graphik Semibold"/>
                 <a:sym typeface="Graphik Semibold"/>
               </a:defRPr>
             </a:lvl3pPr>
@@ -1506,10 +1452,10 @@
               </a:spcBef>
               <a:buSzTx/>
               <a:buNone/>
-              <a:defRPr sz="6000" spc="-59">
-                <a:latin typeface="Graphik-SemiboldItalic"/>
-                <a:ea typeface="Graphik-SemiboldItalic"/>
-                <a:cs typeface="Graphik-SemiboldItalic"/>
+              <a:defRPr spc="-59" sz="6000">
+                <a:latin typeface="Graphik Semibold"/>
+                <a:ea typeface="Graphik Semibold"/>
+                <a:cs typeface="Graphik Semibold"/>
                 <a:sym typeface="Graphik Semibold"/>
               </a:defRPr>
             </a:lvl4pPr>
@@ -1522,43 +1468,50 @@
               </a:spcBef>
               <a:buSzTx/>
               <a:buNone/>
-              <a:defRPr sz="6000" spc="-59">
-                <a:latin typeface="Graphik-SemiboldItalic"/>
-                <a:ea typeface="Graphik-SemiboldItalic"/>
-                <a:cs typeface="Graphik-SemiboldItalic"/>
+              <a:defRPr spc="-59" sz="6000">
+                <a:latin typeface="Graphik Semibold"/>
+                <a:ea typeface="Graphik Semibold"/>
+                <a:cs typeface="Graphik Semibold"/>
                 <a:sym typeface="Graphik Semibold"/>
               </a:defRPr>
             </a:lvl5pPr>
           </a:lstStyle>
           <a:p>
+            <a:pPr/>
             <a:r>
               <a:t>Presentation Subtitle</a:t>
             </a:r>
           </a:p>
           <a:p>
             <a:pPr lvl="1"/>
-            <a:endParaRPr/>
+            <a:r>
+              <a:t/>
+            </a:r>
           </a:p>
           <a:p>
             <a:pPr lvl="2"/>
-            <a:endParaRPr/>
+            <a:r>
+              <a:t/>
+            </a:r>
           </a:p>
           <a:p>
             <a:pPr lvl="3"/>
-            <a:endParaRPr/>
+            <a:r>
+              <a:t/>
+            </a:r>
           </a:p>
           <a:p>
             <a:pPr lvl="4"/>
-            <a:endParaRPr/>
+            <a:r>
+              <a:t/>
+            </a:r>
           </a:p>
         </p:txBody>
       </p:sp>
       <p:sp>
         <p:nvSpPr>
           <p:cNvPr id="14" name="Slide Number"/>
-          <p:cNvSpPr txBox="1">
-            <a:spLocks noGrp="1"/>
-          </p:cNvSpPr>
+          <p:cNvSpPr txBox="1"/>
           <p:nvPr>
             <p:ph type="sldNum" sz="quarter" idx="2"/>
           </p:nvPr>
@@ -1576,10 +1529,8 @@
           <a:bodyPr/>
           <a:lstStyle/>
           <a:p>
-            <a:fld id="{86CB4B4D-7CA3-9044-876B-883B54F8677D}" type="slidenum">
-              <a:t>‹#›</a:t>
-            </a:fld>
-            <a:endParaRPr/>
+            <a:pPr/>
+            <a:fld id="{86CB4B4D-7CA3-9044-876B-883B54F8677D}" type="slidenum"/>
           </a:p>
         </p:txBody>
       </p:sp>
@@ -1588,12 +1539,12 @@
   <p:clrMapOvr>
     <a:masterClrMapping/>
   </p:clrMapOvr>
-  <p:transition spd="med"/>
+  <p:transition xmlns:p14="http://schemas.microsoft.com/office/powerpoint/2010/main" spd="med" advClick="1"/>
 </p:sldLayout>
 </file>
 
 <file path=ppt/slideLayouts/slideLayout10.xml><?xml version="1.0" encoding="utf-8"?>
-<p:sldLayout xmlns:a="http://schemas.openxmlformats.org/drawingml/2006/main" xmlns:r="http://schemas.openxmlformats.org/officeDocument/2006/relationships" xmlns:p="http://schemas.openxmlformats.org/presentationml/2006/main" type="tx">
+<p:sldLayout xmlns:a="http://schemas.openxmlformats.org/drawingml/2006/main" xmlns:r="http://schemas.openxmlformats.org/officeDocument/2006/relationships" xmlns:p="http://schemas.openxmlformats.org/presentationml/2006/main" xmlns:m="http://schemas.openxmlformats.org/officeDocument/2006/math" xmlns:a14="http://schemas.microsoft.com/office/drawing/2010/main" type="tx" showMasterSp="1" showMasterPhAnim="1">
   <p:cSld name="Statement">
     <p:spTree>
       <p:nvGrpSpPr>
@@ -1612,9 +1563,7 @@
       <p:sp>
         <p:nvSpPr>
           <p:cNvPr id="98" name="Body Level One…"/>
-          <p:cNvSpPr txBox="1">
-            <a:spLocks noGrp="1"/>
-          </p:cNvSpPr>
+          <p:cNvSpPr txBox="1"/>
           <p:nvPr>
             <p:ph type="body" idx="1" hasCustomPrompt="1"/>
           </p:nvPr>
@@ -1713,34 +1662,41 @@
             </a:lvl5pPr>
           </a:lstStyle>
           <a:p>
+            <a:pPr/>
             <a:r>
               <a:t>Statement</a:t>
             </a:r>
           </a:p>
           <a:p>
             <a:pPr lvl="1"/>
-            <a:endParaRPr/>
+            <a:r>
+              <a:t/>
+            </a:r>
           </a:p>
           <a:p>
             <a:pPr lvl="2"/>
-            <a:endParaRPr/>
+            <a:r>
+              <a:t/>
+            </a:r>
           </a:p>
           <a:p>
             <a:pPr lvl="3"/>
-            <a:endParaRPr/>
+            <a:r>
+              <a:t/>
+            </a:r>
           </a:p>
           <a:p>
             <a:pPr lvl="4"/>
-            <a:endParaRPr/>
+            <a:r>
+              <a:t/>
+            </a:r>
           </a:p>
         </p:txBody>
       </p:sp>
       <p:sp>
         <p:nvSpPr>
           <p:cNvPr id="99" name="Slide Number"/>
-          <p:cNvSpPr txBox="1">
-            <a:spLocks noGrp="1"/>
-          </p:cNvSpPr>
+          <p:cNvSpPr txBox="1"/>
           <p:nvPr>
             <p:ph type="sldNum" sz="quarter" idx="2"/>
           </p:nvPr>
@@ -1754,10 +1710,8 @@
           <a:bodyPr/>
           <a:lstStyle/>
           <a:p>
-            <a:fld id="{86CB4B4D-7CA3-9044-876B-883B54F8677D}" type="slidenum">
-              <a:t>‹#›</a:t>
-            </a:fld>
-            <a:endParaRPr/>
+            <a:pPr/>
+            <a:fld id="{86CB4B4D-7CA3-9044-876B-883B54F8677D}" type="slidenum"/>
           </a:p>
         </p:txBody>
       </p:sp>
@@ -1766,12 +1720,12 @@
   <p:clrMapOvr>
     <a:masterClrMapping/>
   </p:clrMapOvr>
-  <p:transition spd="med"/>
+  <p:transition xmlns:p14="http://schemas.microsoft.com/office/powerpoint/2010/main" spd="med" advClick="1"/>
 </p:sldLayout>
 </file>
 
 <file path=ppt/slideLayouts/slideLayout11.xml><?xml version="1.0" encoding="utf-8"?>
-<p:sldLayout xmlns:a="http://schemas.openxmlformats.org/drawingml/2006/main" xmlns:r="http://schemas.openxmlformats.org/officeDocument/2006/relationships" xmlns:p="http://schemas.openxmlformats.org/presentationml/2006/main" type="tx">
+<p:sldLayout xmlns:a="http://schemas.openxmlformats.org/drawingml/2006/main" xmlns:r="http://schemas.openxmlformats.org/officeDocument/2006/relationships" xmlns:p="http://schemas.openxmlformats.org/presentationml/2006/main" xmlns:m="http://schemas.openxmlformats.org/officeDocument/2006/math" xmlns:a14="http://schemas.microsoft.com/office/drawing/2010/main" type="tx" showMasterSp="1" showMasterPhAnim="1">
   <p:cSld name="Big Fact">
     <p:spTree>
       <p:nvGrpSpPr>
@@ -1790,9 +1744,7 @@
       <p:sp>
         <p:nvSpPr>
           <p:cNvPr id="106" name="Fact information"/>
-          <p:cNvSpPr txBox="1">
-            <a:spLocks noGrp="1"/>
-          </p:cNvSpPr>
+          <p:cNvSpPr txBox="1"/>
           <p:nvPr>
             <p:ph type="body" sz="quarter" idx="21" hasCustomPrompt="1"/>
           </p:nvPr>
@@ -1819,14 +1771,15 @@
               <a:buSzTx/>
               <a:buNone/>
               <a:defRPr spc="-44">
-                <a:latin typeface="Graphik-SemiboldItalic"/>
-                <a:ea typeface="Graphik-SemiboldItalic"/>
-                <a:cs typeface="Graphik-SemiboldItalic"/>
+                <a:latin typeface="Graphik Semibold"/>
+                <a:ea typeface="Graphik Semibold"/>
+                <a:cs typeface="Graphik Semibold"/>
                 <a:sym typeface="Graphik Semibold"/>
               </a:defRPr>
             </a:lvl1pPr>
           </a:lstStyle>
           <a:p>
+            <a:pPr/>
             <a:r>
               <a:t>Fact information</a:t>
             </a:r>
@@ -1836,9 +1789,7 @@
       <p:sp>
         <p:nvSpPr>
           <p:cNvPr id="107" name="Body Level One…"/>
-          <p:cNvSpPr txBox="1">
-            <a:spLocks noGrp="1"/>
-          </p:cNvSpPr>
+          <p:cNvSpPr txBox="1"/>
           <p:nvPr>
             <p:ph type="body" sz="half" idx="1" hasCustomPrompt="1"/>
           </p:nvPr>
@@ -1937,34 +1888,41 @@
             </a:lvl5pPr>
           </a:lstStyle>
           <a:p>
+            <a:pPr/>
             <a:r>
               <a:t>100%</a:t>
             </a:r>
           </a:p>
           <a:p>
             <a:pPr lvl="1"/>
-            <a:endParaRPr/>
+            <a:r>
+              <a:t/>
+            </a:r>
           </a:p>
           <a:p>
             <a:pPr lvl="2"/>
-            <a:endParaRPr/>
+            <a:r>
+              <a:t/>
+            </a:r>
           </a:p>
           <a:p>
             <a:pPr lvl="3"/>
-            <a:endParaRPr/>
+            <a:r>
+              <a:t/>
+            </a:r>
           </a:p>
           <a:p>
             <a:pPr lvl="4"/>
-            <a:endParaRPr/>
+            <a:r>
+              <a:t/>
+            </a:r>
           </a:p>
         </p:txBody>
       </p:sp>
       <p:sp>
         <p:nvSpPr>
           <p:cNvPr id="108" name="Slide Number"/>
-          <p:cNvSpPr txBox="1">
-            <a:spLocks noGrp="1"/>
-          </p:cNvSpPr>
+          <p:cNvSpPr txBox="1"/>
           <p:nvPr>
             <p:ph type="sldNum" sz="quarter" idx="2"/>
           </p:nvPr>
@@ -1978,10 +1936,8 @@
           <a:bodyPr/>
           <a:lstStyle/>
           <a:p>
-            <a:fld id="{86CB4B4D-7CA3-9044-876B-883B54F8677D}" type="slidenum">
-              <a:t>‹#›</a:t>
-            </a:fld>
-            <a:endParaRPr/>
+            <a:pPr/>
+            <a:fld id="{86CB4B4D-7CA3-9044-876B-883B54F8677D}" type="slidenum"/>
           </a:p>
         </p:txBody>
       </p:sp>
@@ -1990,12 +1946,12 @@
   <p:clrMapOvr>
     <a:masterClrMapping/>
   </p:clrMapOvr>
-  <p:transition spd="med"/>
+  <p:transition xmlns:p14="http://schemas.microsoft.com/office/powerpoint/2010/main" spd="med" advClick="1"/>
 </p:sldLayout>
 </file>
 
 <file path=ppt/slideLayouts/slideLayout12.xml><?xml version="1.0" encoding="utf-8"?>
-<p:sldLayout xmlns:a="http://schemas.openxmlformats.org/drawingml/2006/main" xmlns:r="http://schemas.openxmlformats.org/officeDocument/2006/relationships" xmlns:p="http://schemas.openxmlformats.org/presentationml/2006/main" type="tx">
+<p:sldLayout xmlns:a="http://schemas.openxmlformats.org/drawingml/2006/main" xmlns:r="http://schemas.openxmlformats.org/officeDocument/2006/relationships" xmlns:p="http://schemas.openxmlformats.org/presentationml/2006/main" xmlns:m="http://schemas.openxmlformats.org/officeDocument/2006/math" xmlns:a14="http://schemas.microsoft.com/office/drawing/2010/main" type="tx" showMasterSp="1" showMasterPhAnim="1">
   <p:cSld name="Quote">
     <p:spTree>
       <p:nvGrpSpPr>
@@ -2014,9 +1970,7 @@
       <p:sp>
         <p:nvSpPr>
           <p:cNvPr id="115" name="Attribution"/>
-          <p:cNvSpPr txBox="1">
-            <a:spLocks noGrp="1"/>
-          </p:cNvSpPr>
+          <p:cNvSpPr txBox="1"/>
           <p:nvPr>
             <p:ph type="body" sz="quarter" idx="21" hasCustomPrompt="1"/>
           </p:nvPr>
@@ -2043,14 +1997,15 @@
               <a:buSzTx/>
               <a:buNone/>
               <a:defRPr spc="-44">
-                <a:latin typeface="Graphik-SemiboldItalic"/>
-                <a:ea typeface="Graphik-SemiboldItalic"/>
-                <a:cs typeface="Graphik-SemiboldItalic"/>
+                <a:latin typeface="Graphik Semibold"/>
+                <a:ea typeface="Graphik Semibold"/>
+                <a:cs typeface="Graphik Semibold"/>
                 <a:sym typeface="Graphik Semibold"/>
               </a:defRPr>
             </a:lvl1pPr>
           </a:lstStyle>
           <a:p>
+            <a:pPr/>
             <a:r>
               <a:t>Attribution</a:t>
             </a:r>
@@ -2060,9 +2015,7 @@
       <p:sp>
         <p:nvSpPr>
           <p:cNvPr id="116" name="Body Level One…"/>
-          <p:cNvSpPr txBox="1">
-            <a:spLocks noGrp="1"/>
-          </p:cNvSpPr>
+          <p:cNvSpPr txBox="1"/>
           <p:nvPr>
             <p:ph type="body" sz="half" idx="1" hasCustomPrompt="1"/>
           </p:nvPr>
@@ -2161,34 +2114,41 @@
             </a:lvl5pPr>
           </a:lstStyle>
           <a:p>
+            <a:pPr/>
             <a:r>
               <a:t>“Notable Quote”</a:t>
             </a:r>
           </a:p>
           <a:p>
             <a:pPr lvl="1"/>
-            <a:endParaRPr/>
+            <a:r>
+              <a:t/>
+            </a:r>
           </a:p>
           <a:p>
             <a:pPr lvl="2"/>
-            <a:endParaRPr/>
+            <a:r>
+              <a:t/>
+            </a:r>
           </a:p>
           <a:p>
             <a:pPr lvl="3"/>
-            <a:endParaRPr/>
+            <a:r>
+              <a:t/>
+            </a:r>
           </a:p>
           <a:p>
             <a:pPr lvl="4"/>
-            <a:endParaRPr/>
+            <a:r>
+              <a:t/>
+            </a:r>
           </a:p>
         </p:txBody>
       </p:sp>
       <p:sp>
         <p:nvSpPr>
           <p:cNvPr id="117" name="Slide Number"/>
-          <p:cNvSpPr txBox="1">
-            <a:spLocks noGrp="1"/>
-          </p:cNvSpPr>
+          <p:cNvSpPr txBox="1"/>
           <p:nvPr>
             <p:ph type="sldNum" sz="quarter" idx="2"/>
           </p:nvPr>
@@ -2206,10 +2166,8 @@
           <a:bodyPr/>
           <a:lstStyle/>
           <a:p>
-            <a:fld id="{86CB4B4D-7CA3-9044-876B-883B54F8677D}" type="slidenum">
-              <a:t>‹#›</a:t>
-            </a:fld>
-            <a:endParaRPr/>
+            <a:pPr/>
+            <a:fld id="{86CB4B4D-7CA3-9044-876B-883B54F8677D}" type="slidenum"/>
           </a:p>
         </p:txBody>
       </p:sp>
@@ -2218,12 +2176,12 @@
   <p:clrMapOvr>
     <a:masterClrMapping/>
   </p:clrMapOvr>
-  <p:transition spd="med"/>
+  <p:transition xmlns:p14="http://schemas.microsoft.com/office/powerpoint/2010/main" spd="med" advClick="1"/>
 </p:sldLayout>
 </file>
 
 <file path=ppt/slideLayouts/slideLayout13.xml><?xml version="1.0" encoding="utf-8"?>
-<p:sldLayout xmlns:a="http://schemas.openxmlformats.org/drawingml/2006/main" xmlns:r="http://schemas.openxmlformats.org/officeDocument/2006/relationships" xmlns:p="http://schemas.openxmlformats.org/presentationml/2006/main" type="tx">
+<p:sldLayout xmlns:a="http://schemas.openxmlformats.org/drawingml/2006/main" xmlns:r="http://schemas.openxmlformats.org/officeDocument/2006/relationships" xmlns:p="http://schemas.openxmlformats.org/presentationml/2006/main" xmlns:m="http://schemas.openxmlformats.org/officeDocument/2006/math" xmlns:a14="http://schemas.microsoft.com/office/drawing/2010/main" type="tx" showMasterSp="1" showMasterPhAnim="1">
   <p:cSld name="Photo - 3 Up">
     <p:spTree>
       <p:nvGrpSpPr>
@@ -2242,9 +2200,7 @@
       <p:sp>
         <p:nvSpPr>
           <p:cNvPr id="124" name="941297804_1296x1457.jpg"/>
-          <p:cNvSpPr>
-            <a:spLocks noGrp="1"/>
-          </p:cNvSpPr>
+          <p:cNvSpPr/>
           <p:nvPr>
             <p:ph type="pic" sz="quarter" idx="21"/>
           </p:nvPr>
@@ -2264,16 +2220,14 @@
           </a:bodyPr>
           <a:lstStyle/>
           <a:p>
-            <a:endParaRPr/>
+            <a:pPr/>
           </a:p>
         </p:txBody>
       </p:sp>
       <p:sp>
         <p:nvSpPr>
           <p:cNvPr id="125" name="915009552_2264x1509.jpg"/>
-          <p:cNvSpPr>
-            <a:spLocks noGrp="1"/>
-          </p:cNvSpPr>
+          <p:cNvSpPr/>
           <p:nvPr>
             <p:ph type="pic" sz="quarter" idx="22"/>
           </p:nvPr>
@@ -2293,16 +2247,14 @@
           </a:bodyPr>
           <a:lstStyle/>
           <a:p>
-            <a:endParaRPr/>
+            <a:pPr/>
           </a:p>
         </p:txBody>
       </p:sp>
       <p:sp>
         <p:nvSpPr>
           <p:cNvPr id="126" name="740519873_3318x2212.jpg"/>
-          <p:cNvSpPr>
-            <a:spLocks noGrp="1"/>
-          </p:cNvSpPr>
+          <p:cNvSpPr/>
           <p:nvPr>
             <p:ph type="pic" idx="23"/>
           </p:nvPr>
@@ -2322,16 +2274,14 @@
           </a:bodyPr>
           <a:lstStyle/>
           <a:p>
-            <a:endParaRPr/>
+            <a:pPr/>
           </a:p>
         </p:txBody>
       </p:sp>
       <p:sp>
         <p:nvSpPr>
           <p:cNvPr id="127" name="Slide Number"/>
-          <p:cNvSpPr txBox="1">
-            <a:spLocks noGrp="1"/>
-          </p:cNvSpPr>
+          <p:cNvSpPr txBox="1"/>
           <p:nvPr>
             <p:ph type="sldNum" sz="quarter" idx="2"/>
           </p:nvPr>
@@ -2349,10 +2299,8 @@
           <a:bodyPr/>
           <a:lstStyle/>
           <a:p>
-            <a:fld id="{86CB4B4D-7CA3-9044-876B-883B54F8677D}" type="slidenum">
-              <a:t>‹#›</a:t>
-            </a:fld>
-            <a:endParaRPr/>
+            <a:pPr/>
+            <a:fld id="{86CB4B4D-7CA3-9044-876B-883B54F8677D}" type="slidenum"/>
           </a:p>
         </p:txBody>
       </p:sp>
@@ -2361,12 +2309,12 @@
   <p:clrMapOvr>
     <a:masterClrMapping/>
   </p:clrMapOvr>
-  <p:transition spd="med"/>
+  <p:transition xmlns:p14="http://schemas.microsoft.com/office/powerpoint/2010/main" spd="med" advClick="1"/>
 </p:sldLayout>
 </file>
 
 <file path=ppt/slideLayouts/slideLayout14.xml><?xml version="1.0" encoding="utf-8"?>
-<p:sldLayout xmlns:a="http://schemas.openxmlformats.org/drawingml/2006/main" xmlns:r="http://schemas.openxmlformats.org/officeDocument/2006/relationships" xmlns:p="http://schemas.openxmlformats.org/presentationml/2006/main" type="tx">
+<p:sldLayout xmlns:a="http://schemas.openxmlformats.org/drawingml/2006/main" xmlns:r="http://schemas.openxmlformats.org/officeDocument/2006/relationships" xmlns:p="http://schemas.openxmlformats.org/presentationml/2006/main" xmlns:m="http://schemas.openxmlformats.org/officeDocument/2006/math" xmlns:a14="http://schemas.microsoft.com/office/drawing/2010/main" type="tx" showMasterSp="1" showMasterPhAnim="1">
   <p:cSld name="Photo">
     <p:spTree>
       <p:nvGrpSpPr>
@@ -2385,9 +2333,7 @@
       <p:sp>
         <p:nvSpPr>
           <p:cNvPr id="134" name="740519873_3318x2212.jpg"/>
-          <p:cNvSpPr>
-            <a:spLocks noGrp="1"/>
-          </p:cNvSpPr>
+          <p:cNvSpPr/>
           <p:nvPr>
             <p:ph type="pic" idx="21"/>
           </p:nvPr>
@@ -2407,16 +2353,14 @@
           </a:bodyPr>
           <a:lstStyle/>
           <a:p>
-            <a:endParaRPr/>
+            <a:pPr/>
           </a:p>
         </p:txBody>
       </p:sp>
       <p:sp>
         <p:nvSpPr>
           <p:cNvPr id="135" name="Slide Number"/>
-          <p:cNvSpPr txBox="1">
-            <a:spLocks noGrp="1"/>
-          </p:cNvSpPr>
+          <p:cNvSpPr txBox="1"/>
           <p:nvPr>
             <p:ph type="sldNum" sz="quarter" idx="2"/>
           </p:nvPr>
@@ -2434,10 +2378,8 @@
           <a:bodyPr/>
           <a:lstStyle/>
           <a:p>
-            <a:fld id="{86CB4B4D-7CA3-9044-876B-883B54F8677D}" type="slidenum">
-              <a:t>‹#›</a:t>
-            </a:fld>
-            <a:endParaRPr/>
+            <a:pPr/>
+            <a:fld id="{86CB4B4D-7CA3-9044-876B-883B54F8677D}" type="slidenum"/>
           </a:p>
         </p:txBody>
       </p:sp>
@@ -2446,12 +2388,12 @@
   <p:clrMapOvr>
     <a:masterClrMapping/>
   </p:clrMapOvr>
-  <p:transition spd="med"/>
+  <p:transition xmlns:p14="http://schemas.microsoft.com/office/powerpoint/2010/main" spd="med" advClick="1"/>
 </p:sldLayout>
 </file>
 
 <file path=ppt/slideLayouts/slideLayout15.xml><?xml version="1.0" encoding="utf-8"?>
-<p:sldLayout xmlns:a="http://schemas.openxmlformats.org/drawingml/2006/main" xmlns:r="http://schemas.openxmlformats.org/officeDocument/2006/relationships" xmlns:p="http://schemas.openxmlformats.org/presentationml/2006/main" type="tx">
+<p:sldLayout xmlns:a="http://schemas.openxmlformats.org/drawingml/2006/main" xmlns:r="http://schemas.openxmlformats.org/officeDocument/2006/relationships" xmlns:p="http://schemas.openxmlformats.org/presentationml/2006/main" xmlns:m="http://schemas.openxmlformats.org/officeDocument/2006/math" xmlns:a14="http://schemas.microsoft.com/office/drawing/2010/main" type="tx" showMasterSp="1" showMasterPhAnim="1">
   <p:cSld name="Blank">
     <p:spTree>
       <p:nvGrpSpPr>
@@ -2470,9 +2412,7 @@
       <p:sp>
         <p:nvSpPr>
           <p:cNvPr id="142" name="Slide Number"/>
-          <p:cNvSpPr txBox="1">
-            <a:spLocks noGrp="1"/>
-          </p:cNvSpPr>
+          <p:cNvSpPr txBox="1"/>
           <p:nvPr>
             <p:ph type="sldNum" sz="quarter" idx="2"/>
           </p:nvPr>
@@ -2490,10 +2430,8 @@
           <a:bodyPr/>
           <a:lstStyle/>
           <a:p>
-            <a:fld id="{86CB4B4D-7CA3-9044-876B-883B54F8677D}" type="slidenum">
-              <a:t>‹#›</a:t>
-            </a:fld>
-            <a:endParaRPr/>
+            <a:pPr/>
+            <a:fld id="{86CB4B4D-7CA3-9044-876B-883B54F8677D}" type="slidenum"/>
           </a:p>
         </p:txBody>
       </p:sp>
@@ -2502,12 +2440,12 @@
   <p:clrMapOvr>
     <a:masterClrMapping/>
   </p:clrMapOvr>
-  <p:transition spd="med"/>
+  <p:transition xmlns:p14="http://schemas.microsoft.com/office/powerpoint/2010/main" spd="med" advClick="1"/>
 </p:sldLayout>
 </file>
 
 <file path=ppt/slideLayouts/slideLayout2.xml><?xml version="1.0" encoding="utf-8"?>
-<p:sldLayout xmlns:a="http://schemas.openxmlformats.org/drawingml/2006/main" xmlns:r="http://schemas.openxmlformats.org/officeDocument/2006/relationships" xmlns:p="http://schemas.openxmlformats.org/presentationml/2006/main" type="tx">
+<p:sldLayout xmlns:a="http://schemas.openxmlformats.org/drawingml/2006/main" xmlns:r="http://schemas.openxmlformats.org/officeDocument/2006/relationships" xmlns:p="http://schemas.openxmlformats.org/presentationml/2006/main" xmlns:m="http://schemas.openxmlformats.org/officeDocument/2006/math" xmlns:a14="http://schemas.microsoft.com/office/drawing/2010/main" type="tx" showMasterSp="1" showMasterPhAnim="1">
   <p:cSld name="Title &amp; Photo">
     <p:spTree>
       <p:nvGrpSpPr>
@@ -2526,9 +2464,7 @@
       <p:sp>
         <p:nvSpPr>
           <p:cNvPr id="21" name="740519873_3318x2212.jpg"/>
-          <p:cNvSpPr>
-            <a:spLocks noGrp="1"/>
-          </p:cNvSpPr>
+          <p:cNvSpPr/>
           <p:nvPr>
             <p:ph type="pic" idx="21"/>
           </p:nvPr>
@@ -2548,16 +2484,14 @@
           </a:bodyPr>
           <a:lstStyle/>
           <a:p>
-            <a:endParaRPr/>
+            <a:pPr/>
           </a:p>
         </p:txBody>
       </p:sp>
       <p:sp>
         <p:nvSpPr>
           <p:cNvPr id="22" name="Presentation Title"/>
-          <p:cNvSpPr txBox="1">
-            <a:spLocks noGrp="1"/>
-          </p:cNvSpPr>
+          <p:cNvSpPr txBox="1"/>
           <p:nvPr>
             <p:ph type="title" hasCustomPrompt="1"/>
           </p:nvPr>
@@ -2575,7 +2509,7 @@
           <a:bodyPr anchor="b"/>
           <a:lstStyle>
             <a:lvl1pPr>
-              <a:defRPr sz="12800" spc="-128">
+              <a:defRPr spc="-128" sz="12800">
                 <a:solidFill>
                   <a:srgbClr val="FFFFFF"/>
                 </a:solidFill>
@@ -2583,6 +2517,7 @@
             </a:lvl1pPr>
           </a:lstStyle>
           <a:p>
+            <a:pPr/>
             <a:r>
               <a:t>Presentation Title</a:t>
             </a:r>
@@ -2592,9 +2527,7 @@
       <p:sp>
         <p:nvSpPr>
           <p:cNvPr id="23" name="Body Level One…"/>
-          <p:cNvSpPr txBox="1">
-            <a:spLocks noGrp="1"/>
-          </p:cNvSpPr>
+          <p:cNvSpPr txBox="1"/>
           <p:nvPr>
             <p:ph type="body" sz="quarter" idx="1" hasCustomPrompt="1"/>
           </p:nvPr>
@@ -2620,13 +2553,13 @@
               </a:spcBef>
               <a:buSzTx/>
               <a:buNone/>
-              <a:defRPr sz="6000" spc="-59">
+              <a:defRPr spc="-59" sz="6000">
                 <a:solidFill>
                   <a:srgbClr val="FFFFFF"/>
                 </a:solidFill>
-                <a:latin typeface="Graphik-SemiboldItalic"/>
-                <a:ea typeface="Graphik-SemiboldItalic"/>
-                <a:cs typeface="Graphik-SemiboldItalic"/>
+                <a:latin typeface="Graphik Semibold"/>
+                <a:ea typeface="Graphik Semibold"/>
+                <a:cs typeface="Graphik Semibold"/>
                 <a:sym typeface="Graphik Semibold"/>
               </a:defRPr>
             </a:lvl1pPr>
@@ -2639,13 +2572,13 @@
               </a:spcBef>
               <a:buSzTx/>
               <a:buNone/>
-              <a:defRPr sz="6000" spc="-59">
+              <a:defRPr spc="-59" sz="6000">
                 <a:solidFill>
                   <a:srgbClr val="FFFFFF"/>
                 </a:solidFill>
-                <a:latin typeface="Graphik-SemiboldItalic"/>
-                <a:ea typeface="Graphik-SemiboldItalic"/>
-                <a:cs typeface="Graphik-SemiboldItalic"/>
+                <a:latin typeface="Graphik Semibold"/>
+                <a:ea typeface="Graphik Semibold"/>
+                <a:cs typeface="Graphik Semibold"/>
                 <a:sym typeface="Graphik Semibold"/>
               </a:defRPr>
             </a:lvl2pPr>
@@ -2658,13 +2591,13 @@
               </a:spcBef>
               <a:buSzTx/>
               <a:buNone/>
-              <a:defRPr sz="6000" spc="-59">
+              <a:defRPr spc="-59" sz="6000">
                 <a:solidFill>
                   <a:srgbClr val="FFFFFF"/>
                 </a:solidFill>
-                <a:latin typeface="Graphik-SemiboldItalic"/>
-                <a:ea typeface="Graphik-SemiboldItalic"/>
-                <a:cs typeface="Graphik-SemiboldItalic"/>
+                <a:latin typeface="Graphik Semibold"/>
+                <a:ea typeface="Graphik Semibold"/>
+                <a:cs typeface="Graphik Semibold"/>
                 <a:sym typeface="Graphik Semibold"/>
               </a:defRPr>
             </a:lvl3pPr>
@@ -2677,13 +2610,13 @@
               </a:spcBef>
               <a:buSzTx/>
               <a:buNone/>
-              <a:defRPr sz="6000" spc="-59">
+              <a:defRPr spc="-59" sz="6000">
                 <a:solidFill>
                   <a:srgbClr val="FFFFFF"/>
                 </a:solidFill>
-                <a:latin typeface="Graphik-SemiboldItalic"/>
-                <a:ea typeface="Graphik-SemiboldItalic"/>
-                <a:cs typeface="Graphik-SemiboldItalic"/>
+                <a:latin typeface="Graphik Semibold"/>
+                <a:ea typeface="Graphik Semibold"/>
+                <a:cs typeface="Graphik Semibold"/>
                 <a:sym typeface="Graphik Semibold"/>
               </a:defRPr>
             </a:lvl4pPr>
@@ -2696,46 +2629,53 @@
               </a:spcBef>
               <a:buSzTx/>
               <a:buNone/>
-              <a:defRPr sz="6000" spc="-59">
+              <a:defRPr spc="-59" sz="6000">
                 <a:solidFill>
                   <a:srgbClr val="FFFFFF"/>
                 </a:solidFill>
-                <a:latin typeface="Graphik-SemiboldItalic"/>
-                <a:ea typeface="Graphik-SemiboldItalic"/>
-                <a:cs typeface="Graphik-SemiboldItalic"/>
+                <a:latin typeface="Graphik Semibold"/>
+                <a:ea typeface="Graphik Semibold"/>
+                <a:cs typeface="Graphik Semibold"/>
                 <a:sym typeface="Graphik Semibold"/>
               </a:defRPr>
             </a:lvl5pPr>
           </a:lstStyle>
           <a:p>
+            <a:pPr/>
             <a:r>
               <a:t>Presentation Subtitle</a:t>
             </a:r>
           </a:p>
           <a:p>
             <a:pPr lvl="1"/>
-            <a:endParaRPr/>
+            <a:r>
+              <a:t/>
+            </a:r>
           </a:p>
           <a:p>
             <a:pPr lvl="2"/>
-            <a:endParaRPr/>
+            <a:r>
+              <a:t/>
+            </a:r>
           </a:p>
           <a:p>
             <a:pPr lvl="3"/>
-            <a:endParaRPr/>
+            <a:r>
+              <a:t/>
+            </a:r>
           </a:p>
           <a:p>
             <a:pPr lvl="4"/>
-            <a:endParaRPr/>
+            <a:r>
+              <a:t/>
+            </a:r>
           </a:p>
         </p:txBody>
       </p:sp>
       <p:sp>
         <p:nvSpPr>
           <p:cNvPr id="24" name="Author and Date"/>
-          <p:cNvSpPr txBox="1">
-            <a:spLocks noGrp="1"/>
-          </p:cNvSpPr>
+          <p:cNvSpPr txBox="1"/>
           <p:nvPr>
             <p:ph type="body" sz="quarter" idx="22" hasCustomPrompt="1"/>
           </p:nvPr>
@@ -2761,18 +2701,19 @@
               </a:spcBef>
               <a:buSzTx/>
               <a:buNone/>
-              <a:defRPr sz="3000" spc="-29">
+              <a:defRPr spc="-29" sz="3000">
                 <a:solidFill>
                   <a:srgbClr val="FFFFFF"/>
                 </a:solidFill>
-                <a:latin typeface="Graphik-Medium"/>
-                <a:ea typeface="Graphik-Medium"/>
-                <a:cs typeface="Graphik-Medium"/>
+                <a:latin typeface="Graphik Medium"/>
+                <a:ea typeface="Graphik Medium"/>
+                <a:cs typeface="Graphik Medium"/>
                 <a:sym typeface="Graphik Medium"/>
               </a:defRPr>
             </a:lvl1pPr>
           </a:lstStyle>
           <a:p>
+            <a:pPr/>
             <a:r>
               <a:t>Author and Date</a:t>
             </a:r>
@@ -2782,9 +2723,7 @@
       <p:sp>
         <p:nvSpPr>
           <p:cNvPr id="25" name="Slide Number"/>
-          <p:cNvSpPr txBox="1">
-            <a:spLocks noGrp="1"/>
-          </p:cNvSpPr>
+          <p:cNvSpPr txBox="1"/>
           <p:nvPr>
             <p:ph type="sldNum" sz="quarter" idx="2"/>
           </p:nvPr>
@@ -2806,10 +2745,8 @@
             </a:lvl1pPr>
           </a:lstStyle>
           <a:p>
-            <a:fld id="{86CB4B4D-7CA3-9044-876B-883B54F8677D}" type="slidenum">
-              <a:t>‹#›</a:t>
-            </a:fld>
-            <a:endParaRPr/>
+            <a:pPr/>
+            <a:fld id="{86CB4B4D-7CA3-9044-876B-883B54F8677D}" type="slidenum"/>
           </a:p>
         </p:txBody>
       </p:sp>
@@ -2818,12 +2755,12 @@
   <p:clrMapOvr>
     <a:masterClrMapping/>
   </p:clrMapOvr>
-  <p:transition spd="med"/>
+  <p:transition xmlns:p14="http://schemas.microsoft.com/office/powerpoint/2010/main" spd="med" advClick="1"/>
 </p:sldLayout>
 </file>
 
 <file path=ppt/slideLayouts/slideLayout3.xml><?xml version="1.0" encoding="utf-8"?>
-<p:sldLayout xmlns:a="http://schemas.openxmlformats.org/drawingml/2006/main" xmlns:r="http://schemas.openxmlformats.org/officeDocument/2006/relationships" xmlns:p="http://schemas.openxmlformats.org/presentationml/2006/main" type="tx">
+<p:sldLayout xmlns:a="http://schemas.openxmlformats.org/drawingml/2006/main" xmlns:r="http://schemas.openxmlformats.org/officeDocument/2006/relationships" xmlns:p="http://schemas.openxmlformats.org/presentationml/2006/main" xmlns:m="http://schemas.openxmlformats.org/officeDocument/2006/math" xmlns:a14="http://schemas.microsoft.com/office/drawing/2010/main" type="tx" showMasterSp="1" showMasterPhAnim="1">
   <p:cSld name="Title &amp; Photo Alt">
     <p:spTree>
       <p:nvGrpSpPr>
@@ -2842,9 +2779,7 @@
       <p:sp>
         <p:nvSpPr>
           <p:cNvPr id="32" name="Slide Title"/>
-          <p:cNvSpPr txBox="1">
-            <a:spLocks noGrp="1"/>
-          </p:cNvSpPr>
+          <p:cNvSpPr txBox="1"/>
           <p:nvPr>
             <p:ph type="title" hasCustomPrompt="1"/>
           </p:nvPr>
@@ -2862,6 +2797,7 @@
           <a:bodyPr anchor="b"/>
           <a:lstStyle/>
           <a:p>
+            <a:pPr/>
             <a:r>
               <a:t>Slide Title</a:t>
             </a:r>
@@ -2871,9 +2807,7 @@
       <p:sp>
         <p:nvSpPr>
           <p:cNvPr id="33" name="Image"/>
-          <p:cNvSpPr>
-            <a:spLocks noGrp="1"/>
-          </p:cNvSpPr>
+          <p:cNvSpPr/>
           <p:nvPr>
             <p:ph type="pic" idx="21"/>
           </p:nvPr>
@@ -2893,16 +2827,14 @@
           </a:bodyPr>
           <a:lstStyle/>
           <a:p>
-            <a:endParaRPr/>
+            <a:pPr/>
           </a:p>
         </p:txBody>
       </p:sp>
       <p:sp>
         <p:nvSpPr>
           <p:cNvPr id="34" name="Body Level One…"/>
-          <p:cNvSpPr txBox="1">
-            <a:spLocks noGrp="1"/>
-          </p:cNvSpPr>
+          <p:cNvSpPr txBox="1"/>
           <p:nvPr>
             <p:ph type="body" sz="quarter" idx="1" hasCustomPrompt="1"/>
           </p:nvPr>
@@ -2929,9 +2861,9 @@
               <a:buSzTx/>
               <a:buNone/>
               <a:defRPr spc="-44">
-                <a:latin typeface="Graphik-SemiboldItalic"/>
-                <a:ea typeface="Graphik-SemiboldItalic"/>
-                <a:cs typeface="Graphik-SemiboldItalic"/>
+                <a:latin typeface="Graphik Semibold"/>
+                <a:ea typeface="Graphik Semibold"/>
+                <a:cs typeface="Graphik Semibold"/>
                 <a:sym typeface="Graphik Semibold"/>
               </a:defRPr>
             </a:lvl1pPr>
@@ -2945,9 +2877,9 @@
               <a:buSzTx/>
               <a:buNone/>
               <a:defRPr spc="-44">
-                <a:latin typeface="Graphik-SemiboldItalic"/>
-                <a:ea typeface="Graphik-SemiboldItalic"/>
-                <a:cs typeface="Graphik-SemiboldItalic"/>
+                <a:latin typeface="Graphik Semibold"/>
+                <a:ea typeface="Graphik Semibold"/>
+                <a:cs typeface="Graphik Semibold"/>
                 <a:sym typeface="Graphik Semibold"/>
               </a:defRPr>
             </a:lvl2pPr>
@@ -2961,9 +2893,9 @@
               <a:buSzTx/>
               <a:buNone/>
               <a:defRPr spc="-44">
-                <a:latin typeface="Graphik-SemiboldItalic"/>
-                <a:ea typeface="Graphik-SemiboldItalic"/>
-                <a:cs typeface="Graphik-SemiboldItalic"/>
+                <a:latin typeface="Graphik Semibold"/>
+                <a:ea typeface="Graphik Semibold"/>
+                <a:cs typeface="Graphik Semibold"/>
                 <a:sym typeface="Graphik Semibold"/>
               </a:defRPr>
             </a:lvl3pPr>
@@ -2977,9 +2909,9 @@
               <a:buSzTx/>
               <a:buNone/>
               <a:defRPr spc="-44">
-                <a:latin typeface="Graphik-SemiboldItalic"/>
-                <a:ea typeface="Graphik-SemiboldItalic"/>
-                <a:cs typeface="Graphik-SemiboldItalic"/>
+                <a:latin typeface="Graphik Semibold"/>
+                <a:ea typeface="Graphik Semibold"/>
+                <a:cs typeface="Graphik Semibold"/>
                 <a:sym typeface="Graphik Semibold"/>
               </a:defRPr>
             </a:lvl4pPr>
@@ -2993,42 +2925,49 @@
               <a:buSzTx/>
               <a:buNone/>
               <a:defRPr spc="-44">
-                <a:latin typeface="Graphik-SemiboldItalic"/>
-                <a:ea typeface="Graphik-SemiboldItalic"/>
-                <a:cs typeface="Graphik-SemiboldItalic"/>
+                <a:latin typeface="Graphik Semibold"/>
+                <a:ea typeface="Graphik Semibold"/>
+                <a:cs typeface="Graphik Semibold"/>
                 <a:sym typeface="Graphik Semibold"/>
               </a:defRPr>
             </a:lvl5pPr>
           </a:lstStyle>
           <a:p>
+            <a:pPr/>
             <a:r>
               <a:t>Slide Subtitle</a:t>
             </a:r>
           </a:p>
           <a:p>
             <a:pPr lvl="1"/>
-            <a:endParaRPr/>
+            <a:r>
+              <a:t/>
+            </a:r>
           </a:p>
           <a:p>
             <a:pPr lvl="2"/>
-            <a:endParaRPr/>
+            <a:r>
+              <a:t/>
+            </a:r>
           </a:p>
           <a:p>
             <a:pPr lvl="3"/>
-            <a:endParaRPr/>
+            <a:r>
+              <a:t/>
+            </a:r>
           </a:p>
           <a:p>
             <a:pPr lvl="4"/>
-            <a:endParaRPr/>
+            <a:r>
+              <a:t/>
+            </a:r>
           </a:p>
         </p:txBody>
       </p:sp>
       <p:sp>
         <p:nvSpPr>
           <p:cNvPr id="35" name="Slide Number"/>
-          <p:cNvSpPr txBox="1">
-            <a:spLocks noGrp="1"/>
-          </p:cNvSpPr>
+          <p:cNvSpPr txBox="1"/>
           <p:nvPr>
             <p:ph type="sldNum" sz="quarter" idx="2"/>
           </p:nvPr>
@@ -3042,10 +2981,8 @@
           <a:bodyPr/>
           <a:lstStyle/>
           <a:p>
-            <a:fld id="{86CB4B4D-7CA3-9044-876B-883B54F8677D}" type="slidenum">
-              <a:t>‹#›</a:t>
-            </a:fld>
-            <a:endParaRPr/>
+            <a:pPr/>
+            <a:fld id="{86CB4B4D-7CA3-9044-876B-883B54F8677D}" type="slidenum"/>
           </a:p>
         </p:txBody>
       </p:sp>
@@ -3054,12 +2991,12 @@
   <p:clrMapOvr>
     <a:masterClrMapping/>
   </p:clrMapOvr>
-  <p:transition spd="med"/>
+  <p:transition xmlns:p14="http://schemas.microsoft.com/office/powerpoint/2010/main" spd="med" advClick="1"/>
 </p:sldLayout>
 </file>
 
 <file path=ppt/slideLayouts/slideLayout4.xml><?xml version="1.0" encoding="utf-8"?>
-<p:sldLayout xmlns:a="http://schemas.openxmlformats.org/drawingml/2006/main" xmlns:r="http://schemas.openxmlformats.org/officeDocument/2006/relationships" xmlns:p="http://schemas.openxmlformats.org/presentationml/2006/main" type="tx">
+<p:sldLayout xmlns:a="http://schemas.openxmlformats.org/drawingml/2006/main" xmlns:r="http://schemas.openxmlformats.org/officeDocument/2006/relationships" xmlns:p="http://schemas.openxmlformats.org/presentationml/2006/main" xmlns:m="http://schemas.openxmlformats.org/officeDocument/2006/math" xmlns:a14="http://schemas.microsoft.com/office/drawing/2010/main" type="tx" showMasterSp="1" showMasterPhAnim="1">
   <p:cSld name="Title &amp; Bullets">
     <p:spTree>
       <p:nvGrpSpPr>
@@ -3078,9 +3015,7 @@
       <p:sp>
         <p:nvSpPr>
           <p:cNvPr id="42" name="Slide Title"/>
-          <p:cNvSpPr txBox="1">
-            <a:spLocks noGrp="1"/>
-          </p:cNvSpPr>
+          <p:cNvSpPr txBox="1"/>
           <p:nvPr>
             <p:ph type="title" hasCustomPrompt="1"/>
           </p:nvPr>
@@ -3094,6 +3029,7 @@
           <a:bodyPr/>
           <a:lstStyle/>
           <a:p>
+            <a:pPr/>
             <a:r>
               <a:t>Slide Title</a:t>
             </a:r>
@@ -3103,9 +3039,7 @@
       <p:sp>
         <p:nvSpPr>
           <p:cNvPr id="43" name="Body Level One…"/>
-          <p:cNvSpPr txBox="1">
-            <a:spLocks noGrp="1"/>
-          </p:cNvSpPr>
+          <p:cNvSpPr txBox="1"/>
           <p:nvPr>
             <p:ph type="body" idx="1" hasCustomPrompt="1"/>
           </p:nvPr>
@@ -3119,34 +3053,41 @@
           <a:bodyPr/>
           <a:lstStyle/>
           <a:p>
+            <a:pPr/>
             <a:r>
               <a:t>Slide bullet text</a:t>
             </a:r>
           </a:p>
           <a:p>
             <a:pPr lvl="1"/>
-            <a:endParaRPr/>
+            <a:r>
+              <a:t/>
+            </a:r>
           </a:p>
           <a:p>
             <a:pPr lvl="2"/>
-            <a:endParaRPr/>
+            <a:r>
+              <a:t/>
+            </a:r>
           </a:p>
           <a:p>
             <a:pPr lvl="3"/>
-            <a:endParaRPr/>
+            <a:r>
+              <a:t/>
+            </a:r>
           </a:p>
           <a:p>
             <a:pPr lvl="4"/>
-            <a:endParaRPr/>
+            <a:r>
+              <a:t/>
+            </a:r>
           </a:p>
         </p:txBody>
       </p:sp>
       <p:sp>
         <p:nvSpPr>
           <p:cNvPr id="44" name="Slide Subtitle"/>
-          <p:cNvSpPr txBox="1">
-            <a:spLocks noGrp="1"/>
-          </p:cNvSpPr>
+          <p:cNvSpPr txBox="1"/>
           <p:nvPr>
             <p:ph type="body" sz="quarter" idx="21" hasCustomPrompt="1"/>
           </p:nvPr>
@@ -3173,14 +3114,15 @@
               <a:buSzTx/>
               <a:buNone/>
               <a:defRPr spc="-44">
-                <a:latin typeface="Graphik-SemiboldItalic"/>
-                <a:ea typeface="Graphik-SemiboldItalic"/>
-                <a:cs typeface="Graphik-SemiboldItalic"/>
+                <a:latin typeface="Graphik Semibold"/>
+                <a:ea typeface="Graphik Semibold"/>
+                <a:cs typeface="Graphik Semibold"/>
                 <a:sym typeface="Graphik Semibold"/>
               </a:defRPr>
             </a:lvl1pPr>
           </a:lstStyle>
           <a:p>
+            <a:pPr/>
             <a:r>
               <a:t>Slide Subtitle</a:t>
             </a:r>
@@ -3190,9 +3132,7 @@
       <p:sp>
         <p:nvSpPr>
           <p:cNvPr id="45" name="Slide Number"/>
-          <p:cNvSpPr txBox="1">
-            <a:spLocks noGrp="1"/>
-          </p:cNvSpPr>
+          <p:cNvSpPr txBox="1"/>
           <p:nvPr>
             <p:ph type="sldNum" sz="quarter" idx="2"/>
           </p:nvPr>
@@ -3206,10 +3146,8 @@
           <a:bodyPr/>
           <a:lstStyle/>
           <a:p>
-            <a:fld id="{86CB4B4D-7CA3-9044-876B-883B54F8677D}" type="slidenum">
-              <a:t>‹#›</a:t>
-            </a:fld>
-            <a:endParaRPr/>
+            <a:pPr/>
+            <a:fld id="{86CB4B4D-7CA3-9044-876B-883B54F8677D}" type="slidenum"/>
           </a:p>
         </p:txBody>
       </p:sp>
@@ -3218,12 +3156,12 @@
   <p:clrMapOvr>
     <a:masterClrMapping/>
   </p:clrMapOvr>
-  <p:transition spd="med"/>
+  <p:transition xmlns:p14="http://schemas.microsoft.com/office/powerpoint/2010/main" spd="med" advClick="1"/>
 </p:sldLayout>
 </file>
 
 <file path=ppt/slideLayouts/slideLayout5.xml><?xml version="1.0" encoding="utf-8"?>
-<p:sldLayout xmlns:a="http://schemas.openxmlformats.org/drawingml/2006/main" xmlns:r="http://schemas.openxmlformats.org/officeDocument/2006/relationships" xmlns:p="http://schemas.openxmlformats.org/presentationml/2006/main" type="tx">
+<p:sldLayout xmlns:a="http://schemas.openxmlformats.org/drawingml/2006/main" xmlns:r="http://schemas.openxmlformats.org/officeDocument/2006/relationships" xmlns:p="http://schemas.openxmlformats.org/presentationml/2006/main" xmlns:m="http://schemas.openxmlformats.org/officeDocument/2006/math" xmlns:a14="http://schemas.microsoft.com/office/drawing/2010/main" type="tx" showMasterSp="1" showMasterPhAnim="1">
   <p:cSld name="Bullets">
     <p:spTree>
       <p:nvGrpSpPr>
@@ -3242,9 +3180,7 @@
       <p:sp>
         <p:nvSpPr>
           <p:cNvPr id="52" name="Body Level One…"/>
-          <p:cNvSpPr txBox="1">
-            <a:spLocks noGrp="1"/>
-          </p:cNvSpPr>
+          <p:cNvSpPr txBox="1"/>
           <p:nvPr>
             <p:ph type="body" idx="1" hasCustomPrompt="1"/>
           </p:nvPr>
@@ -3262,34 +3198,41 @@
           <a:bodyPr numCol="2" spcCol="2558384"/>
           <a:lstStyle/>
           <a:p>
+            <a:pPr/>
             <a:r>
               <a:t>Slide bullet text</a:t>
             </a:r>
           </a:p>
           <a:p>
             <a:pPr lvl="1"/>
-            <a:endParaRPr/>
+            <a:r>
+              <a:t/>
+            </a:r>
           </a:p>
           <a:p>
             <a:pPr lvl="2"/>
-            <a:endParaRPr/>
+            <a:r>
+              <a:t/>
+            </a:r>
           </a:p>
           <a:p>
             <a:pPr lvl="3"/>
-            <a:endParaRPr/>
+            <a:r>
+              <a:t/>
+            </a:r>
           </a:p>
           <a:p>
             <a:pPr lvl="4"/>
-            <a:endParaRPr/>
+            <a:r>
+              <a:t/>
+            </a:r>
           </a:p>
         </p:txBody>
       </p:sp>
       <p:sp>
         <p:nvSpPr>
           <p:cNvPr id="53" name="Slide Number"/>
-          <p:cNvSpPr txBox="1">
-            <a:spLocks noGrp="1"/>
-          </p:cNvSpPr>
+          <p:cNvSpPr txBox="1"/>
           <p:nvPr>
             <p:ph type="sldNum" sz="quarter" idx="2"/>
           </p:nvPr>
@@ -3307,10 +3250,8 @@
           <a:bodyPr/>
           <a:lstStyle/>
           <a:p>
-            <a:fld id="{86CB4B4D-7CA3-9044-876B-883B54F8677D}" type="slidenum">
-              <a:t>‹#›</a:t>
-            </a:fld>
-            <a:endParaRPr/>
+            <a:pPr/>
+            <a:fld id="{86CB4B4D-7CA3-9044-876B-883B54F8677D}" type="slidenum"/>
           </a:p>
         </p:txBody>
       </p:sp>
@@ -3319,12 +3260,12 @@
   <p:clrMapOvr>
     <a:masterClrMapping/>
   </p:clrMapOvr>
-  <p:transition spd="med"/>
+  <p:transition xmlns:p14="http://schemas.microsoft.com/office/powerpoint/2010/main" spd="med" advClick="1"/>
 </p:sldLayout>
 </file>
 
 <file path=ppt/slideLayouts/slideLayout6.xml><?xml version="1.0" encoding="utf-8"?>
-<p:sldLayout xmlns:a="http://schemas.openxmlformats.org/drawingml/2006/main" xmlns:r="http://schemas.openxmlformats.org/officeDocument/2006/relationships" xmlns:p="http://schemas.openxmlformats.org/presentationml/2006/main" type="tx">
+<p:sldLayout xmlns:a="http://schemas.openxmlformats.org/drawingml/2006/main" xmlns:r="http://schemas.openxmlformats.org/officeDocument/2006/relationships" xmlns:p="http://schemas.openxmlformats.org/presentationml/2006/main" xmlns:m="http://schemas.openxmlformats.org/officeDocument/2006/math" xmlns:a14="http://schemas.microsoft.com/office/drawing/2010/main" type="tx" showMasterSp="1" showMasterPhAnim="1">
   <p:cSld name="Title, Bullets &amp; Photo">
     <p:spTree>
       <p:nvGrpSpPr>
@@ -3343,9 +3284,7 @@
       <p:sp>
         <p:nvSpPr>
           <p:cNvPr id="60" name="Slide Title"/>
-          <p:cNvSpPr txBox="1">
-            <a:spLocks noGrp="1"/>
-          </p:cNvSpPr>
+          <p:cNvSpPr txBox="1"/>
           <p:nvPr>
             <p:ph type="title" hasCustomPrompt="1"/>
           </p:nvPr>
@@ -3363,6 +3302,7 @@
           <a:bodyPr/>
           <a:lstStyle/>
           <a:p>
+            <a:pPr/>
             <a:r>
               <a:t>Slide Title</a:t>
             </a:r>
@@ -3372,9 +3312,7 @@
       <p:sp>
         <p:nvSpPr>
           <p:cNvPr id="61" name="Image"/>
-          <p:cNvSpPr>
-            <a:spLocks noGrp="1"/>
-          </p:cNvSpPr>
+          <p:cNvSpPr/>
           <p:nvPr>
             <p:ph type="pic" idx="21"/>
           </p:nvPr>
@@ -3394,16 +3332,14 @@
           </a:bodyPr>
           <a:lstStyle/>
           <a:p>
-            <a:endParaRPr/>
+            <a:pPr/>
           </a:p>
         </p:txBody>
       </p:sp>
       <p:sp>
         <p:nvSpPr>
           <p:cNvPr id="62" name="Slide Subtitle"/>
-          <p:cNvSpPr txBox="1">
-            <a:spLocks noGrp="1"/>
-          </p:cNvSpPr>
+          <p:cNvSpPr txBox="1"/>
           <p:nvPr>
             <p:ph type="body" sz="quarter" idx="22" hasCustomPrompt="1"/>
           </p:nvPr>
@@ -3430,14 +3366,15 @@
               <a:buSzTx/>
               <a:buNone/>
               <a:defRPr spc="-44">
-                <a:latin typeface="Graphik-SemiboldItalic"/>
-                <a:ea typeface="Graphik-SemiboldItalic"/>
-                <a:cs typeface="Graphik-SemiboldItalic"/>
+                <a:latin typeface="Graphik Semibold"/>
+                <a:ea typeface="Graphik Semibold"/>
+                <a:cs typeface="Graphik Semibold"/>
                 <a:sym typeface="Graphik Semibold"/>
               </a:defRPr>
             </a:lvl1pPr>
           </a:lstStyle>
           <a:p>
+            <a:pPr/>
             <a:r>
               <a:t>Slide Subtitle</a:t>
             </a:r>
@@ -3447,9 +3384,7 @@
       <p:sp>
         <p:nvSpPr>
           <p:cNvPr id="63" name="Body Level One…"/>
-          <p:cNvSpPr txBox="1">
-            <a:spLocks noGrp="1"/>
-          </p:cNvSpPr>
+          <p:cNvSpPr txBox="1"/>
           <p:nvPr>
             <p:ph type="body" sz="half" idx="1" hasCustomPrompt="1"/>
           </p:nvPr>
@@ -3467,34 +3402,41 @@
           <a:bodyPr/>
           <a:lstStyle/>
           <a:p>
+            <a:pPr/>
             <a:r>
               <a:t>Slide bullet text</a:t>
             </a:r>
           </a:p>
           <a:p>
             <a:pPr lvl="1"/>
-            <a:endParaRPr/>
+            <a:r>
+              <a:t/>
+            </a:r>
           </a:p>
           <a:p>
             <a:pPr lvl="2"/>
-            <a:endParaRPr/>
+            <a:r>
+              <a:t/>
+            </a:r>
           </a:p>
           <a:p>
             <a:pPr lvl="3"/>
-            <a:endParaRPr/>
+            <a:r>
+              <a:t/>
+            </a:r>
           </a:p>
           <a:p>
             <a:pPr lvl="4"/>
-            <a:endParaRPr/>
+            <a:r>
+              <a:t/>
+            </a:r>
           </a:p>
         </p:txBody>
       </p:sp>
       <p:sp>
         <p:nvSpPr>
           <p:cNvPr id="64" name="Slide Number"/>
-          <p:cNvSpPr txBox="1">
-            <a:spLocks noGrp="1"/>
-          </p:cNvSpPr>
+          <p:cNvSpPr txBox="1"/>
           <p:nvPr>
             <p:ph type="sldNum" sz="quarter" idx="2"/>
           </p:nvPr>
@@ -3512,10 +3454,8 @@
           <a:bodyPr/>
           <a:lstStyle/>
           <a:p>
-            <a:fld id="{86CB4B4D-7CA3-9044-876B-883B54F8677D}" type="slidenum">
-              <a:t>‹#›</a:t>
-            </a:fld>
-            <a:endParaRPr/>
+            <a:pPr/>
+            <a:fld id="{86CB4B4D-7CA3-9044-876B-883B54F8677D}" type="slidenum"/>
           </a:p>
         </p:txBody>
       </p:sp>
@@ -3524,12 +3464,12 @@
   <p:clrMapOvr>
     <a:masterClrMapping/>
   </p:clrMapOvr>
-  <p:transition spd="med"/>
+  <p:transition xmlns:p14="http://schemas.microsoft.com/office/powerpoint/2010/main" spd="med" advClick="1"/>
 </p:sldLayout>
 </file>
 
 <file path=ppt/slideLayouts/slideLayout7.xml><?xml version="1.0" encoding="utf-8"?>
-<p:sldLayout xmlns:a="http://schemas.openxmlformats.org/drawingml/2006/main" xmlns:r="http://schemas.openxmlformats.org/officeDocument/2006/relationships" xmlns:p="http://schemas.openxmlformats.org/presentationml/2006/main" type="tx">
+<p:sldLayout xmlns:a="http://schemas.openxmlformats.org/drawingml/2006/main" xmlns:r="http://schemas.openxmlformats.org/officeDocument/2006/relationships" xmlns:p="http://schemas.openxmlformats.org/presentationml/2006/main" xmlns:m="http://schemas.openxmlformats.org/officeDocument/2006/math" xmlns:a14="http://schemas.microsoft.com/office/drawing/2010/main" type="tx" showMasterSp="1" showMasterPhAnim="1">
   <p:cSld name="Section">
     <p:spTree>
       <p:nvGrpSpPr>
@@ -3548,9 +3488,7 @@
       <p:sp>
         <p:nvSpPr>
           <p:cNvPr id="71" name="Section Title"/>
-          <p:cNvSpPr txBox="1">
-            <a:spLocks noGrp="1"/>
-          </p:cNvSpPr>
+          <p:cNvSpPr txBox="1"/>
           <p:nvPr>
             <p:ph type="title" hasCustomPrompt="1"/>
           </p:nvPr>
@@ -3568,10 +3506,11 @@
           <a:bodyPr anchor="ctr"/>
           <a:lstStyle>
             <a:lvl1pPr>
-              <a:defRPr sz="12800" spc="0"/>
+              <a:defRPr spc="0" sz="12800"/>
             </a:lvl1pPr>
           </a:lstStyle>
           <a:p>
+            <a:pPr/>
             <a:r>
               <a:t>Section Title</a:t>
             </a:r>
@@ -3581,9 +3520,7 @@
       <p:sp>
         <p:nvSpPr>
           <p:cNvPr id="72" name="Slide Number"/>
-          <p:cNvSpPr txBox="1">
-            <a:spLocks noGrp="1"/>
-          </p:cNvSpPr>
+          <p:cNvSpPr txBox="1"/>
           <p:nvPr>
             <p:ph type="sldNum" sz="quarter" idx="2"/>
           </p:nvPr>
@@ -3601,10 +3538,8 @@
           <a:bodyPr/>
           <a:lstStyle/>
           <a:p>
-            <a:fld id="{86CB4B4D-7CA3-9044-876B-883B54F8677D}" type="slidenum">
-              <a:t>‹#›</a:t>
-            </a:fld>
-            <a:endParaRPr/>
+            <a:pPr/>
+            <a:fld id="{86CB4B4D-7CA3-9044-876B-883B54F8677D}" type="slidenum"/>
           </a:p>
         </p:txBody>
       </p:sp>
@@ -3613,12 +3548,12 @@
   <p:clrMapOvr>
     <a:masterClrMapping/>
   </p:clrMapOvr>
-  <p:transition spd="med"/>
+  <p:transition xmlns:p14="http://schemas.microsoft.com/office/powerpoint/2010/main" spd="med" advClick="1"/>
 </p:sldLayout>
 </file>
 
 <file path=ppt/slideLayouts/slideLayout8.xml><?xml version="1.0" encoding="utf-8"?>
-<p:sldLayout xmlns:a="http://schemas.openxmlformats.org/drawingml/2006/main" xmlns:r="http://schemas.openxmlformats.org/officeDocument/2006/relationships" xmlns:p="http://schemas.openxmlformats.org/presentationml/2006/main" type="tx">
+<p:sldLayout xmlns:a="http://schemas.openxmlformats.org/drawingml/2006/main" xmlns:r="http://schemas.openxmlformats.org/officeDocument/2006/relationships" xmlns:p="http://schemas.openxmlformats.org/presentationml/2006/main" xmlns:m="http://schemas.openxmlformats.org/officeDocument/2006/math" xmlns:a14="http://schemas.microsoft.com/office/drawing/2010/main" type="tx" showMasterSp="1" showMasterPhAnim="1">
   <p:cSld name="Title Only">
     <p:spTree>
       <p:nvGrpSpPr>
@@ -3637,9 +3572,7 @@
       <p:sp>
         <p:nvSpPr>
           <p:cNvPr id="79" name="Slide Title"/>
-          <p:cNvSpPr txBox="1">
-            <a:spLocks noGrp="1"/>
-          </p:cNvSpPr>
+          <p:cNvSpPr txBox="1"/>
           <p:nvPr>
             <p:ph type="title" hasCustomPrompt="1"/>
           </p:nvPr>
@@ -3653,6 +3586,7 @@
           <a:bodyPr/>
           <a:lstStyle/>
           <a:p>
+            <a:pPr/>
             <a:r>
               <a:t>Slide Title</a:t>
             </a:r>
@@ -3662,9 +3596,7 @@
       <p:sp>
         <p:nvSpPr>
           <p:cNvPr id="80" name="Slide Subtitle"/>
-          <p:cNvSpPr txBox="1">
-            <a:spLocks noGrp="1"/>
-          </p:cNvSpPr>
+          <p:cNvSpPr txBox="1"/>
           <p:nvPr>
             <p:ph type="body" sz="quarter" idx="21" hasCustomPrompt="1"/>
           </p:nvPr>
@@ -3691,14 +3623,15 @@
               <a:buSzTx/>
               <a:buNone/>
               <a:defRPr spc="-44">
-                <a:latin typeface="Graphik-SemiboldItalic"/>
-                <a:ea typeface="Graphik-SemiboldItalic"/>
-                <a:cs typeface="Graphik-SemiboldItalic"/>
+                <a:latin typeface="Graphik Semibold"/>
+                <a:ea typeface="Graphik Semibold"/>
+                <a:cs typeface="Graphik Semibold"/>
                 <a:sym typeface="Graphik Semibold"/>
               </a:defRPr>
             </a:lvl1pPr>
           </a:lstStyle>
           <a:p>
+            <a:pPr/>
             <a:r>
               <a:t>Slide Subtitle</a:t>
             </a:r>
@@ -3708,9 +3641,7 @@
       <p:sp>
         <p:nvSpPr>
           <p:cNvPr id="81" name="Slide Number"/>
-          <p:cNvSpPr txBox="1">
-            <a:spLocks noGrp="1"/>
-          </p:cNvSpPr>
+          <p:cNvSpPr txBox="1"/>
           <p:nvPr>
             <p:ph type="sldNum" sz="quarter" idx="2"/>
           </p:nvPr>
@@ -3728,10 +3659,8 @@
           <a:bodyPr/>
           <a:lstStyle/>
           <a:p>
-            <a:fld id="{86CB4B4D-7CA3-9044-876B-883B54F8677D}" type="slidenum">
-              <a:t>‹#›</a:t>
-            </a:fld>
-            <a:endParaRPr/>
+            <a:pPr/>
+            <a:fld id="{86CB4B4D-7CA3-9044-876B-883B54F8677D}" type="slidenum"/>
           </a:p>
         </p:txBody>
       </p:sp>
@@ -3740,12 +3669,12 @@
   <p:clrMapOvr>
     <a:masterClrMapping/>
   </p:clrMapOvr>
-  <p:transition spd="med"/>
+  <p:transition xmlns:p14="http://schemas.microsoft.com/office/powerpoint/2010/main" spd="med" advClick="1"/>
 </p:sldLayout>
 </file>
 
 <file path=ppt/slideLayouts/slideLayout9.xml><?xml version="1.0" encoding="utf-8"?>
-<p:sldLayout xmlns:a="http://schemas.openxmlformats.org/drawingml/2006/main" xmlns:r="http://schemas.openxmlformats.org/officeDocument/2006/relationships" xmlns:p="http://schemas.openxmlformats.org/presentationml/2006/main" type="tx">
+<p:sldLayout xmlns:a="http://schemas.openxmlformats.org/drawingml/2006/main" xmlns:r="http://schemas.openxmlformats.org/officeDocument/2006/relationships" xmlns:p="http://schemas.openxmlformats.org/presentationml/2006/main" xmlns:m="http://schemas.openxmlformats.org/officeDocument/2006/math" xmlns:a14="http://schemas.microsoft.com/office/drawing/2010/main" type="tx" showMasterSp="1" showMasterPhAnim="1">
   <p:cSld name="Agenda">
     <p:spTree>
       <p:nvGrpSpPr>
@@ -3764,9 +3693,7 @@
       <p:sp>
         <p:nvSpPr>
           <p:cNvPr id="88" name="Agenda Title"/>
-          <p:cNvSpPr txBox="1">
-            <a:spLocks noGrp="1"/>
-          </p:cNvSpPr>
+          <p:cNvSpPr txBox="1"/>
           <p:nvPr>
             <p:ph type="title" hasCustomPrompt="1"/>
           </p:nvPr>
@@ -3780,6 +3707,7 @@
           <a:bodyPr/>
           <a:lstStyle/>
           <a:p>
+            <a:pPr/>
             <a:r>
               <a:t>Agenda Title</a:t>
             </a:r>
@@ -3789,9 +3717,7 @@
       <p:sp>
         <p:nvSpPr>
           <p:cNvPr id="89" name="Body Level One…"/>
-          <p:cNvSpPr txBox="1">
-            <a:spLocks noGrp="1"/>
-          </p:cNvSpPr>
+          <p:cNvSpPr txBox="1"/>
           <p:nvPr>
             <p:ph type="body" idx="1" hasCustomPrompt="1"/>
           </p:nvPr>
@@ -3814,7 +3740,7 @@
               </a:lnSpc>
               <a:buSzTx/>
               <a:buNone/>
-              <a:defRPr sz="6800" spc="-136">
+              <a:defRPr spc="-136" sz="6800">
                 <a:latin typeface="Canela Deck Regular"/>
                 <a:ea typeface="Canela Deck Regular"/>
                 <a:cs typeface="Canela Deck Regular"/>
@@ -3827,7 +3753,7 @@
               </a:lnSpc>
               <a:buSzTx/>
               <a:buNone/>
-              <a:defRPr sz="6800" spc="-136">
+              <a:defRPr spc="-136" sz="6800">
                 <a:latin typeface="Canela Deck Regular"/>
                 <a:ea typeface="Canela Deck Regular"/>
                 <a:cs typeface="Canela Deck Regular"/>
@@ -3840,7 +3766,7 @@
               </a:lnSpc>
               <a:buSzTx/>
               <a:buNone/>
-              <a:defRPr sz="6800" spc="-136">
+              <a:defRPr spc="-136" sz="6800">
                 <a:latin typeface="Canela Deck Regular"/>
                 <a:ea typeface="Canela Deck Regular"/>
                 <a:cs typeface="Canela Deck Regular"/>
@@ -3853,7 +3779,7 @@
               </a:lnSpc>
               <a:buSzTx/>
               <a:buNone/>
-              <a:defRPr sz="6800" spc="-136">
+              <a:defRPr spc="-136" sz="6800">
                 <a:latin typeface="Canela Deck Regular"/>
                 <a:ea typeface="Canela Deck Regular"/>
                 <a:cs typeface="Canela Deck Regular"/>
@@ -3866,7 +3792,7 @@
               </a:lnSpc>
               <a:buSzTx/>
               <a:buNone/>
-              <a:defRPr sz="6800" spc="-136">
+              <a:defRPr spc="-136" sz="6800">
                 <a:latin typeface="Canela Deck Regular"/>
                 <a:ea typeface="Canela Deck Regular"/>
                 <a:cs typeface="Canela Deck Regular"/>
@@ -3875,34 +3801,41 @@
             </a:lvl5pPr>
           </a:lstStyle>
           <a:p>
+            <a:pPr/>
             <a:r>
               <a:t>Agenda Topics</a:t>
             </a:r>
           </a:p>
           <a:p>
             <a:pPr lvl="1"/>
-            <a:endParaRPr/>
+            <a:r>
+              <a:t/>
+            </a:r>
           </a:p>
           <a:p>
             <a:pPr lvl="2"/>
-            <a:endParaRPr/>
+            <a:r>
+              <a:t/>
+            </a:r>
           </a:p>
           <a:p>
             <a:pPr lvl="3"/>
-            <a:endParaRPr/>
+            <a:r>
+              <a:t/>
+            </a:r>
           </a:p>
           <a:p>
             <a:pPr lvl="4"/>
-            <a:endParaRPr/>
+            <a:r>
+              <a:t/>
+            </a:r>
           </a:p>
         </p:txBody>
       </p:sp>
       <p:sp>
         <p:nvSpPr>
           <p:cNvPr id="90" name="Agenda Subtitle"/>
-          <p:cNvSpPr txBox="1">
-            <a:spLocks noGrp="1"/>
-          </p:cNvSpPr>
+          <p:cNvSpPr txBox="1"/>
           <p:nvPr>
             <p:ph type="body" sz="quarter" idx="21" hasCustomPrompt="1"/>
           </p:nvPr>
@@ -3929,14 +3862,15 @@
               <a:buSzTx/>
               <a:buNone/>
               <a:defRPr spc="-44">
-                <a:latin typeface="Graphik-SemiboldItalic"/>
-                <a:ea typeface="Graphik-SemiboldItalic"/>
-                <a:cs typeface="Graphik-SemiboldItalic"/>
+                <a:latin typeface="Graphik Semibold"/>
+                <a:ea typeface="Graphik Semibold"/>
+                <a:cs typeface="Graphik Semibold"/>
                 <a:sym typeface="Graphik Semibold"/>
               </a:defRPr>
             </a:lvl1pPr>
           </a:lstStyle>
           <a:p>
+            <a:pPr/>
             <a:r>
               <a:t>Agenda Subtitle</a:t>
             </a:r>
@@ -3946,9 +3880,7 @@
       <p:sp>
         <p:nvSpPr>
           <p:cNvPr id="91" name="Slide Number"/>
-          <p:cNvSpPr txBox="1">
-            <a:spLocks noGrp="1"/>
-          </p:cNvSpPr>
+          <p:cNvSpPr txBox="1"/>
           <p:nvPr>
             <p:ph type="sldNum" sz="quarter" idx="2"/>
           </p:nvPr>
@@ -3966,10 +3898,8 @@
           <a:bodyPr/>
           <a:lstStyle/>
           <a:p>
-            <a:fld id="{86CB4B4D-7CA3-9044-876B-883B54F8677D}" type="slidenum">
-              <a:t>‹#›</a:t>
-            </a:fld>
-            <a:endParaRPr/>
+            <a:pPr/>
+            <a:fld id="{86CB4B4D-7CA3-9044-876B-883B54F8677D}" type="slidenum"/>
           </a:p>
         </p:txBody>
       </p:sp>
@@ -3978,19 +3908,18 @@
   <p:clrMapOvr>
     <a:masterClrMapping/>
   </p:clrMapOvr>
-  <p:transition spd="med"/>
+  <p:transition xmlns:p14="http://schemas.microsoft.com/office/powerpoint/2010/main" spd="med" advClick="1"/>
 </p:sldLayout>
 </file>
 
 <file path=ppt/slideMasters/slideMaster1.xml><?xml version="1.0" encoding="utf-8"?>
-<p:sldMaster xmlns:a="http://schemas.openxmlformats.org/drawingml/2006/main" xmlns:r="http://schemas.openxmlformats.org/officeDocument/2006/relationships" xmlns:p="http://schemas.openxmlformats.org/presentationml/2006/main">
+<p:sldMaster xmlns:a="http://schemas.openxmlformats.org/drawingml/2006/main" xmlns:r="http://schemas.openxmlformats.org/officeDocument/2006/relationships" xmlns:p="http://schemas.openxmlformats.org/presentationml/2006/main" xmlns:m="http://schemas.openxmlformats.org/officeDocument/2006/math" xmlns:a14="http://schemas.microsoft.com/office/drawing/2010/main">
   <p:cSld>
     <p:bg>
       <p:bgPr>
         <a:solidFill>
           <a:srgbClr val="FFFFFF"/>
         </a:solidFill>
-        <a:effectLst/>
       </p:bgPr>
     </p:bg>
     <p:spTree>
@@ -4010,9 +3939,7 @@
       <p:sp>
         <p:nvSpPr>
           <p:cNvPr id="2" name="Slide Title"/>
-          <p:cNvSpPr txBox="1">
-            <a:spLocks noGrp="1"/>
-          </p:cNvSpPr>
+          <p:cNvSpPr txBox="1"/>
           <p:nvPr>
             <p:ph type="title" hasCustomPrompt="1"/>
           </p:nvPr>
@@ -4030,16 +3957,17 @@
           </a:ln>
           <a:extLst>
             <a:ext uri="{C572A759-6A51-4108-AA02-DFA0A04FC94B}">
-              <ma14:wrappingTextBoxFlag xmlns:ma14="http://schemas.microsoft.com/office/mac/drawingml/2011/main" xmlns:a14="http://schemas.microsoft.com/office/drawing/2010/main" xmlns:m="http://schemas.openxmlformats.org/officeDocument/2006/math" xmlns="" val="1"/>
+              <ma14:wrappingTextBoxFlag xmlns:ma14="http://schemas.microsoft.com/office/mac/drawingml/2011/main" val="1"/>
             </a:ext>
           </a:extLst>
         </p:spPr>
         <p:txBody>
           <a:bodyPr lIns="50800" tIns="50800" rIns="50800" bIns="50800">
-            <a:normAutofit/>
+            <a:normAutofit fontScale="100000" lnSpcReduction="0"/>
           </a:bodyPr>
           <a:lstStyle/>
           <a:p>
+            <a:pPr/>
             <a:r>
               <a:t>Slide Title</a:t>
             </a:r>
@@ -4049,9 +3977,7 @@
       <p:sp>
         <p:nvSpPr>
           <p:cNvPr id="3" name="Body Level One…"/>
-          <p:cNvSpPr txBox="1">
-            <a:spLocks noGrp="1"/>
-          </p:cNvSpPr>
+          <p:cNvSpPr txBox="1"/>
           <p:nvPr>
             <p:ph type="body" idx="1" hasCustomPrompt="1"/>
           </p:nvPr>
@@ -4069,44 +3995,51 @@
           </a:ln>
           <a:extLst>
             <a:ext uri="{C572A759-6A51-4108-AA02-DFA0A04FC94B}">
-              <ma14:wrappingTextBoxFlag xmlns:ma14="http://schemas.microsoft.com/office/mac/drawingml/2011/main" xmlns:a14="http://schemas.microsoft.com/office/drawing/2010/main" xmlns:m="http://schemas.openxmlformats.org/officeDocument/2006/math" xmlns="" val="1"/>
+              <ma14:wrappingTextBoxFlag xmlns:ma14="http://schemas.microsoft.com/office/mac/drawingml/2011/main" val="1"/>
             </a:ext>
           </a:extLst>
         </p:spPr>
         <p:txBody>
           <a:bodyPr lIns="50800" tIns="50800" rIns="50800" bIns="50800">
-            <a:normAutofit/>
+            <a:normAutofit fontScale="100000" lnSpcReduction="0"/>
           </a:bodyPr>
           <a:lstStyle/>
           <a:p>
+            <a:pPr/>
             <a:r>
               <a:t>Slide bullet text</a:t>
             </a:r>
           </a:p>
           <a:p>
             <a:pPr lvl="1"/>
-            <a:endParaRPr/>
+            <a:r>
+              <a:t/>
+            </a:r>
           </a:p>
           <a:p>
             <a:pPr lvl="2"/>
-            <a:endParaRPr/>
+            <a:r>
+              <a:t/>
+            </a:r>
           </a:p>
           <a:p>
             <a:pPr lvl="3"/>
-            <a:endParaRPr/>
+            <a:r>
+              <a:t/>
+            </a:r>
           </a:p>
           <a:p>
             <a:pPr lvl="4"/>
-            <a:endParaRPr/>
+            <a:r>
+              <a:t/>
+            </a:r>
           </a:p>
         </p:txBody>
       </p:sp>
       <p:sp>
         <p:nvSpPr>
           <p:cNvPr id="4" name="Slide Number"/>
-          <p:cNvSpPr txBox="1">
-            <a:spLocks noGrp="1"/>
-          </p:cNvSpPr>
+          <p:cNvSpPr txBox="1"/>
           <p:nvPr>
             <p:ph type="sldNum" sz="quarter" idx="2"/>
           </p:nvPr>
@@ -4144,10 +4077,8 @@
             </a:lvl1pPr>
           </a:lstStyle>
           <a:p>
-            <a:fld id="{86CB4B4D-7CA3-9044-876B-883B54F8677D}" type="slidenum">
-              <a:t>‹#›</a:t>
-            </a:fld>
-            <a:endParaRPr/>
+            <a:pPr/>
+            <a:fld id="{86CB4B4D-7CA3-9044-876B-883B54F8677D}" type="slidenum"/>
           </a:p>
         </p:txBody>
       </p:sp>
@@ -4155,23 +4086,23 @@
   </p:cSld>
   <p:clrMap bg1="lt1" tx1="dk1" bg2="lt2" tx2="dk2" accent1="accent1" accent2="accent2" accent3="accent3" accent4="accent4" accent5="accent5" accent6="accent6" hlink="hlink" folHlink="folHlink"/>
   <p:sldLayoutIdLst>
-    <p:sldLayoutId id="2147483649" r:id="rId1"/>
-    <p:sldLayoutId id="2147483650" r:id="rId2"/>
-    <p:sldLayoutId id="2147483651" r:id="rId3"/>
-    <p:sldLayoutId id="2147483652" r:id="rId4"/>
-    <p:sldLayoutId id="2147483653" r:id="rId5"/>
-    <p:sldLayoutId id="2147483654" r:id="rId6"/>
-    <p:sldLayoutId id="2147483655" r:id="rId7"/>
-    <p:sldLayoutId id="2147483656" r:id="rId8"/>
-    <p:sldLayoutId id="2147483657" r:id="rId9"/>
-    <p:sldLayoutId id="2147483658" r:id="rId10"/>
-    <p:sldLayoutId id="2147483659" r:id="rId11"/>
-    <p:sldLayoutId id="2147483660" r:id="rId12"/>
-    <p:sldLayoutId id="2147483661" r:id="rId13"/>
-    <p:sldLayoutId id="2147483662" r:id="rId14"/>
-    <p:sldLayoutId id="2147483663" r:id="rId15"/>
+    <p:sldLayoutId id="2147483649" r:id="rId2"/>
+    <p:sldLayoutId id="2147483650" r:id="rId3"/>
+    <p:sldLayoutId id="2147483651" r:id="rId4"/>
+    <p:sldLayoutId id="2147483652" r:id="rId5"/>
+    <p:sldLayoutId id="2147483653" r:id="rId6"/>
+    <p:sldLayoutId id="2147483654" r:id="rId7"/>
+    <p:sldLayoutId id="2147483655" r:id="rId8"/>
+    <p:sldLayoutId id="2147483656" r:id="rId9"/>
+    <p:sldLayoutId id="2147483657" r:id="rId10"/>
+    <p:sldLayoutId id="2147483658" r:id="rId11"/>
+    <p:sldLayoutId id="2147483659" r:id="rId12"/>
+    <p:sldLayoutId id="2147483660" r:id="rId13"/>
+    <p:sldLayoutId id="2147483661" r:id="rId14"/>
+    <p:sldLayoutId id="2147483662" r:id="rId15"/>
+    <p:sldLayoutId id="2147483663" r:id="rId16"/>
   </p:sldLayoutIdLst>
-  <p:transition spd="med"/>
+  <p:transition xmlns:p14="http://schemas.microsoft.com/office/powerpoint/2010/main" spd="med" advClick="1"/>
   <p:txStyles>
     <p:titleStyle>
       <a:lvl1pPr marL="0" marR="0" indent="0" algn="ctr" defTabSz="2438400" rtl="0" latinLnBrk="0">
@@ -4189,7 +4120,7 @@
         <a:buFontTx/>
         <a:buNone/>
         <a:tabLst/>
-        <a:defRPr sz="8400" b="0" i="0" u="none" strike="noStrike" cap="none" spc="-84" baseline="0">
+        <a:defRPr b="0" baseline="0" cap="none" i="0" spc="-84" strike="noStrike" sz="8400" u="none">
           <a:solidFill>
             <a:srgbClr val="000000"/>
           </a:solidFill>
@@ -4215,7 +4146,7 @@
         <a:buFontTx/>
         <a:buNone/>
         <a:tabLst/>
-        <a:defRPr sz="8400" b="0" i="0" u="none" strike="noStrike" cap="none" spc="-84" baseline="0">
+        <a:defRPr b="0" baseline="0" cap="none" i="0" spc="-84" strike="noStrike" sz="8400" u="none">
           <a:solidFill>
             <a:srgbClr val="000000"/>
           </a:solidFill>
@@ -4241,7 +4172,7 @@
         <a:buFontTx/>
         <a:buNone/>
         <a:tabLst/>
-        <a:defRPr sz="8400" b="0" i="0" u="none" strike="noStrike" cap="none" spc="-84" baseline="0">
+        <a:defRPr b="0" baseline="0" cap="none" i="0" spc="-84" strike="noStrike" sz="8400" u="none">
           <a:solidFill>
             <a:srgbClr val="000000"/>
           </a:solidFill>
@@ -4267,7 +4198,7 @@
         <a:buFontTx/>
         <a:buNone/>
         <a:tabLst/>
-        <a:defRPr sz="8400" b="0" i="0" u="none" strike="noStrike" cap="none" spc="-84" baseline="0">
+        <a:defRPr b="0" baseline="0" cap="none" i="0" spc="-84" strike="noStrike" sz="8400" u="none">
           <a:solidFill>
             <a:srgbClr val="000000"/>
           </a:solidFill>
@@ -4293,7 +4224,7 @@
         <a:buFontTx/>
         <a:buNone/>
         <a:tabLst/>
-        <a:defRPr sz="8400" b="0" i="0" u="none" strike="noStrike" cap="none" spc="-84" baseline="0">
+        <a:defRPr b="0" baseline="0" cap="none" i="0" spc="-84" strike="noStrike" sz="8400" u="none">
           <a:solidFill>
             <a:srgbClr val="000000"/>
           </a:solidFill>
@@ -4319,7 +4250,7 @@
         <a:buFontTx/>
         <a:buNone/>
         <a:tabLst/>
-        <a:defRPr sz="8400" b="0" i="0" u="none" strike="noStrike" cap="none" spc="-84" baseline="0">
+        <a:defRPr b="0" baseline="0" cap="none" i="0" spc="-84" strike="noStrike" sz="8400" u="none">
           <a:solidFill>
             <a:srgbClr val="000000"/>
           </a:solidFill>
@@ -4345,7 +4276,7 @@
         <a:buFontTx/>
         <a:buNone/>
         <a:tabLst/>
-        <a:defRPr sz="8400" b="0" i="0" u="none" strike="noStrike" cap="none" spc="-84" baseline="0">
+        <a:defRPr b="0" baseline="0" cap="none" i="0" spc="-84" strike="noStrike" sz="8400" u="none">
           <a:solidFill>
             <a:srgbClr val="000000"/>
           </a:solidFill>
@@ -4371,7 +4302,7 @@
         <a:buFontTx/>
         <a:buNone/>
         <a:tabLst/>
-        <a:defRPr sz="8400" b="0" i="0" u="none" strike="noStrike" cap="none" spc="-84" baseline="0">
+        <a:defRPr b="0" baseline="0" cap="none" i="0" spc="-84" strike="noStrike" sz="8400" u="none">
           <a:solidFill>
             <a:srgbClr val="000000"/>
           </a:solidFill>
@@ -4397,7 +4328,7 @@
         <a:buFontTx/>
         <a:buNone/>
         <a:tabLst/>
-        <a:defRPr sz="8400" b="0" i="0" u="none" strike="noStrike" cap="none" spc="-84" baseline="0">
+        <a:defRPr b="0" baseline="0" cap="none" i="0" spc="-84" strike="noStrike" sz="8400" u="none">
           <a:solidFill>
             <a:srgbClr val="000000"/>
           </a:solidFill>
@@ -4425,7 +4356,7 @@
         <a:buFontTx/>
         <a:buChar char="•"/>
         <a:tabLst/>
-        <a:defRPr sz="4400" b="0" i="0" u="none" strike="noStrike" cap="none" spc="0" baseline="0">
+        <a:defRPr b="0" baseline="0" cap="none" i="0" spc="0" strike="noStrike" sz="4400" u="none">
           <a:solidFill>
             <a:srgbClr val="000000"/>
           </a:solidFill>
@@ -4451,7 +4382,7 @@
         <a:buFontTx/>
         <a:buChar char="•"/>
         <a:tabLst/>
-        <a:defRPr sz="4400" b="0" i="0" u="none" strike="noStrike" cap="none" spc="0" baseline="0">
+        <a:defRPr b="0" baseline="0" cap="none" i="0" spc="0" strike="noStrike" sz="4400" u="none">
           <a:solidFill>
             <a:srgbClr val="000000"/>
           </a:solidFill>
@@ -4477,7 +4408,7 @@
         <a:buFontTx/>
         <a:buChar char="•"/>
         <a:tabLst/>
-        <a:defRPr sz="4400" b="0" i="0" u="none" strike="noStrike" cap="none" spc="0" baseline="0">
+        <a:defRPr b="0" baseline="0" cap="none" i="0" spc="0" strike="noStrike" sz="4400" u="none">
           <a:solidFill>
             <a:srgbClr val="000000"/>
           </a:solidFill>
@@ -4503,7 +4434,7 @@
         <a:buFontTx/>
         <a:buChar char="•"/>
         <a:tabLst/>
-        <a:defRPr sz="4400" b="0" i="0" u="none" strike="noStrike" cap="none" spc="0" baseline="0">
+        <a:defRPr b="0" baseline="0" cap="none" i="0" spc="0" strike="noStrike" sz="4400" u="none">
           <a:solidFill>
             <a:srgbClr val="000000"/>
           </a:solidFill>
@@ -4529,7 +4460,7 @@
         <a:buFontTx/>
         <a:buChar char="•"/>
         <a:tabLst/>
-        <a:defRPr sz="4400" b="0" i="0" u="none" strike="noStrike" cap="none" spc="0" baseline="0">
+        <a:defRPr b="0" baseline="0" cap="none" i="0" spc="0" strike="noStrike" sz="4400" u="none">
           <a:solidFill>
             <a:srgbClr val="000000"/>
           </a:solidFill>
@@ -4555,7 +4486,7 @@
         <a:buFontTx/>
         <a:buChar char="•"/>
         <a:tabLst/>
-        <a:defRPr sz="4400" b="0" i="0" u="none" strike="noStrike" cap="none" spc="0" baseline="0">
+        <a:defRPr b="0" baseline="0" cap="none" i="0" spc="0" strike="noStrike" sz="4400" u="none">
           <a:solidFill>
             <a:srgbClr val="000000"/>
           </a:solidFill>
@@ -4581,7 +4512,7 @@
         <a:buFontTx/>
         <a:buChar char="•"/>
         <a:tabLst/>
-        <a:defRPr sz="4400" b="0" i="0" u="none" strike="noStrike" cap="none" spc="0" baseline="0">
+        <a:defRPr b="0" baseline="0" cap="none" i="0" spc="0" strike="noStrike" sz="4400" u="none">
           <a:solidFill>
             <a:srgbClr val="000000"/>
           </a:solidFill>
@@ -4607,7 +4538,7 @@
         <a:buFontTx/>
         <a:buChar char="•"/>
         <a:tabLst/>
-        <a:defRPr sz="4400" b="0" i="0" u="none" strike="noStrike" cap="none" spc="0" baseline="0">
+        <a:defRPr b="0" baseline="0" cap="none" i="0" spc="0" strike="noStrike" sz="4400" u="none">
           <a:solidFill>
             <a:srgbClr val="000000"/>
           </a:solidFill>
@@ -4633,7 +4564,7 @@
         <a:buFontTx/>
         <a:buChar char="•"/>
         <a:tabLst/>
-        <a:defRPr sz="4400" b="0" i="0" u="none" strike="noStrike" cap="none" spc="0" baseline="0">
+        <a:defRPr b="0" baseline="0" cap="none" i="0" spc="0" strike="noStrike" sz="4400" u="none">
           <a:solidFill>
             <a:srgbClr val="000000"/>
           </a:solidFill>
@@ -4661,7 +4592,7 @@
         <a:buFontTx/>
         <a:buNone/>
         <a:tabLst/>
-        <a:defRPr sz="2000" b="0" i="0" u="none" strike="noStrike" cap="none" spc="0" baseline="0">
+        <a:defRPr b="0" baseline="0" cap="none" i="0" spc="0" strike="noStrike" sz="2000" u="none">
           <a:solidFill>
             <a:schemeClr val="tx1"/>
           </a:solidFill>
@@ -4687,7 +4618,7 @@
         <a:buFontTx/>
         <a:buNone/>
         <a:tabLst/>
-        <a:defRPr sz="2000" b="0" i="0" u="none" strike="noStrike" cap="none" spc="0" baseline="0">
+        <a:defRPr b="0" baseline="0" cap="none" i="0" spc="0" strike="noStrike" sz="2000" u="none">
           <a:solidFill>
             <a:schemeClr val="tx1"/>
           </a:solidFill>
@@ -4713,7 +4644,7 @@
         <a:buFontTx/>
         <a:buNone/>
         <a:tabLst/>
-        <a:defRPr sz="2000" b="0" i="0" u="none" strike="noStrike" cap="none" spc="0" baseline="0">
+        <a:defRPr b="0" baseline="0" cap="none" i="0" spc="0" strike="noStrike" sz="2000" u="none">
           <a:solidFill>
             <a:schemeClr val="tx1"/>
           </a:solidFill>
@@ -4739,7 +4670,7 @@
         <a:buFontTx/>
         <a:buNone/>
         <a:tabLst/>
-        <a:defRPr sz="2000" b="0" i="0" u="none" strike="noStrike" cap="none" spc="0" baseline="0">
+        <a:defRPr b="0" baseline="0" cap="none" i="0" spc="0" strike="noStrike" sz="2000" u="none">
           <a:solidFill>
             <a:schemeClr val="tx1"/>
           </a:solidFill>
@@ -4765,7 +4696,7 @@
         <a:buFontTx/>
         <a:buNone/>
         <a:tabLst/>
-        <a:defRPr sz="2000" b="0" i="0" u="none" strike="noStrike" cap="none" spc="0" baseline="0">
+        <a:defRPr b="0" baseline="0" cap="none" i="0" spc="0" strike="noStrike" sz="2000" u="none">
           <a:solidFill>
             <a:schemeClr val="tx1"/>
           </a:solidFill>
@@ -4791,7 +4722,7 @@
         <a:buFontTx/>
         <a:buNone/>
         <a:tabLst/>
-        <a:defRPr sz="2000" b="0" i="0" u="none" strike="noStrike" cap="none" spc="0" baseline="0">
+        <a:defRPr b="0" baseline="0" cap="none" i="0" spc="0" strike="noStrike" sz="2000" u="none">
           <a:solidFill>
             <a:schemeClr val="tx1"/>
           </a:solidFill>
@@ -4817,7 +4748,7 @@
         <a:buFontTx/>
         <a:buNone/>
         <a:tabLst/>
-        <a:defRPr sz="2000" b="0" i="0" u="none" strike="noStrike" cap="none" spc="0" baseline="0">
+        <a:defRPr b="0" baseline="0" cap="none" i="0" spc="0" strike="noStrike" sz="2000" u="none">
           <a:solidFill>
             <a:schemeClr val="tx1"/>
           </a:solidFill>
@@ -4843,7 +4774,7 @@
         <a:buFontTx/>
         <a:buNone/>
         <a:tabLst/>
-        <a:defRPr sz="2000" b="0" i="0" u="none" strike="noStrike" cap="none" spc="0" baseline="0">
+        <a:defRPr b="0" baseline="0" cap="none" i="0" spc="0" strike="noStrike" sz="2000" u="none">
           <a:solidFill>
             <a:schemeClr val="tx1"/>
           </a:solidFill>
@@ -4869,7 +4800,7 @@
         <a:buFontTx/>
         <a:buNone/>
         <a:tabLst/>
-        <a:defRPr sz="2000" b="0" i="0" u="none" strike="noStrike" cap="none" spc="0" baseline="0">
+        <a:defRPr b="0" baseline="0" cap="none" i="0" spc="0" strike="noStrike" sz="2000" u="none">
           <a:solidFill>
             <a:schemeClr val="tx1"/>
           </a:solidFill>
@@ -4886,7 +4817,7 @@
 </file>
 
 <file path=ppt/slides/slide1.xml><?xml version="1.0" encoding="utf-8"?>
-<p:sld xmlns:a="http://schemas.openxmlformats.org/drawingml/2006/main" xmlns:r="http://schemas.openxmlformats.org/officeDocument/2006/relationships" xmlns:p="http://schemas.openxmlformats.org/presentationml/2006/main">
+<p:sld xmlns:a="http://schemas.openxmlformats.org/drawingml/2006/main" xmlns:r="http://schemas.openxmlformats.org/officeDocument/2006/relationships" xmlns:p="http://schemas.openxmlformats.org/presentationml/2006/main" xmlns:m="http://schemas.openxmlformats.org/officeDocument/2006/math" xmlns:a14="http://schemas.microsoft.com/office/drawing/2010/main" showMasterSp="1" showMasterPhAnim="1">
   <p:cSld>
     <p:spTree>
       <p:nvGrpSpPr>
@@ -4904,10 +4835,29 @@
       </p:grpSpPr>
       <p:sp>
         <p:nvSpPr>
-          <p:cNvPr id="151" name="The Witcher"/>
-          <p:cNvSpPr txBox="1">
-            <a:spLocks noGrp="1"/>
-          </p:cNvSpPr>
+          <p:cNvPr id="151" name="Author and Date"/>
+          <p:cNvSpPr txBox="1"/>
+          <p:nvPr>
+            <p:ph type="body" idx="21"/>
+          </p:nvPr>
+        </p:nvSpPr>
+        <p:spPr>
+          <a:prstGeom prst="rect">
+            <a:avLst/>
+          </a:prstGeom>
+        </p:spPr>
+        <p:txBody>
+          <a:bodyPr/>
+          <a:lstStyle/>
+          <a:p>
+            <a:pPr/>
+          </a:p>
+        </p:txBody>
+      </p:sp>
+      <p:sp>
+        <p:nvSpPr>
+          <p:cNvPr id="152" name="The Witcher"/>
+          <p:cNvSpPr txBox="1"/>
           <p:nvPr>
             <p:ph type="ctrTitle"/>
           </p:nvPr>
@@ -4921,6 +4871,7 @@
           <a:bodyPr/>
           <a:lstStyle/>
           <a:p>
+            <a:pPr/>
             <a:r>
               <a:t>The Witcher</a:t>
             </a:r>
@@ -4929,10 +4880,8 @@
       </p:sp>
       <p:sp>
         <p:nvSpPr>
-          <p:cNvPr id="152" name="Jake Guerrero"/>
-          <p:cNvSpPr txBox="1">
-            <a:spLocks noGrp="1"/>
-          </p:cNvSpPr>
+          <p:cNvPr id="153" name="Jake Guerrero"/>
+          <p:cNvSpPr txBox="1"/>
           <p:nvPr>
             <p:ph type="subTitle" sz="quarter" idx="1"/>
           </p:nvPr>
@@ -4946,6 +4895,7 @@
           <a:bodyPr/>
           <a:lstStyle/>
           <a:p>
+            <a:pPr/>
             <a:r>
               <a:t>Jake Guerrero</a:t>
             </a:r>
@@ -4957,12 +4907,12 @@
   <p:clrMapOvr>
     <a:masterClrMapping/>
   </p:clrMapOvr>
-  <p:transition spd="med"/>
+  <p:transition xmlns:p14="http://schemas.microsoft.com/office/powerpoint/2010/main" spd="med" advClick="1"/>
 </p:sld>
 </file>
 
 <file path=ppt/slides/slide2.xml><?xml version="1.0" encoding="utf-8"?>
-<p:sld xmlns:a="http://schemas.openxmlformats.org/drawingml/2006/main" xmlns:r="http://schemas.openxmlformats.org/officeDocument/2006/relationships" xmlns:p="http://schemas.openxmlformats.org/presentationml/2006/main">
+<p:sld xmlns:a="http://schemas.openxmlformats.org/drawingml/2006/main" xmlns:r="http://schemas.openxmlformats.org/officeDocument/2006/relationships" xmlns:p="http://schemas.openxmlformats.org/presentationml/2006/main" xmlns:m="http://schemas.openxmlformats.org/officeDocument/2006/math" xmlns:a14="http://schemas.microsoft.com/office/drawing/2010/main" showMasterSp="1" showMasterPhAnim="1">
   <p:cSld>
     <p:spTree>
       <p:nvGrpSpPr>
@@ -4980,10 +4930,8 @@
       </p:grpSpPr>
       <p:sp>
         <p:nvSpPr>
-          <p:cNvPr id="154" name="What is the Witcher?"/>
-          <p:cNvSpPr txBox="1">
-            <a:spLocks noGrp="1"/>
-          </p:cNvSpPr>
+          <p:cNvPr id="155" name="What is the Witcher?"/>
+          <p:cNvSpPr txBox="1"/>
           <p:nvPr>
             <p:ph type="title"/>
           </p:nvPr>
@@ -4997,6 +4945,7 @@
           <a:bodyPr/>
           <a:lstStyle/>
           <a:p>
+            <a:pPr/>
             <a:r>
               <a:t>What is the Witcher?</a:t>
             </a:r>
@@ -5005,10 +4954,8 @@
       </p:sp>
       <p:sp>
         <p:nvSpPr>
-          <p:cNvPr id="155" name="“The Witcher” is a book, game, and Netflix tv series. A Witcher is mainly work of men, who were either orphaned or given to a school, to train to kill monsters from a young age. The training is rigorous, studying to kill monsters, even humans, elves, and"/>
-          <p:cNvSpPr txBox="1">
-            <a:spLocks noGrp="1"/>
-          </p:cNvSpPr>
+          <p:cNvPr id="156" name="“The Witcher” is a book, game, and Netflix tv series. A Witcher is a super soldier, who was either orphaned or given to a school, to train to kill monsters from a young age. The training is rigorous, studying to kill monsters, even humans, elves, and dwa"/>
+          <p:cNvSpPr txBox="1"/>
           <p:nvPr>
             <p:ph type="body" sz="half" idx="1"/>
           </p:nvPr>
@@ -5025,30 +4972,33 @@
         <p:txBody>
           <a:bodyPr/>
           <a:lstStyle>
-            <a:lvl1pPr marL="529717" indent="-529717" defTabSz="2365188">
+            <a:lvl1pPr marL="524255" indent="-524255" defTabSz="2340805">
               <a:spcBef>
                 <a:spcPts val="2300"/>
               </a:spcBef>
-              <a:defRPr sz="4268"/>
+              <a:defRPr sz="4224"/>
             </a:lvl1pPr>
           </a:lstStyle>
           <a:p>
-            <a:r>
-              <a:t>“The Witcher” is a book, game, and Netflix tv series. A Witcher is mainly work of men, who were either orphaned or given to a school, to train to kill monsters from a young age. The training is rigorous, studying to kill monsters, even humans, elves, and dwarves. The training of these Witchers leaves only 3 out of 10 people to live through the training. The books, games, and Netflix show follows four characters: a mage named Yennifer of Vengerberg, a princess Ciri of Cintra, a bard named Dandelion or Jaskier depending on the source, and a Witcher named Gerald of Rivia.</a:t>
+            <a:pPr/>
+            <a:r>
+              <a:t>“The Witcher” is a book, game, and Netflix tv series. A Witcher is a super soldier, who was either orphaned or given to a school, to train to kill monsters from a young age. The training is rigorous, studying to kill monsters, even humans, elves, and dwarves. The training of these Witchers leaves only 3 out of 10 people to live through the training. The books, games, and Netflix show follows four characters: a mage named Yennifer of Vengerberg, a princess named Ciri of Cintra, a bard named Dandelion or Jaskier depending on the source, and the Witcher named Geralt of Rivia.</a:t>
             </a:r>
           </a:p>
         </p:txBody>
       </p:sp>
       <p:pic>
         <p:nvPicPr>
-          <p:cNvPr id="156" name="Image" descr="Image"/>
+          <p:cNvPr id="157" name="Image" descr="Image"/>
           <p:cNvPicPr>
             <a:picLocks noChangeAspect="1"/>
           </p:cNvPicPr>
           <p:nvPr/>
         </p:nvPicPr>
         <p:blipFill>
-          <a:blip r:embed="rId2"/>
+          <a:blip r:embed="rId2">
+            <a:extLst/>
+          </a:blip>
           <a:stretch>
             <a:fillRect/>
           </a:stretch>
@@ -5071,12 +5021,12 @@
   <p:clrMapOvr>
     <a:masterClrMapping/>
   </p:clrMapOvr>
-  <p:transition spd="med"/>
+  <p:transition xmlns:p14="http://schemas.microsoft.com/office/powerpoint/2010/main" spd="med" advClick="1"/>
 </p:sld>
 </file>
 
 <file path=ppt/slides/slide3.xml><?xml version="1.0" encoding="utf-8"?>
-<p:sld xmlns:a="http://schemas.openxmlformats.org/drawingml/2006/main" xmlns:r="http://schemas.openxmlformats.org/officeDocument/2006/relationships" xmlns:p="http://schemas.openxmlformats.org/presentationml/2006/main">
+<p:sld xmlns:a="http://schemas.openxmlformats.org/drawingml/2006/main" xmlns:r="http://schemas.openxmlformats.org/officeDocument/2006/relationships" xmlns:p="http://schemas.openxmlformats.org/presentationml/2006/main" xmlns:m="http://schemas.openxmlformats.org/officeDocument/2006/math" xmlns:a14="http://schemas.microsoft.com/office/drawing/2010/main" showMasterSp="1" showMasterPhAnim="1">
   <p:cSld>
     <p:spTree>
       <p:nvGrpSpPr>
@@ -5094,10 +5044,8 @@
       </p:grpSpPr>
       <p:sp>
         <p:nvSpPr>
-          <p:cNvPr id="158" name="Show Views"/>
-          <p:cNvSpPr txBox="1">
-            <a:spLocks noGrp="1"/>
-          </p:cNvSpPr>
+          <p:cNvPr id="159" name="Show Views"/>
+          <p:cNvSpPr txBox="1"/>
           <p:nvPr>
             <p:ph type="title"/>
           </p:nvPr>
@@ -5111,6 +5059,7 @@
           <a:bodyPr/>
           <a:lstStyle/>
           <a:p>
+            <a:pPr/>
             <a:r>
               <a:t>Show Views</a:t>
             </a:r>
@@ -5119,34 +5068,32 @@
       </p:sp>
       <p:graphicFrame>
         <p:nvGraphicFramePr>
-          <p:cNvPr id="159" name="2D Column Chart"/>
+          <p:cNvPr id="160" name="2D Column Chart"/>
           <p:cNvGraphicFramePr/>
           <p:nvPr/>
         </p:nvGraphicFramePr>
         <p:xfrm>
-          <a:off x="537671" y="2566696"/>
-          <a:ext cx="11616526" cy="10171801"/>
+          <a:off x="1369394" y="2566696"/>
+          <a:ext cx="10851020" cy="10141626"/>
         </p:xfrm>
-        <a:graphic>
+        <a:graphic xmlns:a="http://schemas.openxmlformats.org/drawingml/2006/main">
           <a:graphicData uri="http://schemas.openxmlformats.org/drawingml/2006/chart">
-            <c:chart xmlns:c="http://schemas.openxmlformats.org/drawingml/2006/chart" xmlns:r="http://schemas.openxmlformats.org/officeDocument/2006/relationships" r:id="rId2"/>
+            <c:chart xmlns:c="http://schemas.openxmlformats.org/drawingml/2006/chart" r:id="rId2"/>
           </a:graphicData>
         </a:graphic>
       </p:graphicFrame>
       <p:sp>
         <p:nvSpPr>
-          <p:cNvPr id="160" name="The show, in millions, brought a lot of attention when Netflix adapted the books and video games. Season 1 of the show brought over 501 million views during December holidays of 2019. When season 2 dropped during the December holidays 2021, the show 462."/>
-          <p:cNvSpPr txBox="1">
-            <a:spLocks noGrp="1"/>
-          </p:cNvSpPr>
+          <p:cNvPr id="161" name="The show, in millions, brought a lot of attention when Netflix adapted the books and video games. Season 1 of the show brought over 501 million views during December holidays of 2019. When season 2 dropped during the December holidays 2021, the show 462."/>
+          <p:cNvSpPr txBox="1"/>
           <p:nvPr>
             <p:ph type="body" sz="half" idx="4294967295"/>
           </p:nvPr>
         </p:nvSpPr>
         <p:spPr>
           <a:xfrm>
-            <a:off x="12779298" y="2602349"/>
-            <a:ext cx="10388479" cy="9894451"/>
+            <a:off x="12383204" y="2602349"/>
+            <a:ext cx="10784573" cy="9894451"/>
           </a:xfrm>
           <a:prstGeom prst="rect">
             <a:avLst/>
@@ -5156,8 +5103,8 @@
           <a:bodyPr/>
           <a:lstStyle/>
           <a:p>
-            <a:r>
-              <a:rPr dirty="0"/>
+            <a:pPr/>
+            <a:r>
               <a:t>The show, in millions, brought a lot of attention when Netflix adapted the books and video games. Season 1 of the show brought over 501 million views during December holidays of 2019. When season 2 dropped during the December holidays 2021, the show 462.5 million after release. In the span of three to four days with season 3 coming out of June 2023, the Witcher brought about 66.5 million views.</a:t>
             </a:r>
           </a:p>
@@ -5168,12 +5115,12 @@
   <p:clrMapOvr>
     <a:masterClrMapping/>
   </p:clrMapOvr>
-  <p:transition spd="med"/>
+  <p:transition xmlns:p14="http://schemas.microsoft.com/office/powerpoint/2010/main" spd="med" advClick="1"/>
 </p:sld>
 </file>
 
 <file path=ppt/slides/slide4.xml><?xml version="1.0" encoding="utf-8"?>
-<p:sld xmlns:a="http://schemas.openxmlformats.org/drawingml/2006/main" xmlns:r="http://schemas.openxmlformats.org/officeDocument/2006/relationships" xmlns:p="http://schemas.openxmlformats.org/presentationml/2006/main">
+<p:sld xmlns:a="http://schemas.openxmlformats.org/drawingml/2006/main" xmlns:r="http://schemas.openxmlformats.org/officeDocument/2006/relationships" xmlns:p="http://schemas.openxmlformats.org/presentationml/2006/main" xmlns:m="http://schemas.openxmlformats.org/officeDocument/2006/math" xmlns:a14="http://schemas.microsoft.com/office/drawing/2010/main" showMasterSp="1" showMasterPhAnim="1">
   <p:cSld>
     <p:spTree>
       <p:nvGrpSpPr>
@@ -5191,10 +5138,8 @@
       </p:grpSpPr>
       <p:sp>
         <p:nvSpPr>
-          <p:cNvPr id="162" name="Book Sales"/>
-          <p:cNvSpPr txBox="1">
-            <a:spLocks noGrp="1"/>
-          </p:cNvSpPr>
+          <p:cNvPr id="163" name="Book Sales"/>
+          <p:cNvSpPr txBox="1"/>
           <p:nvPr>
             <p:ph type="title"/>
           </p:nvPr>
@@ -5208,6 +5153,7 @@
           <a:bodyPr/>
           <a:lstStyle/>
           <a:p>
+            <a:pPr/>
             <a:r>
               <a:t>Book Sales</a:t>
             </a:r>
@@ -5216,32 +5162,24 @@
       </p:sp>
       <p:graphicFrame>
         <p:nvGraphicFramePr>
-          <p:cNvPr id="163" name="2D Column Chart"/>
+          <p:cNvPr id="164" name="2D Column Chart"/>
           <p:cNvGraphicFramePr/>
-          <p:nvPr>
-            <p:extLst>
-              <p:ext uri="{D42A27DB-BD31-4B8C-83A1-F6EECF244321}">
-                <p14:modId xmlns:p14="http://schemas.microsoft.com/office/powerpoint/2010/main" val="675852098"/>
-              </p:ext>
-            </p:extLst>
-          </p:nvPr>
+          <p:nvPr/>
         </p:nvGraphicFramePr>
         <p:xfrm>
-          <a:off x="403038" y="3977215"/>
-          <a:ext cx="9911262" cy="7919839"/>
+          <a:off x="766410" y="4055771"/>
+          <a:ext cx="9196327" cy="7840644"/>
         </p:xfrm>
-        <a:graphic>
+        <a:graphic xmlns:a="http://schemas.openxmlformats.org/drawingml/2006/main">
           <a:graphicData uri="http://schemas.openxmlformats.org/drawingml/2006/chart">
-            <c:chart xmlns:c="http://schemas.openxmlformats.org/drawingml/2006/chart" xmlns:r="http://schemas.openxmlformats.org/officeDocument/2006/relationships" r:id="rId2"/>
+            <c:chart xmlns:c="http://schemas.openxmlformats.org/drawingml/2006/chart" r:id="rId2"/>
           </a:graphicData>
         </a:graphic>
       </p:graphicFrame>
       <p:sp>
         <p:nvSpPr>
-          <p:cNvPr id="164" name="The Witcher books were written by a Polish author named Andrzej Sapkowski and was first published, through a magazine competition, in 1986. Because of the popularity then, 14 books were published. Around October of 2013, over 6 million copies of the book"/>
-          <p:cNvSpPr txBox="1">
-            <a:spLocks noGrp="1"/>
-          </p:cNvSpPr>
+          <p:cNvPr id="165" name="The Witcher books were written by a Polish author named Andrzej Sapkowski and was first published, through a magazine competition, in 1986. Because of the popularity then, 14 books were published. Around October of 2013, over 6 million copies of the book"/>
+          <p:cNvSpPr txBox="1"/>
           <p:nvPr>
             <p:ph type="body" sz="half" idx="4294967295"/>
           </p:nvPr>
@@ -5259,6 +5197,7 @@
           <a:bodyPr/>
           <a:lstStyle/>
           <a:p>
+            <a:pPr/>
             <a:r>
               <a:t>The Witcher books were written by a Polish author named Andrzej Sapkowski and was first published, through a magazine competition, in 1986. Because of the popularity then, 14 books were published. Around October of 2013, over 6 million copies of the books were sold. Once the games were released, more books were sold. When Netflix came out with the show in 2019, over 40 million books were sold world wide. As of 2023, more than 75 million copies were sold, making the series very popular among show and game fanatics.</a:t>
             </a:r>
@@ -5270,12 +5209,12 @@
   <p:clrMapOvr>
     <a:masterClrMapping/>
   </p:clrMapOvr>
-  <p:transition spd="med"/>
+  <p:transition xmlns:p14="http://schemas.microsoft.com/office/powerpoint/2010/main" spd="med" advClick="1"/>
 </p:sld>
 </file>
 
 <file path=ppt/slides/slide5.xml><?xml version="1.0" encoding="utf-8"?>
-<p:sld xmlns:a="http://schemas.openxmlformats.org/drawingml/2006/main" xmlns:r="http://schemas.openxmlformats.org/officeDocument/2006/relationships" xmlns:p="http://schemas.openxmlformats.org/presentationml/2006/main">
+<p:sld xmlns:a="http://schemas.openxmlformats.org/drawingml/2006/main" xmlns:r="http://schemas.openxmlformats.org/officeDocument/2006/relationships" xmlns:p="http://schemas.openxmlformats.org/presentationml/2006/main" xmlns:m="http://schemas.openxmlformats.org/officeDocument/2006/math" xmlns:a14="http://schemas.microsoft.com/office/drawing/2010/main" showMasterSp="1" showMasterPhAnim="1">
   <p:cSld>
     <p:spTree>
       <p:nvGrpSpPr>
@@ -5293,10 +5232,8 @@
       </p:grpSpPr>
       <p:sp>
         <p:nvSpPr>
-          <p:cNvPr id="166" name="Games"/>
-          <p:cNvSpPr txBox="1">
-            <a:spLocks noGrp="1"/>
-          </p:cNvSpPr>
+          <p:cNvPr id="167" name="Games"/>
+          <p:cNvSpPr txBox="1"/>
           <p:nvPr>
             <p:ph type="title"/>
           </p:nvPr>
@@ -5310,6 +5247,7 @@
           <a:bodyPr/>
           <a:lstStyle/>
           <a:p>
+            <a:pPr/>
             <a:r>
               <a:t>Games</a:t>
             </a:r>
@@ -5318,26 +5256,24 @@
       </p:sp>
       <p:graphicFrame>
         <p:nvGraphicFramePr>
-          <p:cNvPr id="167" name="2D Column Chart"/>
+          <p:cNvPr id="168" name="2D Column Chart"/>
           <p:cNvGraphicFramePr/>
           <p:nvPr/>
         </p:nvGraphicFramePr>
         <p:xfrm>
-          <a:off x="628188" y="5153858"/>
-          <a:ext cx="11846409" cy="7919839"/>
+          <a:off x="754589" y="5002717"/>
+          <a:ext cx="11014686" cy="7815491"/>
         </p:xfrm>
-        <a:graphic>
+        <a:graphic xmlns:a="http://schemas.openxmlformats.org/drawingml/2006/main">
           <a:graphicData uri="http://schemas.openxmlformats.org/drawingml/2006/chart">
-            <c:chart xmlns:c="http://schemas.openxmlformats.org/drawingml/2006/chart" xmlns:r="http://schemas.openxmlformats.org/officeDocument/2006/relationships" r:id="rId2"/>
+            <c:chart xmlns:c="http://schemas.openxmlformats.org/drawingml/2006/chart" r:id="rId2"/>
           </a:graphicData>
         </a:graphic>
       </p:graphicFrame>
       <p:sp>
         <p:nvSpPr>
-          <p:cNvPr id="168" name="The games were a massive hit since 2007, when the first game hit shelves. CD Projekt, the company to develop the games, brought the games to life through xbox, were released through pc, playstation and the xbox, with each game following Geralt and compan"/>
-          <p:cNvSpPr txBox="1">
-            <a:spLocks noGrp="1"/>
-          </p:cNvSpPr>
+          <p:cNvPr id="169" name="The games were a massive hit since 2007, when the first game hit online. CD Projekt, the company to develop the games, brought the games to life through Xbox, were released through PC, PlayStation and the Xbox, with each game following Geralt and compani"/>
+          <p:cNvSpPr txBox="1"/>
           <p:nvPr>
             <p:ph type="body" sz="half" idx="4294967295"/>
           </p:nvPr>
@@ -5362,8 +5298,9 @@
             </a:lvl1pPr>
           </a:lstStyle>
           <a:p>
-            <a:r>
-              <a:t>The games were a massive hit since 2007, when the first game hit shelves. CD Projekt, the company to develop the games, brought the games to life through xbox, were released through pc, playstation and the xbox, with each game following Geralt and companies adventures through the Continent. The first game, after release, sold around 1 million copies through pc. A couple years later, the Witcher 2: Assassins of Kings sold over 1.7 million, while the Witcher 3: Wild hunt sold over 50 million copies in 2014 and after it’s release years later. </a:t>
+            <a:pPr/>
+            <a:r>
+              <a:t>The games were a massive hit since 2007, when the first game hit online. CD Projekt, the company to develop the games, brought the games to life through Xbox, were released through PC, PlayStation and the Xbox, with each game following Geralt and companies adventures through the Continent. The first game, after release, sold around 1 million copies through PC. A couple years later, the Witcher 2: Assassins of Kings sold over 1.7 million, while the Witcher 3: Wild hunt sold over 50 million copies in 2014 and after it’s release years later. </a:t>
             </a:r>
           </a:p>
         </p:txBody>
@@ -5373,12 +5310,12 @@
   <p:clrMapOvr>
     <a:masterClrMapping/>
   </p:clrMapOvr>
-  <p:transition spd="med"/>
+  <p:transition xmlns:p14="http://schemas.microsoft.com/office/powerpoint/2010/main" spd="med" advClick="1"/>
 </p:sld>
 </file>
 
 <file path=ppt/theme/theme1.xml><?xml version="1.0" encoding="utf-8"?>
-<a:theme xmlns:a="http://schemas.openxmlformats.org/drawingml/2006/main" name="23_ClassicWhite">
+<a:theme xmlns:a="http://schemas.openxmlformats.org/drawingml/2006/main" xmlns:r="http://schemas.openxmlformats.org/officeDocument/2006/relationships" name="23_ClassicWhite">
   <a:themeElements>
     <a:clrScheme name="23_ClassicWhite">
       <a:dk1>
@@ -5577,7 +5514,7 @@
         <a:effectLst/>
         <a:sp3d/>
       </a:spPr>
-      <a:bodyPr rot="0" spcFirstLastPara="1" vertOverflow="overflow" horzOverflow="overflow" vert="horz" wrap="square" lIns="50800" tIns="50800" rIns="50800" bIns="50800" numCol="1" spcCol="38100" rtlCol="0" anchor="ctr">
+      <a:bodyPr rot="0" spcFirstLastPara="1" vertOverflow="overflow" horzOverflow="overflow" vert="horz" wrap="square" lIns="50800" tIns="50800" rIns="50800" bIns="50800" numCol="1" spcCol="38100" rtlCol="0" anchor="ctr" upright="0">
         <a:spAutoFit/>
       </a:bodyPr>
       <a:lstStyle>
@@ -5596,7 +5533,7 @@
           <a:buFontTx/>
           <a:buNone/>
           <a:tabLst/>
-          <a:defRPr kumimoji="0" sz="3200" b="0" i="0" u="none" strike="noStrike" cap="none" spc="0" normalizeH="0" baseline="0">
+          <a:defRPr b="0" baseline="0" cap="none" i="0" spc="0" strike="noStrike" sz="3200" u="none" kumimoji="0" normalizeH="0">
             <a:ln>
               <a:noFill/>
             </a:ln>
@@ -5626,7 +5563,7 @@
           <a:buFontTx/>
           <a:buNone/>
           <a:tabLst/>
-          <a:defRPr kumimoji="0" sz="1800" b="0" i="0" u="none" strike="noStrike" cap="none" spc="0" normalizeH="0" baseline="0">
+          <a:defRPr b="0" baseline="0" cap="none" i="0" spc="0" strike="noStrike" sz="1800" u="none" kumimoji="0" normalizeH="0">
             <a:ln>
               <a:noFill/>
             </a:ln>
@@ -5652,7 +5589,7 @@
           <a:buFontTx/>
           <a:buNone/>
           <a:tabLst/>
-          <a:defRPr kumimoji="0" sz="1800" b="0" i="0" u="none" strike="noStrike" cap="none" spc="0" normalizeH="0" baseline="0">
+          <a:defRPr b="0" baseline="0" cap="none" i="0" spc="0" strike="noStrike" sz="1800" u="none" kumimoji="0" normalizeH="0">
             <a:ln>
               <a:noFill/>
             </a:ln>
@@ -5678,7 +5615,7 @@
           <a:buFontTx/>
           <a:buNone/>
           <a:tabLst/>
-          <a:defRPr kumimoji="0" sz="1800" b="0" i="0" u="none" strike="noStrike" cap="none" spc="0" normalizeH="0" baseline="0">
+          <a:defRPr b="0" baseline="0" cap="none" i="0" spc="0" strike="noStrike" sz="1800" u="none" kumimoji="0" normalizeH="0">
             <a:ln>
               <a:noFill/>
             </a:ln>
@@ -5704,7 +5641,7 @@
           <a:buFontTx/>
           <a:buNone/>
           <a:tabLst/>
-          <a:defRPr kumimoji="0" sz="1800" b="0" i="0" u="none" strike="noStrike" cap="none" spc="0" normalizeH="0" baseline="0">
+          <a:defRPr b="0" baseline="0" cap="none" i="0" spc="0" strike="noStrike" sz="1800" u="none" kumimoji="0" normalizeH="0">
             <a:ln>
               <a:noFill/>
             </a:ln>
@@ -5730,7 +5667,7 @@
           <a:buFontTx/>
           <a:buNone/>
           <a:tabLst/>
-          <a:defRPr kumimoji="0" sz="1800" b="0" i="0" u="none" strike="noStrike" cap="none" spc="0" normalizeH="0" baseline="0">
+          <a:defRPr b="0" baseline="0" cap="none" i="0" spc="0" strike="noStrike" sz="1800" u="none" kumimoji="0" normalizeH="0">
             <a:ln>
               <a:noFill/>
             </a:ln>
@@ -5756,7 +5693,7 @@
           <a:buFontTx/>
           <a:buNone/>
           <a:tabLst/>
-          <a:defRPr kumimoji="0" sz="1800" b="0" i="0" u="none" strike="noStrike" cap="none" spc="0" normalizeH="0" baseline="0">
+          <a:defRPr b="0" baseline="0" cap="none" i="0" spc="0" strike="noStrike" sz="1800" u="none" kumimoji="0" normalizeH="0">
             <a:ln>
               <a:noFill/>
             </a:ln>
@@ -5782,7 +5719,7 @@
           <a:buFontTx/>
           <a:buNone/>
           <a:tabLst/>
-          <a:defRPr kumimoji="0" sz="1800" b="0" i="0" u="none" strike="noStrike" cap="none" spc="0" normalizeH="0" baseline="0">
+          <a:defRPr b="0" baseline="0" cap="none" i="0" spc="0" strike="noStrike" sz="1800" u="none" kumimoji="0" normalizeH="0">
             <a:ln>
               <a:noFill/>
             </a:ln>
@@ -5808,7 +5745,7 @@
           <a:buFontTx/>
           <a:buNone/>
           <a:tabLst/>
-          <a:defRPr kumimoji="0" sz="1800" b="0" i="0" u="none" strike="noStrike" cap="none" spc="0" normalizeH="0" baseline="0">
+          <a:defRPr b="0" baseline="0" cap="none" i="0" spc="0" strike="noStrike" sz="1800" u="none" kumimoji="0" normalizeH="0">
             <a:ln>
               <a:noFill/>
             </a:ln>
@@ -5834,7 +5771,7 @@
           <a:buFontTx/>
           <a:buNone/>
           <a:tabLst/>
-          <a:defRPr kumimoji="0" sz="1800" b="0" i="0" u="none" strike="noStrike" cap="none" spc="0" normalizeH="0" baseline="0">
+          <a:defRPr b="0" baseline="0" cap="none" i="0" spc="0" strike="noStrike" sz="1800" u="none" kumimoji="0" normalizeH="0">
             <a:ln>
               <a:noFill/>
             </a:ln>
@@ -5847,15 +5784,9 @@
         </a:lvl9pPr>
       </a:lstStyle>
       <a:style>
-        <a:lnRef idx="0">
-          <a:scrgbClr r="0" g="0" b="0"/>
-        </a:lnRef>
-        <a:fillRef idx="0">
-          <a:scrgbClr r="0" g="0" b="0"/>
-        </a:fillRef>
-        <a:effectRef idx="0">
-          <a:scrgbClr r="0" g="0" b="0"/>
-        </a:effectRef>
+        <a:lnRef idx="0"/>
+        <a:fillRef idx="0"/>
+        <a:effectRef idx="0"/>
         <a:fontRef idx="none"/>
       </a:style>
     </a:spDef>
@@ -5872,7 +5803,7 @@
         <a:effectLst/>
         <a:sp3d/>
       </a:spPr>
-      <a:bodyPr rot="0" spcFirstLastPara="1" vertOverflow="overflow" horzOverflow="overflow" vert="horz" wrap="square" lIns="91439" tIns="45719" rIns="91439" bIns="45719" numCol="1" spcCol="38100" rtlCol="0" anchor="t">
+      <a:bodyPr rot="0" spcFirstLastPara="1" vertOverflow="overflow" horzOverflow="overflow" vert="horz" wrap="square" lIns="91439" tIns="45719" rIns="91439" bIns="45719" numCol="1" spcCol="38100" rtlCol="0" anchor="t" upright="0">
         <a:noAutofit/>
       </a:bodyPr>
       <a:lstStyle>
@@ -5891,7 +5822,7 @@
           <a:buFontTx/>
           <a:buNone/>
           <a:tabLst/>
-          <a:defRPr kumimoji="0" sz="1800" b="0" i="0" u="none" strike="noStrike" cap="none" spc="0" normalizeH="0" baseline="0">
+          <a:defRPr b="0" baseline="0" cap="none" i="0" spc="0" strike="noStrike" sz="1800" u="none" kumimoji="0" normalizeH="0">
             <a:ln>
               <a:noFill/>
             </a:ln>
@@ -5917,7 +5848,7 @@
           <a:buFontTx/>
           <a:buNone/>
           <a:tabLst/>
-          <a:defRPr kumimoji="0" sz="1800" b="0" i="0" u="none" strike="noStrike" cap="none" spc="0" normalizeH="0" baseline="0">
+          <a:defRPr b="0" baseline="0" cap="none" i="0" spc="0" strike="noStrike" sz="1800" u="none" kumimoji="0" normalizeH="0">
             <a:ln>
               <a:noFill/>
             </a:ln>
@@ -5943,7 +5874,7 @@
           <a:buFontTx/>
           <a:buNone/>
           <a:tabLst/>
-          <a:defRPr kumimoji="0" sz="1800" b="0" i="0" u="none" strike="noStrike" cap="none" spc="0" normalizeH="0" baseline="0">
+          <a:defRPr b="0" baseline="0" cap="none" i="0" spc="0" strike="noStrike" sz="1800" u="none" kumimoji="0" normalizeH="0">
             <a:ln>
               <a:noFill/>
             </a:ln>
@@ -5969,7 +5900,7 @@
           <a:buFontTx/>
           <a:buNone/>
           <a:tabLst/>
-          <a:defRPr kumimoji="0" sz="1800" b="0" i="0" u="none" strike="noStrike" cap="none" spc="0" normalizeH="0" baseline="0">
+          <a:defRPr b="0" baseline="0" cap="none" i="0" spc="0" strike="noStrike" sz="1800" u="none" kumimoji="0" normalizeH="0">
             <a:ln>
               <a:noFill/>
             </a:ln>
@@ -5995,7 +5926,7 @@
           <a:buFontTx/>
           <a:buNone/>
           <a:tabLst/>
-          <a:defRPr kumimoji="0" sz="1800" b="0" i="0" u="none" strike="noStrike" cap="none" spc="0" normalizeH="0" baseline="0">
+          <a:defRPr b="0" baseline="0" cap="none" i="0" spc="0" strike="noStrike" sz="1800" u="none" kumimoji="0" normalizeH="0">
             <a:ln>
               <a:noFill/>
             </a:ln>
@@ -6021,7 +5952,7 @@
           <a:buFontTx/>
           <a:buNone/>
           <a:tabLst/>
-          <a:defRPr kumimoji="0" sz="1800" b="0" i="0" u="none" strike="noStrike" cap="none" spc="0" normalizeH="0" baseline="0">
+          <a:defRPr b="0" baseline="0" cap="none" i="0" spc="0" strike="noStrike" sz="1800" u="none" kumimoji="0" normalizeH="0">
             <a:ln>
               <a:noFill/>
             </a:ln>
@@ -6047,7 +5978,7 @@
           <a:buFontTx/>
           <a:buNone/>
           <a:tabLst/>
-          <a:defRPr kumimoji="0" sz="1800" b="0" i="0" u="none" strike="noStrike" cap="none" spc="0" normalizeH="0" baseline="0">
+          <a:defRPr b="0" baseline="0" cap="none" i="0" spc="0" strike="noStrike" sz="1800" u="none" kumimoji="0" normalizeH="0">
             <a:ln>
               <a:noFill/>
             </a:ln>
@@ -6073,7 +6004,7 @@
           <a:buFontTx/>
           <a:buNone/>
           <a:tabLst/>
-          <a:defRPr kumimoji="0" sz="1800" b="0" i="0" u="none" strike="noStrike" cap="none" spc="0" normalizeH="0" baseline="0">
+          <a:defRPr b="0" baseline="0" cap="none" i="0" spc="0" strike="noStrike" sz="1800" u="none" kumimoji="0" normalizeH="0">
             <a:ln>
               <a:noFill/>
             </a:ln>
@@ -6099,7 +6030,7 @@
           <a:buFontTx/>
           <a:buNone/>
           <a:tabLst/>
-          <a:defRPr kumimoji="0" sz="1800" b="0" i="0" u="none" strike="noStrike" cap="none" spc="0" normalizeH="0" baseline="0">
+          <a:defRPr b="0" baseline="0" cap="none" i="0" spc="0" strike="noStrike" sz="1800" u="none" kumimoji="0" normalizeH="0">
             <a:ln>
               <a:noFill/>
             </a:ln>
@@ -6125,7 +6056,7 @@
           <a:buFontTx/>
           <a:buNone/>
           <a:tabLst/>
-          <a:defRPr kumimoji="0" sz="1800" b="0" i="0" u="none" strike="noStrike" cap="none" spc="0" normalizeH="0" baseline="0">
+          <a:defRPr b="0" baseline="0" cap="none" i="0" spc="0" strike="noStrike" sz="1800" u="none" kumimoji="0" normalizeH="0">
             <a:ln>
               <a:noFill/>
             </a:ln>
@@ -6138,15 +6069,9 @@
         </a:lvl9pPr>
       </a:lstStyle>
       <a:style>
-        <a:lnRef idx="0">
-          <a:scrgbClr r="0" g="0" b="0"/>
-        </a:lnRef>
-        <a:fillRef idx="0">
-          <a:scrgbClr r="0" g="0" b="0"/>
-        </a:fillRef>
-        <a:effectRef idx="0">
-          <a:scrgbClr r="0" g="0" b="0"/>
-        </a:effectRef>
+        <a:lnRef idx="0"/>
+        <a:fillRef idx="0"/>
+        <a:effectRef idx="0"/>
         <a:fontRef idx="none"/>
       </a:style>
     </a:lnDef>
@@ -6160,7 +6085,7 @@
         <a:effectLst/>
         <a:sp3d/>
       </a:spPr>
-      <a:bodyPr rot="0" spcFirstLastPara="1" vertOverflow="overflow" horzOverflow="overflow" vert="horz" wrap="square" lIns="50800" tIns="50800" rIns="50800" bIns="50800" numCol="1" spcCol="38100" rtlCol="0" anchor="ctr">
+      <a:bodyPr rot="0" spcFirstLastPara="1" vertOverflow="overflow" horzOverflow="overflow" vert="horz" wrap="square" lIns="50800" tIns="50800" rIns="50800" bIns="50800" numCol="1" spcCol="38100" rtlCol="0" anchor="ctr" upright="0">
         <a:spAutoFit/>
       </a:bodyPr>
       <a:lstStyle>
@@ -6179,7 +6104,7 @@
           <a:buFontTx/>
           <a:buNone/>
           <a:tabLst/>
-          <a:defRPr kumimoji="0" sz="2400" b="0" i="0" u="none" strike="noStrike" cap="none" spc="0" normalizeH="0" baseline="0">
+          <a:defRPr b="0" baseline="0" cap="none" i="0" spc="0" strike="noStrike" sz="2400" u="none" kumimoji="0" normalizeH="0">
             <a:ln>
               <a:noFill/>
             </a:ln>
@@ -6209,7 +6134,7 @@
           <a:buFontTx/>
           <a:buNone/>
           <a:tabLst/>
-          <a:defRPr kumimoji="0" sz="1800" b="0" i="0" u="none" strike="noStrike" cap="none" spc="0" normalizeH="0" baseline="0">
+          <a:defRPr b="0" baseline="0" cap="none" i="0" spc="0" strike="noStrike" sz="1800" u="none" kumimoji="0" normalizeH="0">
             <a:ln>
               <a:noFill/>
             </a:ln>
@@ -6235,7 +6160,7 @@
           <a:buFontTx/>
           <a:buNone/>
           <a:tabLst/>
-          <a:defRPr kumimoji="0" sz="1800" b="0" i="0" u="none" strike="noStrike" cap="none" spc="0" normalizeH="0" baseline="0">
+          <a:defRPr b="0" baseline="0" cap="none" i="0" spc="0" strike="noStrike" sz="1800" u="none" kumimoji="0" normalizeH="0">
             <a:ln>
               <a:noFill/>
             </a:ln>
@@ -6261,7 +6186,7 @@
           <a:buFontTx/>
           <a:buNone/>
           <a:tabLst/>
-          <a:defRPr kumimoji="0" sz="1800" b="0" i="0" u="none" strike="noStrike" cap="none" spc="0" normalizeH="0" baseline="0">
+          <a:defRPr b="0" baseline="0" cap="none" i="0" spc="0" strike="noStrike" sz="1800" u="none" kumimoji="0" normalizeH="0">
             <a:ln>
               <a:noFill/>
             </a:ln>
@@ -6287,7 +6212,7 @@
           <a:buFontTx/>
           <a:buNone/>
           <a:tabLst/>
-          <a:defRPr kumimoji="0" sz="1800" b="0" i="0" u="none" strike="noStrike" cap="none" spc="0" normalizeH="0" baseline="0">
+          <a:defRPr b="0" baseline="0" cap="none" i="0" spc="0" strike="noStrike" sz="1800" u="none" kumimoji="0" normalizeH="0">
             <a:ln>
               <a:noFill/>
             </a:ln>
@@ -6313,7 +6238,7 @@
           <a:buFontTx/>
           <a:buNone/>
           <a:tabLst/>
-          <a:defRPr kumimoji="0" sz="1800" b="0" i="0" u="none" strike="noStrike" cap="none" spc="0" normalizeH="0" baseline="0">
+          <a:defRPr b="0" baseline="0" cap="none" i="0" spc="0" strike="noStrike" sz="1800" u="none" kumimoji="0" normalizeH="0">
             <a:ln>
               <a:noFill/>
             </a:ln>
@@ -6339,7 +6264,7 @@
           <a:buFontTx/>
           <a:buNone/>
           <a:tabLst/>
-          <a:defRPr kumimoji="0" sz="1800" b="0" i="0" u="none" strike="noStrike" cap="none" spc="0" normalizeH="0" baseline="0">
+          <a:defRPr b="0" baseline="0" cap="none" i="0" spc="0" strike="noStrike" sz="1800" u="none" kumimoji="0" normalizeH="0">
             <a:ln>
               <a:noFill/>
             </a:ln>
@@ -6365,7 +6290,7 @@
           <a:buFontTx/>
           <a:buNone/>
           <a:tabLst/>
-          <a:defRPr kumimoji="0" sz="1800" b="0" i="0" u="none" strike="noStrike" cap="none" spc="0" normalizeH="0" baseline="0">
+          <a:defRPr b="0" baseline="0" cap="none" i="0" spc="0" strike="noStrike" sz="1800" u="none" kumimoji="0" normalizeH="0">
             <a:ln>
               <a:noFill/>
             </a:ln>
@@ -6391,7 +6316,7 @@
           <a:buFontTx/>
           <a:buNone/>
           <a:tabLst/>
-          <a:defRPr kumimoji="0" sz="1800" b="0" i="0" u="none" strike="noStrike" cap="none" spc="0" normalizeH="0" baseline="0">
+          <a:defRPr b="0" baseline="0" cap="none" i="0" spc="0" strike="noStrike" sz="1800" u="none" kumimoji="0" normalizeH="0">
             <a:ln>
               <a:noFill/>
             </a:ln>
@@ -6417,7 +6342,7 @@
           <a:buFontTx/>
           <a:buNone/>
           <a:tabLst/>
-          <a:defRPr kumimoji="0" sz="1800" b="0" i="0" u="none" strike="noStrike" cap="none" spc="0" normalizeH="0" baseline="0">
+          <a:defRPr b="0" baseline="0" cap="none" i="0" spc="0" strike="noStrike" sz="1800" u="none" kumimoji="0" normalizeH="0">
             <a:ln>
               <a:noFill/>
             </a:ln>
@@ -6430,25 +6355,18 @@
         </a:lvl9pPr>
       </a:lstStyle>
       <a:style>
-        <a:lnRef idx="0">
-          <a:scrgbClr r="0" g="0" b="0"/>
-        </a:lnRef>
-        <a:fillRef idx="0">
-          <a:scrgbClr r="0" g="0" b="0"/>
-        </a:fillRef>
-        <a:effectRef idx="0">
-          <a:scrgbClr r="0" g="0" b="0"/>
-        </a:effectRef>
+        <a:lnRef idx="0"/>
+        <a:fillRef idx="0"/>
+        <a:effectRef idx="0"/>
         <a:fontRef idx="none"/>
       </a:style>
     </a:txDef>
   </a:objectDefaults>
-  <a:extraClrSchemeLst/>
 </a:theme>
 </file>
 
 <file path=ppt/theme/theme2.xml><?xml version="1.0" encoding="utf-8"?>
-<a:theme xmlns:a="http://schemas.openxmlformats.org/drawingml/2006/main" name="23_ClassicWhite">
+<a:theme xmlns:a="http://schemas.openxmlformats.org/drawingml/2006/main" xmlns:r="http://schemas.openxmlformats.org/officeDocument/2006/relationships" name="23_ClassicWhite">
   <a:themeElements>
     <a:clrScheme name="23_ClassicWhite">
       <a:dk1>
@@ -6647,7 +6565,7 @@
         <a:effectLst/>
         <a:sp3d/>
       </a:spPr>
-      <a:bodyPr rot="0" spcFirstLastPara="1" vertOverflow="overflow" horzOverflow="overflow" vert="horz" wrap="square" lIns="50800" tIns="50800" rIns="50800" bIns="50800" numCol="1" spcCol="38100" rtlCol="0" anchor="ctr">
+      <a:bodyPr rot="0" spcFirstLastPara="1" vertOverflow="overflow" horzOverflow="overflow" vert="horz" wrap="square" lIns="50800" tIns="50800" rIns="50800" bIns="50800" numCol="1" spcCol="38100" rtlCol="0" anchor="ctr" upright="0">
         <a:spAutoFit/>
       </a:bodyPr>
       <a:lstStyle>
@@ -6666,7 +6584,7 @@
           <a:buFontTx/>
           <a:buNone/>
           <a:tabLst/>
-          <a:defRPr kumimoji="0" sz="3200" b="0" i="0" u="none" strike="noStrike" cap="none" spc="0" normalizeH="0" baseline="0">
+          <a:defRPr b="0" baseline="0" cap="none" i="0" spc="0" strike="noStrike" sz="3200" u="none" kumimoji="0" normalizeH="0">
             <a:ln>
               <a:noFill/>
             </a:ln>
@@ -6696,7 +6614,7 @@
           <a:buFontTx/>
           <a:buNone/>
           <a:tabLst/>
-          <a:defRPr kumimoji="0" sz="1800" b="0" i="0" u="none" strike="noStrike" cap="none" spc="0" normalizeH="0" baseline="0">
+          <a:defRPr b="0" baseline="0" cap="none" i="0" spc="0" strike="noStrike" sz="1800" u="none" kumimoji="0" normalizeH="0">
             <a:ln>
               <a:noFill/>
             </a:ln>
@@ -6722,7 +6640,7 @@
           <a:buFontTx/>
           <a:buNone/>
           <a:tabLst/>
-          <a:defRPr kumimoji="0" sz="1800" b="0" i="0" u="none" strike="noStrike" cap="none" spc="0" normalizeH="0" baseline="0">
+          <a:defRPr b="0" baseline="0" cap="none" i="0" spc="0" strike="noStrike" sz="1800" u="none" kumimoji="0" normalizeH="0">
             <a:ln>
               <a:noFill/>
             </a:ln>
@@ -6748,7 +6666,7 @@
           <a:buFontTx/>
           <a:buNone/>
           <a:tabLst/>
-          <a:defRPr kumimoji="0" sz="1800" b="0" i="0" u="none" strike="noStrike" cap="none" spc="0" normalizeH="0" baseline="0">
+          <a:defRPr b="0" baseline="0" cap="none" i="0" spc="0" strike="noStrike" sz="1800" u="none" kumimoji="0" normalizeH="0">
             <a:ln>
               <a:noFill/>
             </a:ln>
@@ -6774,7 +6692,7 @@
           <a:buFontTx/>
           <a:buNone/>
           <a:tabLst/>
-          <a:defRPr kumimoji="0" sz="1800" b="0" i="0" u="none" strike="noStrike" cap="none" spc="0" normalizeH="0" baseline="0">
+          <a:defRPr b="0" baseline="0" cap="none" i="0" spc="0" strike="noStrike" sz="1800" u="none" kumimoji="0" normalizeH="0">
             <a:ln>
               <a:noFill/>
             </a:ln>
@@ -6800,7 +6718,7 @@
           <a:buFontTx/>
           <a:buNone/>
           <a:tabLst/>
-          <a:defRPr kumimoji="0" sz="1800" b="0" i="0" u="none" strike="noStrike" cap="none" spc="0" normalizeH="0" baseline="0">
+          <a:defRPr b="0" baseline="0" cap="none" i="0" spc="0" strike="noStrike" sz="1800" u="none" kumimoji="0" normalizeH="0">
             <a:ln>
               <a:noFill/>
             </a:ln>
@@ -6826,7 +6744,7 @@
           <a:buFontTx/>
           <a:buNone/>
           <a:tabLst/>
-          <a:defRPr kumimoji="0" sz="1800" b="0" i="0" u="none" strike="noStrike" cap="none" spc="0" normalizeH="0" baseline="0">
+          <a:defRPr b="0" baseline="0" cap="none" i="0" spc="0" strike="noStrike" sz="1800" u="none" kumimoji="0" normalizeH="0">
             <a:ln>
               <a:noFill/>
             </a:ln>
@@ -6852,7 +6770,7 @@
           <a:buFontTx/>
           <a:buNone/>
           <a:tabLst/>
-          <a:defRPr kumimoji="0" sz="1800" b="0" i="0" u="none" strike="noStrike" cap="none" spc="0" normalizeH="0" baseline="0">
+          <a:defRPr b="0" baseline="0" cap="none" i="0" spc="0" strike="noStrike" sz="1800" u="none" kumimoji="0" normalizeH="0">
             <a:ln>
               <a:noFill/>
             </a:ln>
@@ -6878,7 +6796,7 @@
           <a:buFontTx/>
           <a:buNone/>
           <a:tabLst/>
-          <a:defRPr kumimoji="0" sz="1800" b="0" i="0" u="none" strike="noStrike" cap="none" spc="0" normalizeH="0" baseline="0">
+          <a:defRPr b="0" baseline="0" cap="none" i="0" spc="0" strike="noStrike" sz="1800" u="none" kumimoji="0" normalizeH="0">
             <a:ln>
               <a:noFill/>
             </a:ln>
@@ -6904,7 +6822,7 @@
           <a:buFontTx/>
           <a:buNone/>
           <a:tabLst/>
-          <a:defRPr kumimoji="0" sz="1800" b="0" i="0" u="none" strike="noStrike" cap="none" spc="0" normalizeH="0" baseline="0">
+          <a:defRPr b="0" baseline="0" cap="none" i="0" spc="0" strike="noStrike" sz="1800" u="none" kumimoji="0" normalizeH="0">
             <a:ln>
               <a:noFill/>
             </a:ln>
@@ -6917,15 +6835,9 @@
         </a:lvl9pPr>
       </a:lstStyle>
       <a:style>
-        <a:lnRef idx="0">
-          <a:scrgbClr r="0" g="0" b="0"/>
-        </a:lnRef>
-        <a:fillRef idx="0">
-          <a:scrgbClr r="0" g="0" b="0"/>
-        </a:fillRef>
-        <a:effectRef idx="0">
-          <a:scrgbClr r="0" g="0" b="0"/>
-        </a:effectRef>
+        <a:lnRef idx="0"/>
+        <a:fillRef idx="0"/>
+        <a:effectRef idx="0"/>
         <a:fontRef idx="none"/>
       </a:style>
     </a:spDef>
@@ -6942,7 +6854,7 @@
         <a:effectLst/>
         <a:sp3d/>
       </a:spPr>
-      <a:bodyPr rot="0" spcFirstLastPara="1" vertOverflow="overflow" horzOverflow="overflow" vert="horz" wrap="square" lIns="91439" tIns="45719" rIns="91439" bIns="45719" numCol="1" spcCol="38100" rtlCol="0" anchor="t">
+      <a:bodyPr rot="0" spcFirstLastPara="1" vertOverflow="overflow" horzOverflow="overflow" vert="horz" wrap="square" lIns="91439" tIns="45719" rIns="91439" bIns="45719" numCol="1" spcCol="38100" rtlCol="0" anchor="t" upright="0">
         <a:noAutofit/>
       </a:bodyPr>
       <a:lstStyle>
@@ -6961,7 +6873,7 @@
           <a:buFontTx/>
           <a:buNone/>
           <a:tabLst/>
-          <a:defRPr kumimoji="0" sz="1800" b="0" i="0" u="none" strike="noStrike" cap="none" spc="0" normalizeH="0" baseline="0">
+          <a:defRPr b="0" baseline="0" cap="none" i="0" spc="0" strike="noStrike" sz="1800" u="none" kumimoji="0" normalizeH="0">
             <a:ln>
               <a:noFill/>
             </a:ln>
@@ -6987,7 +6899,7 @@
           <a:buFontTx/>
           <a:buNone/>
           <a:tabLst/>
-          <a:defRPr kumimoji="0" sz="1800" b="0" i="0" u="none" strike="noStrike" cap="none" spc="0" normalizeH="0" baseline="0">
+          <a:defRPr b="0" baseline="0" cap="none" i="0" spc="0" strike="noStrike" sz="1800" u="none" kumimoji="0" normalizeH="0">
             <a:ln>
               <a:noFill/>
             </a:ln>
@@ -7013,7 +6925,7 @@
           <a:buFontTx/>
           <a:buNone/>
           <a:tabLst/>
-          <a:defRPr kumimoji="0" sz="1800" b="0" i="0" u="none" strike="noStrike" cap="none" spc="0" normalizeH="0" baseline="0">
+          <a:defRPr b="0" baseline="0" cap="none" i="0" spc="0" strike="noStrike" sz="1800" u="none" kumimoji="0" normalizeH="0">
             <a:ln>
               <a:noFill/>
             </a:ln>
@@ -7039,7 +6951,7 @@
           <a:buFontTx/>
           <a:buNone/>
           <a:tabLst/>
-          <a:defRPr kumimoji="0" sz="1800" b="0" i="0" u="none" strike="noStrike" cap="none" spc="0" normalizeH="0" baseline="0">
+          <a:defRPr b="0" baseline="0" cap="none" i="0" spc="0" strike="noStrike" sz="1800" u="none" kumimoji="0" normalizeH="0">
             <a:ln>
               <a:noFill/>
             </a:ln>
@@ -7065,7 +6977,7 @@
           <a:buFontTx/>
           <a:buNone/>
           <a:tabLst/>
-          <a:defRPr kumimoji="0" sz="1800" b="0" i="0" u="none" strike="noStrike" cap="none" spc="0" normalizeH="0" baseline="0">
+          <a:defRPr b="0" baseline="0" cap="none" i="0" spc="0" strike="noStrike" sz="1800" u="none" kumimoji="0" normalizeH="0">
             <a:ln>
               <a:noFill/>
             </a:ln>
@@ -7091,7 +7003,7 @@
           <a:buFontTx/>
           <a:buNone/>
           <a:tabLst/>
-          <a:defRPr kumimoji="0" sz="1800" b="0" i="0" u="none" strike="noStrike" cap="none" spc="0" normalizeH="0" baseline="0">
+          <a:defRPr b="0" baseline="0" cap="none" i="0" spc="0" strike="noStrike" sz="1800" u="none" kumimoji="0" normalizeH="0">
             <a:ln>
               <a:noFill/>
             </a:ln>
@@ -7117,7 +7029,7 @@
           <a:buFontTx/>
           <a:buNone/>
           <a:tabLst/>
-          <a:defRPr kumimoji="0" sz="1800" b="0" i="0" u="none" strike="noStrike" cap="none" spc="0" normalizeH="0" baseline="0">
+          <a:defRPr b="0" baseline="0" cap="none" i="0" spc="0" strike="noStrike" sz="1800" u="none" kumimoji="0" normalizeH="0">
             <a:ln>
               <a:noFill/>
             </a:ln>
@@ -7143,7 +7055,7 @@
           <a:buFontTx/>
           <a:buNone/>
           <a:tabLst/>
-          <a:defRPr kumimoji="0" sz="1800" b="0" i="0" u="none" strike="noStrike" cap="none" spc="0" normalizeH="0" baseline="0">
+          <a:defRPr b="0" baseline="0" cap="none" i="0" spc="0" strike="noStrike" sz="1800" u="none" kumimoji="0" normalizeH="0">
             <a:ln>
               <a:noFill/>
             </a:ln>
@@ -7169,7 +7081,7 @@
           <a:buFontTx/>
           <a:buNone/>
           <a:tabLst/>
-          <a:defRPr kumimoji="0" sz="1800" b="0" i="0" u="none" strike="noStrike" cap="none" spc="0" normalizeH="0" baseline="0">
+          <a:defRPr b="0" baseline="0" cap="none" i="0" spc="0" strike="noStrike" sz="1800" u="none" kumimoji="0" normalizeH="0">
             <a:ln>
               <a:noFill/>
             </a:ln>
@@ -7195,7 +7107,7 @@
           <a:buFontTx/>
           <a:buNone/>
           <a:tabLst/>
-          <a:defRPr kumimoji="0" sz="1800" b="0" i="0" u="none" strike="noStrike" cap="none" spc="0" normalizeH="0" baseline="0">
+          <a:defRPr b="0" baseline="0" cap="none" i="0" spc="0" strike="noStrike" sz="1800" u="none" kumimoji="0" normalizeH="0">
             <a:ln>
               <a:noFill/>
             </a:ln>
@@ -7208,15 +7120,9 @@
         </a:lvl9pPr>
       </a:lstStyle>
       <a:style>
-        <a:lnRef idx="0">
-          <a:scrgbClr r="0" g="0" b="0"/>
-        </a:lnRef>
-        <a:fillRef idx="0">
-          <a:scrgbClr r="0" g="0" b="0"/>
-        </a:fillRef>
-        <a:effectRef idx="0">
-          <a:scrgbClr r="0" g="0" b="0"/>
-        </a:effectRef>
+        <a:lnRef idx="0"/>
+        <a:fillRef idx="0"/>
+        <a:effectRef idx="0"/>
         <a:fontRef idx="none"/>
       </a:style>
     </a:lnDef>
@@ -7230,7 +7136,7 @@
         <a:effectLst/>
         <a:sp3d/>
       </a:spPr>
-      <a:bodyPr rot="0" spcFirstLastPara="1" vertOverflow="overflow" horzOverflow="overflow" vert="horz" wrap="square" lIns="50800" tIns="50800" rIns="50800" bIns="50800" numCol="1" spcCol="38100" rtlCol="0" anchor="ctr">
+      <a:bodyPr rot="0" spcFirstLastPara="1" vertOverflow="overflow" horzOverflow="overflow" vert="horz" wrap="square" lIns="50800" tIns="50800" rIns="50800" bIns="50800" numCol="1" spcCol="38100" rtlCol="0" anchor="ctr" upright="0">
         <a:spAutoFit/>
       </a:bodyPr>
       <a:lstStyle>
@@ -7249,7 +7155,7 @@
           <a:buFontTx/>
           <a:buNone/>
           <a:tabLst/>
-          <a:defRPr kumimoji="0" sz="2400" b="0" i="0" u="none" strike="noStrike" cap="none" spc="0" normalizeH="0" baseline="0">
+          <a:defRPr b="0" baseline="0" cap="none" i="0" spc="0" strike="noStrike" sz="2400" u="none" kumimoji="0" normalizeH="0">
             <a:ln>
               <a:noFill/>
             </a:ln>
@@ -7279,7 +7185,7 @@
           <a:buFontTx/>
           <a:buNone/>
           <a:tabLst/>
-          <a:defRPr kumimoji="0" sz="1800" b="0" i="0" u="none" strike="noStrike" cap="none" spc="0" normalizeH="0" baseline="0">
+          <a:defRPr b="0" baseline="0" cap="none" i="0" spc="0" strike="noStrike" sz="1800" u="none" kumimoji="0" normalizeH="0">
             <a:ln>
               <a:noFill/>
             </a:ln>
@@ -7305,7 +7211,7 @@
           <a:buFontTx/>
           <a:buNone/>
           <a:tabLst/>
-          <a:defRPr kumimoji="0" sz="1800" b="0" i="0" u="none" strike="noStrike" cap="none" spc="0" normalizeH="0" baseline="0">
+          <a:defRPr b="0" baseline="0" cap="none" i="0" spc="0" strike="noStrike" sz="1800" u="none" kumimoji="0" normalizeH="0">
             <a:ln>
               <a:noFill/>
             </a:ln>
@@ -7331,7 +7237,7 @@
           <a:buFontTx/>
           <a:buNone/>
           <a:tabLst/>
-          <a:defRPr kumimoji="0" sz="1800" b="0" i="0" u="none" strike="noStrike" cap="none" spc="0" normalizeH="0" baseline="0">
+          <a:defRPr b="0" baseline="0" cap="none" i="0" spc="0" strike="noStrike" sz="1800" u="none" kumimoji="0" normalizeH="0">
             <a:ln>
               <a:noFill/>
             </a:ln>
@@ -7357,7 +7263,7 @@
           <a:buFontTx/>
           <a:buNone/>
           <a:tabLst/>
-          <a:defRPr kumimoji="0" sz="1800" b="0" i="0" u="none" strike="noStrike" cap="none" spc="0" normalizeH="0" baseline="0">
+          <a:defRPr b="0" baseline="0" cap="none" i="0" spc="0" strike="noStrike" sz="1800" u="none" kumimoji="0" normalizeH="0">
             <a:ln>
               <a:noFill/>
             </a:ln>
@@ -7383,7 +7289,7 @@
           <a:buFontTx/>
           <a:buNone/>
           <a:tabLst/>
-          <a:defRPr kumimoji="0" sz="1800" b="0" i="0" u="none" strike="noStrike" cap="none" spc="0" normalizeH="0" baseline="0">
+          <a:defRPr b="0" baseline="0" cap="none" i="0" spc="0" strike="noStrike" sz="1800" u="none" kumimoji="0" normalizeH="0">
             <a:ln>
               <a:noFill/>
             </a:ln>
@@ -7409,7 +7315,7 @@
           <a:buFontTx/>
           <a:buNone/>
           <a:tabLst/>
-          <a:defRPr kumimoji="0" sz="1800" b="0" i="0" u="none" strike="noStrike" cap="none" spc="0" normalizeH="0" baseline="0">
+          <a:defRPr b="0" baseline="0" cap="none" i="0" spc="0" strike="noStrike" sz="1800" u="none" kumimoji="0" normalizeH="0">
             <a:ln>
               <a:noFill/>
             </a:ln>
@@ -7435,7 +7341,7 @@
           <a:buFontTx/>
           <a:buNone/>
           <a:tabLst/>
-          <a:defRPr kumimoji="0" sz="1800" b="0" i="0" u="none" strike="noStrike" cap="none" spc="0" normalizeH="0" baseline="0">
+          <a:defRPr b="0" baseline="0" cap="none" i="0" spc="0" strike="noStrike" sz="1800" u="none" kumimoji="0" normalizeH="0">
             <a:ln>
               <a:noFill/>
             </a:ln>
@@ -7461,7 +7367,7 @@
           <a:buFontTx/>
           <a:buNone/>
           <a:tabLst/>
-          <a:defRPr kumimoji="0" sz="1800" b="0" i="0" u="none" strike="noStrike" cap="none" spc="0" normalizeH="0" baseline="0">
+          <a:defRPr b="0" baseline="0" cap="none" i="0" spc="0" strike="noStrike" sz="1800" u="none" kumimoji="0" normalizeH="0">
             <a:ln>
               <a:noFill/>
             </a:ln>
@@ -7487,7 +7393,7 @@
           <a:buFontTx/>
           <a:buNone/>
           <a:tabLst/>
-          <a:defRPr kumimoji="0" sz="1800" b="0" i="0" u="none" strike="noStrike" cap="none" spc="0" normalizeH="0" baseline="0">
+          <a:defRPr b="0" baseline="0" cap="none" i="0" spc="0" strike="noStrike" sz="1800" u="none" kumimoji="0" normalizeH="0">
             <a:ln>
               <a:noFill/>
             </a:ln>
@@ -7500,19 +7406,12 @@
         </a:lvl9pPr>
       </a:lstStyle>
       <a:style>
-        <a:lnRef idx="0">
-          <a:scrgbClr r="0" g="0" b="0"/>
-        </a:lnRef>
-        <a:fillRef idx="0">
-          <a:scrgbClr r="0" g="0" b="0"/>
-        </a:fillRef>
-        <a:effectRef idx="0">
-          <a:scrgbClr r="0" g="0" b="0"/>
-        </a:effectRef>
+        <a:lnRef idx="0"/>
+        <a:fillRef idx="0"/>
+        <a:effectRef idx="0"/>
         <a:fontRef idx="none"/>
       </a:style>
     </a:txDef>
   </a:objectDefaults>
-  <a:extraClrSchemeLst/>
 </a:theme>
 </file>
--- a/The witcher.pptx
+++ b/The witcher.pptx
@@ -1,18 +1,18 @@
 
 <file path=ppt/presentation.xml><?xml version="1.0" encoding="utf-8"?>
-<p:presentation xmlns:a="http://schemas.openxmlformats.org/drawingml/2006/main" xmlns:r="http://schemas.openxmlformats.org/officeDocument/2006/relationships" xmlns:p="http://schemas.openxmlformats.org/presentationml/2006/main" xmlns:m="http://schemas.openxmlformats.org/officeDocument/2006/math" xmlns:a14="http://schemas.microsoft.com/office/drawing/2010/main">
+<p:presentation xmlns:a="http://schemas.openxmlformats.org/drawingml/2006/main" xmlns:r="http://schemas.openxmlformats.org/officeDocument/2006/relationships" xmlns:p="http://schemas.openxmlformats.org/presentationml/2006/main">
   <p:sldMasterIdLst>
-    <p:sldMasterId id="2147483648" r:id="rId5"/>
+    <p:sldMasterId id="2147483648" r:id="rId1"/>
   </p:sldMasterIdLst>
   <p:notesMasterIdLst>
     <p:notesMasterId r:id="rId7"/>
   </p:notesMasterIdLst>
   <p:sldIdLst>
-    <p:sldId id="256" r:id="rId8"/>
-    <p:sldId id="257" r:id="rId9"/>
-    <p:sldId id="258" r:id="rId10"/>
-    <p:sldId id="259" r:id="rId11"/>
-    <p:sldId id="260" r:id="rId12"/>
+    <p:sldId id="256" r:id="rId2"/>
+    <p:sldId id="257" r:id="rId3"/>
+    <p:sldId id="258" r:id="rId4"/>
+    <p:sldId id="259" r:id="rId5"/>
+    <p:sldId id="260" r:id="rId6"/>
   </p:sldIdLst>
   <p:sldSz cx="24384000" cy="13716000"/>
   <p:notesSz cx="6858000" cy="9144000"/>
@@ -32,7 +32,7 @@
       <a:buFontTx/>
       <a:buNone/>
       <a:tabLst/>
-      <a:defRPr b="0" baseline="0" cap="none" i="0" spc="0" strike="noStrike" sz="1800" u="none" kumimoji="0" normalizeH="0">
+      <a:defRPr kumimoji="0" sz="1800" b="0" i="0" u="none" strike="noStrike" cap="none" spc="0" normalizeH="0" baseline="0">
         <a:ln>
           <a:noFill/>
         </a:ln>
@@ -58,7 +58,7 @@
       <a:buFontTx/>
       <a:buNone/>
       <a:tabLst/>
-      <a:defRPr b="0" baseline="0" cap="none" i="0" spc="0" strike="noStrike" sz="2400" u="none" kumimoji="0" normalizeH="0">
+      <a:defRPr kumimoji="0" sz="2400" b="0" i="0" u="none" strike="noStrike" cap="none" spc="0" normalizeH="0" baseline="0">
         <a:ln>
           <a:noFill/>
         </a:ln>
@@ -88,7 +88,7 @@
       <a:buFontTx/>
       <a:buNone/>
       <a:tabLst/>
-      <a:defRPr b="0" baseline="0" cap="none" i="0" spc="0" strike="noStrike" sz="2400" u="none" kumimoji="0" normalizeH="0">
+      <a:defRPr kumimoji="0" sz="2400" b="0" i="0" u="none" strike="noStrike" cap="none" spc="0" normalizeH="0" baseline="0">
         <a:ln>
           <a:noFill/>
         </a:ln>
@@ -118,7 +118,7 @@
       <a:buFontTx/>
       <a:buNone/>
       <a:tabLst/>
-      <a:defRPr b="0" baseline="0" cap="none" i="0" spc="0" strike="noStrike" sz="2400" u="none" kumimoji="0" normalizeH="0">
+      <a:defRPr kumimoji="0" sz="2400" b="0" i="0" u="none" strike="noStrike" cap="none" spc="0" normalizeH="0" baseline="0">
         <a:ln>
           <a:noFill/>
         </a:ln>
@@ -148,7 +148,7 @@
       <a:buFontTx/>
       <a:buNone/>
       <a:tabLst/>
-      <a:defRPr b="0" baseline="0" cap="none" i="0" spc="0" strike="noStrike" sz="2400" u="none" kumimoji="0" normalizeH="0">
+      <a:defRPr kumimoji="0" sz="2400" b="0" i="0" u="none" strike="noStrike" cap="none" spc="0" normalizeH="0" baseline="0">
         <a:ln>
           <a:noFill/>
         </a:ln>
@@ -178,7 +178,7 @@
       <a:buFontTx/>
       <a:buNone/>
       <a:tabLst/>
-      <a:defRPr b="0" baseline="0" cap="none" i="0" spc="0" strike="noStrike" sz="2400" u="none" kumimoji="0" normalizeH="0">
+      <a:defRPr kumimoji="0" sz="2400" b="0" i="0" u="none" strike="noStrike" cap="none" spc="0" normalizeH="0" baseline="0">
         <a:ln>
           <a:noFill/>
         </a:ln>
@@ -208,7 +208,7 @@
       <a:buFontTx/>
       <a:buNone/>
       <a:tabLst/>
-      <a:defRPr b="0" baseline="0" cap="none" i="0" spc="0" strike="noStrike" sz="2400" u="none" kumimoji="0" normalizeH="0">
+      <a:defRPr kumimoji="0" sz="2400" b="0" i="0" u="none" strike="noStrike" cap="none" spc="0" normalizeH="0" baseline="0">
         <a:ln>
           <a:noFill/>
         </a:ln>
@@ -238,7 +238,7 @@
       <a:buFontTx/>
       <a:buNone/>
       <a:tabLst/>
-      <a:defRPr b="0" baseline="0" cap="none" i="0" spc="0" strike="noStrike" sz="2400" u="none" kumimoji="0" normalizeH="0">
+      <a:defRPr kumimoji="0" sz="2400" b="0" i="0" u="none" strike="noStrike" cap="none" spc="0" normalizeH="0" baseline="0">
         <a:ln>
           <a:noFill/>
         </a:ln>
@@ -268,7 +268,7 @@
       <a:buFontTx/>
       <a:buNone/>
       <a:tabLst/>
-      <a:defRPr b="0" baseline="0" cap="none" i="0" spc="0" strike="noStrike" sz="2400" u="none" kumimoji="0" normalizeH="0">
+      <a:defRPr kumimoji="0" sz="2400" b="0" i="0" u="none" strike="noStrike" cap="none" spc="0" normalizeH="0" baseline="0">
         <a:ln>
           <a:noFill/>
         </a:ln>
@@ -298,7 +298,7 @@
       <a:buFontTx/>
       <a:buNone/>
       <a:tabLst/>
-      <a:defRPr b="0" baseline="0" cap="none" i="0" spc="0" strike="noStrike" sz="2400" u="none" kumimoji="0" normalizeH="0">
+      <a:defRPr kumimoji="0" sz="2400" b="0" i="0" u="none" strike="noStrike" cap="none" spc="0" normalizeH="0" baseline="0">
         <a:ln>
           <a:noFill/>
         </a:ln>
@@ -317,14 +317,12 @@
 </p:presentation>
 </file>
 
-<file path=ppt/commentAuthors.xml><?xml version="1.0" encoding="utf-8"?>
-<p:cmAuthorLst xmlns:a="http://schemas.openxmlformats.org/drawingml/2006/main" xmlns:r="http://schemas.openxmlformats.org/officeDocument/2006/relationships" xmlns:p="http://schemas.openxmlformats.org/presentationml/2006/main" xmlns:m="http://schemas.openxmlformats.org/officeDocument/2006/math" xmlns:a14="http://schemas.microsoft.com/office/drawing/2010/main"/>
-</file>
-
 <file path=ppt/charts/chart1.xml><?xml version="1.0" encoding="utf-8"?>
-<c:chartSpace xmlns:c="http://schemas.openxmlformats.org/drawingml/2006/chart" xmlns:a="http://schemas.openxmlformats.org/drawingml/2006/main" xmlns:r="http://schemas.openxmlformats.org/officeDocument/2006/relationships">
+<c:chartSpace xmlns:c="http://schemas.openxmlformats.org/drawingml/2006/chart" xmlns:a="http://schemas.openxmlformats.org/drawingml/2006/main" xmlns:r="http://schemas.openxmlformats.org/officeDocument/2006/relationships" xmlns:c16r2="http://schemas.microsoft.com/office/drawing/2015/06/chart">
   <c:date1904 val="1"/>
+  <c:lang val="en-US"/>
   <c:roundedCorners val="0"/>
+  <c:style val="2"/>
   <c:chart>
     <c:autoTitleDeleted val="1"/>
     <c:plotArea>
@@ -334,9 +332,9 @@
           <c:xMode val="edge"/>
           <c:yMode val="edge"/>
           <c:x val="0.111918"/>
-          <c:y val="0.0546739"/>
-          <c:w val="0.88198"/>
-          <c:h val="0.772894"/>
+          <c:y val="5.4673899999999998E-2"/>
+          <c:w val="0.88197999999999999"/>
+          <c:h val="0.77289399999999997"/>
         </c:manualLayout>
       </c:layout>
       <c:barChart>
@@ -368,31 +366,6 @@
             <a:effectLst/>
           </c:spPr>
           <c:invertIfNegative val="0"/>
-          <c:dLbls>
-            <c:numFmt formatCode="#,##0" sourceLinked="0"/>
-            <c:txPr>
-              <a:bodyPr/>
-              <a:lstStyle/>
-              <a:p>
-                <a:pPr>
-                  <a:defRPr b="0" i="0" strike="noStrike" sz="5000" u="none">
-                    <a:solidFill>
-                      <a:srgbClr val="FFFFFF"/>
-                    </a:solidFill>
-                    <a:latin typeface="Graphik"/>
-                  </a:defRPr>
-                </a:pPr>
-              </a:p>
-            </c:txPr>
-            <c:dLblPos val="inEnd"/>
-            <c:showLegendKey val="0"/>
-            <c:showVal val="0"/>
-            <c:showCatName val="0"/>
-            <c:showSerName val="0"/>
-            <c:showPercent val="0"/>
-            <c:showBubbleSize val="0"/>
-            <c:showLeaderLines val="0"/>
-          </c:dLbls>
           <c:cat>
             <c:strRef>
               <c:f>Sheet1!$B$1:$D$1</c:f>
@@ -414,20 +387,34 @@
             <c:numRef>
               <c:f>Sheet1!$B$2:$D$2</c:f>
               <c:numCache>
+                <c:formatCode>General</c:formatCode>
                 <c:ptCount val="3"/>
                 <c:pt idx="0">
-                  <c:v>541.010000</c:v>
+                  <c:v>541.01</c:v>
                 </c:pt>
                 <c:pt idx="1">
-                  <c:v>462.500000</c:v>
+                  <c:v>462.5</c:v>
                 </c:pt>
                 <c:pt idx="2">
-                  <c:v>66.500000</c:v>
+                  <c:v>66.5</c:v>
                 </c:pt>
               </c:numCache>
             </c:numRef>
           </c:val>
+          <c:extLst>
+            <c:ext xmlns:c16="http://schemas.microsoft.com/office/drawing/2014/chart" uri="{C3380CC4-5D6E-409C-BE32-E72D297353CC}">
+              <c16:uniqueId val="{00000000-6875-C74C-8758-5C56EA224B16}"/>
+            </c:ext>
+          </c:extLst>
         </c:ser>
+        <c:dLbls>
+          <c:showLegendKey val="0"/>
+          <c:showVal val="0"/>
+          <c:showCatName val="0"/>
+          <c:showSerName val="0"/>
+          <c:showPercent val="0"/>
+          <c:showBubbleSize val="0"/>
+        </c:dLbls>
         <c:gapWidth val="40"/>
         <c:overlap val="-10"/>
         <c:axId val="2094734552"/>
@@ -458,19 +445,21 @@
           <a:lstStyle/>
           <a:p>
             <a:pPr>
-              <a:defRPr b="0" i="0" strike="noStrike" sz="3400" u="none">
+              <a:defRPr sz="3400" b="0" i="0" u="none" strike="noStrike">
                 <a:solidFill>
                   <a:srgbClr val="000000"/>
                 </a:solidFill>
                 <a:latin typeface="Graphik"/>
               </a:defRPr>
             </a:pPr>
+            <a:endParaRPr lang="en-US"/>
           </a:p>
         </c:txPr>
         <c:crossAx val="2094734553"/>
         <c:crosses val="autoZero"/>
         <c:auto val="1"/>
         <c:lblAlgn val="ctr"/>
+        <c:lblOffset val="100"/>
         <c:noMultiLvlLbl val="1"/>
       </c:catAx>
       <c:valAx>
@@ -507,13 +496,14 @@
           <a:lstStyle/>
           <a:p>
             <a:pPr>
-              <a:defRPr b="0" i="0" strike="noStrike" sz="3400" u="none">
+              <a:defRPr sz="3400" b="0" i="0" u="none" strike="noStrike">
                 <a:solidFill>
                   <a:srgbClr val="000000"/>
                 </a:solidFill>
                 <a:latin typeface="Graphik"/>
               </a:defRPr>
             </a:pPr>
+            <a:endParaRPr lang="en-US"/>
           </a:p>
         </c:txPr>
         <c:crossAx val="2094734552"/>
@@ -537,10 +527,10 @@
         <c:manualLayout>
           <c:xMode val="edge"/>
           <c:yMode val="edge"/>
-          <c:x val="0.105816"/>
-          <c:y val="0.932826"/>
-          <c:w val="0.894184"/>
-          <c:h val="0.0671739"/>
+          <c:x val="0.10581599999999999"/>
+          <c:y val="0.93282600000000004"/>
+          <c:w val="0.89418399999999998"/>
+          <c:h val="6.7173899999999995E-2"/>
         </c:manualLayout>
       </c:layout>
       <c:overlay val="1"/>
@@ -557,18 +547,20 @@
         <a:lstStyle/>
         <a:p>
           <a:pPr>
-            <a:defRPr b="0" i="0" strike="noStrike" sz="3400" u="none">
+            <a:defRPr sz="3400" b="0" i="0" u="none" strike="noStrike">
               <a:solidFill>
                 <a:srgbClr val="000000"/>
               </a:solidFill>
               <a:latin typeface="Graphik"/>
             </a:defRPr>
           </a:pPr>
+          <a:endParaRPr lang="en-US"/>
         </a:p>
       </c:txPr>
     </c:legend>
     <c:plotVisOnly val="1"/>
     <c:dispBlanksAs val="gap"/>
+    <c:showDLblsOverMax val="1"/>
   </c:chart>
   <c:spPr>
     <a:noFill/>
@@ -584,9 +576,11 @@
 </file>
 
 <file path=ppt/charts/chart2.xml><?xml version="1.0" encoding="utf-8"?>
-<c:chartSpace xmlns:c="http://schemas.openxmlformats.org/drawingml/2006/chart" xmlns:a="http://schemas.openxmlformats.org/drawingml/2006/main" xmlns:r="http://schemas.openxmlformats.org/officeDocument/2006/relationships">
+<c:chartSpace xmlns:c="http://schemas.openxmlformats.org/drawingml/2006/chart" xmlns:a="http://schemas.openxmlformats.org/drawingml/2006/main" xmlns:r="http://schemas.openxmlformats.org/officeDocument/2006/relationships" xmlns:c16r2="http://schemas.microsoft.com/office/drawing/2015/06/chart">
   <c:date1904 val="1"/>
+  <c:lang val="en-US"/>
   <c:roundedCorners val="0"/>
+  <c:style val="2"/>
   <c:chart>
     <c:autoTitleDeleted val="1"/>
     <c:plotArea>
@@ -596,9 +590,9 @@
           <c:xMode val="edge"/>
           <c:yMode val="edge"/>
           <c:x val="0.10008"/>
-          <c:y val="0.0707189"/>
-          <c:w val="0.88722"/>
-          <c:h val="0.716166"/>
+          <c:y val="7.0718900000000001E-2"/>
+          <c:w val="0.88722000000000001"/>
+          <c:h val="0.71616599999999997"/>
         </c:manualLayout>
       </c:layout>
       <c:barChart>
@@ -630,44 +624,19 @@
             <a:effectLst/>
           </c:spPr>
           <c:invertIfNegative val="0"/>
-          <c:dLbls>
-            <c:numFmt formatCode="#,##0" sourceLinked="0"/>
-            <c:txPr>
-              <a:bodyPr/>
-              <a:lstStyle/>
-              <a:p>
-                <a:pPr>
-                  <a:defRPr b="0" i="0" strike="noStrike" sz="5000" u="none">
-                    <a:solidFill>
-                      <a:srgbClr val="FFFFFF"/>
-                    </a:solidFill>
-                    <a:latin typeface="Graphik"/>
-                  </a:defRPr>
-                </a:pPr>
-              </a:p>
-            </c:txPr>
-            <c:dLblPos val="inEnd"/>
-            <c:showLegendKey val="0"/>
-            <c:showVal val="0"/>
-            <c:showCatName val="0"/>
-            <c:showSerName val="0"/>
-            <c:showPercent val="0"/>
-            <c:showBubbleSize val="0"/>
-            <c:showLeaderLines val="0"/>
-          </c:dLbls>
           <c:cat>
             <c:strRef>
               <c:f>Sheet1!$B$1:$D$1</c:f>
               <c:strCache>
                 <c:ptCount val="3"/>
                 <c:pt idx="0">
-                  <c:v>Oct. 13</c:v>
+                  <c:v>Oct. 2013</c:v>
                 </c:pt>
                 <c:pt idx="1">
-                  <c:v>June 19</c:v>
+                  <c:v>June 2019</c:v>
                 </c:pt>
                 <c:pt idx="2">
-                  <c:v>May 23</c:v>
+                  <c:v>May 2023</c:v>
                 </c:pt>
               </c:strCache>
             </c:strRef>
@@ -676,20 +645,34 @@
             <c:numRef>
               <c:f>Sheet1!$B$2:$D$2</c:f>
               <c:numCache>
+                <c:formatCode>General</c:formatCode>
                 <c:ptCount val="3"/>
                 <c:pt idx="0">
-                  <c:v>6.000000</c:v>
+                  <c:v>6</c:v>
                 </c:pt>
                 <c:pt idx="1">
-                  <c:v>40.000000</c:v>
+                  <c:v>40</c:v>
                 </c:pt>
                 <c:pt idx="2">
-                  <c:v>75.000000</c:v>
+                  <c:v>75</c:v>
                 </c:pt>
               </c:numCache>
             </c:numRef>
           </c:val>
+          <c:extLst>
+            <c:ext xmlns:c16="http://schemas.microsoft.com/office/drawing/2014/chart" uri="{C3380CC4-5D6E-409C-BE32-E72D297353CC}">
+              <c16:uniqueId val="{00000000-68F7-3B44-8F82-97E98EE55273}"/>
+            </c:ext>
+          </c:extLst>
         </c:ser>
+        <c:dLbls>
+          <c:showLegendKey val="0"/>
+          <c:showVal val="0"/>
+          <c:showCatName val="0"/>
+          <c:showSerName val="0"/>
+          <c:showPercent val="0"/>
+          <c:showBubbleSize val="0"/>
+        </c:dLbls>
         <c:gapWidth val="40"/>
         <c:overlap val="-10"/>
         <c:axId val="2094734552"/>
@@ -720,19 +703,21 @@
           <a:lstStyle/>
           <a:p>
             <a:pPr>
-              <a:defRPr b="0" i="0" strike="noStrike" sz="3400" u="none">
+              <a:defRPr sz="3400" b="0" i="0" u="none" strike="noStrike">
                 <a:solidFill>
                   <a:srgbClr val="000000"/>
                 </a:solidFill>
                 <a:latin typeface="Graphik"/>
               </a:defRPr>
             </a:pPr>
+            <a:endParaRPr lang="en-US"/>
           </a:p>
         </c:txPr>
         <c:crossAx val="2094734553"/>
         <c:crosses val="autoZero"/>
         <c:auto val="1"/>
         <c:lblAlgn val="ctr"/>
+        <c:lblOffset val="100"/>
         <c:noMultiLvlLbl val="1"/>
       </c:catAx>
       <c:valAx>
@@ -769,13 +754,14 @@
           <a:lstStyle/>
           <a:p>
             <a:pPr>
-              <a:defRPr b="0" i="0" strike="noStrike" sz="3400" u="none">
+              <a:defRPr sz="3400" b="0" i="0" u="none" strike="noStrike">
                 <a:solidFill>
                   <a:srgbClr val="000000"/>
                 </a:solidFill>
                 <a:latin typeface="Graphik"/>
               </a:defRPr>
             </a:pPr>
+            <a:endParaRPr lang="en-US"/>
           </a:p>
         </c:txPr>
         <c:crossAx val="2094734552"/>
@@ -799,10 +785,10 @@
         <c:manualLayout>
           <c:xMode val="edge"/>
           <c:yMode val="edge"/>
-          <c:x val="0.0873807"/>
-          <c:y val="0.916781"/>
-          <c:w val="0.912619"/>
-          <c:h val="0.0832189"/>
+          <c:x val="8.7380700000000006E-2"/>
+          <c:y val="0.91678099999999996"/>
+          <c:w val="0.91261899999999996"/>
+          <c:h val="8.3218899999999998E-2"/>
         </c:manualLayout>
       </c:layout>
       <c:overlay val="1"/>
@@ -819,18 +805,20 @@
         <a:lstStyle/>
         <a:p>
           <a:pPr>
-            <a:defRPr b="0" i="0" strike="noStrike" sz="3400" u="none">
+            <a:defRPr sz="3400" b="0" i="0" u="none" strike="noStrike">
               <a:solidFill>
                 <a:srgbClr val="000000"/>
               </a:solidFill>
               <a:latin typeface="Graphik"/>
             </a:defRPr>
           </a:pPr>
+          <a:endParaRPr lang="en-US"/>
         </a:p>
       </c:txPr>
     </c:legend>
     <c:plotVisOnly val="1"/>
     <c:dispBlanksAs val="gap"/>
+    <c:showDLblsOverMax val="1"/>
   </c:chart>
   <c:spPr>
     <a:noFill/>
@@ -846,9 +834,11 @@
 </file>
 
 <file path=ppt/charts/chart3.xml><?xml version="1.0" encoding="utf-8"?>
-<c:chartSpace xmlns:c="http://schemas.openxmlformats.org/drawingml/2006/chart" xmlns:a="http://schemas.openxmlformats.org/drawingml/2006/main" xmlns:r="http://schemas.openxmlformats.org/officeDocument/2006/relationships">
+<c:chartSpace xmlns:c="http://schemas.openxmlformats.org/drawingml/2006/chart" xmlns:a="http://schemas.openxmlformats.org/drawingml/2006/main" xmlns:r="http://schemas.openxmlformats.org/officeDocument/2006/relationships" xmlns:c16r2="http://schemas.microsoft.com/office/drawing/2015/06/chart">
   <c:date1904 val="1"/>
+  <c:lang val="en-US"/>
   <c:roundedCorners val="0"/>
+  <c:style val="2"/>
   <c:chart>
     <c:autoTitleDeleted val="1"/>
     <c:plotArea>
@@ -858,9 +848,9 @@
           <c:xMode val="edge"/>
           <c:yMode val="edge"/>
           <c:x val="0.105629"/>
-          <c:y val="0.0709465"/>
-          <c:w val="0.889371"/>
-          <c:h val="0.718511"/>
+          <c:y val="7.0946499999999996E-2"/>
+          <c:w val="0.88937100000000002"/>
+          <c:h val="0.71851100000000001"/>
         </c:manualLayout>
       </c:layout>
       <c:barChart>
@@ -892,31 +882,6 @@
             <a:effectLst/>
           </c:spPr>
           <c:invertIfNegative val="0"/>
-          <c:dLbls>
-            <c:numFmt formatCode="#,##0" sourceLinked="0"/>
-            <c:txPr>
-              <a:bodyPr/>
-              <a:lstStyle/>
-              <a:p>
-                <a:pPr>
-                  <a:defRPr b="0" i="0" strike="noStrike" sz="5000" u="none">
-                    <a:solidFill>
-                      <a:srgbClr val="FFFFFF"/>
-                    </a:solidFill>
-                    <a:latin typeface="Graphik"/>
-                  </a:defRPr>
-                </a:pPr>
-              </a:p>
-            </c:txPr>
-            <c:dLblPos val="inEnd"/>
-            <c:showLegendKey val="0"/>
-            <c:showVal val="0"/>
-            <c:showCatName val="0"/>
-            <c:showSerName val="0"/>
-            <c:showPercent val="0"/>
-            <c:showBubbleSize val="0"/>
-            <c:showLeaderLines val="0"/>
-          </c:dLbls>
           <c:cat>
             <c:strRef>
               <c:f>Sheet1!$B$1:$D$1</c:f>
@@ -938,20 +903,34 @@
             <c:numRef>
               <c:f>Sheet1!$B$2:$D$2</c:f>
               <c:numCache>
+                <c:formatCode>General</c:formatCode>
                 <c:ptCount val="3"/>
                 <c:pt idx="0">
-                  <c:v>1.000000</c:v>
+                  <c:v>1</c:v>
                 </c:pt>
                 <c:pt idx="1">
-                  <c:v>1.700000</c:v>
+                  <c:v>1.7</c:v>
                 </c:pt>
                 <c:pt idx="2">
-                  <c:v>50.000000</c:v>
+                  <c:v>50</c:v>
                 </c:pt>
               </c:numCache>
             </c:numRef>
           </c:val>
+          <c:extLst>
+            <c:ext xmlns:c16="http://schemas.microsoft.com/office/drawing/2014/chart" uri="{C3380CC4-5D6E-409C-BE32-E72D297353CC}">
+              <c16:uniqueId val="{00000000-070F-F548-BFE6-E2D8260BC198}"/>
+            </c:ext>
+          </c:extLst>
         </c:ser>
+        <c:dLbls>
+          <c:showLegendKey val="0"/>
+          <c:showVal val="0"/>
+          <c:showCatName val="0"/>
+          <c:showSerName val="0"/>
+          <c:showPercent val="0"/>
+          <c:showBubbleSize val="0"/>
+        </c:dLbls>
         <c:gapWidth val="40"/>
         <c:overlap val="-10"/>
         <c:axId val="2094734552"/>
@@ -982,19 +961,21 @@
           <a:lstStyle/>
           <a:p>
             <a:pPr>
-              <a:defRPr b="0" i="0" strike="noStrike" sz="3400" u="none">
+              <a:defRPr sz="3400" b="0" i="0" u="none" strike="noStrike">
                 <a:solidFill>
                   <a:srgbClr val="000000"/>
                 </a:solidFill>
                 <a:latin typeface="Graphik"/>
               </a:defRPr>
             </a:pPr>
+            <a:endParaRPr lang="en-US"/>
           </a:p>
         </c:txPr>
         <c:crossAx val="2094734553"/>
         <c:crosses val="autoZero"/>
         <c:auto val="1"/>
         <c:lblAlgn val="ctr"/>
+        <c:lblOffset val="100"/>
         <c:noMultiLvlLbl val="1"/>
       </c:catAx>
       <c:valAx>
@@ -1031,13 +1012,14 @@
           <a:lstStyle/>
           <a:p>
             <a:pPr>
-              <a:defRPr b="0" i="0" strike="noStrike" sz="3400" u="none">
+              <a:defRPr sz="3400" b="0" i="0" u="none" strike="noStrike">
                 <a:solidFill>
                   <a:srgbClr val="000000"/>
                 </a:solidFill>
                 <a:latin typeface="Graphik"/>
               </a:defRPr>
             </a:pPr>
+            <a:endParaRPr lang="en-US"/>
           </a:p>
         </c:txPr>
         <c:crossAx val="2094734552"/>
@@ -1061,10 +1043,10 @@
         <c:manualLayout>
           <c:xMode val="edge"/>
           <c:yMode val="edge"/>
-          <c:x val="0.0480216"/>
-          <c:y val="0.916553"/>
-          <c:w val="0.903957"/>
-          <c:h val="0.0834465"/>
+          <c:x val="4.8021599999999998E-2"/>
+          <c:y val="0.91655299999999995"/>
+          <c:w val="0.90395700000000001"/>
+          <c:h val="8.3446500000000007E-2"/>
         </c:manualLayout>
       </c:layout>
       <c:overlay val="1"/>
@@ -1081,18 +1063,20 @@
         <a:lstStyle/>
         <a:p>
           <a:pPr>
-            <a:defRPr b="0" i="0" strike="noStrike" sz="3400" u="none">
+            <a:defRPr sz="3400" b="0" i="0" u="none" strike="noStrike">
               <a:solidFill>
                 <a:srgbClr val="000000"/>
               </a:solidFill>
               <a:latin typeface="Graphik"/>
             </a:defRPr>
           </a:pPr>
+          <a:endParaRPr lang="en-US"/>
         </a:p>
       </c:txPr>
     </c:legend>
     <c:plotVisOnly val="1"/>
     <c:dispBlanksAs val="gap"/>
+    <c:showDLblsOverMax val="1"/>
   </c:chart>
   <c:spPr>
     <a:noFill/>
@@ -1108,8 +1092,13 @@
 </file>
 
 <file path=ppt/notesMasters/notesMaster1.xml><?xml version="1.0" encoding="utf-8"?>
-<p:notesMaster xmlns:a="http://schemas.openxmlformats.org/drawingml/2006/main" xmlns:r="http://schemas.openxmlformats.org/officeDocument/2006/relationships" xmlns:p="http://schemas.openxmlformats.org/presentationml/2006/main" xmlns:m="http://schemas.openxmlformats.org/officeDocument/2006/math" xmlns:a14="http://schemas.microsoft.com/office/drawing/2010/main">
+<p:notesMaster xmlns:a="http://schemas.openxmlformats.org/drawingml/2006/main" xmlns:r="http://schemas.openxmlformats.org/officeDocument/2006/relationships" xmlns:p="http://schemas.openxmlformats.org/presentationml/2006/main">
   <p:cSld>
+    <p:bg>
+      <p:bgRef idx="1001">
+        <a:schemeClr val="bg1"/>
+      </p:bgRef>
+    </p:bg>
     <p:spTree>
       <p:nvGrpSpPr>
         <p:cNvPr id="1" name=""/>
@@ -1127,7 +1116,9 @@
       <p:sp>
         <p:nvSpPr>
           <p:cNvPr id="148" name="Shape 148"/>
-          <p:cNvSpPr/>
+          <p:cNvSpPr>
+            <a:spLocks noGrp="1" noRot="1" noChangeAspect="1"/>
+          </p:cNvSpPr>
           <p:nvPr>
             <p:ph type="sldImg"/>
           </p:nvPr>
@@ -1145,14 +1136,16 @@
           <a:bodyPr/>
           <a:lstStyle/>
           <a:p>
-            <a:pPr/>
+            <a:endParaRPr/>
           </a:p>
         </p:txBody>
       </p:sp>
       <p:sp>
         <p:nvSpPr>
           <p:cNvPr id="149" name="Shape 149"/>
-          <p:cNvSpPr/>
+          <p:cNvSpPr>
+            <a:spLocks noGrp="1"/>
+          </p:cNvSpPr>
           <p:nvPr>
             <p:ph type="body" sz="quarter" idx="1"/>
           </p:nvPr>
@@ -1170,7 +1163,7 @@
           <a:bodyPr/>
           <a:lstStyle/>
           <a:p>
-            <a:pPr/>
+            <a:endParaRPr/>
           </a:p>
         </p:txBody>
       </p:sp>
@@ -1282,7 +1275,7 @@
 </file>
 
 <file path=ppt/slideLayouts/slideLayout1.xml><?xml version="1.0" encoding="utf-8"?>
-<p:sldLayout xmlns:a="http://schemas.openxmlformats.org/drawingml/2006/main" xmlns:r="http://schemas.openxmlformats.org/officeDocument/2006/relationships" xmlns:p="http://schemas.openxmlformats.org/presentationml/2006/main" xmlns:m="http://schemas.openxmlformats.org/officeDocument/2006/math" xmlns:a14="http://schemas.microsoft.com/office/drawing/2010/main" type="title" showMasterSp="1" showMasterPhAnim="1">
+<p:sldLayout xmlns:a="http://schemas.openxmlformats.org/drawingml/2006/main" xmlns:r="http://schemas.openxmlformats.org/officeDocument/2006/relationships" xmlns:p="http://schemas.openxmlformats.org/presentationml/2006/main" type="title">
   <p:cSld name="Title">
     <p:spTree>
       <p:nvGrpSpPr>
@@ -1301,7 +1294,9 @@
       <p:sp>
         <p:nvSpPr>
           <p:cNvPr id="11" name="Author and Date"/>
-          <p:cNvSpPr txBox="1"/>
+          <p:cNvSpPr txBox="1">
+            <a:spLocks noGrp="1"/>
+          </p:cNvSpPr>
           <p:nvPr>
             <p:ph type="body" sz="quarter" idx="21" hasCustomPrompt="1"/>
           </p:nvPr>
@@ -1327,16 +1322,15 @@
               </a:spcBef>
               <a:buSzTx/>
               <a:buNone/>
-              <a:defRPr spc="-29" sz="3000">
-                <a:latin typeface="Graphik Medium"/>
-                <a:ea typeface="Graphik Medium"/>
-                <a:cs typeface="Graphik Medium"/>
+              <a:defRPr sz="3000" spc="-29">
+                <a:latin typeface="Graphik-Medium"/>
+                <a:ea typeface="Graphik-Medium"/>
+                <a:cs typeface="Graphik-Medium"/>
                 <a:sym typeface="Graphik Medium"/>
               </a:defRPr>
             </a:lvl1pPr>
           </a:lstStyle>
           <a:p>
-            <a:pPr/>
             <a:r>
               <a:t>Author and Date</a:t>
             </a:r>
@@ -1346,7 +1340,9 @@
       <p:sp>
         <p:nvSpPr>
           <p:cNvPr id="12" name="Presentation Title"/>
-          <p:cNvSpPr txBox="1"/>
+          <p:cNvSpPr txBox="1">
+            <a:spLocks noGrp="1"/>
+          </p:cNvSpPr>
           <p:nvPr>
             <p:ph type="title" hasCustomPrompt="1"/>
           </p:nvPr>
@@ -1364,11 +1360,10 @@
           <a:bodyPr anchor="b"/>
           <a:lstStyle>
             <a:lvl1pPr>
-              <a:defRPr spc="-128" sz="12800"/>
+              <a:defRPr sz="12800" spc="-128"/>
             </a:lvl1pPr>
           </a:lstStyle>
           <a:p>
-            <a:pPr/>
             <a:r>
               <a:t>Presentation Title</a:t>
             </a:r>
@@ -1378,7 +1373,9 @@
       <p:sp>
         <p:nvSpPr>
           <p:cNvPr id="13" name="Body Level One…"/>
-          <p:cNvSpPr txBox="1"/>
+          <p:cNvSpPr txBox="1">
+            <a:spLocks noGrp="1"/>
+          </p:cNvSpPr>
           <p:nvPr>
             <p:ph type="body" sz="quarter" idx="1" hasCustomPrompt="1"/>
           </p:nvPr>
@@ -1404,10 +1401,10 @@
               </a:spcBef>
               <a:buSzTx/>
               <a:buNone/>
-              <a:defRPr spc="-59" sz="6000">
-                <a:latin typeface="Graphik Semibold"/>
-                <a:ea typeface="Graphik Semibold"/>
-                <a:cs typeface="Graphik Semibold"/>
+              <a:defRPr sz="6000" spc="-59">
+                <a:latin typeface="Graphik-SemiboldItalic"/>
+                <a:ea typeface="Graphik-SemiboldItalic"/>
+                <a:cs typeface="Graphik-SemiboldItalic"/>
                 <a:sym typeface="Graphik Semibold"/>
               </a:defRPr>
             </a:lvl1pPr>
@@ -1420,10 +1417,10 @@
               </a:spcBef>
               <a:buSzTx/>
               <a:buNone/>
-              <a:defRPr spc="-59" sz="6000">
-                <a:latin typeface="Graphik Semibold"/>
-                <a:ea typeface="Graphik Semibold"/>
-                <a:cs typeface="Graphik Semibold"/>
+              <a:defRPr sz="6000" spc="-59">
+                <a:latin typeface="Graphik-SemiboldItalic"/>
+                <a:ea typeface="Graphik-SemiboldItalic"/>
+                <a:cs typeface="Graphik-SemiboldItalic"/>
                 <a:sym typeface="Graphik Semibold"/>
               </a:defRPr>
             </a:lvl2pPr>
@@ -1436,10 +1433,10 @@
               </a:spcBef>
               <a:buSzTx/>
               <a:buNone/>
-              <a:defRPr spc="-59" sz="6000">
-                <a:latin typeface="Graphik Semibold"/>
-                <a:ea typeface="Graphik Semibold"/>
-                <a:cs typeface="Graphik Semibold"/>
+              <a:defRPr sz="6000" spc="-59">
+                <a:latin typeface="Graphik-SemiboldItalic"/>
+                <a:ea typeface="Graphik-SemiboldItalic"/>
+                <a:cs typeface="Graphik-SemiboldItalic"/>
                 <a:sym typeface="Graphik Semibold"/>
               </a:defRPr>
             </a:lvl3pPr>
@@ -1452,10 +1449,10 @@
               </a:spcBef>
               <a:buSzTx/>
               <a:buNone/>
-              <a:defRPr spc="-59" sz="6000">
-                <a:latin typeface="Graphik Semibold"/>
-                <a:ea typeface="Graphik Semibold"/>
-                <a:cs typeface="Graphik Semibold"/>
+              <a:defRPr sz="6000" spc="-59">
+                <a:latin typeface="Graphik-SemiboldItalic"/>
+                <a:ea typeface="Graphik-SemiboldItalic"/>
+                <a:cs typeface="Graphik-SemiboldItalic"/>
                 <a:sym typeface="Graphik Semibold"/>
               </a:defRPr>
             </a:lvl4pPr>
@@ -1468,50 +1465,43 @@
               </a:spcBef>
               <a:buSzTx/>
               <a:buNone/>
-              <a:defRPr spc="-59" sz="6000">
-                <a:latin typeface="Graphik Semibold"/>
-                <a:ea typeface="Graphik Semibold"/>
-                <a:cs typeface="Graphik Semibold"/>
+              <a:defRPr sz="6000" spc="-59">
+                <a:latin typeface="Graphik-SemiboldItalic"/>
+                <a:ea typeface="Graphik-SemiboldItalic"/>
+                <a:cs typeface="Graphik-SemiboldItalic"/>
                 <a:sym typeface="Graphik Semibold"/>
               </a:defRPr>
             </a:lvl5pPr>
           </a:lstStyle>
           <a:p>
-            <a:pPr/>
             <a:r>
               <a:t>Presentation Subtitle</a:t>
             </a:r>
           </a:p>
           <a:p>
             <a:pPr lvl="1"/>
-            <a:r>
-              <a:t/>
-            </a:r>
+            <a:endParaRPr/>
           </a:p>
           <a:p>
             <a:pPr lvl="2"/>
-            <a:r>
-              <a:t/>
-            </a:r>
+            <a:endParaRPr/>
           </a:p>
           <a:p>
             <a:pPr lvl="3"/>
-            <a:r>
-              <a:t/>
-            </a:r>
+            <a:endParaRPr/>
           </a:p>
           <a:p>
             <a:pPr lvl="4"/>
-            <a:r>
-              <a:t/>
-            </a:r>
+            <a:endParaRPr/>
           </a:p>
         </p:txBody>
       </p:sp>
       <p:sp>
         <p:nvSpPr>
           <p:cNvPr id="14" name="Slide Number"/>
-          <p:cNvSpPr txBox="1"/>
+          <p:cNvSpPr txBox="1">
+            <a:spLocks noGrp="1"/>
+          </p:cNvSpPr>
           <p:nvPr>
             <p:ph type="sldNum" sz="quarter" idx="2"/>
           </p:nvPr>
@@ -1529,8 +1519,10 @@
           <a:bodyPr/>
           <a:lstStyle/>
           <a:p>
-            <a:pPr/>
-            <a:fld id="{86CB4B4D-7CA3-9044-876B-883B54F8677D}" type="slidenum"/>
+            <a:fld id="{86CB4B4D-7CA3-9044-876B-883B54F8677D}" type="slidenum">
+              <a:t>‹#›</a:t>
+            </a:fld>
+            <a:endParaRPr/>
           </a:p>
         </p:txBody>
       </p:sp>
@@ -1539,12 +1531,12 @@
   <p:clrMapOvr>
     <a:masterClrMapping/>
   </p:clrMapOvr>
-  <p:transition xmlns:p14="http://schemas.microsoft.com/office/powerpoint/2010/main" spd="med" advClick="1"/>
+  <p:transition spd="med"/>
 </p:sldLayout>
 </file>
 
 <file path=ppt/slideLayouts/slideLayout10.xml><?xml version="1.0" encoding="utf-8"?>
-<p:sldLayout xmlns:a="http://schemas.openxmlformats.org/drawingml/2006/main" xmlns:r="http://schemas.openxmlformats.org/officeDocument/2006/relationships" xmlns:p="http://schemas.openxmlformats.org/presentationml/2006/main" xmlns:m="http://schemas.openxmlformats.org/officeDocument/2006/math" xmlns:a14="http://schemas.microsoft.com/office/drawing/2010/main" type="tx" showMasterSp="1" showMasterPhAnim="1">
+<p:sldLayout xmlns:a="http://schemas.openxmlformats.org/drawingml/2006/main" xmlns:r="http://schemas.openxmlformats.org/officeDocument/2006/relationships" xmlns:p="http://schemas.openxmlformats.org/presentationml/2006/main" type="tx">
   <p:cSld name="Statement">
     <p:spTree>
       <p:nvGrpSpPr>
@@ -1563,7 +1555,9 @@
       <p:sp>
         <p:nvSpPr>
           <p:cNvPr id="98" name="Body Level One…"/>
-          <p:cNvSpPr txBox="1"/>
+          <p:cNvSpPr txBox="1">
+            <a:spLocks noGrp="1"/>
+          </p:cNvSpPr>
           <p:nvPr>
             <p:ph type="body" idx="1" hasCustomPrompt="1"/>
           </p:nvPr>
@@ -1662,41 +1656,34 @@
             </a:lvl5pPr>
           </a:lstStyle>
           <a:p>
-            <a:pPr/>
             <a:r>
               <a:t>Statement</a:t>
             </a:r>
           </a:p>
           <a:p>
             <a:pPr lvl="1"/>
-            <a:r>
-              <a:t/>
-            </a:r>
+            <a:endParaRPr/>
           </a:p>
           <a:p>
             <a:pPr lvl="2"/>
-            <a:r>
-              <a:t/>
-            </a:r>
+            <a:endParaRPr/>
           </a:p>
           <a:p>
             <a:pPr lvl="3"/>
-            <a:r>
-              <a:t/>
-            </a:r>
+            <a:endParaRPr/>
           </a:p>
           <a:p>
             <a:pPr lvl="4"/>
-            <a:r>
-              <a:t/>
-            </a:r>
+            <a:endParaRPr/>
           </a:p>
         </p:txBody>
       </p:sp>
       <p:sp>
         <p:nvSpPr>
           <p:cNvPr id="99" name="Slide Number"/>
-          <p:cNvSpPr txBox="1"/>
+          <p:cNvSpPr txBox="1">
+            <a:spLocks noGrp="1"/>
+          </p:cNvSpPr>
           <p:nvPr>
             <p:ph type="sldNum" sz="quarter" idx="2"/>
           </p:nvPr>
@@ -1710,8 +1697,10 @@
           <a:bodyPr/>
           <a:lstStyle/>
           <a:p>
-            <a:pPr/>
-            <a:fld id="{86CB4B4D-7CA3-9044-876B-883B54F8677D}" type="slidenum"/>
+            <a:fld id="{86CB4B4D-7CA3-9044-876B-883B54F8677D}" type="slidenum">
+              <a:t>‹#›</a:t>
+            </a:fld>
+            <a:endParaRPr/>
           </a:p>
         </p:txBody>
       </p:sp>
@@ -1720,12 +1709,12 @@
   <p:clrMapOvr>
     <a:masterClrMapping/>
   </p:clrMapOvr>
-  <p:transition xmlns:p14="http://schemas.microsoft.com/office/powerpoint/2010/main" spd="med" advClick="1"/>
+  <p:transition spd="med"/>
 </p:sldLayout>
 </file>
 
 <file path=ppt/slideLayouts/slideLayout11.xml><?xml version="1.0" encoding="utf-8"?>
-<p:sldLayout xmlns:a="http://schemas.openxmlformats.org/drawingml/2006/main" xmlns:r="http://schemas.openxmlformats.org/officeDocument/2006/relationships" xmlns:p="http://schemas.openxmlformats.org/presentationml/2006/main" xmlns:m="http://schemas.openxmlformats.org/officeDocument/2006/math" xmlns:a14="http://schemas.microsoft.com/office/drawing/2010/main" type="tx" showMasterSp="1" showMasterPhAnim="1">
+<p:sldLayout xmlns:a="http://schemas.openxmlformats.org/drawingml/2006/main" xmlns:r="http://schemas.openxmlformats.org/officeDocument/2006/relationships" xmlns:p="http://schemas.openxmlformats.org/presentationml/2006/main" type="tx">
   <p:cSld name="Big Fact">
     <p:spTree>
       <p:nvGrpSpPr>
@@ -1744,7 +1733,9 @@
       <p:sp>
         <p:nvSpPr>
           <p:cNvPr id="106" name="Fact information"/>
-          <p:cNvSpPr txBox="1"/>
+          <p:cNvSpPr txBox="1">
+            <a:spLocks noGrp="1"/>
+          </p:cNvSpPr>
           <p:nvPr>
             <p:ph type="body" sz="quarter" idx="21" hasCustomPrompt="1"/>
           </p:nvPr>
@@ -1771,15 +1762,14 @@
               <a:buSzTx/>
               <a:buNone/>
               <a:defRPr spc="-44">
-                <a:latin typeface="Graphik Semibold"/>
-                <a:ea typeface="Graphik Semibold"/>
-                <a:cs typeface="Graphik Semibold"/>
+                <a:latin typeface="Graphik-SemiboldItalic"/>
+                <a:ea typeface="Graphik-SemiboldItalic"/>
+                <a:cs typeface="Graphik-SemiboldItalic"/>
                 <a:sym typeface="Graphik Semibold"/>
               </a:defRPr>
             </a:lvl1pPr>
           </a:lstStyle>
           <a:p>
-            <a:pPr/>
             <a:r>
               <a:t>Fact information</a:t>
             </a:r>
@@ -1789,7 +1779,9 @@
       <p:sp>
         <p:nvSpPr>
           <p:cNvPr id="107" name="Body Level One…"/>
-          <p:cNvSpPr txBox="1"/>
+          <p:cNvSpPr txBox="1">
+            <a:spLocks noGrp="1"/>
+          </p:cNvSpPr>
           <p:nvPr>
             <p:ph type="body" sz="half" idx="1" hasCustomPrompt="1"/>
           </p:nvPr>
@@ -1888,41 +1880,34 @@
             </a:lvl5pPr>
           </a:lstStyle>
           <a:p>
-            <a:pPr/>
             <a:r>
               <a:t>100%</a:t>
             </a:r>
           </a:p>
           <a:p>
             <a:pPr lvl="1"/>
-            <a:r>
-              <a:t/>
-            </a:r>
+            <a:endParaRPr/>
           </a:p>
           <a:p>
             <a:pPr lvl="2"/>
-            <a:r>
-              <a:t/>
-            </a:r>
+            <a:endParaRPr/>
           </a:p>
           <a:p>
             <a:pPr lvl="3"/>
-            <a:r>
-              <a:t/>
-            </a:r>
+            <a:endParaRPr/>
           </a:p>
           <a:p>
             <a:pPr lvl="4"/>
-            <a:r>
-              <a:t/>
-            </a:r>
+            <a:endParaRPr/>
           </a:p>
         </p:txBody>
       </p:sp>
       <p:sp>
         <p:nvSpPr>
           <p:cNvPr id="108" name="Slide Number"/>
-          <p:cNvSpPr txBox="1"/>
+          <p:cNvSpPr txBox="1">
+            <a:spLocks noGrp="1"/>
+          </p:cNvSpPr>
           <p:nvPr>
             <p:ph type="sldNum" sz="quarter" idx="2"/>
           </p:nvPr>
@@ -1936,8 +1921,10 @@
           <a:bodyPr/>
           <a:lstStyle/>
           <a:p>
-            <a:pPr/>
-            <a:fld id="{86CB4B4D-7CA3-9044-876B-883B54F8677D}" type="slidenum"/>
+            <a:fld id="{86CB4B4D-7CA3-9044-876B-883B54F8677D}" type="slidenum">
+              <a:t>‹#›</a:t>
+            </a:fld>
+            <a:endParaRPr/>
           </a:p>
         </p:txBody>
       </p:sp>
@@ -1946,12 +1933,12 @@
   <p:clrMapOvr>
     <a:masterClrMapping/>
   </p:clrMapOvr>
-  <p:transition xmlns:p14="http://schemas.microsoft.com/office/powerpoint/2010/main" spd="med" advClick="1"/>
+  <p:transition spd="med"/>
 </p:sldLayout>
 </file>
 
 <file path=ppt/slideLayouts/slideLayout12.xml><?xml version="1.0" encoding="utf-8"?>
-<p:sldLayout xmlns:a="http://schemas.openxmlformats.org/drawingml/2006/main" xmlns:r="http://schemas.openxmlformats.org/officeDocument/2006/relationships" xmlns:p="http://schemas.openxmlformats.org/presentationml/2006/main" xmlns:m="http://schemas.openxmlformats.org/officeDocument/2006/math" xmlns:a14="http://schemas.microsoft.com/office/drawing/2010/main" type="tx" showMasterSp="1" showMasterPhAnim="1">
+<p:sldLayout xmlns:a="http://schemas.openxmlformats.org/drawingml/2006/main" xmlns:r="http://schemas.openxmlformats.org/officeDocument/2006/relationships" xmlns:p="http://schemas.openxmlformats.org/presentationml/2006/main" type="tx">
   <p:cSld name="Quote">
     <p:spTree>
       <p:nvGrpSpPr>
@@ -1970,7 +1957,9 @@
       <p:sp>
         <p:nvSpPr>
           <p:cNvPr id="115" name="Attribution"/>
-          <p:cNvSpPr txBox="1"/>
+          <p:cNvSpPr txBox="1">
+            <a:spLocks noGrp="1"/>
+          </p:cNvSpPr>
           <p:nvPr>
             <p:ph type="body" sz="quarter" idx="21" hasCustomPrompt="1"/>
           </p:nvPr>
@@ -1997,15 +1986,14 @@
               <a:buSzTx/>
               <a:buNone/>
               <a:defRPr spc="-44">
-                <a:latin typeface="Graphik Semibold"/>
-                <a:ea typeface="Graphik Semibold"/>
-                <a:cs typeface="Graphik Semibold"/>
+                <a:latin typeface="Graphik-SemiboldItalic"/>
+                <a:ea typeface="Graphik-SemiboldItalic"/>
+                <a:cs typeface="Graphik-SemiboldItalic"/>
                 <a:sym typeface="Graphik Semibold"/>
               </a:defRPr>
             </a:lvl1pPr>
           </a:lstStyle>
           <a:p>
-            <a:pPr/>
             <a:r>
               <a:t>Attribution</a:t>
             </a:r>
@@ -2015,7 +2003,9 @@
       <p:sp>
         <p:nvSpPr>
           <p:cNvPr id="116" name="Body Level One…"/>
-          <p:cNvSpPr txBox="1"/>
+          <p:cNvSpPr txBox="1">
+            <a:spLocks noGrp="1"/>
+          </p:cNvSpPr>
           <p:nvPr>
             <p:ph type="body" sz="half" idx="1" hasCustomPrompt="1"/>
           </p:nvPr>
@@ -2114,41 +2104,34 @@
             </a:lvl5pPr>
           </a:lstStyle>
           <a:p>
-            <a:pPr/>
             <a:r>
               <a:t>“Notable Quote”</a:t>
             </a:r>
           </a:p>
           <a:p>
             <a:pPr lvl="1"/>
-            <a:r>
-              <a:t/>
-            </a:r>
+            <a:endParaRPr/>
           </a:p>
           <a:p>
             <a:pPr lvl="2"/>
-            <a:r>
-              <a:t/>
-            </a:r>
+            <a:endParaRPr/>
           </a:p>
           <a:p>
             <a:pPr lvl="3"/>
-            <a:r>
-              <a:t/>
-            </a:r>
+            <a:endParaRPr/>
           </a:p>
           <a:p>
             <a:pPr lvl="4"/>
-            <a:r>
-              <a:t/>
-            </a:r>
+            <a:endParaRPr/>
           </a:p>
         </p:txBody>
       </p:sp>
       <p:sp>
         <p:nvSpPr>
           <p:cNvPr id="117" name="Slide Number"/>
-          <p:cNvSpPr txBox="1"/>
+          <p:cNvSpPr txBox="1">
+            <a:spLocks noGrp="1"/>
+          </p:cNvSpPr>
           <p:nvPr>
             <p:ph type="sldNum" sz="quarter" idx="2"/>
           </p:nvPr>
@@ -2166,8 +2149,10 @@
           <a:bodyPr/>
           <a:lstStyle/>
           <a:p>
-            <a:pPr/>
-            <a:fld id="{86CB4B4D-7CA3-9044-876B-883B54F8677D}" type="slidenum"/>
+            <a:fld id="{86CB4B4D-7CA3-9044-876B-883B54F8677D}" type="slidenum">
+              <a:t>‹#›</a:t>
+            </a:fld>
+            <a:endParaRPr/>
           </a:p>
         </p:txBody>
       </p:sp>
@@ -2176,12 +2161,12 @@
   <p:clrMapOvr>
     <a:masterClrMapping/>
   </p:clrMapOvr>
-  <p:transition xmlns:p14="http://schemas.microsoft.com/office/powerpoint/2010/main" spd="med" advClick="1"/>
+  <p:transition spd="med"/>
 </p:sldLayout>
 </file>
 
 <file path=ppt/slideLayouts/slideLayout13.xml><?xml version="1.0" encoding="utf-8"?>
-<p:sldLayout xmlns:a="http://schemas.openxmlformats.org/drawingml/2006/main" xmlns:r="http://schemas.openxmlformats.org/officeDocument/2006/relationships" xmlns:p="http://schemas.openxmlformats.org/presentationml/2006/main" xmlns:m="http://schemas.openxmlformats.org/officeDocument/2006/math" xmlns:a14="http://schemas.microsoft.com/office/drawing/2010/main" type="tx" showMasterSp="1" showMasterPhAnim="1">
+<p:sldLayout xmlns:a="http://schemas.openxmlformats.org/drawingml/2006/main" xmlns:r="http://schemas.openxmlformats.org/officeDocument/2006/relationships" xmlns:p="http://schemas.openxmlformats.org/presentationml/2006/main" type="tx">
   <p:cSld name="Photo - 3 Up">
     <p:spTree>
       <p:nvGrpSpPr>
@@ -2200,7 +2185,9 @@
       <p:sp>
         <p:nvSpPr>
           <p:cNvPr id="124" name="941297804_1296x1457.jpg"/>
-          <p:cNvSpPr/>
+          <p:cNvSpPr>
+            <a:spLocks noGrp="1"/>
+          </p:cNvSpPr>
           <p:nvPr>
             <p:ph type="pic" sz="quarter" idx="21"/>
           </p:nvPr>
@@ -2220,14 +2207,16 @@
           </a:bodyPr>
           <a:lstStyle/>
           <a:p>
-            <a:pPr/>
+            <a:endParaRPr/>
           </a:p>
         </p:txBody>
       </p:sp>
       <p:sp>
         <p:nvSpPr>
           <p:cNvPr id="125" name="915009552_2264x1509.jpg"/>
-          <p:cNvSpPr/>
+          <p:cNvSpPr>
+            <a:spLocks noGrp="1"/>
+          </p:cNvSpPr>
           <p:nvPr>
             <p:ph type="pic" sz="quarter" idx="22"/>
           </p:nvPr>
@@ -2247,14 +2236,16 @@
           </a:bodyPr>
           <a:lstStyle/>
           <a:p>
-            <a:pPr/>
+            <a:endParaRPr/>
           </a:p>
         </p:txBody>
       </p:sp>
       <p:sp>
         <p:nvSpPr>
           <p:cNvPr id="126" name="740519873_3318x2212.jpg"/>
-          <p:cNvSpPr/>
+          <p:cNvSpPr>
+            <a:spLocks noGrp="1"/>
+          </p:cNvSpPr>
           <p:nvPr>
             <p:ph type="pic" idx="23"/>
           </p:nvPr>
@@ -2274,14 +2265,16 @@
           </a:bodyPr>
           <a:lstStyle/>
           <a:p>
-            <a:pPr/>
+            <a:endParaRPr/>
           </a:p>
         </p:txBody>
       </p:sp>
       <p:sp>
         <p:nvSpPr>
           <p:cNvPr id="127" name="Slide Number"/>
-          <p:cNvSpPr txBox="1"/>
+          <p:cNvSpPr txBox="1">
+            <a:spLocks noGrp="1"/>
+          </p:cNvSpPr>
           <p:nvPr>
             <p:ph type="sldNum" sz="quarter" idx="2"/>
           </p:nvPr>
@@ -2299,8 +2292,10 @@
           <a:bodyPr/>
           <a:lstStyle/>
           <a:p>
-            <a:pPr/>
-            <a:fld id="{86CB4B4D-7CA3-9044-876B-883B54F8677D}" type="slidenum"/>
+            <a:fld id="{86CB4B4D-7CA3-9044-876B-883B54F8677D}" type="slidenum">
+              <a:t>‹#›</a:t>
+            </a:fld>
+            <a:endParaRPr/>
           </a:p>
         </p:txBody>
       </p:sp>
@@ -2309,12 +2304,12 @@
   <p:clrMapOvr>
     <a:masterClrMapping/>
   </p:clrMapOvr>
-  <p:transition xmlns:p14="http://schemas.microsoft.com/office/powerpoint/2010/main" spd="med" advClick="1"/>
+  <p:transition spd="med"/>
 </p:sldLayout>
 </file>
 
 <file path=ppt/slideLayouts/slideLayout14.xml><?xml version="1.0" encoding="utf-8"?>
-<p:sldLayout xmlns:a="http://schemas.openxmlformats.org/drawingml/2006/main" xmlns:r="http://schemas.openxmlformats.org/officeDocument/2006/relationships" xmlns:p="http://schemas.openxmlformats.org/presentationml/2006/main" xmlns:m="http://schemas.openxmlformats.org/officeDocument/2006/math" xmlns:a14="http://schemas.microsoft.com/office/drawing/2010/main" type="tx" showMasterSp="1" showMasterPhAnim="1">
+<p:sldLayout xmlns:a="http://schemas.openxmlformats.org/drawingml/2006/main" xmlns:r="http://schemas.openxmlformats.org/officeDocument/2006/relationships" xmlns:p="http://schemas.openxmlformats.org/presentationml/2006/main" type="tx">
   <p:cSld name="Photo">
     <p:spTree>
       <p:nvGrpSpPr>
@@ -2333,7 +2328,9 @@
       <p:sp>
         <p:nvSpPr>
           <p:cNvPr id="134" name="740519873_3318x2212.jpg"/>
-          <p:cNvSpPr/>
+          <p:cNvSpPr>
+            <a:spLocks noGrp="1"/>
+          </p:cNvSpPr>
           <p:nvPr>
             <p:ph type="pic" idx="21"/>
           </p:nvPr>
@@ -2353,14 +2350,16 @@
           </a:bodyPr>
           <a:lstStyle/>
           <a:p>
-            <a:pPr/>
+            <a:endParaRPr/>
           </a:p>
         </p:txBody>
       </p:sp>
       <p:sp>
         <p:nvSpPr>
           <p:cNvPr id="135" name="Slide Number"/>
-          <p:cNvSpPr txBox="1"/>
+          <p:cNvSpPr txBox="1">
+            <a:spLocks noGrp="1"/>
+          </p:cNvSpPr>
           <p:nvPr>
             <p:ph type="sldNum" sz="quarter" idx="2"/>
           </p:nvPr>
@@ -2378,8 +2377,10 @@
           <a:bodyPr/>
           <a:lstStyle/>
           <a:p>
-            <a:pPr/>
-            <a:fld id="{86CB4B4D-7CA3-9044-876B-883B54F8677D}" type="slidenum"/>
+            <a:fld id="{86CB4B4D-7CA3-9044-876B-883B54F8677D}" type="slidenum">
+              <a:t>‹#›</a:t>
+            </a:fld>
+            <a:endParaRPr/>
           </a:p>
         </p:txBody>
       </p:sp>
@@ -2388,12 +2389,12 @@
   <p:clrMapOvr>
     <a:masterClrMapping/>
   </p:clrMapOvr>
-  <p:transition xmlns:p14="http://schemas.microsoft.com/office/powerpoint/2010/main" spd="med" advClick="1"/>
+  <p:transition spd="med"/>
 </p:sldLayout>
 </file>
 
 <file path=ppt/slideLayouts/slideLayout15.xml><?xml version="1.0" encoding="utf-8"?>
-<p:sldLayout xmlns:a="http://schemas.openxmlformats.org/drawingml/2006/main" xmlns:r="http://schemas.openxmlformats.org/officeDocument/2006/relationships" xmlns:p="http://schemas.openxmlformats.org/presentationml/2006/main" xmlns:m="http://schemas.openxmlformats.org/officeDocument/2006/math" xmlns:a14="http://schemas.microsoft.com/office/drawing/2010/main" type="tx" showMasterSp="1" showMasterPhAnim="1">
+<p:sldLayout xmlns:a="http://schemas.openxmlformats.org/drawingml/2006/main" xmlns:r="http://schemas.openxmlformats.org/officeDocument/2006/relationships" xmlns:p="http://schemas.openxmlformats.org/presentationml/2006/main" type="tx">
   <p:cSld name="Blank">
     <p:spTree>
       <p:nvGrpSpPr>
@@ -2412,7 +2413,9 @@
       <p:sp>
         <p:nvSpPr>
           <p:cNvPr id="142" name="Slide Number"/>
-          <p:cNvSpPr txBox="1"/>
+          <p:cNvSpPr txBox="1">
+            <a:spLocks noGrp="1"/>
+          </p:cNvSpPr>
           <p:nvPr>
             <p:ph type="sldNum" sz="quarter" idx="2"/>
           </p:nvPr>
@@ -2430,8 +2433,10 @@
           <a:bodyPr/>
           <a:lstStyle/>
           <a:p>
-            <a:pPr/>
-            <a:fld id="{86CB4B4D-7CA3-9044-876B-883B54F8677D}" type="slidenum"/>
+            <a:fld id="{86CB4B4D-7CA3-9044-876B-883B54F8677D}" type="slidenum">
+              <a:t>‹#›</a:t>
+            </a:fld>
+            <a:endParaRPr/>
           </a:p>
         </p:txBody>
       </p:sp>
@@ -2440,12 +2445,12 @@
   <p:clrMapOvr>
     <a:masterClrMapping/>
   </p:clrMapOvr>
-  <p:transition xmlns:p14="http://schemas.microsoft.com/office/powerpoint/2010/main" spd="med" advClick="1"/>
+  <p:transition spd="med"/>
 </p:sldLayout>
 </file>
 
 <file path=ppt/slideLayouts/slideLayout2.xml><?xml version="1.0" encoding="utf-8"?>
-<p:sldLayout xmlns:a="http://schemas.openxmlformats.org/drawingml/2006/main" xmlns:r="http://schemas.openxmlformats.org/officeDocument/2006/relationships" xmlns:p="http://schemas.openxmlformats.org/presentationml/2006/main" xmlns:m="http://schemas.openxmlformats.org/officeDocument/2006/math" xmlns:a14="http://schemas.microsoft.com/office/drawing/2010/main" type="tx" showMasterSp="1" showMasterPhAnim="1">
+<p:sldLayout xmlns:a="http://schemas.openxmlformats.org/drawingml/2006/main" xmlns:r="http://schemas.openxmlformats.org/officeDocument/2006/relationships" xmlns:p="http://schemas.openxmlformats.org/presentationml/2006/main" type="tx">
   <p:cSld name="Title &amp; Photo">
     <p:spTree>
       <p:nvGrpSpPr>
@@ -2464,7 +2469,9 @@
       <p:sp>
         <p:nvSpPr>
           <p:cNvPr id="21" name="740519873_3318x2212.jpg"/>
-          <p:cNvSpPr/>
+          <p:cNvSpPr>
+            <a:spLocks noGrp="1"/>
+          </p:cNvSpPr>
           <p:nvPr>
             <p:ph type="pic" idx="21"/>
           </p:nvPr>
@@ -2484,14 +2491,16 @@
           </a:bodyPr>
           <a:lstStyle/>
           <a:p>
-            <a:pPr/>
+            <a:endParaRPr/>
           </a:p>
         </p:txBody>
       </p:sp>
       <p:sp>
         <p:nvSpPr>
           <p:cNvPr id="22" name="Presentation Title"/>
-          <p:cNvSpPr txBox="1"/>
+          <p:cNvSpPr txBox="1">
+            <a:spLocks noGrp="1"/>
+          </p:cNvSpPr>
           <p:nvPr>
             <p:ph type="title" hasCustomPrompt="1"/>
           </p:nvPr>
@@ -2509,7 +2518,7 @@
           <a:bodyPr anchor="b"/>
           <a:lstStyle>
             <a:lvl1pPr>
-              <a:defRPr spc="-128" sz="12800">
+              <a:defRPr sz="12800" spc="-128">
                 <a:solidFill>
                   <a:srgbClr val="FFFFFF"/>
                 </a:solidFill>
@@ -2517,7 +2526,6 @@
             </a:lvl1pPr>
           </a:lstStyle>
           <a:p>
-            <a:pPr/>
             <a:r>
               <a:t>Presentation Title</a:t>
             </a:r>
@@ -2527,7 +2535,9 @@
       <p:sp>
         <p:nvSpPr>
           <p:cNvPr id="23" name="Body Level One…"/>
-          <p:cNvSpPr txBox="1"/>
+          <p:cNvSpPr txBox="1">
+            <a:spLocks noGrp="1"/>
+          </p:cNvSpPr>
           <p:nvPr>
             <p:ph type="body" sz="quarter" idx="1" hasCustomPrompt="1"/>
           </p:nvPr>
@@ -2553,13 +2563,13 @@
               </a:spcBef>
               <a:buSzTx/>
               <a:buNone/>
-              <a:defRPr spc="-59" sz="6000">
+              <a:defRPr sz="6000" spc="-59">
                 <a:solidFill>
                   <a:srgbClr val="FFFFFF"/>
                 </a:solidFill>
-                <a:latin typeface="Graphik Semibold"/>
-                <a:ea typeface="Graphik Semibold"/>
-                <a:cs typeface="Graphik Semibold"/>
+                <a:latin typeface="Graphik-SemiboldItalic"/>
+                <a:ea typeface="Graphik-SemiboldItalic"/>
+                <a:cs typeface="Graphik-SemiboldItalic"/>
                 <a:sym typeface="Graphik Semibold"/>
               </a:defRPr>
             </a:lvl1pPr>
@@ -2572,13 +2582,13 @@
               </a:spcBef>
               <a:buSzTx/>
               <a:buNone/>
-              <a:defRPr spc="-59" sz="6000">
+              <a:defRPr sz="6000" spc="-59">
                 <a:solidFill>
                   <a:srgbClr val="FFFFFF"/>
                 </a:solidFill>
-                <a:latin typeface="Graphik Semibold"/>
-                <a:ea typeface="Graphik Semibold"/>
-                <a:cs typeface="Graphik Semibold"/>
+                <a:latin typeface="Graphik-SemiboldItalic"/>
+                <a:ea typeface="Graphik-SemiboldItalic"/>
+                <a:cs typeface="Graphik-SemiboldItalic"/>
                 <a:sym typeface="Graphik Semibold"/>
               </a:defRPr>
             </a:lvl2pPr>
@@ -2591,13 +2601,13 @@
               </a:spcBef>
               <a:buSzTx/>
               <a:buNone/>
-              <a:defRPr spc="-59" sz="6000">
+              <a:defRPr sz="6000" spc="-59">
                 <a:solidFill>
                   <a:srgbClr val="FFFFFF"/>
                 </a:solidFill>
-                <a:latin typeface="Graphik Semibold"/>
-                <a:ea typeface="Graphik Semibold"/>
-                <a:cs typeface="Graphik Semibold"/>
+                <a:latin typeface="Graphik-SemiboldItalic"/>
+                <a:ea typeface="Graphik-SemiboldItalic"/>
+                <a:cs typeface="Graphik-SemiboldItalic"/>
                 <a:sym typeface="Graphik Semibold"/>
               </a:defRPr>
             </a:lvl3pPr>
@@ -2610,13 +2620,13 @@
               </a:spcBef>
               <a:buSzTx/>
               <a:buNone/>
-              <a:defRPr spc="-59" sz="6000">
+              <a:defRPr sz="6000" spc="-59">
                 <a:solidFill>
                   <a:srgbClr val="FFFFFF"/>
                 </a:solidFill>
-                <a:latin typeface="Graphik Semibold"/>
-                <a:ea typeface="Graphik Semibold"/>
-                <a:cs typeface="Graphik Semibold"/>
+                <a:latin typeface="Graphik-SemiboldItalic"/>
+                <a:ea typeface="Graphik-SemiboldItalic"/>
+                <a:cs typeface="Graphik-SemiboldItalic"/>
                 <a:sym typeface="Graphik Semibold"/>
               </a:defRPr>
             </a:lvl4pPr>
@@ -2629,53 +2639,46 @@
               </a:spcBef>
               <a:buSzTx/>
               <a:buNone/>
-              <a:defRPr spc="-59" sz="6000">
+              <a:defRPr sz="6000" spc="-59">
                 <a:solidFill>
                   <a:srgbClr val="FFFFFF"/>
                 </a:solidFill>
-                <a:latin typeface="Graphik Semibold"/>
-                <a:ea typeface="Graphik Semibold"/>
-                <a:cs typeface="Graphik Semibold"/>
+                <a:latin typeface="Graphik-SemiboldItalic"/>
+                <a:ea typeface="Graphik-SemiboldItalic"/>
+                <a:cs typeface="Graphik-SemiboldItalic"/>
                 <a:sym typeface="Graphik Semibold"/>
               </a:defRPr>
             </a:lvl5pPr>
           </a:lstStyle>
           <a:p>
-            <a:pPr/>
             <a:r>
               <a:t>Presentation Subtitle</a:t>
             </a:r>
           </a:p>
           <a:p>
             <a:pPr lvl="1"/>
-            <a:r>
-              <a:t/>
-            </a:r>
+            <a:endParaRPr/>
           </a:p>
           <a:p>
             <a:pPr lvl="2"/>
-            <a:r>
-              <a:t/>
-            </a:r>
+            <a:endParaRPr/>
           </a:p>
           <a:p>
             <a:pPr lvl="3"/>
-            <a:r>
-              <a:t/>
-            </a:r>
+            <a:endParaRPr/>
           </a:p>
           <a:p>
             <a:pPr lvl="4"/>
-            <a:r>
-              <a:t/>
-            </a:r>
+            <a:endParaRPr/>
           </a:p>
         </p:txBody>
       </p:sp>
       <p:sp>
         <p:nvSpPr>
           <p:cNvPr id="24" name="Author and Date"/>
-          <p:cNvSpPr txBox="1"/>
+          <p:cNvSpPr txBox="1">
+            <a:spLocks noGrp="1"/>
+          </p:cNvSpPr>
           <p:nvPr>
             <p:ph type="body" sz="quarter" idx="22" hasCustomPrompt="1"/>
           </p:nvPr>
@@ -2701,19 +2704,18 @@
               </a:spcBef>
               <a:buSzTx/>
               <a:buNone/>
-              <a:defRPr spc="-29" sz="3000">
+              <a:defRPr sz="3000" spc="-29">
                 <a:solidFill>
                   <a:srgbClr val="FFFFFF"/>
                 </a:solidFill>
-                <a:latin typeface="Graphik Medium"/>
-                <a:ea typeface="Graphik Medium"/>
-                <a:cs typeface="Graphik Medium"/>
+                <a:latin typeface="Graphik-Medium"/>
+                <a:ea typeface="Graphik-Medium"/>
+                <a:cs typeface="Graphik-Medium"/>
                 <a:sym typeface="Graphik Medium"/>
               </a:defRPr>
             </a:lvl1pPr>
           </a:lstStyle>
           <a:p>
-            <a:pPr/>
             <a:r>
               <a:t>Author and Date</a:t>
             </a:r>
@@ -2723,7 +2725,9 @@
       <p:sp>
         <p:nvSpPr>
           <p:cNvPr id="25" name="Slide Number"/>
-          <p:cNvSpPr txBox="1"/>
+          <p:cNvSpPr txBox="1">
+            <a:spLocks noGrp="1"/>
+          </p:cNvSpPr>
           <p:nvPr>
             <p:ph type="sldNum" sz="quarter" idx="2"/>
           </p:nvPr>
@@ -2745,8 +2749,10 @@
             </a:lvl1pPr>
           </a:lstStyle>
           <a:p>
-            <a:pPr/>
-            <a:fld id="{86CB4B4D-7CA3-9044-876B-883B54F8677D}" type="slidenum"/>
+            <a:fld id="{86CB4B4D-7CA3-9044-876B-883B54F8677D}" type="slidenum">
+              <a:t>‹#›</a:t>
+            </a:fld>
+            <a:endParaRPr/>
           </a:p>
         </p:txBody>
       </p:sp>
@@ -2755,12 +2761,12 @@
   <p:clrMapOvr>
     <a:masterClrMapping/>
   </p:clrMapOvr>
-  <p:transition xmlns:p14="http://schemas.microsoft.com/office/powerpoint/2010/main" spd="med" advClick="1"/>
+  <p:transition spd="med"/>
 </p:sldLayout>
 </file>
 
 <file path=ppt/slideLayouts/slideLayout3.xml><?xml version="1.0" encoding="utf-8"?>
-<p:sldLayout xmlns:a="http://schemas.openxmlformats.org/drawingml/2006/main" xmlns:r="http://schemas.openxmlformats.org/officeDocument/2006/relationships" xmlns:p="http://schemas.openxmlformats.org/presentationml/2006/main" xmlns:m="http://schemas.openxmlformats.org/officeDocument/2006/math" xmlns:a14="http://schemas.microsoft.com/office/drawing/2010/main" type="tx" showMasterSp="1" showMasterPhAnim="1">
+<p:sldLayout xmlns:a="http://schemas.openxmlformats.org/drawingml/2006/main" xmlns:r="http://schemas.openxmlformats.org/officeDocument/2006/relationships" xmlns:p="http://schemas.openxmlformats.org/presentationml/2006/main" type="tx">
   <p:cSld name="Title &amp; Photo Alt">
     <p:spTree>
       <p:nvGrpSpPr>
@@ -2779,7 +2785,9 @@
       <p:sp>
         <p:nvSpPr>
           <p:cNvPr id="32" name="Slide Title"/>
-          <p:cNvSpPr txBox="1"/>
+          <p:cNvSpPr txBox="1">
+            <a:spLocks noGrp="1"/>
+          </p:cNvSpPr>
           <p:nvPr>
             <p:ph type="title" hasCustomPrompt="1"/>
           </p:nvPr>
@@ -2797,7 +2805,6 @@
           <a:bodyPr anchor="b"/>
           <a:lstStyle/>
           <a:p>
-            <a:pPr/>
             <a:r>
               <a:t>Slide Title</a:t>
             </a:r>
@@ -2807,7 +2814,9 @@
       <p:sp>
         <p:nvSpPr>
           <p:cNvPr id="33" name="Image"/>
-          <p:cNvSpPr/>
+          <p:cNvSpPr>
+            <a:spLocks noGrp="1"/>
+          </p:cNvSpPr>
           <p:nvPr>
             <p:ph type="pic" idx="21"/>
           </p:nvPr>
@@ -2827,14 +2836,16 @@
           </a:bodyPr>
           <a:lstStyle/>
           <a:p>
-            <a:pPr/>
+            <a:endParaRPr/>
           </a:p>
         </p:txBody>
       </p:sp>
       <p:sp>
         <p:nvSpPr>
           <p:cNvPr id="34" name="Body Level One…"/>
-          <p:cNvSpPr txBox="1"/>
+          <p:cNvSpPr txBox="1">
+            <a:spLocks noGrp="1"/>
+          </p:cNvSpPr>
           <p:nvPr>
             <p:ph type="body" sz="quarter" idx="1" hasCustomPrompt="1"/>
           </p:nvPr>
@@ -2861,9 +2872,9 @@
               <a:buSzTx/>
               <a:buNone/>
               <a:defRPr spc="-44">
-                <a:latin typeface="Graphik Semibold"/>
-                <a:ea typeface="Graphik Semibold"/>
-                <a:cs typeface="Graphik Semibold"/>
+                <a:latin typeface="Graphik-SemiboldItalic"/>
+                <a:ea typeface="Graphik-SemiboldItalic"/>
+                <a:cs typeface="Graphik-SemiboldItalic"/>
                 <a:sym typeface="Graphik Semibold"/>
               </a:defRPr>
             </a:lvl1pPr>
@@ -2877,9 +2888,9 @@
               <a:buSzTx/>
               <a:buNone/>
               <a:defRPr spc="-44">
-                <a:latin typeface="Graphik Semibold"/>
-                <a:ea typeface="Graphik Semibold"/>
-                <a:cs typeface="Graphik Semibold"/>
+                <a:latin typeface="Graphik-SemiboldItalic"/>
+                <a:ea typeface="Graphik-SemiboldItalic"/>
+                <a:cs typeface="Graphik-SemiboldItalic"/>
                 <a:sym typeface="Graphik Semibold"/>
               </a:defRPr>
             </a:lvl2pPr>
@@ -2893,9 +2904,9 @@
               <a:buSzTx/>
               <a:buNone/>
               <a:defRPr spc="-44">
-                <a:latin typeface="Graphik Semibold"/>
-                <a:ea typeface="Graphik Semibold"/>
-                <a:cs typeface="Graphik Semibold"/>
+                <a:latin typeface="Graphik-SemiboldItalic"/>
+                <a:ea typeface="Graphik-SemiboldItalic"/>
+                <a:cs typeface="Graphik-SemiboldItalic"/>
                 <a:sym typeface="Graphik Semibold"/>
               </a:defRPr>
             </a:lvl3pPr>
@@ -2909,9 +2920,9 @@
               <a:buSzTx/>
               <a:buNone/>
               <a:defRPr spc="-44">
-                <a:latin typeface="Graphik Semibold"/>
-                <a:ea typeface="Graphik Semibold"/>
-                <a:cs typeface="Graphik Semibold"/>
+                <a:latin typeface="Graphik-SemiboldItalic"/>
+                <a:ea typeface="Graphik-SemiboldItalic"/>
+                <a:cs typeface="Graphik-SemiboldItalic"/>
                 <a:sym typeface="Graphik Semibold"/>
               </a:defRPr>
             </a:lvl4pPr>
@@ -2925,49 +2936,42 @@
               <a:buSzTx/>
               <a:buNone/>
               <a:defRPr spc="-44">
-                <a:latin typeface="Graphik Semibold"/>
-                <a:ea typeface="Graphik Semibold"/>
-                <a:cs typeface="Graphik Semibold"/>
+                <a:latin typeface="Graphik-SemiboldItalic"/>
+                <a:ea typeface="Graphik-SemiboldItalic"/>
+                <a:cs typeface="Graphik-SemiboldItalic"/>
                 <a:sym typeface="Graphik Semibold"/>
               </a:defRPr>
             </a:lvl5pPr>
           </a:lstStyle>
           <a:p>
-            <a:pPr/>
             <a:r>
               <a:t>Slide Subtitle</a:t>
             </a:r>
           </a:p>
           <a:p>
             <a:pPr lvl="1"/>
-            <a:r>
-              <a:t/>
-            </a:r>
+            <a:endParaRPr/>
           </a:p>
           <a:p>
             <a:pPr lvl="2"/>
-            <a:r>
-              <a:t/>
-            </a:r>
+            <a:endParaRPr/>
           </a:p>
           <a:p>
             <a:pPr lvl="3"/>
-            <a:r>
-              <a:t/>
-            </a:r>
+            <a:endParaRPr/>
           </a:p>
           <a:p>
             <a:pPr lvl="4"/>
-            <a:r>
-              <a:t/>
-            </a:r>
+            <a:endParaRPr/>
           </a:p>
         </p:txBody>
       </p:sp>
       <p:sp>
         <p:nvSpPr>
           <p:cNvPr id="35" name="Slide Number"/>
-          <p:cNvSpPr txBox="1"/>
+          <p:cNvSpPr txBox="1">
+            <a:spLocks noGrp="1"/>
+          </p:cNvSpPr>
           <p:nvPr>
             <p:ph type="sldNum" sz="quarter" idx="2"/>
           </p:nvPr>
@@ -2981,8 +2985,10 @@
           <a:bodyPr/>
           <a:lstStyle/>
           <a:p>
-            <a:pPr/>
-            <a:fld id="{86CB4B4D-7CA3-9044-876B-883B54F8677D}" type="slidenum"/>
+            <a:fld id="{86CB4B4D-7CA3-9044-876B-883B54F8677D}" type="slidenum">
+              <a:t>‹#›</a:t>
+            </a:fld>
+            <a:endParaRPr/>
           </a:p>
         </p:txBody>
       </p:sp>
@@ -2991,12 +2997,12 @@
   <p:clrMapOvr>
     <a:masterClrMapping/>
   </p:clrMapOvr>
-  <p:transition xmlns:p14="http://schemas.microsoft.com/office/powerpoint/2010/main" spd="med" advClick="1"/>
+  <p:transition spd="med"/>
 </p:sldLayout>
 </file>
 
 <file path=ppt/slideLayouts/slideLayout4.xml><?xml version="1.0" encoding="utf-8"?>
-<p:sldLayout xmlns:a="http://schemas.openxmlformats.org/drawingml/2006/main" xmlns:r="http://schemas.openxmlformats.org/officeDocument/2006/relationships" xmlns:p="http://schemas.openxmlformats.org/presentationml/2006/main" xmlns:m="http://schemas.openxmlformats.org/officeDocument/2006/math" xmlns:a14="http://schemas.microsoft.com/office/drawing/2010/main" type="tx" showMasterSp="1" showMasterPhAnim="1">
+<p:sldLayout xmlns:a="http://schemas.openxmlformats.org/drawingml/2006/main" xmlns:r="http://schemas.openxmlformats.org/officeDocument/2006/relationships" xmlns:p="http://schemas.openxmlformats.org/presentationml/2006/main" type="tx">
   <p:cSld name="Title &amp; Bullets">
     <p:spTree>
       <p:nvGrpSpPr>
@@ -3015,7 +3021,9 @@
       <p:sp>
         <p:nvSpPr>
           <p:cNvPr id="42" name="Slide Title"/>
-          <p:cNvSpPr txBox="1"/>
+          <p:cNvSpPr txBox="1">
+            <a:spLocks noGrp="1"/>
+          </p:cNvSpPr>
           <p:nvPr>
             <p:ph type="title" hasCustomPrompt="1"/>
           </p:nvPr>
@@ -3029,7 +3037,6 @@
           <a:bodyPr/>
           <a:lstStyle/>
           <a:p>
-            <a:pPr/>
             <a:r>
               <a:t>Slide Title</a:t>
             </a:r>
@@ -3039,7 +3046,9 @@
       <p:sp>
         <p:nvSpPr>
           <p:cNvPr id="43" name="Body Level One…"/>
-          <p:cNvSpPr txBox="1"/>
+          <p:cNvSpPr txBox="1">
+            <a:spLocks noGrp="1"/>
+          </p:cNvSpPr>
           <p:nvPr>
             <p:ph type="body" idx="1" hasCustomPrompt="1"/>
           </p:nvPr>
@@ -3053,41 +3062,34 @@
           <a:bodyPr/>
           <a:lstStyle/>
           <a:p>
-            <a:pPr/>
             <a:r>
               <a:t>Slide bullet text</a:t>
             </a:r>
           </a:p>
           <a:p>
             <a:pPr lvl="1"/>
-            <a:r>
-              <a:t/>
-            </a:r>
+            <a:endParaRPr/>
           </a:p>
           <a:p>
             <a:pPr lvl="2"/>
-            <a:r>
-              <a:t/>
-            </a:r>
+            <a:endParaRPr/>
           </a:p>
           <a:p>
             <a:pPr lvl="3"/>
-            <a:r>
-              <a:t/>
-            </a:r>
+            <a:endParaRPr/>
           </a:p>
           <a:p>
             <a:pPr lvl="4"/>
-            <a:r>
-              <a:t/>
-            </a:r>
+            <a:endParaRPr/>
           </a:p>
         </p:txBody>
       </p:sp>
       <p:sp>
         <p:nvSpPr>
           <p:cNvPr id="44" name="Slide Subtitle"/>
-          <p:cNvSpPr txBox="1"/>
+          <p:cNvSpPr txBox="1">
+            <a:spLocks noGrp="1"/>
+          </p:cNvSpPr>
           <p:nvPr>
             <p:ph type="body" sz="quarter" idx="21" hasCustomPrompt="1"/>
           </p:nvPr>
@@ -3114,15 +3116,14 @@
               <a:buSzTx/>
               <a:buNone/>
               <a:defRPr spc="-44">
-                <a:latin typeface="Graphik Semibold"/>
-                <a:ea typeface="Graphik Semibold"/>
-                <a:cs typeface="Graphik Semibold"/>
+                <a:latin typeface="Graphik-SemiboldItalic"/>
+                <a:ea typeface="Graphik-SemiboldItalic"/>
+                <a:cs typeface="Graphik-SemiboldItalic"/>
                 <a:sym typeface="Graphik Semibold"/>
               </a:defRPr>
             </a:lvl1pPr>
           </a:lstStyle>
           <a:p>
-            <a:pPr/>
             <a:r>
               <a:t>Slide Subtitle</a:t>
             </a:r>
@@ -3132,7 +3133,9 @@
       <p:sp>
         <p:nvSpPr>
           <p:cNvPr id="45" name="Slide Number"/>
-          <p:cNvSpPr txBox="1"/>
+          <p:cNvSpPr txBox="1">
+            <a:spLocks noGrp="1"/>
+          </p:cNvSpPr>
           <p:nvPr>
             <p:ph type="sldNum" sz="quarter" idx="2"/>
           </p:nvPr>
@@ -3146,8 +3149,10 @@
           <a:bodyPr/>
           <a:lstStyle/>
           <a:p>
-            <a:pPr/>
-            <a:fld id="{86CB4B4D-7CA3-9044-876B-883B54F8677D}" type="slidenum"/>
+            <a:fld id="{86CB4B4D-7CA3-9044-876B-883B54F8677D}" type="slidenum">
+              <a:t>‹#›</a:t>
+            </a:fld>
+            <a:endParaRPr/>
           </a:p>
         </p:txBody>
       </p:sp>
@@ -3156,12 +3161,12 @@
   <p:clrMapOvr>
     <a:masterClrMapping/>
   </p:clrMapOvr>
-  <p:transition xmlns:p14="http://schemas.microsoft.com/office/powerpoint/2010/main" spd="med" advClick="1"/>
+  <p:transition spd="med"/>
 </p:sldLayout>
 </file>
 
 <file path=ppt/slideLayouts/slideLayout5.xml><?xml version="1.0" encoding="utf-8"?>
-<p:sldLayout xmlns:a="http://schemas.openxmlformats.org/drawingml/2006/main" xmlns:r="http://schemas.openxmlformats.org/officeDocument/2006/relationships" xmlns:p="http://schemas.openxmlformats.org/presentationml/2006/main" xmlns:m="http://schemas.openxmlformats.org/officeDocument/2006/math" xmlns:a14="http://schemas.microsoft.com/office/drawing/2010/main" type="tx" showMasterSp="1" showMasterPhAnim="1">
+<p:sldLayout xmlns:a="http://schemas.openxmlformats.org/drawingml/2006/main" xmlns:r="http://schemas.openxmlformats.org/officeDocument/2006/relationships" xmlns:p="http://schemas.openxmlformats.org/presentationml/2006/main" type="tx">
   <p:cSld name="Bullets">
     <p:spTree>
       <p:nvGrpSpPr>
@@ -3180,7 +3185,9 @@
       <p:sp>
         <p:nvSpPr>
           <p:cNvPr id="52" name="Body Level One…"/>
-          <p:cNvSpPr txBox="1"/>
+          <p:cNvSpPr txBox="1">
+            <a:spLocks noGrp="1"/>
+          </p:cNvSpPr>
           <p:nvPr>
             <p:ph type="body" idx="1" hasCustomPrompt="1"/>
           </p:nvPr>
@@ -3198,41 +3205,34 @@
           <a:bodyPr numCol="2" spcCol="2558384"/>
           <a:lstStyle/>
           <a:p>
-            <a:pPr/>
             <a:r>
               <a:t>Slide bullet text</a:t>
             </a:r>
           </a:p>
           <a:p>
             <a:pPr lvl="1"/>
-            <a:r>
-              <a:t/>
-            </a:r>
+            <a:endParaRPr/>
           </a:p>
           <a:p>
             <a:pPr lvl="2"/>
-            <a:r>
-              <a:t/>
-            </a:r>
+            <a:endParaRPr/>
           </a:p>
           <a:p>
             <a:pPr lvl="3"/>
-            <a:r>
-              <a:t/>
-            </a:r>
+            <a:endParaRPr/>
           </a:p>
           <a:p>
             <a:pPr lvl="4"/>
-            <a:r>
-              <a:t/>
-            </a:r>
+            <a:endParaRPr/>
           </a:p>
         </p:txBody>
       </p:sp>
       <p:sp>
         <p:nvSpPr>
           <p:cNvPr id="53" name="Slide Number"/>
-          <p:cNvSpPr txBox="1"/>
+          <p:cNvSpPr txBox="1">
+            <a:spLocks noGrp="1"/>
+          </p:cNvSpPr>
           <p:nvPr>
             <p:ph type="sldNum" sz="quarter" idx="2"/>
           </p:nvPr>
@@ -3250,8 +3250,10 @@
           <a:bodyPr/>
           <a:lstStyle/>
           <a:p>
-            <a:pPr/>
-            <a:fld id="{86CB4B4D-7CA3-9044-876B-883B54F8677D}" type="slidenum"/>
+            <a:fld id="{86CB4B4D-7CA3-9044-876B-883B54F8677D}" type="slidenum">
+              <a:t>‹#›</a:t>
+            </a:fld>
+            <a:endParaRPr/>
           </a:p>
         </p:txBody>
       </p:sp>
@@ -3260,12 +3262,12 @@
   <p:clrMapOvr>
     <a:masterClrMapping/>
   </p:clrMapOvr>
-  <p:transition xmlns:p14="http://schemas.microsoft.com/office/powerpoint/2010/main" spd="med" advClick="1"/>
+  <p:transition spd="med"/>
 </p:sldLayout>
 </file>
 
 <file path=ppt/slideLayouts/slideLayout6.xml><?xml version="1.0" encoding="utf-8"?>
-<p:sldLayout xmlns:a="http://schemas.openxmlformats.org/drawingml/2006/main" xmlns:r="http://schemas.openxmlformats.org/officeDocument/2006/relationships" xmlns:p="http://schemas.openxmlformats.org/presentationml/2006/main" xmlns:m="http://schemas.openxmlformats.org/officeDocument/2006/math" xmlns:a14="http://schemas.microsoft.com/office/drawing/2010/main" type="tx" showMasterSp="1" showMasterPhAnim="1">
+<p:sldLayout xmlns:a="http://schemas.openxmlformats.org/drawingml/2006/main" xmlns:r="http://schemas.openxmlformats.org/officeDocument/2006/relationships" xmlns:p="http://schemas.openxmlformats.org/presentationml/2006/main" type="tx">
   <p:cSld name="Title, Bullets &amp; Photo">
     <p:spTree>
       <p:nvGrpSpPr>
@@ -3284,7 +3286,9 @@
       <p:sp>
         <p:nvSpPr>
           <p:cNvPr id="60" name="Slide Title"/>
-          <p:cNvSpPr txBox="1"/>
+          <p:cNvSpPr txBox="1">
+            <a:spLocks noGrp="1"/>
+          </p:cNvSpPr>
           <p:nvPr>
             <p:ph type="title" hasCustomPrompt="1"/>
           </p:nvPr>
@@ -3302,7 +3306,6 @@
           <a:bodyPr/>
           <a:lstStyle/>
           <a:p>
-            <a:pPr/>
             <a:r>
               <a:t>Slide Title</a:t>
             </a:r>
@@ -3312,7 +3315,9 @@
       <p:sp>
         <p:nvSpPr>
           <p:cNvPr id="61" name="Image"/>
-          <p:cNvSpPr/>
+          <p:cNvSpPr>
+            <a:spLocks noGrp="1"/>
+          </p:cNvSpPr>
           <p:nvPr>
             <p:ph type="pic" idx="21"/>
           </p:nvPr>
@@ -3332,14 +3337,16 @@
           </a:bodyPr>
           <a:lstStyle/>
           <a:p>
-            <a:pPr/>
+            <a:endParaRPr/>
           </a:p>
         </p:txBody>
       </p:sp>
       <p:sp>
         <p:nvSpPr>
           <p:cNvPr id="62" name="Slide Subtitle"/>
-          <p:cNvSpPr txBox="1"/>
+          <p:cNvSpPr txBox="1">
+            <a:spLocks noGrp="1"/>
+          </p:cNvSpPr>
           <p:nvPr>
             <p:ph type="body" sz="quarter" idx="22" hasCustomPrompt="1"/>
           </p:nvPr>
@@ -3366,15 +3373,14 @@
               <a:buSzTx/>
               <a:buNone/>
               <a:defRPr spc="-44">
-                <a:latin typeface="Graphik Semibold"/>
-                <a:ea typeface="Graphik Semibold"/>
-                <a:cs typeface="Graphik Semibold"/>
+                <a:latin typeface="Graphik-SemiboldItalic"/>
+                <a:ea typeface="Graphik-SemiboldItalic"/>
+                <a:cs typeface="Graphik-SemiboldItalic"/>
                 <a:sym typeface="Graphik Semibold"/>
               </a:defRPr>
             </a:lvl1pPr>
           </a:lstStyle>
           <a:p>
-            <a:pPr/>
             <a:r>
               <a:t>Slide Subtitle</a:t>
             </a:r>
@@ -3384,7 +3390,9 @@
       <p:sp>
         <p:nvSpPr>
           <p:cNvPr id="63" name="Body Level One…"/>
-          <p:cNvSpPr txBox="1"/>
+          <p:cNvSpPr txBox="1">
+            <a:spLocks noGrp="1"/>
+          </p:cNvSpPr>
           <p:nvPr>
             <p:ph type="body" sz="half" idx="1" hasCustomPrompt="1"/>
           </p:nvPr>
@@ -3402,41 +3410,34 @@
           <a:bodyPr/>
           <a:lstStyle/>
           <a:p>
-            <a:pPr/>
             <a:r>
               <a:t>Slide bullet text</a:t>
             </a:r>
           </a:p>
           <a:p>
             <a:pPr lvl="1"/>
-            <a:r>
-              <a:t/>
-            </a:r>
+            <a:endParaRPr/>
           </a:p>
           <a:p>
             <a:pPr lvl="2"/>
-            <a:r>
-              <a:t/>
-            </a:r>
+            <a:endParaRPr/>
           </a:p>
           <a:p>
             <a:pPr lvl="3"/>
-            <a:r>
-              <a:t/>
-            </a:r>
+            <a:endParaRPr/>
           </a:p>
           <a:p>
             <a:pPr lvl="4"/>
-            <a:r>
-              <a:t/>
-            </a:r>
+            <a:endParaRPr/>
           </a:p>
         </p:txBody>
       </p:sp>
       <p:sp>
         <p:nvSpPr>
           <p:cNvPr id="64" name="Slide Number"/>
-          <p:cNvSpPr txBox="1"/>
+          <p:cNvSpPr txBox="1">
+            <a:spLocks noGrp="1"/>
+          </p:cNvSpPr>
           <p:nvPr>
             <p:ph type="sldNum" sz="quarter" idx="2"/>
           </p:nvPr>
@@ -3454,8 +3455,10 @@
           <a:bodyPr/>
           <a:lstStyle/>
           <a:p>
-            <a:pPr/>
-            <a:fld id="{86CB4B4D-7CA3-9044-876B-883B54F8677D}" type="slidenum"/>
+            <a:fld id="{86CB4B4D-7CA3-9044-876B-883B54F8677D}" type="slidenum">
+              <a:t>‹#›</a:t>
+            </a:fld>
+            <a:endParaRPr/>
           </a:p>
         </p:txBody>
       </p:sp>
@@ -3464,12 +3467,12 @@
   <p:clrMapOvr>
     <a:masterClrMapping/>
   </p:clrMapOvr>
-  <p:transition xmlns:p14="http://schemas.microsoft.com/office/powerpoint/2010/main" spd="med" advClick="1"/>
+  <p:transition spd="med"/>
 </p:sldLayout>
 </file>
 
 <file path=ppt/slideLayouts/slideLayout7.xml><?xml version="1.0" encoding="utf-8"?>
-<p:sldLayout xmlns:a="http://schemas.openxmlformats.org/drawingml/2006/main" xmlns:r="http://schemas.openxmlformats.org/officeDocument/2006/relationships" xmlns:p="http://schemas.openxmlformats.org/presentationml/2006/main" xmlns:m="http://schemas.openxmlformats.org/officeDocument/2006/math" xmlns:a14="http://schemas.microsoft.com/office/drawing/2010/main" type="tx" showMasterSp="1" showMasterPhAnim="1">
+<p:sldLayout xmlns:a="http://schemas.openxmlformats.org/drawingml/2006/main" xmlns:r="http://schemas.openxmlformats.org/officeDocument/2006/relationships" xmlns:p="http://schemas.openxmlformats.org/presentationml/2006/main" type="tx">
   <p:cSld name="Section">
     <p:spTree>
       <p:nvGrpSpPr>
@@ -3488,7 +3491,9 @@
       <p:sp>
         <p:nvSpPr>
           <p:cNvPr id="71" name="Section Title"/>
-          <p:cNvSpPr txBox="1"/>
+          <p:cNvSpPr txBox="1">
+            <a:spLocks noGrp="1"/>
+          </p:cNvSpPr>
           <p:nvPr>
             <p:ph type="title" hasCustomPrompt="1"/>
           </p:nvPr>
@@ -3506,11 +3511,10 @@
           <a:bodyPr anchor="ctr"/>
           <a:lstStyle>
             <a:lvl1pPr>
-              <a:defRPr spc="0" sz="12800"/>
+              <a:defRPr sz="12800" spc="0"/>
             </a:lvl1pPr>
           </a:lstStyle>
           <a:p>
-            <a:pPr/>
             <a:r>
               <a:t>Section Title</a:t>
             </a:r>
@@ -3520,7 +3524,9 @@
       <p:sp>
         <p:nvSpPr>
           <p:cNvPr id="72" name="Slide Number"/>
-          <p:cNvSpPr txBox="1"/>
+          <p:cNvSpPr txBox="1">
+            <a:spLocks noGrp="1"/>
+          </p:cNvSpPr>
           <p:nvPr>
             <p:ph type="sldNum" sz="quarter" idx="2"/>
           </p:nvPr>
@@ -3538,8 +3544,10 @@
           <a:bodyPr/>
           <a:lstStyle/>
           <a:p>
-            <a:pPr/>
-            <a:fld id="{86CB4B4D-7CA3-9044-876B-883B54F8677D}" type="slidenum"/>
+            <a:fld id="{86CB4B4D-7CA3-9044-876B-883B54F8677D}" type="slidenum">
+              <a:t>‹#›</a:t>
+            </a:fld>
+            <a:endParaRPr/>
           </a:p>
         </p:txBody>
       </p:sp>
@@ -3548,12 +3556,12 @@
   <p:clrMapOvr>
     <a:masterClrMapping/>
   </p:clrMapOvr>
-  <p:transition xmlns:p14="http://schemas.microsoft.com/office/powerpoint/2010/main" spd="med" advClick="1"/>
+  <p:transition spd="med"/>
 </p:sldLayout>
 </file>
 
 <file path=ppt/slideLayouts/slideLayout8.xml><?xml version="1.0" encoding="utf-8"?>
-<p:sldLayout xmlns:a="http://schemas.openxmlformats.org/drawingml/2006/main" xmlns:r="http://schemas.openxmlformats.org/officeDocument/2006/relationships" xmlns:p="http://schemas.openxmlformats.org/presentationml/2006/main" xmlns:m="http://schemas.openxmlformats.org/officeDocument/2006/math" xmlns:a14="http://schemas.microsoft.com/office/drawing/2010/main" type="tx" showMasterSp="1" showMasterPhAnim="1">
+<p:sldLayout xmlns:a="http://schemas.openxmlformats.org/drawingml/2006/main" xmlns:r="http://schemas.openxmlformats.org/officeDocument/2006/relationships" xmlns:p="http://schemas.openxmlformats.org/presentationml/2006/main" type="tx">
   <p:cSld name="Title Only">
     <p:spTree>
       <p:nvGrpSpPr>
@@ -3572,7 +3580,9 @@
       <p:sp>
         <p:nvSpPr>
           <p:cNvPr id="79" name="Slide Title"/>
-          <p:cNvSpPr txBox="1"/>
+          <p:cNvSpPr txBox="1">
+            <a:spLocks noGrp="1"/>
+          </p:cNvSpPr>
           <p:nvPr>
             <p:ph type="title" hasCustomPrompt="1"/>
           </p:nvPr>
@@ -3586,7 +3596,6 @@
           <a:bodyPr/>
           <a:lstStyle/>
           <a:p>
-            <a:pPr/>
             <a:r>
               <a:t>Slide Title</a:t>
             </a:r>
@@ -3596,7 +3605,9 @@
       <p:sp>
         <p:nvSpPr>
           <p:cNvPr id="80" name="Slide Subtitle"/>
-          <p:cNvSpPr txBox="1"/>
+          <p:cNvSpPr txBox="1">
+            <a:spLocks noGrp="1"/>
+          </p:cNvSpPr>
           <p:nvPr>
             <p:ph type="body" sz="quarter" idx="21" hasCustomPrompt="1"/>
           </p:nvPr>
@@ -3623,15 +3634,14 @@
               <a:buSzTx/>
               <a:buNone/>
               <a:defRPr spc="-44">
-                <a:latin typeface="Graphik Semibold"/>
-                <a:ea typeface="Graphik Semibold"/>
-                <a:cs typeface="Graphik Semibold"/>
+                <a:latin typeface="Graphik-SemiboldItalic"/>
+                <a:ea typeface="Graphik-SemiboldItalic"/>
+                <a:cs typeface="Graphik-SemiboldItalic"/>
                 <a:sym typeface="Graphik Semibold"/>
               </a:defRPr>
             </a:lvl1pPr>
           </a:lstStyle>
           <a:p>
-            <a:pPr/>
             <a:r>
               <a:t>Slide Subtitle</a:t>
             </a:r>
@@ -3641,7 +3651,9 @@
       <p:sp>
         <p:nvSpPr>
           <p:cNvPr id="81" name="Slide Number"/>
-          <p:cNvSpPr txBox="1"/>
+          <p:cNvSpPr txBox="1">
+            <a:spLocks noGrp="1"/>
+          </p:cNvSpPr>
           <p:nvPr>
             <p:ph type="sldNum" sz="quarter" idx="2"/>
           </p:nvPr>
@@ -3659,8 +3671,10 @@
           <a:bodyPr/>
           <a:lstStyle/>
           <a:p>
-            <a:pPr/>
-            <a:fld id="{86CB4B4D-7CA3-9044-876B-883B54F8677D}" type="slidenum"/>
+            <a:fld id="{86CB4B4D-7CA3-9044-876B-883B54F8677D}" type="slidenum">
+              <a:t>‹#›</a:t>
+            </a:fld>
+            <a:endParaRPr/>
           </a:p>
         </p:txBody>
       </p:sp>
@@ -3669,12 +3683,12 @@
   <p:clrMapOvr>
     <a:masterClrMapping/>
   </p:clrMapOvr>
-  <p:transition xmlns:p14="http://schemas.microsoft.com/office/powerpoint/2010/main" spd="med" advClick="1"/>
+  <p:transition spd="med"/>
 </p:sldLayout>
 </file>
 
 <file path=ppt/slideLayouts/slideLayout9.xml><?xml version="1.0" encoding="utf-8"?>
-<p:sldLayout xmlns:a="http://schemas.openxmlformats.org/drawingml/2006/main" xmlns:r="http://schemas.openxmlformats.org/officeDocument/2006/relationships" xmlns:p="http://schemas.openxmlformats.org/presentationml/2006/main" xmlns:m="http://schemas.openxmlformats.org/officeDocument/2006/math" xmlns:a14="http://schemas.microsoft.com/office/drawing/2010/main" type="tx" showMasterSp="1" showMasterPhAnim="1">
+<p:sldLayout xmlns:a="http://schemas.openxmlformats.org/drawingml/2006/main" xmlns:r="http://schemas.openxmlformats.org/officeDocument/2006/relationships" xmlns:p="http://schemas.openxmlformats.org/presentationml/2006/main" type="tx">
   <p:cSld name="Agenda">
     <p:spTree>
       <p:nvGrpSpPr>
@@ -3693,7 +3707,9 @@
       <p:sp>
         <p:nvSpPr>
           <p:cNvPr id="88" name="Agenda Title"/>
-          <p:cNvSpPr txBox="1"/>
+          <p:cNvSpPr txBox="1">
+            <a:spLocks noGrp="1"/>
+          </p:cNvSpPr>
           <p:nvPr>
             <p:ph type="title" hasCustomPrompt="1"/>
           </p:nvPr>
@@ -3707,7 +3723,6 @@
           <a:bodyPr/>
           <a:lstStyle/>
           <a:p>
-            <a:pPr/>
             <a:r>
               <a:t>Agenda Title</a:t>
             </a:r>
@@ -3717,7 +3732,9 @@
       <p:sp>
         <p:nvSpPr>
           <p:cNvPr id="89" name="Body Level One…"/>
-          <p:cNvSpPr txBox="1"/>
+          <p:cNvSpPr txBox="1">
+            <a:spLocks noGrp="1"/>
+          </p:cNvSpPr>
           <p:nvPr>
             <p:ph type="body" idx="1" hasCustomPrompt="1"/>
           </p:nvPr>
@@ -3740,7 +3757,7 @@
               </a:lnSpc>
               <a:buSzTx/>
               <a:buNone/>
-              <a:defRPr spc="-136" sz="6800">
+              <a:defRPr sz="6800" spc="-136">
                 <a:latin typeface="Canela Deck Regular"/>
                 <a:ea typeface="Canela Deck Regular"/>
                 <a:cs typeface="Canela Deck Regular"/>
@@ -3753,7 +3770,7 @@
               </a:lnSpc>
               <a:buSzTx/>
               <a:buNone/>
-              <a:defRPr spc="-136" sz="6800">
+              <a:defRPr sz="6800" spc="-136">
                 <a:latin typeface="Canela Deck Regular"/>
                 <a:ea typeface="Canela Deck Regular"/>
                 <a:cs typeface="Canela Deck Regular"/>
@@ -3766,7 +3783,7 @@
               </a:lnSpc>
               <a:buSzTx/>
               <a:buNone/>
-              <a:defRPr spc="-136" sz="6800">
+              <a:defRPr sz="6800" spc="-136">
                 <a:latin typeface="Canela Deck Regular"/>
                 <a:ea typeface="Canela Deck Regular"/>
                 <a:cs typeface="Canela Deck Regular"/>
@@ -3779,7 +3796,7 @@
               </a:lnSpc>
               <a:buSzTx/>
               <a:buNone/>
-              <a:defRPr spc="-136" sz="6800">
+              <a:defRPr sz="6800" spc="-136">
                 <a:latin typeface="Canela Deck Regular"/>
                 <a:ea typeface="Canela Deck Regular"/>
                 <a:cs typeface="Canela Deck Regular"/>
@@ -3792,7 +3809,7 @@
               </a:lnSpc>
               <a:buSzTx/>
               <a:buNone/>
-              <a:defRPr spc="-136" sz="6800">
+              <a:defRPr sz="6800" spc="-136">
                 <a:latin typeface="Canela Deck Regular"/>
                 <a:ea typeface="Canela Deck Regular"/>
                 <a:cs typeface="Canela Deck Regular"/>
@@ -3801,41 +3818,34 @@
             </a:lvl5pPr>
           </a:lstStyle>
           <a:p>
-            <a:pPr/>
             <a:r>
               <a:t>Agenda Topics</a:t>
             </a:r>
           </a:p>
           <a:p>
             <a:pPr lvl="1"/>
-            <a:r>
-              <a:t/>
-            </a:r>
+            <a:endParaRPr/>
           </a:p>
           <a:p>
             <a:pPr lvl="2"/>
-            <a:r>
-              <a:t/>
-            </a:r>
+            <a:endParaRPr/>
           </a:p>
           <a:p>
             <a:pPr lvl="3"/>
-            <a:r>
-              <a:t/>
-            </a:r>
+            <a:endParaRPr/>
           </a:p>
           <a:p>
             <a:pPr lvl="4"/>
-            <a:r>
-              <a:t/>
-            </a:r>
+            <a:endParaRPr/>
           </a:p>
         </p:txBody>
       </p:sp>
       <p:sp>
         <p:nvSpPr>
           <p:cNvPr id="90" name="Agenda Subtitle"/>
-          <p:cNvSpPr txBox="1"/>
+          <p:cNvSpPr txBox="1">
+            <a:spLocks noGrp="1"/>
+          </p:cNvSpPr>
           <p:nvPr>
             <p:ph type="body" sz="quarter" idx="21" hasCustomPrompt="1"/>
           </p:nvPr>
@@ -3862,15 +3872,14 @@
               <a:buSzTx/>
               <a:buNone/>
               <a:defRPr spc="-44">
-                <a:latin typeface="Graphik Semibold"/>
-                <a:ea typeface="Graphik Semibold"/>
-                <a:cs typeface="Graphik Semibold"/>
+                <a:latin typeface="Graphik-SemiboldItalic"/>
+                <a:ea typeface="Graphik-SemiboldItalic"/>
+                <a:cs typeface="Graphik-SemiboldItalic"/>
                 <a:sym typeface="Graphik Semibold"/>
               </a:defRPr>
             </a:lvl1pPr>
           </a:lstStyle>
           <a:p>
-            <a:pPr/>
             <a:r>
               <a:t>Agenda Subtitle</a:t>
             </a:r>
@@ -3880,7 +3889,9 @@
       <p:sp>
         <p:nvSpPr>
           <p:cNvPr id="91" name="Slide Number"/>
-          <p:cNvSpPr txBox="1"/>
+          <p:cNvSpPr txBox="1">
+            <a:spLocks noGrp="1"/>
+          </p:cNvSpPr>
           <p:nvPr>
             <p:ph type="sldNum" sz="quarter" idx="2"/>
           </p:nvPr>
@@ -3898,8 +3909,10 @@
           <a:bodyPr/>
           <a:lstStyle/>
           <a:p>
-            <a:pPr/>
-            <a:fld id="{86CB4B4D-7CA3-9044-876B-883B54F8677D}" type="slidenum"/>
+            <a:fld id="{86CB4B4D-7CA3-9044-876B-883B54F8677D}" type="slidenum">
+              <a:t>‹#›</a:t>
+            </a:fld>
+            <a:endParaRPr/>
           </a:p>
         </p:txBody>
       </p:sp>
@@ -3908,18 +3921,19 @@
   <p:clrMapOvr>
     <a:masterClrMapping/>
   </p:clrMapOvr>
-  <p:transition xmlns:p14="http://schemas.microsoft.com/office/powerpoint/2010/main" spd="med" advClick="1"/>
+  <p:transition spd="med"/>
 </p:sldLayout>
 </file>
 
 <file path=ppt/slideMasters/slideMaster1.xml><?xml version="1.0" encoding="utf-8"?>
-<p:sldMaster xmlns:a="http://schemas.openxmlformats.org/drawingml/2006/main" xmlns:r="http://schemas.openxmlformats.org/officeDocument/2006/relationships" xmlns:p="http://schemas.openxmlformats.org/presentationml/2006/main" xmlns:m="http://schemas.openxmlformats.org/officeDocument/2006/math" xmlns:a14="http://schemas.microsoft.com/office/drawing/2010/main">
+<p:sldMaster xmlns:a="http://schemas.openxmlformats.org/drawingml/2006/main" xmlns:r="http://schemas.openxmlformats.org/officeDocument/2006/relationships" xmlns:p="http://schemas.openxmlformats.org/presentationml/2006/main">
   <p:cSld>
     <p:bg>
       <p:bgPr>
         <a:solidFill>
           <a:srgbClr val="FFFFFF"/>
         </a:solidFill>
+        <a:effectLst/>
       </p:bgPr>
     </p:bg>
     <p:spTree>
@@ -3939,7 +3953,9 @@
       <p:sp>
         <p:nvSpPr>
           <p:cNvPr id="2" name="Slide Title"/>
-          <p:cNvSpPr txBox="1"/>
+          <p:cNvSpPr txBox="1">
+            <a:spLocks noGrp="1"/>
+          </p:cNvSpPr>
           <p:nvPr>
             <p:ph type="title" hasCustomPrompt="1"/>
           </p:nvPr>
@@ -3957,17 +3973,16 @@
           </a:ln>
           <a:extLst>
             <a:ext uri="{C572A759-6A51-4108-AA02-DFA0A04FC94B}">
-              <ma14:wrappingTextBoxFlag xmlns:ma14="http://schemas.microsoft.com/office/mac/drawingml/2011/main" val="1"/>
+              <ma14:wrappingTextBoxFlag xmlns:ma14="http://schemas.microsoft.com/office/mac/drawingml/2011/main" xmlns:a14="http://schemas.microsoft.com/office/drawing/2010/main" xmlns:m="http://schemas.openxmlformats.org/officeDocument/2006/math" xmlns="" val="1"/>
             </a:ext>
           </a:extLst>
         </p:spPr>
         <p:txBody>
           <a:bodyPr lIns="50800" tIns="50800" rIns="50800" bIns="50800">
-            <a:normAutofit fontScale="100000" lnSpcReduction="0"/>
+            <a:normAutofit/>
           </a:bodyPr>
           <a:lstStyle/>
           <a:p>
-            <a:pPr/>
             <a:r>
               <a:t>Slide Title</a:t>
             </a:r>
@@ -3977,7 +3992,9 @@
       <p:sp>
         <p:nvSpPr>
           <p:cNvPr id="3" name="Body Level One…"/>
-          <p:cNvSpPr txBox="1"/>
+          <p:cNvSpPr txBox="1">
+            <a:spLocks noGrp="1"/>
+          </p:cNvSpPr>
           <p:nvPr>
             <p:ph type="body" idx="1" hasCustomPrompt="1"/>
           </p:nvPr>
@@ -3995,51 +4012,44 @@
           </a:ln>
           <a:extLst>
             <a:ext uri="{C572A759-6A51-4108-AA02-DFA0A04FC94B}">
-              <ma14:wrappingTextBoxFlag xmlns:ma14="http://schemas.microsoft.com/office/mac/drawingml/2011/main" val="1"/>
+              <ma14:wrappingTextBoxFlag xmlns:ma14="http://schemas.microsoft.com/office/mac/drawingml/2011/main" xmlns:a14="http://schemas.microsoft.com/office/drawing/2010/main" xmlns:m="http://schemas.openxmlformats.org/officeDocument/2006/math" xmlns="" val="1"/>
             </a:ext>
           </a:extLst>
         </p:spPr>
         <p:txBody>
           <a:bodyPr lIns="50800" tIns="50800" rIns="50800" bIns="50800">
-            <a:normAutofit fontScale="100000" lnSpcReduction="0"/>
+            <a:normAutofit/>
           </a:bodyPr>
           <a:lstStyle/>
           <a:p>
-            <a:pPr/>
             <a:r>
               <a:t>Slide bullet text</a:t>
             </a:r>
           </a:p>
           <a:p>
             <a:pPr lvl="1"/>
-            <a:r>
-              <a:t/>
-            </a:r>
+            <a:endParaRPr/>
           </a:p>
           <a:p>
             <a:pPr lvl="2"/>
-            <a:r>
-              <a:t/>
-            </a:r>
+            <a:endParaRPr/>
           </a:p>
           <a:p>
             <a:pPr lvl="3"/>
-            <a:r>
-              <a:t/>
-            </a:r>
+            <a:endParaRPr/>
           </a:p>
           <a:p>
             <a:pPr lvl="4"/>
-            <a:r>
-              <a:t/>
-            </a:r>
+            <a:endParaRPr/>
           </a:p>
         </p:txBody>
       </p:sp>
       <p:sp>
         <p:nvSpPr>
           <p:cNvPr id="4" name="Slide Number"/>
-          <p:cNvSpPr txBox="1"/>
+          <p:cNvSpPr txBox="1">
+            <a:spLocks noGrp="1"/>
+          </p:cNvSpPr>
           <p:nvPr>
             <p:ph type="sldNum" sz="quarter" idx="2"/>
           </p:nvPr>
@@ -4077,8 +4087,10 @@
             </a:lvl1pPr>
           </a:lstStyle>
           <a:p>
-            <a:pPr/>
-            <a:fld id="{86CB4B4D-7CA3-9044-876B-883B54F8677D}" type="slidenum"/>
+            <a:fld id="{86CB4B4D-7CA3-9044-876B-883B54F8677D}" type="slidenum">
+              <a:t>‹#›</a:t>
+            </a:fld>
+            <a:endParaRPr/>
           </a:p>
         </p:txBody>
       </p:sp>
@@ -4086,23 +4098,23 @@
   </p:cSld>
   <p:clrMap bg1="lt1" tx1="dk1" bg2="lt2" tx2="dk2" accent1="accent1" accent2="accent2" accent3="accent3" accent4="accent4" accent5="accent5" accent6="accent6" hlink="hlink" folHlink="folHlink"/>
   <p:sldLayoutIdLst>
-    <p:sldLayoutId id="2147483649" r:id="rId2"/>
-    <p:sldLayoutId id="2147483650" r:id="rId3"/>
-    <p:sldLayoutId id="2147483651" r:id="rId4"/>
-    <p:sldLayoutId id="2147483652" r:id="rId5"/>
-    <p:sldLayoutId id="2147483653" r:id="rId6"/>
-    <p:sldLayoutId id="2147483654" r:id="rId7"/>
-    <p:sldLayoutId id="2147483655" r:id="rId8"/>
-    <p:sldLayoutId id="2147483656" r:id="rId9"/>
-    <p:sldLayoutId id="2147483657" r:id="rId10"/>
-    <p:sldLayoutId id="2147483658" r:id="rId11"/>
-    <p:sldLayoutId id="2147483659" r:id="rId12"/>
-    <p:sldLayoutId id="2147483660" r:id="rId13"/>
-    <p:sldLayoutId id="2147483661" r:id="rId14"/>
-    <p:sldLayoutId id="2147483662" r:id="rId15"/>
-    <p:sldLayoutId id="2147483663" r:id="rId16"/>
+    <p:sldLayoutId id="2147483649" r:id="rId1"/>
+    <p:sldLayoutId id="2147483650" r:id="rId2"/>
+    <p:sldLayoutId id="2147483651" r:id="rId3"/>
+    <p:sldLayoutId id="2147483652" r:id="rId4"/>
+    <p:sldLayoutId id="2147483653" r:id="rId5"/>
+    <p:sldLayoutId id="2147483654" r:id="rId6"/>
+    <p:sldLayoutId id="2147483655" r:id="rId7"/>
+    <p:sldLayoutId id="2147483656" r:id="rId8"/>
+    <p:sldLayoutId id="2147483657" r:id="rId9"/>
+    <p:sldLayoutId id="2147483658" r:id="rId10"/>
+    <p:sldLayoutId id="2147483659" r:id="rId11"/>
+    <p:sldLayoutId id="2147483660" r:id="rId12"/>
+    <p:sldLayoutId id="2147483661" r:id="rId13"/>
+    <p:sldLayoutId id="2147483662" r:id="rId14"/>
+    <p:sldLayoutId id="2147483663" r:id="rId15"/>
   </p:sldLayoutIdLst>
-  <p:transition xmlns:p14="http://schemas.microsoft.com/office/powerpoint/2010/main" spd="med" advClick="1"/>
+  <p:transition spd="med"/>
   <p:txStyles>
     <p:titleStyle>
       <a:lvl1pPr marL="0" marR="0" indent="0" algn="ctr" defTabSz="2438400" rtl="0" latinLnBrk="0">
@@ -4120,7 +4132,7 @@
         <a:buFontTx/>
         <a:buNone/>
         <a:tabLst/>
-        <a:defRPr b="0" baseline="0" cap="none" i="0" spc="-84" strike="noStrike" sz="8400" u="none">
+        <a:defRPr sz="8400" b="0" i="0" u="none" strike="noStrike" cap="none" spc="-84" baseline="0">
           <a:solidFill>
             <a:srgbClr val="000000"/>
           </a:solidFill>
@@ -4146,7 +4158,7 @@
         <a:buFontTx/>
         <a:buNone/>
         <a:tabLst/>
-        <a:defRPr b="0" baseline="0" cap="none" i="0" spc="-84" strike="noStrike" sz="8400" u="none">
+        <a:defRPr sz="8400" b="0" i="0" u="none" strike="noStrike" cap="none" spc="-84" baseline="0">
           <a:solidFill>
             <a:srgbClr val="000000"/>
           </a:solidFill>
@@ -4172,7 +4184,7 @@
         <a:buFontTx/>
         <a:buNone/>
         <a:tabLst/>
-        <a:defRPr b="0" baseline="0" cap="none" i="0" spc="-84" strike="noStrike" sz="8400" u="none">
+        <a:defRPr sz="8400" b="0" i="0" u="none" strike="noStrike" cap="none" spc="-84" baseline="0">
           <a:solidFill>
             <a:srgbClr val="000000"/>
           </a:solidFill>
@@ -4198,7 +4210,7 @@
         <a:buFontTx/>
         <a:buNone/>
         <a:tabLst/>
-        <a:defRPr b="0" baseline="0" cap="none" i="0" spc="-84" strike="noStrike" sz="8400" u="none">
+        <a:defRPr sz="8400" b="0" i="0" u="none" strike="noStrike" cap="none" spc="-84" baseline="0">
           <a:solidFill>
             <a:srgbClr val="000000"/>
           </a:solidFill>
@@ -4224,7 +4236,7 @@
         <a:buFontTx/>
         <a:buNone/>
         <a:tabLst/>
-        <a:defRPr b="0" baseline="0" cap="none" i="0" spc="-84" strike="noStrike" sz="8400" u="none">
+        <a:defRPr sz="8400" b="0" i="0" u="none" strike="noStrike" cap="none" spc="-84" baseline="0">
           <a:solidFill>
             <a:srgbClr val="000000"/>
           </a:solidFill>
@@ -4250,7 +4262,7 @@
         <a:buFontTx/>
         <a:buNone/>
         <a:tabLst/>
-        <a:defRPr b="0" baseline="0" cap="none" i="0" spc="-84" strike="noStrike" sz="8400" u="none">
+        <a:defRPr sz="8400" b="0" i="0" u="none" strike="noStrike" cap="none" spc="-84" baseline="0">
           <a:solidFill>
             <a:srgbClr val="000000"/>
           </a:solidFill>
@@ -4276,7 +4288,7 @@
         <a:buFontTx/>
         <a:buNone/>
         <a:tabLst/>
-        <a:defRPr b="0" baseline="0" cap="none" i="0" spc="-84" strike="noStrike" sz="8400" u="none">
+        <a:defRPr sz="8400" b="0" i="0" u="none" strike="noStrike" cap="none" spc="-84" baseline="0">
           <a:solidFill>
             <a:srgbClr val="000000"/>
           </a:solidFill>
@@ -4302,7 +4314,7 @@
         <a:buFontTx/>
         <a:buNone/>
         <a:tabLst/>
-        <a:defRPr b="0" baseline="0" cap="none" i="0" spc="-84" strike="noStrike" sz="8400" u="none">
+        <a:defRPr sz="8400" b="0" i="0" u="none" strike="noStrike" cap="none" spc="-84" baseline="0">
           <a:solidFill>
             <a:srgbClr val="000000"/>
           </a:solidFill>
@@ -4328,7 +4340,7 @@
         <a:buFontTx/>
         <a:buNone/>
         <a:tabLst/>
-        <a:defRPr b="0" baseline="0" cap="none" i="0" spc="-84" strike="noStrike" sz="8400" u="none">
+        <a:defRPr sz="8400" b="0" i="0" u="none" strike="noStrike" cap="none" spc="-84" baseline="0">
           <a:solidFill>
             <a:srgbClr val="000000"/>
           </a:solidFill>
@@ -4356,7 +4368,7 @@
         <a:buFontTx/>
         <a:buChar char="•"/>
         <a:tabLst/>
-        <a:defRPr b="0" baseline="0" cap="none" i="0" spc="0" strike="noStrike" sz="4400" u="none">
+        <a:defRPr sz="4400" b="0" i="0" u="none" strike="noStrike" cap="none" spc="0" baseline="0">
           <a:solidFill>
             <a:srgbClr val="000000"/>
           </a:solidFill>
@@ -4382,7 +4394,7 @@
         <a:buFontTx/>
         <a:buChar char="•"/>
         <a:tabLst/>
-        <a:defRPr b="0" baseline="0" cap="none" i="0" spc="0" strike="noStrike" sz="4400" u="none">
+        <a:defRPr sz="4400" b="0" i="0" u="none" strike="noStrike" cap="none" spc="0" baseline="0">
           <a:solidFill>
             <a:srgbClr val="000000"/>
           </a:solidFill>
@@ -4408,7 +4420,7 @@
         <a:buFontTx/>
         <a:buChar char="•"/>
         <a:tabLst/>
-        <a:defRPr b="0" baseline="0" cap="none" i="0" spc="0" strike="noStrike" sz="4400" u="none">
+        <a:defRPr sz="4400" b="0" i="0" u="none" strike="noStrike" cap="none" spc="0" baseline="0">
           <a:solidFill>
             <a:srgbClr val="000000"/>
           </a:solidFill>
@@ -4434,7 +4446,7 @@
         <a:buFontTx/>
         <a:buChar char="•"/>
         <a:tabLst/>
-        <a:defRPr b="0" baseline="0" cap="none" i="0" spc="0" strike="noStrike" sz="4400" u="none">
+        <a:defRPr sz="4400" b="0" i="0" u="none" strike="noStrike" cap="none" spc="0" baseline="0">
           <a:solidFill>
             <a:srgbClr val="000000"/>
           </a:solidFill>
@@ -4460,7 +4472,7 @@
         <a:buFontTx/>
         <a:buChar char="•"/>
         <a:tabLst/>
-        <a:defRPr b="0" baseline="0" cap="none" i="0" spc="0" strike="noStrike" sz="4400" u="none">
+        <a:defRPr sz="4400" b="0" i="0" u="none" strike="noStrike" cap="none" spc="0" baseline="0">
           <a:solidFill>
             <a:srgbClr val="000000"/>
           </a:solidFill>
@@ -4486,7 +4498,7 @@
         <a:buFontTx/>
         <a:buChar char="•"/>
         <a:tabLst/>
-        <a:defRPr b="0" baseline="0" cap="none" i="0" spc="0" strike="noStrike" sz="4400" u="none">
+        <a:defRPr sz="4400" b="0" i="0" u="none" strike="noStrike" cap="none" spc="0" baseline="0">
           <a:solidFill>
             <a:srgbClr val="000000"/>
           </a:solidFill>
@@ -4512,7 +4524,7 @@
         <a:buFontTx/>
         <a:buChar char="•"/>
         <a:tabLst/>
-        <a:defRPr b="0" baseline="0" cap="none" i="0" spc="0" strike="noStrike" sz="4400" u="none">
+        <a:defRPr sz="4400" b="0" i="0" u="none" strike="noStrike" cap="none" spc="0" baseline="0">
           <a:solidFill>
             <a:srgbClr val="000000"/>
           </a:solidFill>
@@ -4538,7 +4550,7 @@
         <a:buFontTx/>
         <a:buChar char="•"/>
         <a:tabLst/>
-        <a:defRPr b="0" baseline="0" cap="none" i="0" spc="0" strike="noStrike" sz="4400" u="none">
+        <a:defRPr sz="4400" b="0" i="0" u="none" strike="noStrike" cap="none" spc="0" baseline="0">
           <a:solidFill>
             <a:srgbClr val="000000"/>
           </a:solidFill>
@@ -4564,7 +4576,7 @@
         <a:buFontTx/>
         <a:buChar char="•"/>
         <a:tabLst/>
-        <a:defRPr b="0" baseline="0" cap="none" i="0" spc="0" strike="noStrike" sz="4400" u="none">
+        <a:defRPr sz="4400" b="0" i="0" u="none" strike="noStrike" cap="none" spc="0" baseline="0">
           <a:solidFill>
             <a:srgbClr val="000000"/>
           </a:solidFill>
@@ -4592,7 +4604,7 @@
         <a:buFontTx/>
         <a:buNone/>
         <a:tabLst/>
-        <a:defRPr b="0" baseline="0" cap="none" i="0" spc="0" strike="noStrike" sz="2000" u="none">
+        <a:defRPr sz="2000" b="0" i="0" u="none" strike="noStrike" cap="none" spc="0" baseline="0">
           <a:solidFill>
             <a:schemeClr val="tx1"/>
           </a:solidFill>
@@ -4618,7 +4630,7 @@
         <a:buFontTx/>
         <a:buNone/>
         <a:tabLst/>
-        <a:defRPr b="0" baseline="0" cap="none" i="0" spc="0" strike="noStrike" sz="2000" u="none">
+        <a:defRPr sz="2000" b="0" i="0" u="none" strike="noStrike" cap="none" spc="0" baseline="0">
           <a:solidFill>
             <a:schemeClr val="tx1"/>
           </a:solidFill>
@@ -4644,7 +4656,7 @@
         <a:buFontTx/>
         <a:buNone/>
         <a:tabLst/>
-        <a:defRPr b="0" baseline="0" cap="none" i="0" spc="0" strike="noStrike" sz="2000" u="none">
+        <a:defRPr sz="2000" b="0" i="0" u="none" strike="noStrike" cap="none" spc="0" baseline="0">
           <a:solidFill>
             <a:schemeClr val="tx1"/>
           </a:solidFill>
@@ -4670,7 +4682,7 @@
         <a:buFontTx/>
         <a:buNone/>
         <a:tabLst/>
-        <a:defRPr b="0" baseline="0" cap="none" i="0" spc="0" strike="noStrike" sz="2000" u="none">
+        <a:defRPr sz="2000" b="0" i="0" u="none" strike="noStrike" cap="none" spc="0" baseline="0">
           <a:solidFill>
             <a:schemeClr val="tx1"/>
           </a:solidFill>
@@ -4696,7 +4708,7 @@
         <a:buFontTx/>
         <a:buNone/>
         <a:tabLst/>
-        <a:defRPr b="0" baseline="0" cap="none" i="0" spc="0" strike="noStrike" sz="2000" u="none">
+        <a:defRPr sz="2000" b="0" i="0" u="none" strike="noStrike" cap="none" spc="0" baseline="0">
           <a:solidFill>
             <a:schemeClr val="tx1"/>
           </a:solidFill>
@@ -4722,7 +4734,7 @@
         <a:buFontTx/>
         <a:buNone/>
         <a:tabLst/>
-        <a:defRPr b="0" baseline="0" cap="none" i="0" spc="0" strike="noStrike" sz="2000" u="none">
+        <a:defRPr sz="2000" b="0" i="0" u="none" strike="noStrike" cap="none" spc="0" baseline="0">
           <a:solidFill>
             <a:schemeClr val="tx1"/>
           </a:solidFill>
@@ -4748,7 +4760,7 @@
         <a:buFontTx/>
         <a:buNone/>
         <a:tabLst/>
-        <a:defRPr b="0" baseline="0" cap="none" i="0" spc="0" strike="noStrike" sz="2000" u="none">
+        <a:defRPr sz="2000" b="0" i="0" u="none" strike="noStrike" cap="none" spc="0" baseline="0">
           <a:solidFill>
             <a:schemeClr val="tx1"/>
           </a:solidFill>
@@ -4774,7 +4786,7 @@
         <a:buFontTx/>
         <a:buNone/>
         <a:tabLst/>
-        <a:defRPr b="0" baseline="0" cap="none" i="0" spc="0" strike="noStrike" sz="2000" u="none">
+        <a:defRPr sz="2000" b="0" i="0" u="none" strike="noStrike" cap="none" spc="0" baseline="0">
           <a:solidFill>
             <a:schemeClr val="tx1"/>
           </a:solidFill>
@@ -4800,7 +4812,7 @@
         <a:buFontTx/>
         <a:buNone/>
         <a:tabLst/>
-        <a:defRPr b="0" baseline="0" cap="none" i="0" spc="0" strike="noStrike" sz="2000" u="none">
+        <a:defRPr sz="2000" b="0" i="0" u="none" strike="noStrike" cap="none" spc="0" baseline="0">
           <a:solidFill>
             <a:schemeClr val="tx1"/>
           </a:solidFill>
@@ -4817,7 +4829,7 @@
 </file>
 
 <file path=ppt/slides/slide1.xml><?xml version="1.0" encoding="utf-8"?>
-<p:sld xmlns:a="http://schemas.openxmlformats.org/drawingml/2006/main" xmlns:r="http://schemas.openxmlformats.org/officeDocument/2006/relationships" xmlns:p="http://schemas.openxmlformats.org/presentationml/2006/main" xmlns:m="http://schemas.openxmlformats.org/officeDocument/2006/math" xmlns:a14="http://schemas.microsoft.com/office/drawing/2010/main" showMasterSp="1" showMasterPhAnim="1">
+<p:sld xmlns:a="http://schemas.openxmlformats.org/drawingml/2006/main" xmlns:r="http://schemas.openxmlformats.org/officeDocument/2006/relationships" xmlns:p="http://schemas.openxmlformats.org/presentationml/2006/main">
   <p:cSld>
     <p:spTree>
       <p:nvGrpSpPr>
@@ -4835,29 +4847,10 @@
       </p:grpSpPr>
       <p:sp>
         <p:nvSpPr>
-          <p:cNvPr id="151" name="Author and Date"/>
-          <p:cNvSpPr txBox="1"/>
-          <p:nvPr>
-            <p:ph type="body" idx="21"/>
-          </p:nvPr>
-        </p:nvSpPr>
-        <p:spPr>
-          <a:prstGeom prst="rect">
-            <a:avLst/>
-          </a:prstGeom>
-        </p:spPr>
-        <p:txBody>
-          <a:bodyPr/>
-          <a:lstStyle/>
-          <a:p>
-            <a:pPr/>
-          </a:p>
-        </p:txBody>
-      </p:sp>
-      <p:sp>
-        <p:nvSpPr>
           <p:cNvPr id="152" name="The Witcher"/>
-          <p:cNvSpPr txBox="1"/>
+          <p:cNvSpPr txBox="1">
+            <a:spLocks noGrp="1"/>
+          </p:cNvSpPr>
           <p:nvPr>
             <p:ph type="ctrTitle"/>
           </p:nvPr>
@@ -4871,7 +4864,6 @@
           <a:bodyPr/>
           <a:lstStyle/>
           <a:p>
-            <a:pPr/>
             <a:r>
               <a:t>The Witcher</a:t>
             </a:r>
@@ -4881,7 +4873,9 @@
       <p:sp>
         <p:nvSpPr>
           <p:cNvPr id="153" name="Jake Guerrero"/>
-          <p:cNvSpPr txBox="1"/>
+          <p:cNvSpPr txBox="1">
+            <a:spLocks noGrp="1"/>
+          </p:cNvSpPr>
           <p:nvPr>
             <p:ph type="subTitle" sz="quarter" idx="1"/>
           </p:nvPr>
@@ -4895,7 +4889,6 @@
           <a:bodyPr/>
           <a:lstStyle/>
           <a:p>
-            <a:pPr/>
             <a:r>
               <a:t>Jake Guerrero</a:t>
             </a:r>
@@ -4907,12 +4900,12 @@
   <p:clrMapOvr>
     <a:masterClrMapping/>
   </p:clrMapOvr>
-  <p:transition xmlns:p14="http://schemas.microsoft.com/office/powerpoint/2010/main" spd="med" advClick="1"/>
+  <p:transition spd="med"/>
 </p:sld>
 </file>
 
 <file path=ppt/slides/slide2.xml><?xml version="1.0" encoding="utf-8"?>
-<p:sld xmlns:a="http://schemas.openxmlformats.org/drawingml/2006/main" xmlns:r="http://schemas.openxmlformats.org/officeDocument/2006/relationships" xmlns:p="http://schemas.openxmlformats.org/presentationml/2006/main" xmlns:m="http://schemas.openxmlformats.org/officeDocument/2006/math" xmlns:a14="http://schemas.microsoft.com/office/drawing/2010/main" showMasterSp="1" showMasterPhAnim="1">
+<p:sld xmlns:a="http://schemas.openxmlformats.org/drawingml/2006/main" xmlns:r="http://schemas.openxmlformats.org/officeDocument/2006/relationships" xmlns:p="http://schemas.openxmlformats.org/presentationml/2006/main">
   <p:cSld>
     <p:spTree>
       <p:nvGrpSpPr>
@@ -4931,7 +4924,9 @@
       <p:sp>
         <p:nvSpPr>
           <p:cNvPr id="155" name="What is the Witcher?"/>
-          <p:cNvSpPr txBox="1"/>
+          <p:cNvSpPr txBox="1">
+            <a:spLocks noGrp="1"/>
+          </p:cNvSpPr>
           <p:nvPr>
             <p:ph type="title"/>
           </p:nvPr>
@@ -4945,7 +4940,6 @@
           <a:bodyPr/>
           <a:lstStyle/>
           <a:p>
-            <a:pPr/>
             <a:r>
               <a:t>What is the Witcher?</a:t>
             </a:r>
@@ -4955,7 +4949,9 @@
       <p:sp>
         <p:nvSpPr>
           <p:cNvPr id="156" name="“The Witcher” is a book, game, and Netflix tv series. A Witcher is a super soldier, who was either orphaned or given to a school, to train to kill monsters from a young age. The training is rigorous, studying to kill monsters, even humans, elves, and dwa"/>
-          <p:cNvSpPr txBox="1"/>
+          <p:cNvSpPr txBox="1">
+            <a:spLocks noGrp="1"/>
+          </p:cNvSpPr>
           <p:nvPr>
             <p:ph type="body" sz="half" idx="1"/>
           </p:nvPr>
@@ -4980,7 +4976,6 @@
             </a:lvl1pPr>
           </a:lstStyle>
           <a:p>
-            <a:pPr/>
             <a:r>
               <a:t>“The Witcher” is a book, game, and Netflix tv series. A Witcher is a super soldier, who was either orphaned or given to a school, to train to kill monsters from a young age. The training is rigorous, studying to kill monsters, even humans, elves, and dwarves. The training of these Witchers leaves only 3 out of 10 people to live through the training. The books, games, and Netflix show follows four characters: a mage named Yennifer of Vengerberg, a princess named Ciri of Cintra, a bard named Dandelion or Jaskier depending on the source, and the Witcher named Geralt of Rivia.</a:t>
             </a:r>
@@ -4996,9 +4991,7 @@
           <p:nvPr/>
         </p:nvPicPr>
         <p:blipFill>
-          <a:blip r:embed="rId2">
-            <a:extLst/>
-          </a:blip>
+          <a:blip r:embed="rId2"/>
           <a:stretch>
             <a:fillRect/>
           </a:stretch>
@@ -5021,12 +5014,12 @@
   <p:clrMapOvr>
     <a:masterClrMapping/>
   </p:clrMapOvr>
-  <p:transition xmlns:p14="http://schemas.microsoft.com/office/powerpoint/2010/main" spd="med" advClick="1"/>
+  <p:transition spd="med"/>
 </p:sld>
 </file>
 
 <file path=ppt/slides/slide3.xml><?xml version="1.0" encoding="utf-8"?>
-<p:sld xmlns:a="http://schemas.openxmlformats.org/drawingml/2006/main" xmlns:r="http://schemas.openxmlformats.org/officeDocument/2006/relationships" xmlns:p="http://schemas.openxmlformats.org/presentationml/2006/main" xmlns:m="http://schemas.openxmlformats.org/officeDocument/2006/math" xmlns:a14="http://schemas.microsoft.com/office/drawing/2010/main" showMasterSp="1" showMasterPhAnim="1">
+<p:sld xmlns:a="http://schemas.openxmlformats.org/drawingml/2006/main" xmlns:r="http://schemas.openxmlformats.org/officeDocument/2006/relationships" xmlns:p="http://schemas.openxmlformats.org/presentationml/2006/main">
   <p:cSld>
     <p:spTree>
       <p:nvGrpSpPr>
@@ -5045,7 +5038,9 @@
       <p:sp>
         <p:nvSpPr>
           <p:cNvPr id="159" name="Show Views"/>
-          <p:cNvSpPr txBox="1"/>
+          <p:cNvSpPr txBox="1">
+            <a:spLocks noGrp="1"/>
+          </p:cNvSpPr>
           <p:nvPr>
             <p:ph type="title"/>
           </p:nvPr>
@@ -5059,7 +5054,6 @@
           <a:bodyPr/>
           <a:lstStyle/>
           <a:p>
-            <a:pPr/>
             <a:r>
               <a:t>Show Views</a:t>
             </a:r>
@@ -5076,16 +5070,18 @@
           <a:off x="1369394" y="2566696"/>
           <a:ext cx="10851020" cy="10141626"/>
         </p:xfrm>
-        <a:graphic xmlns:a="http://schemas.openxmlformats.org/drawingml/2006/main">
+        <a:graphic>
           <a:graphicData uri="http://schemas.openxmlformats.org/drawingml/2006/chart">
-            <c:chart xmlns:c="http://schemas.openxmlformats.org/drawingml/2006/chart" r:id="rId2"/>
+            <c:chart xmlns:c="http://schemas.openxmlformats.org/drawingml/2006/chart" xmlns:r="http://schemas.openxmlformats.org/officeDocument/2006/relationships" r:id="rId2"/>
           </a:graphicData>
         </a:graphic>
       </p:graphicFrame>
       <p:sp>
         <p:nvSpPr>
           <p:cNvPr id="161" name="The show, in millions, brought a lot of attention when Netflix adapted the books and video games. Season 1 of the show brought over 501 million views during December holidays of 2019. When season 2 dropped during the December holidays 2021, the show 462."/>
-          <p:cNvSpPr txBox="1"/>
+          <p:cNvSpPr txBox="1">
+            <a:spLocks noGrp="1"/>
+          </p:cNvSpPr>
           <p:nvPr>
             <p:ph type="body" sz="half" idx="4294967295"/>
           </p:nvPr>
@@ -5103,7 +5099,6 @@
           <a:bodyPr/>
           <a:lstStyle/>
           <a:p>
-            <a:pPr/>
             <a:r>
               <a:t>The show, in millions, brought a lot of attention when Netflix adapted the books and video games. Season 1 of the show brought over 501 million views during December holidays of 2019. When season 2 dropped during the December holidays 2021, the show 462.5 million after release. In the span of three to four days with season 3 coming out of June 2023, the Witcher brought about 66.5 million views.</a:t>
             </a:r>
@@ -5115,12 +5110,12 @@
   <p:clrMapOvr>
     <a:masterClrMapping/>
   </p:clrMapOvr>
-  <p:transition xmlns:p14="http://schemas.microsoft.com/office/powerpoint/2010/main" spd="med" advClick="1"/>
+  <p:transition spd="med"/>
 </p:sld>
 </file>
 
 <file path=ppt/slides/slide4.xml><?xml version="1.0" encoding="utf-8"?>
-<p:sld xmlns:a="http://schemas.openxmlformats.org/drawingml/2006/main" xmlns:r="http://schemas.openxmlformats.org/officeDocument/2006/relationships" xmlns:p="http://schemas.openxmlformats.org/presentationml/2006/main" xmlns:m="http://schemas.openxmlformats.org/officeDocument/2006/math" xmlns:a14="http://schemas.microsoft.com/office/drawing/2010/main" showMasterSp="1" showMasterPhAnim="1">
+<p:sld xmlns:a="http://schemas.openxmlformats.org/drawingml/2006/main" xmlns:r="http://schemas.openxmlformats.org/officeDocument/2006/relationships" xmlns:p="http://schemas.openxmlformats.org/presentationml/2006/main">
   <p:cSld>
     <p:spTree>
       <p:nvGrpSpPr>
@@ -5139,7 +5134,9 @@
       <p:sp>
         <p:nvSpPr>
           <p:cNvPr id="163" name="Book Sales"/>
-          <p:cNvSpPr txBox="1"/>
+          <p:cNvSpPr txBox="1">
+            <a:spLocks noGrp="1"/>
+          </p:cNvSpPr>
           <p:nvPr>
             <p:ph type="title"/>
           </p:nvPr>
@@ -5153,7 +5150,6 @@
           <a:bodyPr/>
           <a:lstStyle/>
           <a:p>
-            <a:pPr/>
             <a:r>
               <a:t>Book Sales</a:t>
             </a:r>
@@ -5170,16 +5166,18 @@
           <a:off x="766410" y="4055771"/>
           <a:ext cx="9196327" cy="7840644"/>
         </p:xfrm>
-        <a:graphic xmlns:a="http://schemas.openxmlformats.org/drawingml/2006/main">
+        <a:graphic>
           <a:graphicData uri="http://schemas.openxmlformats.org/drawingml/2006/chart">
-            <c:chart xmlns:c="http://schemas.openxmlformats.org/drawingml/2006/chart" r:id="rId2"/>
+            <c:chart xmlns:c="http://schemas.openxmlformats.org/drawingml/2006/chart" xmlns:r="http://schemas.openxmlformats.org/officeDocument/2006/relationships" r:id="rId2"/>
           </a:graphicData>
         </a:graphic>
       </p:graphicFrame>
       <p:sp>
         <p:nvSpPr>
           <p:cNvPr id="165" name="The Witcher books were written by a Polish author named Andrzej Sapkowski and was first published, through a magazine competition, in 1986. Because of the popularity then, 14 books were published. Around October of 2013, over 6 million copies of the book"/>
-          <p:cNvSpPr txBox="1"/>
+          <p:cNvSpPr txBox="1">
+            <a:spLocks noGrp="1"/>
+          </p:cNvSpPr>
           <p:nvPr>
             <p:ph type="body" sz="half" idx="4294967295"/>
           </p:nvPr>
@@ -5197,7 +5195,6 @@
           <a:bodyPr/>
           <a:lstStyle/>
           <a:p>
-            <a:pPr/>
             <a:r>
               <a:t>The Witcher books were written by a Polish author named Andrzej Sapkowski and was first published, through a magazine competition, in 1986. Because of the popularity then, 14 books were published. Around October of 2013, over 6 million copies of the books were sold. Once the games were released, more books were sold. When Netflix came out with the show in 2019, over 40 million books were sold world wide. As of 2023, more than 75 million copies were sold, making the series very popular among show and game fanatics.</a:t>
             </a:r>
@@ -5209,12 +5206,12 @@
   <p:clrMapOvr>
     <a:masterClrMapping/>
   </p:clrMapOvr>
-  <p:transition xmlns:p14="http://schemas.microsoft.com/office/powerpoint/2010/main" spd="med" advClick="1"/>
+  <p:transition spd="med"/>
 </p:sld>
 </file>
 
 <file path=ppt/slides/slide5.xml><?xml version="1.0" encoding="utf-8"?>
-<p:sld xmlns:a="http://schemas.openxmlformats.org/drawingml/2006/main" xmlns:r="http://schemas.openxmlformats.org/officeDocument/2006/relationships" xmlns:p="http://schemas.openxmlformats.org/presentationml/2006/main" xmlns:m="http://schemas.openxmlformats.org/officeDocument/2006/math" xmlns:a14="http://schemas.microsoft.com/office/drawing/2010/main" showMasterSp="1" showMasterPhAnim="1">
+<p:sld xmlns:a="http://schemas.openxmlformats.org/drawingml/2006/main" xmlns:r="http://schemas.openxmlformats.org/officeDocument/2006/relationships" xmlns:p="http://schemas.openxmlformats.org/presentationml/2006/main">
   <p:cSld>
     <p:spTree>
       <p:nvGrpSpPr>
@@ -5233,7 +5230,9 @@
       <p:sp>
         <p:nvSpPr>
           <p:cNvPr id="167" name="Games"/>
-          <p:cNvSpPr txBox="1"/>
+          <p:cNvSpPr txBox="1">
+            <a:spLocks noGrp="1"/>
+          </p:cNvSpPr>
           <p:nvPr>
             <p:ph type="title"/>
           </p:nvPr>
@@ -5247,7 +5246,6 @@
           <a:bodyPr/>
           <a:lstStyle/>
           <a:p>
-            <a:pPr/>
             <a:r>
               <a:t>Games</a:t>
             </a:r>
@@ -5264,16 +5262,18 @@
           <a:off x="754589" y="5002717"/>
           <a:ext cx="11014686" cy="7815491"/>
         </p:xfrm>
-        <a:graphic xmlns:a="http://schemas.openxmlformats.org/drawingml/2006/main">
+        <a:graphic>
           <a:graphicData uri="http://schemas.openxmlformats.org/drawingml/2006/chart">
-            <c:chart xmlns:c="http://schemas.openxmlformats.org/drawingml/2006/chart" r:id="rId2"/>
+            <c:chart xmlns:c="http://schemas.openxmlformats.org/drawingml/2006/chart" xmlns:r="http://schemas.openxmlformats.org/officeDocument/2006/relationships" r:id="rId2"/>
           </a:graphicData>
         </a:graphic>
       </p:graphicFrame>
       <p:sp>
         <p:nvSpPr>
           <p:cNvPr id="169" name="The games were a massive hit since 2007, when the first game hit online. CD Projekt, the company to develop the games, brought the games to life through Xbox, were released through PC, PlayStation and the Xbox, with each game following Geralt and compani"/>
-          <p:cNvSpPr txBox="1"/>
+          <p:cNvSpPr txBox="1">
+            <a:spLocks noGrp="1"/>
+          </p:cNvSpPr>
           <p:nvPr>
             <p:ph type="body" sz="half" idx="4294967295"/>
           </p:nvPr>
@@ -5298,7 +5298,6 @@
             </a:lvl1pPr>
           </a:lstStyle>
           <a:p>
-            <a:pPr/>
             <a:r>
               <a:t>The games were a massive hit since 2007, when the first game hit online. CD Projekt, the company to develop the games, brought the games to life through Xbox, were released through PC, PlayStation and the Xbox, with each game following Geralt and companies adventures through the Continent. The first game, after release, sold around 1 million copies through PC. A couple years later, the Witcher 2: Assassins of Kings sold over 1.7 million, while the Witcher 3: Wild hunt sold over 50 million copies in 2014 and after it’s release years later. </a:t>
             </a:r>
@@ -5310,12 +5309,12 @@
   <p:clrMapOvr>
     <a:masterClrMapping/>
   </p:clrMapOvr>
-  <p:transition xmlns:p14="http://schemas.microsoft.com/office/powerpoint/2010/main" spd="med" advClick="1"/>
+  <p:transition spd="med"/>
 </p:sld>
 </file>
 
 <file path=ppt/theme/theme1.xml><?xml version="1.0" encoding="utf-8"?>
-<a:theme xmlns:a="http://schemas.openxmlformats.org/drawingml/2006/main" xmlns:r="http://schemas.openxmlformats.org/officeDocument/2006/relationships" name="23_ClassicWhite">
+<a:theme xmlns:a="http://schemas.openxmlformats.org/drawingml/2006/main" name="23_ClassicWhite">
   <a:themeElements>
     <a:clrScheme name="23_ClassicWhite">
       <a:dk1>
@@ -5514,7 +5513,7 @@
         <a:effectLst/>
         <a:sp3d/>
       </a:spPr>
-      <a:bodyPr rot="0" spcFirstLastPara="1" vertOverflow="overflow" horzOverflow="overflow" vert="horz" wrap="square" lIns="50800" tIns="50800" rIns="50800" bIns="50800" numCol="1" spcCol="38100" rtlCol="0" anchor="ctr" upright="0">
+      <a:bodyPr rot="0" spcFirstLastPara="1" vertOverflow="overflow" horzOverflow="overflow" vert="horz" wrap="square" lIns="50800" tIns="50800" rIns="50800" bIns="50800" numCol="1" spcCol="38100" rtlCol="0" anchor="ctr">
         <a:spAutoFit/>
       </a:bodyPr>
       <a:lstStyle>
@@ -5533,7 +5532,7 @@
           <a:buFontTx/>
           <a:buNone/>
           <a:tabLst/>
-          <a:defRPr b="0" baseline="0" cap="none" i="0" spc="0" strike="noStrike" sz="3200" u="none" kumimoji="0" normalizeH="0">
+          <a:defRPr kumimoji="0" sz="3200" b="0" i="0" u="none" strike="noStrike" cap="none" spc="0" normalizeH="0" baseline="0">
             <a:ln>
               <a:noFill/>
             </a:ln>
@@ -5563,7 +5562,7 @@
           <a:buFontTx/>
           <a:buNone/>
           <a:tabLst/>
-          <a:defRPr b="0" baseline="0" cap="none" i="0" spc="0" strike="noStrike" sz="1800" u="none" kumimoji="0" normalizeH="0">
+          <a:defRPr kumimoji="0" sz="1800" b="0" i="0" u="none" strike="noStrike" cap="none" spc="0" normalizeH="0" baseline="0">
             <a:ln>
               <a:noFill/>
             </a:ln>
@@ -5589,7 +5588,7 @@
           <a:buFontTx/>
           <a:buNone/>
           <a:tabLst/>
-          <a:defRPr b="0" baseline="0" cap="none" i="0" spc="0" strike="noStrike" sz="1800" u="none" kumimoji="0" normalizeH="0">
+          <a:defRPr kumimoji="0" sz="1800" b="0" i="0" u="none" strike="noStrike" cap="none" spc="0" normalizeH="0" baseline="0">
             <a:ln>
               <a:noFill/>
             </a:ln>
@@ -5615,7 +5614,7 @@
           <a:buFontTx/>
           <a:buNone/>
           <a:tabLst/>
-          <a:defRPr b="0" baseline="0" cap="none" i="0" spc="0" strike="noStrike" sz="1800" u="none" kumimoji="0" normalizeH="0">
+          <a:defRPr kumimoji="0" sz="1800" b="0" i="0" u="none" strike="noStrike" cap="none" spc="0" normalizeH="0" baseline="0">
             <a:ln>
               <a:noFill/>
             </a:ln>
@@ -5641,7 +5640,7 @@
           <a:buFontTx/>
           <a:buNone/>
           <a:tabLst/>
-          <a:defRPr b="0" baseline="0" cap="none" i="0" spc="0" strike="noStrike" sz="1800" u="none" kumimoji="0" normalizeH="0">
+          <a:defRPr kumimoji="0" sz="1800" b="0" i="0" u="none" strike="noStrike" cap="none" spc="0" normalizeH="0" baseline="0">
             <a:ln>
               <a:noFill/>
             </a:ln>
@@ -5667,7 +5666,7 @@
           <a:buFontTx/>
           <a:buNone/>
           <a:tabLst/>
-          <a:defRPr b="0" baseline="0" cap="none" i="0" spc="0" strike="noStrike" sz="1800" u="none" kumimoji="0" normalizeH="0">
+          <a:defRPr kumimoji="0" sz="1800" b="0" i="0" u="none" strike="noStrike" cap="none" spc="0" normalizeH="0" baseline="0">
             <a:ln>
               <a:noFill/>
             </a:ln>
@@ -5693,7 +5692,7 @@
           <a:buFontTx/>
           <a:buNone/>
           <a:tabLst/>
-          <a:defRPr b="0" baseline="0" cap="none" i="0" spc="0" strike="noStrike" sz="1800" u="none" kumimoji="0" normalizeH="0">
+          <a:defRPr kumimoji="0" sz="1800" b="0" i="0" u="none" strike="noStrike" cap="none" spc="0" normalizeH="0" baseline="0">
             <a:ln>
               <a:noFill/>
             </a:ln>
@@ -5719,7 +5718,7 @@
           <a:buFontTx/>
           <a:buNone/>
           <a:tabLst/>
-          <a:defRPr b="0" baseline="0" cap="none" i="0" spc="0" strike="noStrike" sz="1800" u="none" kumimoji="0" normalizeH="0">
+          <a:defRPr kumimoji="0" sz="1800" b="0" i="0" u="none" strike="noStrike" cap="none" spc="0" normalizeH="0" baseline="0">
             <a:ln>
               <a:noFill/>
             </a:ln>
@@ -5745,7 +5744,7 @@
           <a:buFontTx/>
           <a:buNone/>
           <a:tabLst/>
-          <a:defRPr b="0" baseline="0" cap="none" i="0" spc="0" strike="noStrike" sz="1800" u="none" kumimoji="0" normalizeH="0">
+          <a:defRPr kumimoji="0" sz="1800" b="0" i="0" u="none" strike="noStrike" cap="none" spc="0" normalizeH="0" baseline="0">
             <a:ln>
               <a:noFill/>
             </a:ln>
@@ -5771,7 +5770,7 @@
           <a:buFontTx/>
           <a:buNone/>
           <a:tabLst/>
-          <a:defRPr b="0" baseline="0" cap="none" i="0" spc="0" strike="noStrike" sz="1800" u="none" kumimoji="0" normalizeH="0">
+          <a:defRPr kumimoji="0" sz="1800" b="0" i="0" u="none" strike="noStrike" cap="none" spc="0" normalizeH="0" baseline="0">
             <a:ln>
               <a:noFill/>
             </a:ln>
@@ -5784,9 +5783,15 @@
         </a:lvl9pPr>
       </a:lstStyle>
       <a:style>
-        <a:lnRef idx="0"/>
-        <a:fillRef idx="0"/>
-        <a:effectRef idx="0"/>
+        <a:lnRef idx="0">
+          <a:scrgbClr r="0" g="0" b="0"/>
+        </a:lnRef>
+        <a:fillRef idx="0">
+          <a:scrgbClr r="0" g="0" b="0"/>
+        </a:fillRef>
+        <a:effectRef idx="0">
+          <a:scrgbClr r="0" g="0" b="0"/>
+        </a:effectRef>
         <a:fontRef idx="none"/>
       </a:style>
     </a:spDef>
@@ -5803,7 +5808,7 @@
         <a:effectLst/>
         <a:sp3d/>
       </a:spPr>
-      <a:bodyPr rot="0" spcFirstLastPara="1" vertOverflow="overflow" horzOverflow="overflow" vert="horz" wrap="square" lIns="91439" tIns="45719" rIns="91439" bIns="45719" numCol="1" spcCol="38100" rtlCol="0" anchor="t" upright="0">
+      <a:bodyPr rot="0" spcFirstLastPara="1" vertOverflow="overflow" horzOverflow="overflow" vert="horz" wrap="square" lIns="91439" tIns="45719" rIns="91439" bIns="45719" numCol="1" spcCol="38100" rtlCol="0" anchor="t">
         <a:noAutofit/>
       </a:bodyPr>
       <a:lstStyle>
@@ -5822,7 +5827,7 @@
           <a:buFontTx/>
           <a:buNone/>
           <a:tabLst/>
-          <a:defRPr b="0" baseline="0" cap="none" i="0" spc="0" strike="noStrike" sz="1800" u="none" kumimoji="0" normalizeH="0">
+          <a:defRPr kumimoji="0" sz="1800" b="0" i="0" u="none" strike="noStrike" cap="none" spc="0" normalizeH="0" baseline="0">
             <a:ln>
               <a:noFill/>
             </a:ln>
@@ -5848,7 +5853,7 @@
           <a:buFontTx/>
           <a:buNone/>
           <a:tabLst/>
-          <a:defRPr b="0" baseline="0" cap="none" i="0" spc="0" strike="noStrike" sz="1800" u="none" kumimoji="0" normalizeH="0">
+          <a:defRPr kumimoji="0" sz="1800" b="0" i="0" u="none" strike="noStrike" cap="none" spc="0" normalizeH="0" baseline="0">
             <a:ln>
               <a:noFill/>
             </a:ln>
@@ -5874,7 +5879,7 @@
           <a:buFontTx/>
           <a:buNone/>
           <a:tabLst/>
-          <a:defRPr b="0" baseline="0" cap="none" i="0" spc="0" strike="noStrike" sz="1800" u="none" kumimoji="0" normalizeH="0">
+          <a:defRPr kumimoji="0" sz="1800" b="0" i="0" u="none" strike="noStrike" cap="none" spc="0" normalizeH="0" baseline="0">
             <a:ln>
               <a:noFill/>
             </a:ln>
@@ -5900,7 +5905,7 @@
           <a:buFontTx/>
           <a:buNone/>
           <a:tabLst/>
-          <a:defRPr b="0" baseline="0" cap="none" i="0" spc="0" strike="noStrike" sz="1800" u="none" kumimoji="0" normalizeH="0">
+          <a:defRPr kumimoji="0" sz="1800" b="0" i="0" u="none" strike="noStrike" cap="none" spc="0" normalizeH="0" baseline="0">
             <a:ln>
               <a:noFill/>
             </a:ln>
@@ -5926,7 +5931,7 @@
           <a:buFontTx/>
           <a:buNone/>
           <a:tabLst/>
-          <a:defRPr b="0" baseline="0" cap="none" i="0" spc="0" strike="noStrike" sz="1800" u="none" kumimoji="0" normalizeH="0">
+          <a:defRPr kumimoji="0" sz="1800" b="0" i="0" u="none" strike="noStrike" cap="none" spc="0" normalizeH="0" baseline="0">
             <a:ln>
               <a:noFill/>
             </a:ln>
@@ -5952,7 +5957,7 @@
           <a:buFontTx/>
           <a:buNone/>
           <a:tabLst/>
-          <a:defRPr b="0" baseline="0" cap="none" i="0" spc="0" strike="noStrike" sz="1800" u="none" kumimoji="0" normalizeH="0">
+          <a:defRPr kumimoji="0" sz="1800" b="0" i="0" u="none" strike="noStrike" cap="none" spc="0" normalizeH="0" baseline="0">
             <a:ln>
               <a:noFill/>
             </a:ln>
@@ -5978,7 +5983,7 @@
           <a:buFontTx/>
           <a:buNone/>
           <a:tabLst/>
-          <a:defRPr b="0" baseline="0" cap="none" i="0" spc="0" strike="noStrike" sz="1800" u="none" kumimoji="0" normalizeH="0">
+          <a:defRPr kumimoji="0" sz="1800" b="0" i="0" u="none" strike="noStrike" cap="none" spc="0" normalizeH="0" baseline="0">
             <a:ln>
               <a:noFill/>
             </a:ln>
@@ -6004,7 +6009,7 @@
           <a:buFontTx/>
           <a:buNone/>
           <a:tabLst/>
-          <a:defRPr b="0" baseline="0" cap="none" i="0" spc="0" strike="noStrike" sz="1800" u="none" kumimoji="0" normalizeH="0">
+          <a:defRPr kumimoji="0" sz="1800" b="0" i="0" u="none" strike="noStrike" cap="none" spc="0" normalizeH="0" baseline="0">
             <a:ln>
               <a:noFill/>
             </a:ln>
@@ -6030,7 +6035,7 @@
           <a:buFontTx/>
           <a:buNone/>
           <a:tabLst/>
-          <a:defRPr b="0" baseline="0" cap="none" i="0" spc="0" strike="noStrike" sz="1800" u="none" kumimoji="0" normalizeH="0">
+          <a:defRPr kumimoji="0" sz="1800" b="0" i="0" u="none" strike="noStrike" cap="none" spc="0" normalizeH="0" baseline="0">
             <a:ln>
               <a:noFill/>
             </a:ln>
@@ -6056,7 +6061,7 @@
           <a:buFontTx/>
           <a:buNone/>
           <a:tabLst/>
-          <a:defRPr b="0" baseline="0" cap="none" i="0" spc="0" strike="noStrike" sz="1800" u="none" kumimoji="0" normalizeH="0">
+          <a:defRPr kumimoji="0" sz="1800" b="0" i="0" u="none" strike="noStrike" cap="none" spc="0" normalizeH="0" baseline="0">
             <a:ln>
               <a:noFill/>
             </a:ln>
@@ -6069,9 +6074,15 @@
         </a:lvl9pPr>
       </a:lstStyle>
       <a:style>
-        <a:lnRef idx="0"/>
-        <a:fillRef idx="0"/>
-        <a:effectRef idx="0"/>
+        <a:lnRef idx="0">
+          <a:scrgbClr r="0" g="0" b="0"/>
+        </a:lnRef>
+        <a:fillRef idx="0">
+          <a:scrgbClr r="0" g="0" b="0"/>
+        </a:fillRef>
+        <a:effectRef idx="0">
+          <a:scrgbClr r="0" g="0" b="0"/>
+        </a:effectRef>
         <a:fontRef idx="none"/>
       </a:style>
     </a:lnDef>
@@ -6085,7 +6096,7 @@
         <a:effectLst/>
         <a:sp3d/>
       </a:spPr>
-      <a:bodyPr rot="0" spcFirstLastPara="1" vertOverflow="overflow" horzOverflow="overflow" vert="horz" wrap="square" lIns="50800" tIns="50800" rIns="50800" bIns="50800" numCol="1" spcCol="38100" rtlCol="0" anchor="ctr" upright="0">
+      <a:bodyPr rot="0" spcFirstLastPara="1" vertOverflow="overflow" horzOverflow="overflow" vert="horz" wrap="square" lIns="50800" tIns="50800" rIns="50800" bIns="50800" numCol="1" spcCol="38100" rtlCol="0" anchor="ctr">
         <a:spAutoFit/>
       </a:bodyPr>
       <a:lstStyle>
@@ -6104,7 +6115,7 @@
           <a:buFontTx/>
           <a:buNone/>
           <a:tabLst/>
-          <a:defRPr b="0" baseline="0" cap="none" i="0" spc="0" strike="noStrike" sz="2400" u="none" kumimoji="0" normalizeH="0">
+          <a:defRPr kumimoji="0" sz="2400" b="0" i="0" u="none" strike="noStrike" cap="none" spc="0" normalizeH="0" baseline="0">
             <a:ln>
               <a:noFill/>
             </a:ln>
@@ -6134,7 +6145,7 @@
           <a:buFontTx/>
           <a:buNone/>
           <a:tabLst/>
-          <a:defRPr b="0" baseline="0" cap="none" i="0" spc="0" strike="noStrike" sz="1800" u="none" kumimoji="0" normalizeH="0">
+          <a:defRPr kumimoji="0" sz="1800" b="0" i="0" u="none" strike="noStrike" cap="none" spc="0" normalizeH="0" baseline="0">
             <a:ln>
               <a:noFill/>
             </a:ln>
@@ -6160,7 +6171,7 @@
           <a:buFontTx/>
           <a:buNone/>
           <a:tabLst/>
-          <a:defRPr b="0" baseline="0" cap="none" i="0" spc="0" strike="noStrike" sz="1800" u="none" kumimoji="0" normalizeH="0">
+          <a:defRPr kumimoji="0" sz="1800" b="0" i="0" u="none" strike="noStrike" cap="none" spc="0" normalizeH="0" baseline="0">
             <a:ln>
               <a:noFill/>
             </a:ln>
@@ -6186,7 +6197,7 @@
           <a:buFontTx/>
           <a:buNone/>
           <a:tabLst/>
-          <a:defRPr b="0" baseline="0" cap="none" i="0" spc="0" strike="noStrike" sz="1800" u="none" kumimoji="0" normalizeH="0">
+          <a:defRPr kumimoji="0" sz="1800" b="0" i="0" u="none" strike="noStrike" cap="none" spc="0" normalizeH="0" baseline="0">
             <a:ln>
               <a:noFill/>
             </a:ln>
@@ -6212,7 +6223,7 @@
           <a:buFontTx/>
           <a:buNone/>
           <a:tabLst/>
-          <a:defRPr b="0" baseline="0" cap="none" i="0" spc="0" strike="noStrike" sz="1800" u="none" kumimoji="0" normalizeH="0">
+          <a:defRPr kumimoji="0" sz="1800" b="0" i="0" u="none" strike="noStrike" cap="none" spc="0" normalizeH="0" baseline="0">
             <a:ln>
               <a:noFill/>
             </a:ln>
@@ -6238,7 +6249,7 @@
           <a:buFontTx/>
           <a:buNone/>
           <a:tabLst/>
-          <a:defRPr b="0" baseline="0" cap="none" i="0" spc="0" strike="noStrike" sz="1800" u="none" kumimoji="0" normalizeH="0">
+          <a:defRPr kumimoji="0" sz="1800" b="0" i="0" u="none" strike="noStrike" cap="none" spc="0" normalizeH="0" baseline="0">
             <a:ln>
               <a:noFill/>
             </a:ln>
@@ -6264,7 +6275,7 @@
           <a:buFontTx/>
           <a:buNone/>
           <a:tabLst/>
-          <a:defRPr b="0" baseline="0" cap="none" i="0" spc="0" strike="noStrike" sz="1800" u="none" kumimoji="0" normalizeH="0">
+          <a:defRPr kumimoji="0" sz="1800" b="0" i="0" u="none" strike="noStrike" cap="none" spc="0" normalizeH="0" baseline="0">
             <a:ln>
               <a:noFill/>
             </a:ln>
@@ -6290,7 +6301,7 @@
           <a:buFontTx/>
           <a:buNone/>
           <a:tabLst/>
-          <a:defRPr b="0" baseline="0" cap="none" i="0" spc="0" strike="noStrike" sz="1800" u="none" kumimoji="0" normalizeH="0">
+          <a:defRPr kumimoji="0" sz="1800" b="0" i="0" u="none" strike="noStrike" cap="none" spc="0" normalizeH="0" baseline="0">
             <a:ln>
               <a:noFill/>
             </a:ln>
@@ -6316,7 +6327,7 @@
           <a:buFontTx/>
           <a:buNone/>
           <a:tabLst/>
-          <a:defRPr b="0" baseline="0" cap="none" i="0" spc="0" strike="noStrike" sz="1800" u="none" kumimoji="0" normalizeH="0">
+          <a:defRPr kumimoji="0" sz="1800" b="0" i="0" u="none" strike="noStrike" cap="none" spc="0" normalizeH="0" baseline="0">
             <a:ln>
               <a:noFill/>
             </a:ln>
@@ -6342,7 +6353,7 @@
           <a:buFontTx/>
           <a:buNone/>
           <a:tabLst/>
-          <a:defRPr b="0" baseline="0" cap="none" i="0" spc="0" strike="noStrike" sz="1800" u="none" kumimoji="0" normalizeH="0">
+          <a:defRPr kumimoji="0" sz="1800" b="0" i="0" u="none" strike="noStrike" cap="none" spc="0" normalizeH="0" baseline="0">
             <a:ln>
               <a:noFill/>
             </a:ln>
@@ -6355,18 +6366,25 @@
         </a:lvl9pPr>
       </a:lstStyle>
       <a:style>
-        <a:lnRef idx="0"/>
-        <a:fillRef idx="0"/>
-        <a:effectRef idx="0"/>
+        <a:lnRef idx="0">
+          <a:scrgbClr r="0" g="0" b="0"/>
+        </a:lnRef>
+        <a:fillRef idx="0">
+          <a:scrgbClr r="0" g="0" b="0"/>
+        </a:fillRef>
+        <a:effectRef idx="0">
+          <a:scrgbClr r="0" g="0" b="0"/>
+        </a:effectRef>
         <a:fontRef idx="none"/>
       </a:style>
     </a:txDef>
   </a:objectDefaults>
+  <a:extraClrSchemeLst/>
 </a:theme>
 </file>
 
 <file path=ppt/theme/theme2.xml><?xml version="1.0" encoding="utf-8"?>
-<a:theme xmlns:a="http://schemas.openxmlformats.org/drawingml/2006/main" xmlns:r="http://schemas.openxmlformats.org/officeDocument/2006/relationships" name="23_ClassicWhite">
+<a:theme xmlns:a="http://schemas.openxmlformats.org/drawingml/2006/main" name="23_ClassicWhite">
   <a:themeElements>
     <a:clrScheme name="23_ClassicWhite">
       <a:dk1>
@@ -6565,7 +6583,7 @@
         <a:effectLst/>
         <a:sp3d/>
       </a:spPr>
-      <a:bodyPr rot="0" spcFirstLastPara="1" vertOverflow="overflow" horzOverflow="overflow" vert="horz" wrap="square" lIns="50800" tIns="50800" rIns="50800" bIns="50800" numCol="1" spcCol="38100" rtlCol="0" anchor="ctr" upright="0">
+      <a:bodyPr rot="0" spcFirstLastPara="1" vertOverflow="overflow" horzOverflow="overflow" vert="horz" wrap="square" lIns="50800" tIns="50800" rIns="50800" bIns="50800" numCol="1" spcCol="38100" rtlCol="0" anchor="ctr">
         <a:spAutoFit/>
       </a:bodyPr>
       <a:lstStyle>
@@ -6584,7 +6602,7 @@
           <a:buFontTx/>
           <a:buNone/>
           <a:tabLst/>
-          <a:defRPr b="0" baseline="0" cap="none" i="0" spc="0" strike="noStrike" sz="3200" u="none" kumimoji="0" normalizeH="0">
+          <a:defRPr kumimoji="0" sz="3200" b="0" i="0" u="none" strike="noStrike" cap="none" spc="0" normalizeH="0" baseline="0">
             <a:ln>
               <a:noFill/>
             </a:ln>
@@ -6614,7 +6632,7 @@
           <a:buFontTx/>
           <a:buNone/>
           <a:tabLst/>
-          <a:defRPr b="0" baseline="0" cap="none" i="0" spc="0" strike="noStrike" sz="1800" u="none" kumimoji="0" normalizeH="0">
+          <a:defRPr kumimoji="0" sz="1800" b="0" i="0" u="none" strike="noStrike" cap="none" spc="0" normalizeH="0" baseline="0">
             <a:ln>
               <a:noFill/>
             </a:ln>
@@ -6640,7 +6658,7 @@
           <a:buFontTx/>
           <a:buNone/>
           <a:tabLst/>
-          <a:defRPr b="0" baseline="0" cap="none" i="0" spc="0" strike="noStrike" sz="1800" u="none" kumimoji="0" normalizeH="0">
+          <a:defRPr kumimoji="0" sz="1800" b="0" i="0" u="none" strike="noStrike" cap="none" spc="0" normalizeH="0" baseline="0">
             <a:ln>
               <a:noFill/>
             </a:ln>
@@ -6666,7 +6684,7 @@
           <a:buFontTx/>
           <a:buNone/>
           <a:tabLst/>
-          <a:defRPr b="0" baseline="0" cap="none" i="0" spc="0" strike="noStrike" sz="1800" u="none" kumimoji="0" normalizeH="0">
+          <a:defRPr kumimoji="0" sz="1800" b="0" i="0" u="none" strike="noStrike" cap="none" spc="0" normalizeH="0" baseline="0">
             <a:ln>
               <a:noFill/>
             </a:ln>
@@ -6692,7 +6710,7 @@
           <a:buFontTx/>
           <a:buNone/>
           <a:tabLst/>
-          <a:defRPr b="0" baseline="0" cap="none" i="0" spc="0" strike="noStrike" sz="1800" u="none" kumimoji="0" normalizeH="0">
+          <a:defRPr kumimoji="0" sz="1800" b="0" i="0" u="none" strike="noStrike" cap="none" spc="0" normalizeH="0" baseline="0">
             <a:ln>
               <a:noFill/>
             </a:ln>
@@ -6718,7 +6736,7 @@
           <a:buFontTx/>
           <a:buNone/>
           <a:tabLst/>
-          <a:defRPr b="0" baseline="0" cap="none" i="0" spc="0" strike="noStrike" sz="1800" u="none" kumimoji="0" normalizeH="0">
+          <a:defRPr kumimoji="0" sz="1800" b="0" i="0" u="none" strike="noStrike" cap="none" spc="0" normalizeH="0" baseline="0">
             <a:ln>
               <a:noFill/>
             </a:ln>
@@ -6744,7 +6762,7 @@
           <a:buFontTx/>
           <a:buNone/>
           <a:tabLst/>
-          <a:defRPr b="0" baseline="0" cap="none" i="0" spc="0" strike="noStrike" sz="1800" u="none" kumimoji="0" normalizeH="0">
+          <a:defRPr kumimoji="0" sz="1800" b="0" i="0" u="none" strike="noStrike" cap="none" spc="0" normalizeH="0" baseline="0">
             <a:ln>
               <a:noFill/>
             </a:ln>
@@ -6770,7 +6788,7 @@
           <a:buFontTx/>
           <a:buNone/>
           <a:tabLst/>
-          <a:defRPr b="0" baseline="0" cap="none" i="0" spc="0" strike="noStrike" sz="1800" u="none" kumimoji="0" normalizeH="0">
+          <a:defRPr kumimoji="0" sz="1800" b="0" i="0" u="none" strike="noStrike" cap="none" spc="0" normalizeH="0" baseline="0">
             <a:ln>
               <a:noFill/>
             </a:ln>
@@ -6796,7 +6814,7 @@
           <a:buFontTx/>
           <a:buNone/>
           <a:tabLst/>
-          <a:defRPr b="0" baseline="0" cap="none" i="0" spc="0" strike="noStrike" sz="1800" u="none" kumimoji="0" normalizeH="0">
+          <a:defRPr kumimoji="0" sz="1800" b="0" i="0" u="none" strike="noStrike" cap="none" spc="0" normalizeH="0" baseline="0">
             <a:ln>
               <a:noFill/>
             </a:ln>
@@ -6822,7 +6840,7 @@
           <a:buFontTx/>
           <a:buNone/>
           <a:tabLst/>
-          <a:defRPr b="0" baseline="0" cap="none" i="0" spc="0" strike="noStrike" sz="1800" u="none" kumimoji="0" normalizeH="0">
+          <a:defRPr kumimoji="0" sz="1800" b="0" i="0" u="none" strike="noStrike" cap="none" spc="0" normalizeH="0" baseline="0">
             <a:ln>
               <a:noFill/>
             </a:ln>
@@ -6835,9 +6853,15 @@
         </a:lvl9pPr>
       </a:lstStyle>
       <a:style>
-        <a:lnRef idx="0"/>
-        <a:fillRef idx="0"/>
-        <a:effectRef idx="0"/>
+        <a:lnRef idx="0">
+          <a:scrgbClr r="0" g="0" b="0"/>
+        </a:lnRef>
+        <a:fillRef idx="0">
+          <a:scrgbClr r="0" g="0" b="0"/>
+        </a:fillRef>
+        <a:effectRef idx="0">
+          <a:scrgbClr r="0" g="0" b="0"/>
+        </a:effectRef>
         <a:fontRef idx="none"/>
       </a:style>
     </a:spDef>
@@ -6854,7 +6878,7 @@
         <a:effectLst/>
         <a:sp3d/>
       </a:spPr>
-      <a:bodyPr rot="0" spcFirstLastPara="1" vertOverflow="overflow" horzOverflow="overflow" vert="horz" wrap="square" lIns="91439" tIns="45719" rIns="91439" bIns="45719" numCol="1" spcCol="38100" rtlCol="0" anchor="t" upright="0">
+      <a:bodyPr rot="0" spcFirstLastPara="1" vertOverflow="overflow" horzOverflow="overflow" vert="horz" wrap="square" lIns="91439" tIns="45719" rIns="91439" bIns="45719" numCol="1" spcCol="38100" rtlCol="0" anchor="t">
         <a:noAutofit/>
       </a:bodyPr>
       <a:lstStyle>
@@ -6873,7 +6897,7 @@
           <a:buFontTx/>
           <a:buNone/>
           <a:tabLst/>
-          <a:defRPr b="0" baseline="0" cap="none" i="0" spc="0" strike="noStrike" sz="1800" u="none" kumimoji="0" normalizeH="0">
+          <a:defRPr kumimoji="0" sz="1800" b="0" i="0" u="none" strike="noStrike" cap="none" spc="0" normalizeH="0" baseline="0">
             <a:ln>
               <a:noFill/>
             </a:ln>
@@ -6899,7 +6923,7 @@
           <a:buFontTx/>
           <a:buNone/>
           <a:tabLst/>
-          <a:defRPr b="0" baseline="0" cap="none" i="0" spc="0" strike="noStrike" sz="1800" u="none" kumimoji="0" normalizeH="0">
+          <a:defRPr kumimoji="0" sz="1800" b="0" i="0" u="none" strike="noStrike" cap="none" spc="0" normalizeH="0" baseline="0">
             <a:ln>
               <a:noFill/>
             </a:ln>
@@ -6925,7 +6949,7 @@
           <a:buFontTx/>
           <a:buNone/>
           <a:tabLst/>
-          <a:defRPr b="0" baseline="0" cap="none" i="0" spc="0" strike="noStrike" sz="1800" u="none" kumimoji="0" normalizeH="0">
+          <a:defRPr kumimoji="0" sz="1800" b="0" i="0" u="none" strike="noStrike" cap="none" spc="0" normalizeH="0" baseline="0">
             <a:ln>
               <a:noFill/>
             </a:ln>
@@ -6951,7 +6975,7 @@
           <a:buFontTx/>
           <a:buNone/>
           <a:tabLst/>
-          <a:defRPr b="0" baseline="0" cap="none" i="0" spc="0" strike="noStrike" sz="1800" u="none" kumimoji="0" normalizeH="0">
+          <a:defRPr kumimoji="0" sz="1800" b="0" i="0" u="none" strike="noStrike" cap="none" spc="0" normalizeH="0" baseline="0">
             <a:ln>
               <a:noFill/>
             </a:ln>
@@ -6977,7 +7001,7 @@
           <a:buFontTx/>
           <a:buNone/>
           <a:tabLst/>
-          <a:defRPr b="0" baseline="0" cap="none" i="0" spc="0" strike="noStrike" sz="1800" u="none" kumimoji="0" normalizeH="0">
+          <a:defRPr kumimoji="0" sz="1800" b="0" i="0" u="none" strike="noStrike" cap="none" spc="0" normalizeH="0" baseline="0">
             <a:ln>
               <a:noFill/>
             </a:ln>
@@ -7003,7 +7027,7 @@
           <a:buFontTx/>
           <a:buNone/>
           <a:tabLst/>
-          <a:defRPr b="0" baseline="0" cap="none" i="0" spc="0" strike="noStrike" sz="1800" u="none" kumimoji="0" normalizeH="0">
+          <a:defRPr kumimoji="0" sz="1800" b="0" i="0" u="none" strike="noStrike" cap="none" spc="0" normalizeH="0" baseline="0">
             <a:ln>
               <a:noFill/>
             </a:ln>
@@ -7029,7 +7053,7 @@
           <a:buFontTx/>
           <a:buNone/>
           <a:tabLst/>
-          <a:defRPr b="0" baseline="0" cap="none" i="0" spc="0" strike="noStrike" sz="1800" u="none" kumimoji="0" normalizeH="0">
+          <a:defRPr kumimoji="0" sz="1800" b="0" i="0" u="none" strike="noStrike" cap="none" spc="0" normalizeH="0" baseline="0">
             <a:ln>
               <a:noFill/>
             </a:ln>
@@ -7055,7 +7079,7 @@
           <a:buFontTx/>
           <a:buNone/>
           <a:tabLst/>
-          <a:defRPr b="0" baseline="0" cap="none" i="0" spc="0" strike="noStrike" sz="1800" u="none" kumimoji="0" normalizeH="0">
+          <a:defRPr kumimoji="0" sz="1800" b="0" i="0" u="none" strike="noStrike" cap="none" spc="0" normalizeH="0" baseline="0">
             <a:ln>
               <a:noFill/>
             </a:ln>
@@ -7081,7 +7105,7 @@
           <a:buFontTx/>
           <a:buNone/>
           <a:tabLst/>
-          <a:defRPr b="0" baseline="0" cap="none" i="0" spc="0" strike="noStrike" sz="1800" u="none" kumimoji="0" normalizeH="0">
+          <a:defRPr kumimoji="0" sz="1800" b="0" i="0" u="none" strike="noStrike" cap="none" spc="0" normalizeH="0" baseline="0">
             <a:ln>
               <a:noFill/>
             </a:ln>
@@ -7107,7 +7131,7 @@
           <a:buFontTx/>
           <a:buNone/>
           <a:tabLst/>
-          <a:defRPr b="0" baseline="0" cap="none" i="0" spc="0" strike="noStrike" sz="1800" u="none" kumimoji="0" normalizeH="0">
+          <a:defRPr kumimoji="0" sz="1800" b="0" i="0" u="none" strike="noStrike" cap="none" spc="0" normalizeH="0" baseline="0">
             <a:ln>
               <a:noFill/>
             </a:ln>
@@ -7120,9 +7144,15 @@
         </a:lvl9pPr>
       </a:lstStyle>
       <a:style>
-        <a:lnRef idx="0"/>
-        <a:fillRef idx="0"/>
-        <a:effectRef idx="0"/>
+        <a:lnRef idx="0">
+          <a:scrgbClr r="0" g="0" b="0"/>
+        </a:lnRef>
+        <a:fillRef idx="0">
+          <a:scrgbClr r="0" g="0" b="0"/>
+        </a:fillRef>
+        <a:effectRef idx="0">
+          <a:scrgbClr r="0" g="0" b="0"/>
+        </a:effectRef>
         <a:fontRef idx="none"/>
       </a:style>
     </a:lnDef>
@@ -7136,7 +7166,7 @@
         <a:effectLst/>
         <a:sp3d/>
       </a:spPr>
-      <a:bodyPr rot="0" spcFirstLastPara="1" vertOverflow="overflow" horzOverflow="overflow" vert="horz" wrap="square" lIns="50800" tIns="50800" rIns="50800" bIns="50800" numCol="1" spcCol="38100" rtlCol="0" anchor="ctr" upright="0">
+      <a:bodyPr rot="0" spcFirstLastPara="1" vertOverflow="overflow" horzOverflow="overflow" vert="horz" wrap="square" lIns="50800" tIns="50800" rIns="50800" bIns="50800" numCol="1" spcCol="38100" rtlCol="0" anchor="ctr">
         <a:spAutoFit/>
       </a:bodyPr>
       <a:lstStyle>
@@ -7155,7 +7185,7 @@
           <a:buFontTx/>
           <a:buNone/>
           <a:tabLst/>
-          <a:defRPr b="0" baseline="0" cap="none" i="0" spc="0" strike="noStrike" sz="2400" u="none" kumimoji="0" normalizeH="0">
+          <a:defRPr kumimoji="0" sz="2400" b="0" i="0" u="none" strike="noStrike" cap="none" spc="0" normalizeH="0" baseline="0">
             <a:ln>
               <a:noFill/>
             </a:ln>
@@ -7185,7 +7215,7 @@
           <a:buFontTx/>
           <a:buNone/>
           <a:tabLst/>
-          <a:defRPr b="0" baseline="0" cap="none" i="0" spc="0" strike="noStrike" sz="1800" u="none" kumimoji="0" normalizeH="0">
+          <a:defRPr kumimoji="0" sz="1800" b="0" i="0" u="none" strike="noStrike" cap="none" spc="0" normalizeH="0" baseline="0">
             <a:ln>
               <a:noFill/>
             </a:ln>
@@ -7211,7 +7241,7 @@
           <a:buFontTx/>
           <a:buNone/>
           <a:tabLst/>
-          <a:defRPr b="0" baseline="0" cap="none" i="0" spc="0" strike="noStrike" sz="1800" u="none" kumimoji="0" normalizeH="0">
+          <a:defRPr kumimoji="0" sz="1800" b="0" i="0" u="none" strike="noStrike" cap="none" spc="0" normalizeH="0" baseline="0">
             <a:ln>
               <a:noFill/>
             </a:ln>
@@ -7237,7 +7267,7 @@
           <a:buFontTx/>
           <a:buNone/>
           <a:tabLst/>
-          <a:defRPr b="0" baseline="0" cap="none" i="0" spc="0" strike="noStrike" sz="1800" u="none" kumimoji="0" normalizeH="0">
+          <a:defRPr kumimoji="0" sz="1800" b="0" i="0" u="none" strike="noStrike" cap="none" spc="0" normalizeH="0" baseline="0">
             <a:ln>
               <a:noFill/>
             </a:ln>
@@ -7263,7 +7293,7 @@
           <a:buFontTx/>
           <a:buNone/>
           <a:tabLst/>
-          <a:defRPr b="0" baseline="0" cap="none" i="0" spc="0" strike="noStrike" sz="1800" u="none" kumimoji="0" normalizeH="0">
+          <a:defRPr kumimoji="0" sz="1800" b="0" i="0" u="none" strike="noStrike" cap="none" spc="0" normalizeH="0" baseline="0">
             <a:ln>
               <a:noFill/>
             </a:ln>
@@ -7289,7 +7319,7 @@
           <a:buFontTx/>
           <a:buNone/>
           <a:tabLst/>
-          <a:defRPr b="0" baseline="0" cap="none" i="0" spc="0" strike="noStrike" sz="1800" u="none" kumimoji="0" normalizeH="0">
+          <a:defRPr kumimoji="0" sz="1800" b="0" i="0" u="none" strike="noStrike" cap="none" spc="0" normalizeH="0" baseline="0">
             <a:ln>
               <a:noFill/>
             </a:ln>
@@ -7315,7 +7345,7 @@
           <a:buFontTx/>
           <a:buNone/>
           <a:tabLst/>
-          <a:defRPr b="0" baseline="0" cap="none" i="0" spc="0" strike="noStrike" sz="1800" u="none" kumimoji="0" normalizeH="0">
+          <a:defRPr kumimoji="0" sz="1800" b="0" i="0" u="none" strike="noStrike" cap="none" spc="0" normalizeH="0" baseline="0">
             <a:ln>
               <a:noFill/>
             </a:ln>
@@ -7341,7 +7371,7 @@
           <a:buFontTx/>
           <a:buNone/>
           <a:tabLst/>
-          <a:defRPr b="0" baseline="0" cap="none" i="0" spc="0" strike="noStrike" sz="1800" u="none" kumimoji="0" normalizeH="0">
+          <a:defRPr kumimoji="0" sz="1800" b="0" i="0" u="none" strike="noStrike" cap="none" spc="0" normalizeH="0" baseline="0">
             <a:ln>
               <a:noFill/>
             </a:ln>
@@ -7367,7 +7397,7 @@
           <a:buFontTx/>
           <a:buNone/>
           <a:tabLst/>
-          <a:defRPr b="0" baseline="0" cap="none" i="0" spc="0" strike="noStrike" sz="1800" u="none" kumimoji="0" normalizeH="0">
+          <a:defRPr kumimoji="0" sz="1800" b="0" i="0" u="none" strike="noStrike" cap="none" spc="0" normalizeH="0" baseline="0">
             <a:ln>
               <a:noFill/>
             </a:ln>
@@ -7393,7 +7423,7 @@
           <a:buFontTx/>
           <a:buNone/>
           <a:tabLst/>
-          <a:defRPr b="0" baseline="0" cap="none" i="0" spc="0" strike="noStrike" sz="1800" u="none" kumimoji="0" normalizeH="0">
+          <a:defRPr kumimoji="0" sz="1800" b="0" i="0" u="none" strike="noStrike" cap="none" spc="0" normalizeH="0" baseline="0">
             <a:ln>
               <a:noFill/>
             </a:ln>
@@ -7406,12 +7436,19 @@
         </a:lvl9pPr>
       </a:lstStyle>
       <a:style>
-        <a:lnRef idx="0"/>
-        <a:fillRef idx="0"/>
-        <a:effectRef idx="0"/>
+        <a:lnRef idx="0">
+          <a:scrgbClr r="0" g="0" b="0"/>
+        </a:lnRef>
+        <a:fillRef idx="0">
+          <a:scrgbClr r="0" g="0" b="0"/>
+        </a:fillRef>
+        <a:effectRef idx="0">
+          <a:scrgbClr r="0" g="0" b="0"/>
+        </a:effectRef>
         <a:fontRef idx="none"/>
       </a:style>
     </a:txDef>
   </a:objectDefaults>
+  <a:extraClrSchemeLst/>
 </a:theme>
 </file>
--- a/The witcher.pptx
+++ b/The witcher.pptx
@@ -314,6 +314,11 @@
       </a:defRPr>
     </a:lvl9pPr>
   </p:defaultTextStyle>
+  <p:extLst>
+    <p:ext uri="{EFAFB233-063F-42B5-8137-9DF3F51BA10A}">
+      <p15:sldGuideLst xmlns:p15="http://schemas.microsoft.com/office/powerpoint/2012/main"/>
+    </p:ext>
+  </p:extLst>
 </p:presentation>
 </file>
 
@@ -1274,6 +1279,72 @@
 </p:notesMaster>
 </file>
 
+<file path=ppt/notesSlides/notesSlide1.xml><?xml version="1.0" encoding="utf-8"?>
+<p:notes xmlns:a="http://schemas.openxmlformats.org/drawingml/2006/main" xmlns:r="http://schemas.openxmlformats.org/officeDocument/2006/relationships" xmlns:p="http://schemas.openxmlformats.org/presentationml/2006/main">
+  <p:cSld>
+    <p:spTree>
+      <p:nvGrpSpPr>
+        <p:cNvPr id="1" name=""/>
+        <p:cNvGrpSpPr/>
+        <p:nvPr/>
+      </p:nvGrpSpPr>
+      <p:grpSpPr>
+        <a:xfrm>
+          <a:off x="0" y="0"/>
+          <a:ext cx="0" cy="0"/>
+          <a:chOff x="0" y="0"/>
+          <a:chExt cx="0" cy="0"/>
+        </a:xfrm>
+      </p:grpSpPr>
+      <p:sp>
+        <p:nvSpPr>
+          <p:cNvPr id="2" name="Slide Image Placeholder 1"/>
+          <p:cNvSpPr>
+            <a:spLocks noGrp="1" noRot="1" noChangeAspect="1"/>
+          </p:cNvSpPr>
+          <p:nvPr>
+            <p:ph type="sldImg"/>
+          </p:nvPr>
+        </p:nvSpPr>
+        <p:spPr>
+          <a:xfrm>
+            <a:off x="381000" y="685800"/>
+            <a:ext cx="6096000" cy="3429000"/>
+          </a:xfrm>
+        </p:spPr>
+      </p:sp>
+      <p:sp>
+        <p:nvSpPr>
+          <p:cNvPr id="3" name="Notes Placeholder 2"/>
+          <p:cNvSpPr>
+            <a:spLocks noGrp="1"/>
+          </p:cNvSpPr>
+          <p:nvPr>
+            <p:ph type="body" idx="1"/>
+          </p:nvPr>
+        </p:nvSpPr>
+        <p:spPr/>
+        <p:txBody>
+          <a:bodyPr/>
+          <a:lstStyle/>
+          <a:p>
+            <a:endParaRPr lang="en-US" dirty="0"/>
+          </a:p>
+        </p:txBody>
+      </p:sp>
+    </p:spTree>
+    <p:extLst>
+      <p:ext uri="{BB962C8B-B14F-4D97-AF65-F5344CB8AC3E}">
+        <p14:creationId xmlns:p14="http://schemas.microsoft.com/office/powerpoint/2010/main" val="3442326059"/>
+      </p:ext>
+    </p:extLst>
+  </p:cSld>
+  <p:clrMapOvr>
+    <a:masterClrMapping/>
+  </p:clrMapOvr>
+</p:notes>
+</file>
+
 <file path=ppt/slideLayouts/slideLayout1.xml><?xml version="1.0" encoding="utf-8"?>
 <p:sldLayout xmlns:a="http://schemas.openxmlformats.org/drawingml/2006/main" xmlns:r="http://schemas.openxmlformats.org/officeDocument/2006/relationships" xmlns:p="http://schemas.openxmlformats.org/presentationml/2006/main" type="title">
   <p:cSld name="Title">
@@ -3973,7 +4044,7 @@
           </a:ln>
           <a:extLst>
             <a:ext uri="{C572A759-6A51-4108-AA02-DFA0A04FC94B}">
-              <ma14:wrappingTextBoxFlag xmlns:ma14="http://schemas.microsoft.com/office/mac/drawingml/2011/main" xmlns:a14="http://schemas.microsoft.com/office/drawing/2010/main" xmlns:m="http://schemas.openxmlformats.org/officeDocument/2006/math" xmlns="" val="1"/>
+              <ma14:wrappingTextBoxFlag xmlns="" xmlns:m="http://schemas.openxmlformats.org/officeDocument/2006/math" xmlns:a14="http://schemas.microsoft.com/office/drawing/2010/main" xmlns:ma14="http://schemas.microsoft.com/office/mac/drawingml/2011/main" val="1"/>
             </a:ext>
           </a:extLst>
         </p:spPr>
@@ -4012,7 +4083,7 @@
           </a:ln>
           <a:extLst>
             <a:ext uri="{C572A759-6A51-4108-AA02-DFA0A04FC94B}">
-              <ma14:wrappingTextBoxFlag xmlns:ma14="http://schemas.microsoft.com/office/mac/drawingml/2011/main" xmlns:a14="http://schemas.microsoft.com/office/drawing/2010/main" xmlns:m="http://schemas.openxmlformats.org/officeDocument/2006/math" xmlns="" val="1"/>
+              <ma14:wrappingTextBoxFlag xmlns="" xmlns:m="http://schemas.openxmlformats.org/officeDocument/2006/math" xmlns:a14="http://schemas.microsoft.com/office/drawing/2010/main" xmlns:ma14="http://schemas.microsoft.com/office/mac/drawingml/2011/main" val="1"/>
             </a:ext>
           </a:extLst>
         </p:spPr>
@@ -4977,7 +5048,56 @@
           </a:lstStyle>
           <a:p>
             <a:r>
-              <a:t>“The Witcher” is a book, game, and Netflix tv series. A Witcher is a super soldier, who was either orphaned or given to a school, to train to kill monsters from a young age. The training is rigorous, studying to kill monsters, even humans, elves, and dwarves. The training of these Witchers leaves only 3 out of 10 people to live through the training. The books, games, and Netflix show follows four characters: a mage named Yennifer of Vengerberg, a princess named Ciri of Cintra, a bard named Dandelion or Jaskier depending on the source, and the Witcher named Geralt of Rivia.</a:t>
+              <a:rPr dirty="0"/>
+              <a:t>“The Witcher” is a book, game, and Netflix tv series. A Witcher is a super soldier, who was either orphaned or given to a school, to train to kill monsters from a young age. The training is rigorous, studying to kill monsters, even humans, elves, and dwarves. </a:t>
+            </a:r>
+            <a:r>
+              <a:rPr lang="en-US" dirty="0"/>
+              <a:t>Only</a:t>
+            </a:r>
+            <a:r>
+              <a:rPr dirty="0"/>
+              <a:t> 3 out of 10 people live through the training. The books, games, and Netflix show follows four characters: a mage named Yennifer of </a:t>
+            </a:r>
+            <a:r>
+              <a:rPr dirty="0" err="1"/>
+              <a:t>Vengerberg</a:t>
+            </a:r>
+            <a:r>
+              <a:rPr dirty="0"/>
+              <a:t>, a princess named </a:t>
+            </a:r>
+            <a:r>
+              <a:rPr dirty="0" err="1"/>
+              <a:t>Ciri</a:t>
+            </a:r>
+            <a:r>
+              <a:rPr dirty="0"/>
+              <a:t> of Cintra, a bard named Dandelion or </a:t>
+            </a:r>
+            <a:r>
+              <a:rPr dirty="0" err="1"/>
+              <a:t>Jaskier</a:t>
+            </a:r>
+            <a:r>
+              <a:rPr dirty="0"/>
+              <a:t> depending on the source, and the Witcher named </a:t>
+            </a:r>
+            <a:r>
+              <a:rPr dirty="0" err="1"/>
+              <a:t>Geralt</a:t>
+            </a:r>
+            <a:r>
+              <a:rPr dirty="0"/>
+              <a:t> of </a:t>
+            </a:r>
+            <a:r>
+              <a:rPr dirty="0" err="1"/>
+              <a:t>Rivia</a:t>
+            </a:r>
+            <a:r>
+              <a:rPr dirty="0"/>
+              <a:t>.</a:t>
             </a:r>
           </a:p>
         </p:txBody>
@@ -5100,7 +5220,40 @@
           <a:lstStyle/>
           <a:p>
             <a:r>
-              <a:t>The show, in millions, brought a lot of attention when Netflix adapted the books and video games. Season 1 of the show brought over 501 million views during December holidays of 2019. When season 2 dropped during the December holidays 2021, the show 462.5 million after release. In the span of three to four days with season 3 coming out of June 2023, the Witcher brought about 66.5 million views.</a:t>
+              <a:rPr dirty="0"/>
+              <a:t>The show, in millions, brought a lot of attention when Netflix adapted the books and video games. Season 1 of the show brought over 501 million views during December holidays of 2019. When season 2 dropped during the December holidays </a:t>
+            </a:r>
+            <a:r>
+              <a:rPr lang="en-US" dirty="0"/>
+              <a:t>of </a:t>
+            </a:r>
+            <a:r>
+              <a:rPr dirty="0"/>
+              <a:t>2021, the show</a:t>
+            </a:r>
+            <a:r>
+              <a:rPr lang="en-US" dirty="0"/>
+              <a:t> had</a:t>
+            </a:r>
+            <a:r>
+              <a:rPr dirty="0"/>
+              <a:t> 462.5 million</a:t>
+            </a:r>
+            <a:r>
+              <a:rPr lang="en-US" dirty="0"/>
+              <a:t> views</a:t>
+            </a:r>
+            <a:r>
+              <a:rPr dirty="0"/>
+              <a:t> after release. In the span of three to four days with season 3 coming out </a:t>
+            </a:r>
+            <a:r>
+              <a:rPr lang="en-US" dirty="0"/>
+              <a:t>in</a:t>
+            </a:r>
+            <a:r>
+              <a:rPr dirty="0"/>
+              <a:t> June 2023, the Witcher brought about 66.5 million views.</a:t>
             </a:r>
           </a:p>
         </p:txBody>
@@ -5151,6 +5304,7 @@
           <a:lstStyle/>
           <a:p>
             <a:r>
+              <a:rPr dirty="0"/>
               <a:t>Book Sales</a:t>
             </a:r>
           </a:p>
@@ -5196,7 +5350,32 @@
           <a:lstStyle/>
           <a:p>
             <a:r>
-              <a:t>The Witcher books were written by a Polish author named Andrzej Sapkowski and was first published, through a magazine competition, in 1986. Because of the popularity then, 14 books were published. Around October of 2013, over 6 million copies of the books were sold. Once the games were released, more books were sold. When Netflix came out with the show in 2019, over 40 million books were sold world wide. As of 2023, more than 75 million copies were sold, making the series very popular among show and game fanatics.</a:t>
+              <a:rPr dirty="0"/>
+              <a:t>The Witcher books were written by a Polish author named Andrzej </a:t>
+            </a:r>
+            <a:r>
+              <a:rPr dirty="0" err="1"/>
+              <a:t>Sapkowski</a:t>
+            </a:r>
+            <a:r>
+              <a:rPr dirty="0"/>
+              <a:t> and </a:t>
+            </a:r>
+            <a:r>
+              <a:rPr lang="en-US" dirty="0"/>
+              <a:t>were</a:t>
+            </a:r>
+            <a:r>
+              <a:rPr dirty="0"/>
+              <a:t> first published, through a magazine competition, in 1986. Because of the popularity then, 14 books were published. Around October of 2013, over 6 million copies of the books were sold. Once the games were released, more books were sold. When Netflix came out with the show in 2019, over 40 million books were sold world</a:t>
+            </a:r>
+            <a:r>
+              <a:rPr lang="en-US" dirty="0"/>
+              <a:t>-</a:t>
+            </a:r>
+            <a:r>
+              <a:rPr dirty="0"/>
+              <a:t>wide. As of 2023, more than 75 million copies were sold, making the series very popular among show and game fanatics.</a:t>
             </a:r>
           </a:p>
         </p:txBody>
@@ -5264,7 +5443,7 @@
         </p:xfrm>
         <a:graphic>
           <a:graphicData uri="http://schemas.openxmlformats.org/drawingml/2006/chart">
-            <c:chart xmlns:c="http://schemas.openxmlformats.org/drawingml/2006/chart" xmlns:r="http://schemas.openxmlformats.org/officeDocument/2006/relationships" r:id="rId2"/>
+            <c:chart xmlns:c="http://schemas.openxmlformats.org/drawingml/2006/chart" xmlns:r="http://schemas.openxmlformats.org/officeDocument/2006/relationships" r:id="rId3"/>
           </a:graphicData>
         </a:graphic>
       </p:graphicFrame>
@@ -5299,7 +5478,48 @@
           </a:lstStyle>
           <a:p>
             <a:r>
-              <a:t>The games were a massive hit since 2007, when the first game hit online. CD Projekt, the company to develop the games, brought the games to life through Xbox, were released through PC, PlayStation and the Xbox, with each game following Geralt and companies adventures through the Continent. The first game, after release, sold around 1 million copies through PC. A couple years later, the Witcher 2: Assassins of Kings sold over 1.7 million, while the Witcher 3: Wild hunt sold over 50 million copies in 2014 and after it’s release years later. </a:t>
+              <a:rPr dirty="0"/>
+              <a:t>The games </a:t>
+            </a:r>
+            <a:r>
+              <a:rPr lang="en-US" dirty="0"/>
+              <a:t>have been</a:t>
+            </a:r>
+            <a:r>
+              <a:rPr dirty="0"/>
+              <a:t> a massive hit since 2007, when the first game hit online. CD </a:t>
+            </a:r>
+            <a:r>
+              <a:rPr dirty="0" err="1"/>
+              <a:t>Projekt</a:t>
+            </a:r>
+            <a:r>
+              <a:rPr dirty="0"/>
+              <a:t>, the company to develop the games, brought the games to life through Xbox, PC, </a:t>
+            </a:r>
+            <a:r>
+              <a:rPr lang="en-US" dirty="0"/>
+              <a:t>and </a:t>
+            </a:r>
+            <a:r>
+              <a:rPr dirty="0"/>
+              <a:t>PlayStation, with each game following </a:t>
+            </a:r>
+            <a:r>
+              <a:rPr dirty="0" err="1"/>
+              <a:t>Geralt</a:t>
+            </a:r>
+            <a:r>
+              <a:rPr dirty="0"/>
+              <a:t> and companies adventure through the </a:t>
+            </a:r>
+            <a:r>
+              <a:rPr lang="en-US" dirty="0"/>
+              <a:t>c</a:t>
+            </a:r>
+            <a:r>
+              <a:rPr dirty="0"/>
+              <a:t>ontinent. The first game, after release, sold around 1 million copies through PC. A couple years later, the Witcher 2: Assassins of Kings sold over 1.7 million, while the Witcher 3: Wild hunt sold over 50 million copies in 2014 and after it’s release years later. </a:t>
             </a:r>
           </a:p>
         </p:txBody>
